--- a/CSS Course.pptx
+++ b/CSS Course.pptx
@@ -5,7 +5,7 @@
     <p:sldMasterId id="2147483659" r:id="rId1"/>
   </p:sldMasterIdLst>
   <p:notesMasterIdLst>
-    <p:notesMasterId r:id="rId23"/>
+    <p:notesMasterId r:id="rId35"/>
   </p:notesMasterIdLst>
   <p:sldIdLst>
     <p:sldId id="256" r:id="rId2"/>
@@ -27,18 +27,30 @@
     <p:sldId id="278" r:id="rId18"/>
     <p:sldId id="279" r:id="rId19"/>
     <p:sldId id="280" r:id="rId20"/>
-    <p:sldId id="261" r:id="rId21"/>
-    <p:sldId id="262" r:id="rId22"/>
+    <p:sldId id="281" r:id="rId21"/>
+    <p:sldId id="282" r:id="rId22"/>
+    <p:sldId id="283" r:id="rId23"/>
+    <p:sldId id="288" r:id="rId24"/>
+    <p:sldId id="284" r:id="rId25"/>
+    <p:sldId id="285" r:id="rId26"/>
+    <p:sldId id="286" r:id="rId27"/>
+    <p:sldId id="287" r:id="rId28"/>
+    <p:sldId id="289" r:id="rId29"/>
+    <p:sldId id="290" r:id="rId30"/>
+    <p:sldId id="291" r:id="rId31"/>
+    <p:sldId id="292" r:id="rId32"/>
+    <p:sldId id="261" r:id="rId33"/>
+    <p:sldId id="262" r:id="rId34"/>
   </p:sldIdLst>
   <p:sldSz cx="9144000" cy="5143500" type="screen16x9"/>
   <p:notesSz cx="6858000" cy="9144000"/>
   <p:embeddedFontLst>
     <p:embeddedFont>
       <p:font typeface="Roboto" charset="0"/>
-      <p:regular r:id="rId24"/>
-      <p:bold r:id="rId25"/>
-      <p:italic r:id="rId26"/>
-      <p:boldItalic r:id="rId27"/>
+      <p:regular r:id="rId36"/>
+      <p:bold r:id="rId37"/>
+      <p:italic r:id="rId38"/>
+      <p:boldItalic r:id="rId39"/>
     </p:embeddedFont>
   </p:embeddedFontLst>
   <p:defaultTextStyle>
@@ -272,7 +284,7 @@
   </p:defaultTextStyle>
   <p:extLst>
     <p:ext uri="{EFAFB233-063F-42B5-8137-9DF3F51BA10A}">
-      <p15:sldGuideLst xmlns="" xmlns:mc="http://schemas.openxmlformats.org/markup-compatibility/2006" xmlns:mv="urn:schemas-microsoft-com:mac:vml" xmlns:c="http://schemas.openxmlformats.org/drawingml/2006/chart" xmlns:dgm="http://schemas.openxmlformats.org/drawingml/2006/diagram" xmlns:o="urn:schemas-microsoft-com:office:office" xmlns:v="urn:schemas-microsoft-com:vml" xmlns:pvml="urn:schemas-microsoft-com:office:powerpoint" xmlns:com="http://schemas.openxmlformats.org/drawingml/2006/compatibility" xmlns:p14="http://schemas.microsoft.com/office/powerpoint/2010/main" xmlns:p15="http://schemas.microsoft.com/office/powerpoint/2012/main" xmlns:ahyp="http://schemas.microsoft.com/office/drawing/2018/hyperlinkcolor">
+      <p15:sldGuideLst xmlns:ahyp="http://schemas.microsoft.com/office/drawing/2018/hyperlinkcolor" xmlns:p15="http://schemas.microsoft.com/office/powerpoint/2012/main" xmlns:p14="http://schemas.microsoft.com/office/powerpoint/2010/main" xmlns:com="http://schemas.openxmlformats.org/drawingml/2006/compatibility" xmlns:pvml="urn:schemas-microsoft-com:office:powerpoint" xmlns:v="urn:schemas-microsoft-com:vml" xmlns:o="urn:schemas-microsoft-com:office:office" xmlns:dgm="http://schemas.openxmlformats.org/drawingml/2006/diagram" xmlns:c="http://schemas.openxmlformats.org/drawingml/2006/chart" xmlns:mv="urn:schemas-microsoft-com:mac:vml" xmlns:mc="http://schemas.openxmlformats.org/markup-compatibility/2006" xmlns="">
         <p15:guide id="1" orient="horz" pos="1620">
           <p15:clr>
             <a:srgbClr val="747775"/>
@@ -1988,6 +2000,1358 @@
   <p:cSld>
     <p:spTree>
       <p:nvGrpSpPr>
+        <p:cNvPr id="1" name="Shape 99"/>
+        <p:cNvGrpSpPr/>
+        <p:nvPr/>
+      </p:nvGrpSpPr>
+      <p:grpSpPr>
+        <a:xfrm>
+          <a:off x="0" y="0"/>
+          <a:ext cx="0" cy="0"/>
+          <a:chOff x="0" y="0"/>
+          <a:chExt cx="0" cy="0"/>
+        </a:xfrm>
+      </p:grpSpPr>
+      <p:sp>
+        <p:nvSpPr>
+          <p:cNvPr id="100" name="Google Shape;100;g2ddc889944f_0_0:notes"/>
+          <p:cNvSpPr>
+            <a:spLocks noGrp="1" noRot="1" noChangeAspect="1"/>
+          </p:cNvSpPr>
+          <p:nvPr>
+            <p:ph type="sldImg" idx="2"/>
+          </p:nvPr>
+        </p:nvSpPr>
+        <p:spPr>
+          <a:xfrm>
+            <a:off x="381000" y="685800"/>
+            <a:ext cx="6096000" cy="3429000"/>
+          </a:xfrm>
+          <a:custGeom>
+            <a:avLst/>
+            <a:gdLst/>
+            <a:ahLst/>
+            <a:cxnLst/>
+            <a:rect l="l" t="t" r="r" b="b"/>
+            <a:pathLst>
+              <a:path w="120000" h="120000" extrusionOk="0">
+                <a:moveTo>
+                  <a:pt x="0" y="0"/>
+                </a:moveTo>
+                <a:lnTo>
+                  <a:pt x="120000" y="0"/>
+                </a:lnTo>
+                <a:lnTo>
+                  <a:pt x="120000" y="120000"/>
+                </a:lnTo>
+                <a:lnTo>
+                  <a:pt x="0" y="120000"/>
+                </a:lnTo>
+                <a:close/>
+              </a:path>
+            </a:pathLst>
+          </a:custGeom>
+        </p:spPr>
+      </p:sp>
+      <p:sp>
+        <p:nvSpPr>
+          <p:cNvPr id="101" name="Google Shape;101;g2ddc889944f_0_0:notes"/>
+          <p:cNvSpPr txBox="1">
+            <a:spLocks noGrp="1"/>
+          </p:cNvSpPr>
+          <p:nvPr>
+            <p:ph type="body" idx="1"/>
+          </p:nvPr>
+        </p:nvSpPr>
+        <p:spPr>
+          <a:xfrm>
+            <a:off x="685800" y="4343400"/>
+            <a:ext cx="5486400" cy="4114800"/>
+          </a:xfrm>
+          <a:prstGeom prst="rect">
+            <a:avLst/>
+          </a:prstGeom>
+        </p:spPr>
+        <p:txBody>
+          <a:bodyPr spcFirstLastPara="1" wrap="square" lIns="91425" tIns="91425" rIns="91425" bIns="91425" anchor="t" anchorCtr="0">
+            <a:noAutofit/>
+          </a:bodyPr>
+          <a:lstStyle/>
+          <a:p>
+            <a:pPr marL="0" lvl="0" indent="0" algn="l" rtl="0">
+              <a:spcBef>
+                <a:spcPts val="0"/>
+              </a:spcBef>
+              <a:spcAft>
+                <a:spcPts val="0"/>
+              </a:spcAft>
+              <a:buNone/>
+            </a:pPr>
+            <a:endParaRPr/>
+          </a:p>
+        </p:txBody>
+      </p:sp>
+    </p:spTree>
+  </p:cSld>
+  <p:clrMapOvr>
+    <a:masterClrMapping/>
+  </p:clrMapOvr>
+</p:notes>
+</file>
+
+<file path=ppt/notesSlides/notesSlide21.xml><?xml version="1.0" encoding="utf-8"?>
+<p:notes xmlns:a="http://schemas.openxmlformats.org/drawingml/2006/main" xmlns:r="http://schemas.openxmlformats.org/officeDocument/2006/relationships" xmlns:p="http://schemas.openxmlformats.org/presentationml/2006/main" showMasterSp="0" showMasterPhAnim="0">
+  <p:cSld>
+    <p:spTree>
+      <p:nvGrpSpPr>
+        <p:cNvPr id="1" name="Shape 99"/>
+        <p:cNvGrpSpPr/>
+        <p:nvPr/>
+      </p:nvGrpSpPr>
+      <p:grpSpPr>
+        <a:xfrm>
+          <a:off x="0" y="0"/>
+          <a:ext cx="0" cy="0"/>
+          <a:chOff x="0" y="0"/>
+          <a:chExt cx="0" cy="0"/>
+        </a:xfrm>
+      </p:grpSpPr>
+      <p:sp>
+        <p:nvSpPr>
+          <p:cNvPr id="100" name="Google Shape;100;g2ddc889944f_0_0:notes"/>
+          <p:cNvSpPr>
+            <a:spLocks noGrp="1" noRot="1" noChangeAspect="1"/>
+          </p:cNvSpPr>
+          <p:nvPr>
+            <p:ph type="sldImg" idx="2"/>
+          </p:nvPr>
+        </p:nvSpPr>
+        <p:spPr>
+          <a:xfrm>
+            <a:off x="381000" y="685800"/>
+            <a:ext cx="6096000" cy="3429000"/>
+          </a:xfrm>
+          <a:custGeom>
+            <a:avLst/>
+            <a:gdLst/>
+            <a:ahLst/>
+            <a:cxnLst/>
+            <a:rect l="l" t="t" r="r" b="b"/>
+            <a:pathLst>
+              <a:path w="120000" h="120000" extrusionOk="0">
+                <a:moveTo>
+                  <a:pt x="0" y="0"/>
+                </a:moveTo>
+                <a:lnTo>
+                  <a:pt x="120000" y="0"/>
+                </a:lnTo>
+                <a:lnTo>
+                  <a:pt x="120000" y="120000"/>
+                </a:lnTo>
+                <a:lnTo>
+                  <a:pt x="0" y="120000"/>
+                </a:lnTo>
+                <a:close/>
+              </a:path>
+            </a:pathLst>
+          </a:custGeom>
+        </p:spPr>
+      </p:sp>
+      <p:sp>
+        <p:nvSpPr>
+          <p:cNvPr id="101" name="Google Shape;101;g2ddc889944f_0_0:notes"/>
+          <p:cNvSpPr txBox="1">
+            <a:spLocks noGrp="1"/>
+          </p:cNvSpPr>
+          <p:nvPr>
+            <p:ph type="body" idx="1"/>
+          </p:nvPr>
+        </p:nvSpPr>
+        <p:spPr>
+          <a:xfrm>
+            <a:off x="685800" y="4343400"/>
+            <a:ext cx="5486400" cy="4114800"/>
+          </a:xfrm>
+          <a:prstGeom prst="rect">
+            <a:avLst/>
+          </a:prstGeom>
+        </p:spPr>
+        <p:txBody>
+          <a:bodyPr spcFirstLastPara="1" wrap="square" lIns="91425" tIns="91425" rIns="91425" bIns="91425" anchor="t" anchorCtr="0">
+            <a:noAutofit/>
+          </a:bodyPr>
+          <a:lstStyle/>
+          <a:p>
+            <a:pPr marL="0" lvl="0" indent="0" algn="l" rtl="0">
+              <a:spcBef>
+                <a:spcPts val="0"/>
+              </a:spcBef>
+              <a:spcAft>
+                <a:spcPts val="0"/>
+              </a:spcAft>
+              <a:buNone/>
+            </a:pPr>
+            <a:endParaRPr/>
+          </a:p>
+        </p:txBody>
+      </p:sp>
+    </p:spTree>
+  </p:cSld>
+  <p:clrMapOvr>
+    <a:masterClrMapping/>
+  </p:clrMapOvr>
+</p:notes>
+</file>
+
+<file path=ppt/notesSlides/notesSlide22.xml><?xml version="1.0" encoding="utf-8"?>
+<p:notes xmlns:a="http://schemas.openxmlformats.org/drawingml/2006/main" xmlns:r="http://schemas.openxmlformats.org/officeDocument/2006/relationships" xmlns:p="http://schemas.openxmlformats.org/presentationml/2006/main" showMasterSp="0" showMasterPhAnim="0">
+  <p:cSld>
+    <p:spTree>
+      <p:nvGrpSpPr>
+        <p:cNvPr id="1" name="Shape 99"/>
+        <p:cNvGrpSpPr/>
+        <p:nvPr/>
+      </p:nvGrpSpPr>
+      <p:grpSpPr>
+        <a:xfrm>
+          <a:off x="0" y="0"/>
+          <a:ext cx="0" cy="0"/>
+          <a:chOff x="0" y="0"/>
+          <a:chExt cx="0" cy="0"/>
+        </a:xfrm>
+      </p:grpSpPr>
+      <p:sp>
+        <p:nvSpPr>
+          <p:cNvPr id="100" name="Google Shape;100;g2ddc889944f_0_0:notes"/>
+          <p:cNvSpPr>
+            <a:spLocks noGrp="1" noRot="1" noChangeAspect="1"/>
+          </p:cNvSpPr>
+          <p:nvPr>
+            <p:ph type="sldImg" idx="2"/>
+          </p:nvPr>
+        </p:nvSpPr>
+        <p:spPr>
+          <a:xfrm>
+            <a:off x="381000" y="685800"/>
+            <a:ext cx="6096000" cy="3429000"/>
+          </a:xfrm>
+          <a:custGeom>
+            <a:avLst/>
+            <a:gdLst/>
+            <a:ahLst/>
+            <a:cxnLst/>
+            <a:rect l="l" t="t" r="r" b="b"/>
+            <a:pathLst>
+              <a:path w="120000" h="120000" extrusionOk="0">
+                <a:moveTo>
+                  <a:pt x="0" y="0"/>
+                </a:moveTo>
+                <a:lnTo>
+                  <a:pt x="120000" y="0"/>
+                </a:lnTo>
+                <a:lnTo>
+                  <a:pt x="120000" y="120000"/>
+                </a:lnTo>
+                <a:lnTo>
+                  <a:pt x="0" y="120000"/>
+                </a:lnTo>
+                <a:close/>
+              </a:path>
+            </a:pathLst>
+          </a:custGeom>
+        </p:spPr>
+      </p:sp>
+      <p:sp>
+        <p:nvSpPr>
+          <p:cNvPr id="101" name="Google Shape;101;g2ddc889944f_0_0:notes"/>
+          <p:cNvSpPr txBox="1">
+            <a:spLocks noGrp="1"/>
+          </p:cNvSpPr>
+          <p:nvPr>
+            <p:ph type="body" idx="1"/>
+          </p:nvPr>
+        </p:nvSpPr>
+        <p:spPr>
+          <a:xfrm>
+            <a:off x="685800" y="4343400"/>
+            <a:ext cx="5486400" cy="4114800"/>
+          </a:xfrm>
+          <a:prstGeom prst="rect">
+            <a:avLst/>
+          </a:prstGeom>
+        </p:spPr>
+        <p:txBody>
+          <a:bodyPr spcFirstLastPara="1" wrap="square" lIns="91425" tIns="91425" rIns="91425" bIns="91425" anchor="t" anchorCtr="0">
+            <a:noAutofit/>
+          </a:bodyPr>
+          <a:lstStyle/>
+          <a:p>
+            <a:pPr marL="0" lvl="0" indent="0" algn="l" rtl="0">
+              <a:spcBef>
+                <a:spcPts val="0"/>
+              </a:spcBef>
+              <a:spcAft>
+                <a:spcPts val="0"/>
+              </a:spcAft>
+              <a:buNone/>
+            </a:pPr>
+            <a:endParaRPr/>
+          </a:p>
+        </p:txBody>
+      </p:sp>
+    </p:spTree>
+  </p:cSld>
+  <p:clrMapOvr>
+    <a:masterClrMapping/>
+  </p:clrMapOvr>
+</p:notes>
+</file>
+
+<file path=ppt/notesSlides/notesSlide23.xml><?xml version="1.0" encoding="utf-8"?>
+<p:notes xmlns:a="http://schemas.openxmlformats.org/drawingml/2006/main" xmlns:r="http://schemas.openxmlformats.org/officeDocument/2006/relationships" xmlns:p="http://schemas.openxmlformats.org/presentationml/2006/main" showMasterSp="0" showMasterPhAnim="0">
+  <p:cSld>
+    <p:spTree>
+      <p:nvGrpSpPr>
+        <p:cNvPr id="1" name="Shape 99"/>
+        <p:cNvGrpSpPr/>
+        <p:nvPr/>
+      </p:nvGrpSpPr>
+      <p:grpSpPr>
+        <a:xfrm>
+          <a:off x="0" y="0"/>
+          <a:ext cx="0" cy="0"/>
+          <a:chOff x="0" y="0"/>
+          <a:chExt cx="0" cy="0"/>
+        </a:xfrm>
+      </p:grpSpPr>
+      <p:sp>
+        <p:nvSpPr>
+          <p:cNvPr id="100" name="Google Shape;100;g2ddc889944f_0_0:notes"/>
+          <p:cNvSpPr>
+            <a:spLocks noGrp="1" noRot="1" noChangeAspect="1"/>
+          </p:cNvSpPr>
+          <p:nvPr>
+            <p:ph type="sldImg" idx="2"/>
+          </p:nvPr>
+        </p:nvSpPr>
+        <p:spPr>
+          <a:xfrm>
+            <a:off x="381000" y="685800"/>
+            <a:ext cx="6096000" cy="3429000"/>
+          </a:xfrm>
+          <a:custGeom>
+            <a:avLst/>
+            <a:gdLst/>
+            <a:ahLst/>
+            <a:cxnLst/>
+            <a:rect l="l" t="t" r="r" b="b"/>
+            <a:pathLst>
+              <a:path w="120000" h="120000" extrusionOk="0">
+                <a:moveTo>
+                  <a:pt x="0" y="0"/>
+                </a:moveTo>
+                <a:lnTo>
+                  <a:pt x="120000" y="0"/>
+                </a:lnTo>
+                <a:lnTo>
+                  <a:pt x="120000" y="120000"/>
+                </a:lnTo>
+                <a:lnTo>
+                  <a:pt x="0" y="120000"/>
+                </a:lnTo>
+                <a:close/>
+              </a:path>
+            </a:pathLst>
+          </a:custGeom>
+        </p:spPr>
+      </p:sp>
+      <p:sp>
+        <p:nvSpPr>
+          <p:cNvPr id="101" name="Google Shape;101;g2ddc889944f_0_0:notes"/>
+          <p:cNvSpPr txBox="1">
+            <a:spLocks noGrp="1"/>
+          </p:cNvSpPr>
+          <p:nvPr>
+            <p:ph type="body" idx="1"/>
+          </p:nvPr>
+        </p:nvSpPr>
+        <p:spPr>
+          <a:xfrm>
+            <a:off x="685800" y="4343400"/>
+            <a:ext cx="5486400" cy="4114800"/>
+          </a:xfrm>
+          <a:prstGeom prst="rect">
+            <a:avLst/>
+          </a:prstGeom>
+        </p:spPr>
+        <p:txBody>
+          <a:bodyPr spcFirstLastPara="1" wrap="square" lIns="91425" tIns="91425" rIns="91425" bIns="91425" anchor="t" anchorCtr="0">
+            <a:noAutofit/>
+          </a:bodyPr>
+          <a:lstStyle/>
+          <a:p>
+            <a:pPr marL="0" lvl="0" indent="0" algn="l" rtl="0">
+              <a:spcBef>
+                <a:spcPts val="0"/>
+              </a:spcBef>
+              <a:spcAft>
+                <a:spcPts val="0"/>
+              </a:spcAft>
+              <a:buNone/>
+            </a:pPr>
+            <a:endParaRPr/>
+          </a:p>
+        </p:txBody>
+      </p:sp>
+    </p:spTree>
+  </p:cSld>
+  <p:clrMapOvr>
+    <a:masterClrMapping/>
+  </p:clrMapOvr>
+</p:notes>
+</file>
+
+<file path=ppt/notesSlides/notesSlide24.xml><?xml version="1.0" encoding="utf-8"?>
+<p:notes xmlns:a="http://schemas.openxmlformats.org/drawingml/2006/main" xmlns:r="http://schemas.openxmlformats.org/officeDocument/2006/relationships" xmlns:p="http://schemas.openxmlformats.org/presentationml/2006/main" showMasterSp="0" showMasterPhAnim="0">
+  <p:cSld>
+    <p:spTree>
+      <p:nvGrpSpPr>
+        <p:cNvPr id="1" name="Shape 99"/>
+        <p:cNvGrpSpPr/>
+        <p:nvPr/>
+      </p:nvGrpSpPr>
+      <p:grpSpPr>
+        <a:xfrm>
+          <a:off x="0" y="0"/>
+          <a:ext cx="0" cy="0"/>
+          <a:chOff x="0" y="0"/>
+          <a:chExt cx="0" cy="0"/>
+        </a:xfrm>
+      </p:grpSpPr>
+      <p:sp>
+        <p:nvSpPr>
+          <p:cNvPr id="100" name="Google Shape;100;g2ddc889944f_0_0:notes"/>
+          <p:cNvSpPr>
+            <a:spLocks noGrp="1" noRot="1" noChangeAspect="1"/>
+          </p:cNvSpPr>
+          <p:nvPr>
+            <p:ph type="sldImg" idx="2"/>
+          </p:nvPr>
+        </p:nvSpPr>
+        <p:spPr>
+          <a:xfrm>
+            <a:off x="381000" y="685800"/>
+            <a:ext cx="6096000" cy="3429000"/>
+          </a:xfrm>
+          <a:custGeom>
+            <a:avLst/>
+            <a:gdLst/>
+            <a:ahLst/>
+            <a:cxnLst/>
+            <a:rect l="l" t="t" r="r" b="b"/>
+            <a:pathLst>
+              <a:path w="120000" h="120000" extrusionOk="0">
+                <a:moveTo>
+                  <a:pt x="0" y="0"/>
+                </a:moveTo>
+                <a:lnTo>
+                  <a:pt x="120000" y="0"/>
+                </a:lnTo>
+                <a:lnTo>
+                  <a:pt x="120000" y="120000"/>
+                </a:lnTo>
+                <a:lnTo>
+                  <a:pt x="0" y="120000"/>
+                </a:lnTo>
+                <a:close/>
+              </a:path>
+            </a:pathLst>
+          </a:custGeom>
+        </p:spPr>
+      </p:sp>
+      <p:sp>
+        <p:nvSpPr>
+          <p:cNvPr id="101" name="Google Shape;101;g2ddc889944f_0_0:notes"/>
+          <p:cNvSpPr txBox="1">
+            <a:spLocks noGrp="1"/>
+          </p:cNvSpPr>
+          <p:nvPr>
+            <p:ph type="body" idx="1"/>
+          </p:nvPr>
+        </p:nvSpPr>
+        <p:spPr>
+          <a:xfrm>
+            <a:off x="685800" y="4343400"/>
+            <a:ext cx="5486400" cy="4114800"/>
+          </a:xfrm>
+          <a:prstGeom prst="rect">
+            <a:avLst/>
+          </a:prstGeom>
+        </p:spPr>
+        <p:txBody>
+          <a:bodyPr spcFirstLastPara="1" wrap="square" lIns="91425" tIns="91425" rIns="91425" bIns="91425" anchor="t" anchorCtr="0">
+            <a:noAutofit/>
+          </a:bodyPr>
+          <a:lstStyle/>
+          <a:p>
+            <a:pPr marL="0" lvl="0" indent="0" algn="l" rtl="0">
+              <a:spcBef>
+                <a:spcPts val="0"/>
+              </a:spcBef>
+              <a:spcAft>
+                <a:spcPts val="0"/>
+              </a:spcAft>
+              <a:buNone/>
+            </a:pPr>
+            <a:endParaRPr/>
+          </a:p>
+        </p:txBody>
+      </p:sp>
+    </p:spTree>
+  </p:cSld>
+  <p:clrMapOvr>
+    <a:masterClrMapping/>
+  </p:clrMapOvr>
+</p:notes>
+</file>
+
+<file path=ppt/notesSlides/notesSlide25.xml><?xml version="1.0" encoding="utf-8"?>
+<p:notes xmlns:a="http://schemas.openxmlformats.org/drawingml/2006/main" xmlns:r="http://schemas.openxmlformats.org/officeDocument/2006/relationships" xmlns:p="http://schemas.openxmlformats.org/presentationml/2006/main" showMasterSp="0" showMasterPhAnim="0">
+  <p:cSld>
+    <p:spTree>
+      <p:nvGrpSpPr>
+        <p:cNvPr id="1" name="Shape 99"/>
+        <p:cNvGrpSpPr/>
+        <p:nvPr/>
+      </p:nvGrpSpPr>
+      <p:grpSpPr>
+        <a:xfrm>
+          <a:off x="0" y="0"/>
+          <a:ext cx="0" cy="0"/>
+          <a:chOff x="0" y="0"/>
+          <a:chExt cx="0" cy="0"/>
+        </a:xfrm>
+      </p:grpSpPr>
+      <p:sp>
+        <p:nvSpPr>
+          <p:cNvPr id="100" name="Google Shape;100;g2ddc889944f_0_0:notes"/>
+          <p:cNvSpPr>
+            <a:spLocks noGrp="1" noRot="1" noChangeAspect="1"/>
+          </p:cNvSpPr>
+          <p:nvPr>
+            <p:ph type="sldImg" idx="2"/>
+          </p:nvPr>
+        </p:nvSpPr>
+        <p:spPr>
+          <a:xfrm>
+            <a:off x="381000" y="685800"/>
+            <a:ext cx="6096000" cy="3429000"/>
+          </a:xfrm>
+          <a:custGeom>
+            <a:avLst/>
+            <a:gdLst/>
+            <a:ahLst/>
+            <a:cxnLst/>
+            <a:rect l="l" t="t" r="r" b="b"/>
+            <a:pathLst>
+              <a:path w="120000" h="120000" extrusionOk="0">
+                <a:moveTo>
+                  <a:pt x="0" y="0"/>
+                </a:moveTo>
+                <a:lnTo>
+                  <a:pt x="120000" y="0"/>
+                </a:lnTo>
+                <a:lnTo>
+                  <a:pt x="120000" y="120000"/>
+                </a:lnTo>
+                <a:lnTo>
+                  <a:pt x="0" y="120000"/>
+                </a:lnTo>
+                <a:close/>
+              </a:path>
+            </a:pathLst>
+          </a:custGeom>
+        </p:spPr>
+      </p:sp>
+      <p:sp>
+        <p:nvSpPr>
+          <p:cNvPr id="101" name="Google Shape;101;g2ddc889944f_0_0:notes"/>
+          <p:cNvSpPr txBox="1">
+            <a:spLocks noGrp="1"/>
+          </p:cNvSpPr>
+          <p:nvPr>
+            <p:ph type="body" idx="1"/>
+          </p:nvPr>
+        </p:nvSpPr>
+        <p:spPr>
+          <a:xfrm>
+            <a:off x="685800" y="4343400"/>
+            <a:ext cx="5486400" cy="4114800"/>
+          </a:xfrm>
+          <a:prstGeom prst="rect">
+            <a:avLst/>
+          </a:prstGeom>
+        </p:spPr>
+        <p:txBody>
+          <a:bodyPr spcFirstLastPara="1" wrap="square" lIns="91425" tIns="91425" rIns="91425" bIns="91425" anchor="t" anchorCtr="0">
+            <a:noAutofit/>
+          </a:bodyPr>
+          <a:lstStyle/>
+          <a:p>
+            <a:pPr marL="0" lvl="0" indent="0" algn="l" rtl="0">
+              <a:spcBef>
+                <a:spcPts val="0"/>
+              </a:spcBef>
+              <a:spcAft>
+                <a:spcPts val="0"/>
+              </a:spcAft>
+              <a:buNone/>
+            </a:pPr>
+            <a:endParaRPr/>
+          </a:p>
+        </p:txBody>
+      </p:sp>
+    </p:spTree>
+  </p:cSld>
+  <p:clrMapOvr>
+    <a:masterClrMapping/>
+  </p:clrMapOvr>
+</p:notes>
+</file>
+
+<file path=ppt/notesSlides/notesSlide26.xml><?xml version="1.0" encoding="utf-8"?>
+<p:notes xmlns:a="http://schemas.openxmlformats.org/drawingml/2006/main" xmlns:r="http://schemas.openxmlformats.org/officeDocument/2006/relationships" xmlns:p="http://schemas.openxmlformats.org/presentationml/2006/main" showMasterSp="0" showMasterPhAnim="0">
+  <p:cSld>
+    <p:spTree>
+      <p:nvGrpSpPr>
+        <p:cNvPr id="1" name="Shape 99"/>
+        <p:cNvGrpSpPr/>
+        <p:nvPr/>
+      </p:nvGrpSpPr>
+      <p:grpSpPr>
+        <a:xfrm>
+          <a:off x="0" y="0"/>
+          <a:ext cx="0" cy="0"/>
+          <a:chOff x="0" y="0"/>
+          <a:chExt cx="0" cy="0"/>
+        </a:xfrm>
+      </p:grpSpPr>
+      <p:sp>
+        <p:nvSpPr>
+          <p:cNvPr id="100" name="Google Shape;100;g2ddc889944f_0_0:notes"/>
+          <p:cNvSpPr>
+            <a:spLocks noGrp="1" noRot="1" noChangeAspect="1"/>
+          </p:cNvSpPr>
+          <p:nvPr>
+            <p:ph type="sldImg" idx="2"/>
+          </p:nvPr>
+        </p:nvSpPr>
+        <p:spPr>
+          <a:xfrm>
+            <a:off x="381000" y="685800"/>
+            <a:ext cx="6096000" cy="3429000"/>
+          </a:xfrm>
+          <a:custGeom>
+            <a:avLst/>
+            <a:gdLst/>
+            <a:ahLst/>
+            <a:cxnLst/>
+            <a:rect l="l" t="t" r="r" b="b"/>
+            <a:pathLst>
+              <a:path w="120000" h="120000" extrusionOk="0">
+                <a:moveTo>
+                  <a:pt x="0" y="0"/>
+                </a:moveTo>
+                <a:lnTo>
+                  <a:pt x="120000" y="0"/>
+                </a:lnTo>
+                <a:lnTo>
+                  <a:pt x="120000" y="120000"/>
+                </a:lnTo>
+                <a:lnTo>
+                  <a:pt x="0" y="120000"/>
+                </a:lnTo>
+                <a:close/>
+              </a:path>
+            </a:pathLst>
+          </a:custGeom>
+        </p:spPr>
+      </p:sp>
+      <p:sp>
+        <p:nvSpPr>
+          <p:cNvPr id="101" name="Google Shape;101;g2ddc889944f_0_0:notes"/>
+          <p:cNvSpPr txBox="1">
+            <a:spLocks noGrp="1"/>
+          </p:cNvSpPr>
+          <p:nvPr>
+            <p:ph type="body" idx="1"/>
+          </p:nvPr>
+        </p:nvSpPr>
+        <p:spPr>
+          <a:xfrm>
+            <a:off x="685800" y="4343400"/>
+            <a:ext cx="5486400" cy="4114800"/>
+          </a:xfrm>
+          <a:prstGeom prst="rect">
+            <a:avLst/>
+          </a:prstGeom>
+        </p:spPr>
+        <p:txBody>
+          <a:bodyPr spcFirstLastPara="1" wrap="square" lIns="91425" tIns="91425" rIns="91425" bIns="91425" anchor="t" anchorCtr="0">
+            <a:noAutofit/>
+          </a:bodyPr>
+          <a:lstStyle/>
+          <a:p>
+            <a:pPr marL="0" lvl="0" indent="0" algn="l" rtl="0">
+              <a:spcBef>
+                <a:spcPts val="0"/>
+              </a:spcBef>
+              <a:spcAft>
+                <a:spcPts val="0"/>
+              </a:spcAft>
+              <a:buNone/>
+            </a:pPr>
+            <a:endParaRPr/>
+          </a:p>
+        </p:txBody>
+      </p:sp>
+    </p:spTree>
+  </p:cSld>
+  <p:clrMapOvr>
+    <a:masterClrMapping/>
+  </p:clrMapOvr>
+</p:notes>
+</file>
+
+<file path=ppt/notesSlides/notesSlide27.xml><?xml version="1.0" encoding="utf-8"?>
+<p:notes xmlns:a="http://schemas.openxmlformats.org/drawingml/2006/main" xmlns:r="http://schemas.openxmlformats.org/officeDocument/2006/relationships" xmlns:p="http://schemas.openxmlformats.org/presentationml/2006/main" showMasterSp="0" showMasterPhAnim="0">
+  <p:cSld>
+    <p:spTree>
+      <p:nvGrpSpPr>
+        <p:cNvPr id="1" name="Shape 99"/>
+        <p:cNvGrpSpPr/>
+        <p:nvPr/>
+      </p:nvGrpSpPr>
+      <p:grpSpPr>
+        <a:xfrm>
+          <a:off x="0" y="0"/>
+          <a:ext cx="0" cy="0"/>
+          <a:chOff x="0" y="0"/>
+          <a:chExt cx="0" cy="0"/>
+        </a:xfrm>
+      </p:grpSpPr>
+      <p:sp>
+        <p:nvSpPr>
+          <p:cNvPr id="100" name="Google Shape;100;g2ddc889944f_0_0:notes"/>
+          <p:cNvSpPr>
+            <a:spLocks noGrp="1" noRot="1" noChangeAspect="1"/>
+          </p:cNvSpPr>
+          <p:nvPr>
+            <p:ph type="sldImg" idx="2"/>
+          </p:nvPr>
+        </p:nvSpPr>
+        <p:spPr>
+          <a:xfrm>
+            <a:off x="381000" y="685800"/>
+            <a:ext cx="6096000" cy="3429000"/>
+          </a:xfrm>
+          <a:custGeom>
+            <a:avLst/>
+            <a:gdLst/>
+            <a:ahLst/>
+            <a:cxnLst/>
+            <a:rect l="l" t="t" r="r" b="b"/>
+            <a:pathLst>
+              <a:path w="120000" h="120000" extrusionOk="0">
+                <a:moveTo>
+                  <a:pt x="0" y="0"/>
+                </a:moveTo>
+                <a:lnTo>
+                  <a:pt x="120000" y="0"/>
+                </a:lnTo>
+                <a:lnTo>
+                  <a:pt x="120000" y="120000"/>
+                </a:lnTo>
+                <a:lnTo>
+                  <a:pt x="0" y="120000"/>
+                </a:lnTo>
+                <a:close/>
+              </a:path>
+            </a:pathLst>
+          </a:custGeom>
+        </p:spPr>
+      </p:sp>
+      <p:sp>
+        <p:nvSpPr>
+          <p:cNvPr id="101" name="Google Shape;101;g2ddc889944f_0_0:notes"/>
+          <p:cNvSpPr txBox="1">
+            <a:spLocks noGrp="1"/>
+          </p:cNvSpPr>
+          <p:nvPr>
+            <p:ph type="body" idx="1"/>
+          </p:nvPr>
+        </p:nvSpPr>
+        <p:spPr>
+          <a:xfrm>
+            <a:off x="685800" y="4343400"/>
+            <a:ext cx="5486400" cy="4114800"/>
+          </a:xfrm>
+          <a:prstGeom prst="rect">
+            <a:avLst/>
+          </a:prstGeom>
+        </p:spPr>
+        <p:txBody>
+          <a:bodyPr spcFirstLastPara="1" wrap="square" lIns="91425" tIns="91425" rIns="91425" bIns="91425" anchor="t" anchorCtr="0">
+            <a:noAutofit/>
+          </a:bodyPr>
+          <a:lstStyle/>
+          <a:p>
+            <a:pPr marL="0" lvl="0" indent="0" algn="l" rtl="0">
+              <a:spcBef>
+                <a:spcPts val="0"/>
+              </a:spcBef>
+              <a:spcAft>
+                <a:spcPts val="0"/>
+              </a:spcAft>
+              <a:buNone/>
+            </a:pPr>
+            <a:endParaRPr/>
+          </a:p>
+        </p:txBody>
+      </p:sp>
+    </p:spTree>
+  </p:cSld>
+  <p:clrMapOvr>
+    <a:masterClrMapping/>
+  </p:clrMapOvr>
+</p:notes>
+</file>
+
+<file path=ppt/notesSlides/notesSlide28.xml><?xml version="1.0" encoding="utf-8"?>
+<p:notes xmlns:a="http://schemas.openxmlformats.org/drawingml/2006/main" xmlns:r="http://schemas.openxmlformats.org/officeDocument/2006/relationships" xmlns:p="http://schemas.openxmlformats.org/presentationml/2006/main" showMasterSp="0" showMasterPhAnim="0">
+  <p:cSld>
+    <p:spTree>
+      <p:nvGrpSpPr>
+        <p:cNvPr id="1" name="Shape 99"/>
+        <p:cNvGrpSpPr/>
+        <p:nvPr/>
+      </p:nvGrpSpPr>
+      <p:grpSpPr>
+        <a:xfrm>
+          <a:off x="0" y="0"/>
+          <a:ext cx="0" cy="0"/>
+          <a:chOff x="0" y="0"/>
+          <a:chExt cx="0" cy="0"/>
+        </a:xfrm>
+      </p:grpSpPr>
+      <p:sp>
+        <p:nvSpPr>
+          <p:cNvPr id="100" name="Google Shape;100;g2ddc889944f_0_0:notes"/>
+          <p:cNvSpPr>
+            <a:spLocks noGrp="1" noRot="1" noChangeAspect="1"/>
+          </p:cNvSpPr>
+          <p:nvPr>
+            <p:ph type="sldImg" idx="2"/>
+          </p:nvPr>
+        </p:nvSpPr>
+        <p:spPr>
+          <a:xfrm>
+            <a:off x="381000" y="685800"/>
+            <a:ext cx="6096000" cy="3429000"/>
+          </a:xfrm>
+          <a:custGeom>
+            <a:avLst/>
+            <a:gdLst/>
+            <a:ahLst/>
+            <a:cxnLst/>
+            <a:rect l="l" t="t" r="r" b="b"/>
+            <a:pathLst>
+              <a:path w="120000" h="120000" extrusionOk="0">
+                <a:moveTo>
+                  <a:pt x="0" y="0"/>
+                </a:moveTo>
+                <a:lnTo>
+                  <a:pt x="120000" y="0"/>
+                </a:lnTo>
+                <a:lnTo>
+                  <a:pt x="120000" y="120000"/>
+                </a:lnTo>
+                <a:lnTo>
+                  <a:pt x="0" y="120000"/>
+                </a:lnTo>
+                <a:close/>
+              </a:path>
+            </a:pathLst>
+          </a:custGeom>
+        </p:spPr>
+      </p:sp>
+      <p:sp>
+        <p:nvSpPr>
+          <p:cNvPr id="101" name="Google Shape;101;g2ddc889944f_0_0:notes"/>
+          <p:cNvSpPr txBox="1">
+            <a:spLocks noGrp="1"/>
+          </p:cNvSpPr>
+          <p:nvPr>
+            <p:ph type="body" idx="1"/>
+          </p:nvPr>
+        </p:nvSpPr>
+        <p:spPr>
+          <a:xfrm>
+            <a:off x="685800" y="4343400"/>
+            <a:ext cx="5486400" cy="4114800"/>
+          </a:xfrm>
+          <a:prstGeom prst="rect">
+            <a:avLst/>
+          </a:prstGeom>
+        </p:spPr>
+        <p:txBody>
+          <a:bodyPr spcFirstLastPara="1" wrap="square" lIns="91425" tIns="91425" rIns="91425" bIns="91425" anchor="t" anchorCtr="0">
+            <a:noAutofit/>
+          </a:bodyPr>
+          <a:lstStyle/>
+          <a:p>
+            <a:pPr marL="0" lvl="0" indent="0" algn="l" rtl="0">
+              <a:spcBef>
+                <a:spcPts val="0"/>
+              </a:spcBef>
+              <a:spcAft>
+                <a:spcPts val="0"/>
+              </a:spcAft>
+              <a:buNone/>
+            </a:pPr>
+            <a:endParaRPr/>
+          </a:p>
+        </p:txBody>
+      </p:sp>
+    </p:spTree>
+  </p:cSld>
+  <p:clrMapOvr>
+    <a:masterClrMapping/>
+  </p:clrMapOvr>
+</p:notes>
+</file>
+
+<file path=ppt/notesSlides/notesSlide29.xml><?xml version="1.0" encoding="utf-8"?>
+<p:notes xmlns:a="http://schemas.openxmlformats.org/drawingml/2006/main" xmlns:r="http://schemas.openxmlformats.org/officeDocument/2006/relationships" xmlns:p="http://schemas.openxmlformats.org/presentationml/2006/main" showMasterSp="0" showMasterPhAnim="0">
+  <p:cSld>
+    <p:spTree>
+      <p:nvGrpSpPr>
+        <p:cNvPr id="1" name="Shape 99"/>
+        <p:cNvGrpSpPr/>
+        <p:nvPr/>
+      </p:nvGrpSpPr>
+      <p:grpSpPr>
+        <a:xfrm>
+          <a:off x="0" y="0"/>
+          <a:ext cx="0" cy="0"/>
+          <a:chOff x="0" y="0"/>
+          <a:chExt cx="0" cy="0"/>
+        </a:xfrm>
+      </p:grpSpPr>
+      <p:sp>
+        <p:nvSpPr>
+          <p:cNvPr id="100" name="Google Shape;100;g2ddc889944f_0_0:notes"/>
+          <p:cNvSpPr>
+            <a:spLocks noGrp="1" noRot="1" noChangeAspect="1"/>
+          </p:cNvSpPr>
+          <p:nvPr>
+            <p:ph type="sldImg" idx="2"/>
+          </p:nvPr>
+        </p:nvSpPr>
+        <p:spPr>
+          <a:xfrm>
+            <a:off x="381000" y="685800"/>
+            <a:ext cx="6096000" cy="3429000"/>
+          </a:xfrm>
+          <a:custGeom>
+            <a:avLst/>
+            <a:gdLst/>
+            <a:ahLst/>
+            <a:cxnLst/>
+            <a:rect l="l" t="t" r="r" b="b"/>
+            <a:pathLst>
+              <a:path w="120000" h="120000" extrusionOk="0">
+                <a:moveTo>
+                  <a:pt x="0" y="0"/>
+                </a:moveTo>
+                <a:lnTo>
+                  <a:pt x="120000" y="0"/>
+                </a:lnTo>
+                <a:lnTo>
+                  <a:pt x="120000" y="120000"/>
+                </a:lnTo>
+                <a:lnTo>
+                  <a:pt x="0" y="120000"/>
+                </a:lnTo>
+                <a:close/>
+              </a:path>
+            </a:pathLst>
+          </a:custGeom>
+        </p:spPr>
+      </p:sp>
+      <p:sp>
+        <p:nvSpPr>
+          <p:cNvPr id="101" name="Google Shape;101;g2ddc889944f_0_0:notes"/>
+          <p:cNvSpPr txBox="1">
+            <a:spLocks noGrp="1"/>
+          </p:cNvSpPr>
+          <p:nvPr>
+            <p:ph type="body" idx="1"/>
+          </p:nvPr>
+        </p:nvSpPr>
+        <p:spPr>
+          <a:xfrm>
+            <a:off x="685800" y="4343400"/>
+            <a:ext cx="5486400" cy="4114800"/>
+          </a:xfrm>
+          <a:prstGeom prst="rect">
+            <a:avLst/>
+          </a:prstGeom>
+        </p:spPr>
+        <p:txBody>
+          <a:bodyPr spcFirstLastPara="1" wrap="square" lIns="91425" tIns="91425" rIns="91425" bIns="91425" anchor="t" anchorCtr="0">
+            <a:noAutofit/>
+          </a:bodyPr>
+          <a:lstStyle/>
+          <a:p>
+            <a:pPr marL="0" lvl="0" indent="0" algn="l" rtl="0">
+              <a:spcBef>
+                <a:spcPts val="0"/>
+              </a:spcBef>
+              <a:spcAft>
+                <a:spcPts val="0"/>
+              </a:spcAft>
+              <a:buNone/>
+            </a:pPr>
+            <a:endParaRPr/>
+          </a:p>
+        </p:txBody>
+      </p:sp>
+    </p:spTree>
+  </p:cSld>
+  <p:clrMapOvr>
+    <a:masterClrMapping/>
+  </p:clrMapOvr>
+</p:notes>
+</file>
+
+<file path=ppt/notesSlides/notesSlide3.xml><?xml version="1.0" encoding="utf-8"?>
+<p:notes xmlns:a="http://schemas.openxmlformats.org/drawingml/2006/main" xmlns:r="http://schemas.openxmlformats.org/officeDocument/2006/relationships" xmlns:p="http://schemas.openxmlformats.org/presentationml/2006/main" showMasterSp="0" showMasterPhAnim="0">
+  <p:cSld>
+    <p:spTree>
+      <p:nvGrpSpPr>
+        <p:cNvPr id="1" name="Shape 99"/>
+        <p:cNvGrpSpPr/>
+        <p:nvPr/>
+      </p:nvGrpSpPr>
+      <p:grpSpPr>
+        <a:xfrm>
+          <a:off x="0" y="0"/>
+          <a:ext cx="0" cy="0"/>
+          <a:chOff x="0" y="0"/>
+          <a:chExt cx="0" cy="0"/>
+        </a:xfrm>
+      </p:grpSpPr>
+      <p:sp>
+        <p:nvSpPr>
+          <p:cNvPr id="100" name="Google Shape;100;g2ddc889944f_0_0:notes"/>
+          <p:cNvSpPr>
+            <a:spLocks noGrp="1" noRot="1" noChangeAspect="1"/>
+          </p:cNvSpPr>
+          <p:nvPr>
+            <p:ph type="sldImg" idx="2"/>
+          </p:nvPr>
+        </p:nvSpPr>
+        <p:spPr>
+          <a:xfrm>
+            <a:off x="381000" y="685800"/>
+            <a:ext cx="6096000" cy="3429000"/>
+          </a:xfrm>
+          <a:custGeom>
+            <a:avLst/>
+            <a:gdLst/>
+            <a:ahLst/>
+            <a:cxnLst/>
+            <a:rect l="l" t="t" r="r" b="b"/>
+            <a:pathLst>
+              <a:path w="120000" h="120000" extrusionOk="0">
+                <a:moveTo>
+                  <a:pt x="0" y="0"/>
+                </a:moveTo>
+                <a:lnTo>
+                  <a:pt x="120000" y="0"/>
+                </a:lnTo>
+                <a:lnTo>
+                  <a:pt x="120000" y="120000"/>
+                </a:lnTo>
+                <a:lnTo>
+                  <a:pt x="0" y="120000"/>
+                </a:lnTo>
+                <a:close/>
+              </a:path>
+            </a:pathLst>
+          </a:custGeom>
+        </p:spPr>
+      </p:sp>
+      <p:sp>
+        <p:nvSpPr>
+          <p:cNvPr id="101" name="Google Shape;101;g2ddc889944f_0_0:notes"/>
+          <p:cNvSpPr txBox="1">
+            <a:spLocks noGrp="1"/>
+          </p:cNvSpPr>
+          <p:nvPr>
+            <p:ph type="body" idx="1"/>
+          </p:nvPr>
+        </p:nvSpPr>
+        <p:spPr>
+          <a:xfrm>
+            <a:off x="685800" y="4343400"/>
+            <a:ext cx="5486400" cy="4114800"/>
+          </a:xfrm>
+          <a:prstGeom prst="rect">
+            <a:avLst/>
+          </a:prstGeom>
+        </p:spPr>
+        <p:txBody>
+          <a:bodyPr spcFirstLastPara="1" wrap="square" lIns="91425" tIns="91425" rIns="91425" bIns="91425" anchor="t" anchorCtr="0">
+            <a:noAutofit/>
+          </a:bodyPr>
+          <a:lstStyle/>
+          <a:p>
+            <a:pPr marL="0" lvl="0" indent="0" algn="l" rtl="0">
+              <a:spcBef>
+                <a:spcPts val="0"/>
+              </a:spcBef>
+              <a:spcAft>
+                <a:spcPts val="0"/>
+              </a:spcAft>
+              <a:buNone/>
+            </a:pPr>
+            <a:endParaRPr/>
+          </a:p>
+        </p:txBody>
+      </p:sp>
+    </p:spTree>
+  </p:cSld>
+  <p:clrMapOvr>
+    <a:masterClrMapping/>
+  </p:clrMapOvr>
+</p:notes>
+</file>
+
+<file path=ppt/notesSlides/notesSlide30.xml><?xml version="1.0" encoding="utf-8"?>
+<p:notes xmlns:a="http://schemas.openxmlformats.org/drawingml/2006/main" xmlns:r="http://schemas.openxmlformats.org/officeDocument/2006/relationships" xmlns:p="http://schemas.openxmlformats.org/presentationml/2006/main" showMasterSp="0" showMasterPhAnim="0">
+  <p:cSld>
+    <p:spTree>
+      <p:nvGrpSpPr>
+        <p:cNvPr id="1" name="Shape 99"/>
+        <p:cNvGrpSpPr/>
+        <p:nvPr/>
+      </p:nvGrpSpPr>
+      <p:grpSpPr>
+        <a:xfrm>
+          <a:off x="0" y="0"/>
+          <a:ext cx="0" cy="0"/>
+          <a:chOff x="0" y="0"/>
+          <a:chExt cx="0" cy="0"/>
+        </a:xfrm>
+      </p:grpSpPr>
+      <p:sp>
+        <p:nvSpPr>
+          <p:cNvPr id="100" name="Google Shape;100;g2ddc889944f_0_0:notes"/>
+          <p:cNvSpPr>
+            <a:spLocks noGrp="1" noRot="1" noChangeAspect="1"/>
+          </p:cNvSpPr>
+          <p:nvPr>
+            <p:ph type="sldImg" idx="2"/>
+          </p:nvPr>
+        </p:nvSpPr>
+        <p:spPr>
+          <a:xfrm>
+            <a:off x="381000" y="685800"/>
+            <a:ext cx="6096000" cy="3429000"/>
+          </a:xfrm>
+          <a:custGeom>
+            <a:avLst/>
+            <a:gdLst/>
+            <a:ahLst/>
+            <a:cxnLst/>
+            <a:rect l="l" t="t" r="r" b="b"/>
+            <a:pathLst>
+              <a:path w="120000" h="120000" extrusionOk="0">
+                <a:moveTo>
+                  <a:pt x="0" y="0"/>
+                </a:moveTo>
+                <a:lnTo>
+                  <a:pt x="120000" y="0"/>
+                </a:lnTo>
+                <a:lnTo>
+                  <a:pt x="120000" y="120000"/>
+                </a:lnTo>
+                <a:lnTo>
+                  <a:pt x="0" y="120000"/>
+                </a:lnTo>
+                <a:close/>
+              </a:path>
+            </a:pathLst>
+          </a:custGeom>
+        </p:spPr>
+      </p:sp>
+      <p:sp>
+        <p:nvSpPr>
+          <p:cNvPr id="101" name="Google Shape;101;g2ddc889944f_0_0:notes"/>
+          <p:cNvSpPr txBox="1">
+            <a:spLocks noGrp="1"/>
+          </p:cNvSpPr>
+          <p:nvPr>
+            <p:ph type="body" idx="1"/>
+          </p:nvPr>
+        </p:nvSpPr>
+        <p:spPr>
+          <a:xfrm>
+            <a:off x="685800" y="4343400"/>
+            <a:ext cx="5486400" cy="4114800"/>
+          </a:xfrm>
+          <a:prstGeom prst="rect">
+            <a:avLst/>
+          </a:prstGeom>
+        </p:spPr>
+        <p:txBody>
+          <a:bodyPr spcFirstLastPara="1" wrap="square" lIns="91425" tIns="91425" rIns="91425" bIns="91425" anchor="t" anchorCtr="0">
+            <a:noAutofit/>
+          </a:bodyPr>
+          <a:lstStyle/>
+          <a:p>
+            <a:pPr marL="0" lvl="0" indent="0" algn="l" rtl="0">
+              <a:spcBef>
+                <a:spcPts val="0"/>
+              </a:spcBef>
+              <a:spcAft>
+                <a:spcPts val="0"/>
+              </a:spcAft>
+              <a:buNone/>
+            </a:pPr>
+            <a:endParaRPr/>
+          </a:p>
+        </p:txBody>
+      </p:sp>
+    </p:spTree>
+  </p:cSld>
+  <p:clrMapOvr>
+    <a:masterClrMapping/>
+  </p:clrMapOvr>
+</p:notes>
+</file>
+
+<file path=ppt/notesSlides/notesSlide31.xml><?xml version="1.0" encoding="utf-8"?>
+<p:notes xmlns:a="http://schemas.openxmlformats.org/drawingml/2006/main" xmlns:r="http://schemas.openxmlformats.org/officeDocument/2006/relationships" xmlns:p="http://schemas.openxmlformats.org/presentationml/2006/main" showMasterSp="0" showMasterPhAnim="0">
+  <p:cSld>
+    <p:spTree>
+      <p:nvGrpSpPr>
+        <p:cNvPr id="1" name="Shape 99"/>
+        <p:cNvGrpSpPr/>
+        <p:nvPr/>
+      </p:nvGrpSpPr>
+      <p:grpSpPr>
+        <a:xfrm>
+          <a:off x="0" y="0"/>
+          <a:ext cx="0" cy="0"/>
+          <a:chOff x="0" y="0"/>
+          <a:chExt cx="0" cy="0"/>
+        </a:xfrm>
+      </p:grpSpPr>
+      <p:sp>
+        <p:nvSpPr>
+          <p:cNvPr id="100" name="Google Shape;100;g2ddc889944f_0_0:notes"/>
+          <p:cNvSpPr>
+            <a:spLocks noGrp="1" noRot="1" noChangeAspect="1"/>
+          </p:cNvSpPr>
+          <p:nvPr>
+            <p:ph type="sldImg" idx="2"/>
+          </p:nvPr>
+        </p:nvSpPr>
+        <p:spPr>
+          <a:xfrm>
+            <a:off x="381000" y="685800"/>
+            <a:ext cx="6096000" cy="3429000"/>
+          </a:xfrm>
+          <a:custGeom>
+            <a:avLst/>
+            <a:gdLst/>
+            <a:ahLst/>
+            <a:cxnLst/>
+            <a:rect l="l" t="t" r="r" b="b"/>
+            <a:pathLst>
+              <a:path w="120000" h="120000" extrusionOk="0">
+                <a:moveTo>
+                  <a:pt x="0" y="0"/>
+                </a:moveTo>
+                <a:lnTo>
+                  <a:pt x="120000" y="0"/>
+                </a:lnTo>
+                <a:lnTo>
+                  <a:pt x="120000" y="120000"/>
+                </a:lnTo>
+                <a:lnTo>
+                  <a:pt x="0" y="120000"/>
+                </a:lnTo>
+                <a:close/>
+              </a:path>
+            </a:pathLst>
+          </a:custGeom>
+        </p:spPr>
+      </p:sp>
+      <p:sp>
+        <p:nvSpPr>
+          <p:cNvPr id="101" name="Google Shape;101;g2ddc889944f_0_0:notes"/>
+          <p:cNvSpPr txBox="1">
+            <a:spLocks noGrp="1"/>
+          </p:cNvSpPr>
+          <p:nvPr>
+            <p:ph type="body" idx="1"/>
+          </p:nvPr>
+        </p:nvSpPr>
+        <p:spPr>
+          <a:xfrm>
+            <a:off x="685800" y="4343400"/>
+            <a:ext cx="5486400" cy="4114800"/>
+          </a:xfrm>
+          <a:prstGeom prst="rect">
+            <a:avLst/>
+          </a:prstGeom>
+        </p:spPr>
+        <p:txBody>
+          <a:bodyPr spcFirstLastPara="1" wrap="square" lIns="91425" tIns="91425" rIns="91425" bIns="91425" anchor="t" anchorCtr="0">
+            <a:noAutofit/>
+          </a:bodyPr>
+          <a:lstStyle/>
+          <a:p>
+            <a:pPr marL="0" lvl="0" indent="0" algn="l" rtl="0">
+              <a:spcBef>
+                <a:spcPts val="0"/>
+              </a:spcBef>
+              <a:spcAft>
+                <a:spcPts val="0"/>
+              </a:spcAft>
+              <a:buNone/>
+            </a:pPr>
+            <a:endParaRPr/>
+          </a:p>
+        </p:txBody>
+      </p:sp>
+    </p:spTree>
+  </p:cSld>
+  <p:clrMapOvr>
+    <a:masterClrMapping/>
+  </p:clrMapOvr>
+</p:notes>
+</file>
+
+<file path=ppt/notesSlides/notesSlide32.xml><?xml version="1.0" encoding="utf-8"?>
+<p:notes xmlns:a="http://schemas.openxmlformats.org/drawingml/2006/main" xmlns:r="http://schemas.openxmlformats.org/officeDocument/2006/relationships" xmlns:p="http://schemas.openxmlformats.org/presentationml/2006/main" showMasterSp="0" showMasterPhAnim="0">
+  <p:cSld>
+    <p:spTree>
+      <p:nvGrpSpPr>
         <p:cNvPr id="1" name="Shape 111"/>
         <p:cNvGrpSpPr/>
         <p:nvPr/>
@@ -2087,7 +3451,7 @@
 </p:notes>
 </file>
 
-<file path=ppt/notesSlides/notesSlide21.xml><?xml version="1.0" encoding="utf-8"?>
+<file path=ppt/notesSlides/notesSlide33.xml><?xml version="1.0" encoding="utf-8"?>
 <p:notes xmlns:a="http://schemas.openxmlformats.org/drawingml/2006/main" xmlns:r="http://schemas.openxmlformats.org/officeDocument/2006/relationships" xmlns:p="http://schemas.openxmlformats.org/presentationml/2006/main" showMasterSp="0" showMasterPhAnim="0">
   <p:cSld>
     <p:spTree>
@@ -2148,110 +3512,6 @@
       <p:sp>
         <p:nvSpPr>
           <p:cNvPr id="119" name="Google Shape;119;g2d058e3c2f2_0_24:notes"/>
-          <p:cNvSpPr txBox="1">
-            <a:spLocks noGrp="1"/>
-          </p:cNvSpPr>
-          <p:nvPr>
-            <p:ph type="body" idx="1"/>
-          </p:nvPr>
-        </p:nvSpPr>
-        <p:spPr>
-          <a:xfrm>
-            <a:off x="685800" y="4343400"/>
-            <a:ext cx="5486400" cy="4114800"/>
-          </a:xfrm>
-          <a:prstGeom prst="rect">
-            <a:avLst/>
-          </a:prstGeom>
-        </p:spPr>
-        <p:txBody>
-          <a:bodyPr spcFirstLastPara="1" wrap="square" lIns="91425" tIns="91425" rIns="91425" bIns="91425" anchor="t" anchorCtr="0">
-            <a:noAutofit/>
-          </a:bodyPr>
-          <a:lstStyle/>
-          <a:p>
-            <a:pPr marL="0" lvl="0" indent="0" algn="l" rtl="0">
-              <a:spcBef>
-                <a:spcPts val="0"/>
-              </a:spcBef>
-              <a:spcAft>
-                <a:spcPts val="0"/>
-              </a:spcAft>
-              <a:buNone/>
-            </a:pPr>
-            <a:endParaRPr/>
-          </a:p>
-        </p:txBody>
-      </p:sp>
-    </p:spTree>
-  </p:cSld>
-  <p:clrMapOvr>
-    <a:masterClrMapping/>
-  </p:clrMapOvr>
-</p:notes>
-</file>
-
-<file path=ppt/notesSlides/notesSlide3.xml><?xml version="1.0" encoding="utf-8"?>
-<p:notes xmlns:a="http://schemas.openxmlformats.org/drawingml/2006/main" xmlns:r="http://schemas.openxmlformats.org/officeDocument/2006/relationships" xmlns:p="http://schemas.openxmlformats.org/presentationml/2006/main" showMasterSp="0" showMasterPhAnim="0">
-  <p:cSld>
-    <p:spTree>
-      <p:nvGrpSpPr>
-        <p:cNvPr id="1" name="Shape 99"/>
-        <p:cNvGrpSpPr/>
-        <p:nvPr/>
-      </p:nvGrpSpPr>
-      <p:grpSpPr>
-        <a:xfrm>
-          <a:off x="0" y="0"/>
-          <a:ext cx="0" cy="0"/>
-          <a:chOff x="0" y="0"/>
-          <a:chExt cx="0" cy="0"/>
-        </a:xfrm>
-      </p:grpSpPr>
-      <p:sp>
-        <p:nvSpPr>
-          <p:cNvPr id="100" name="Google Shape;100;g2ddc889944f_0_0:notes"/>
-          <p:cNvSpPr>
-            <a:spLocks noGrp="1" noRot="1" noChangeAspect="1"/>
-          </p:cNvSpPr>
-          <p:nvPr>
-            <p:ph type="sldImg" idx="2"/>
-          </p:nvPr>
-        </p:nvSpPr>
-        <p:spPr>
-          <a:xfrm>
-            <a:off x="381000" y="685800"/>
-            <a:ext cx="6096000" cy="3429000"/>
-          </a:xfrm>
-          <a:custGeom>
-            <a:avLst/>
-            <a:gdLst/>
-            <a:ahLst/>
-            <a:cxnLst/>
-            <a:rect l="l" t="t" r="r" b="b"/>
-            <a:pathLst>
-              <a:path w="120000" h="120000" extrusionOk="0">
-                <a:moveTo>
-                  <a:pt x="0" y="0"/>
-                </a:moveTo>
-                <a:lnTo>
-                  <a:pt x="120000" y="0"/>
-                </a:lnTo>
-                <a:lnTo>
-                  <a:pt x="120000" y="120000"/>
-                </a:lnTo>
-                <a:lnTo>
-                  <a:pt x="0" y="120000"/>
-                </a:lnTo>
-                <a:close/>
-              </a:path>
-            </a:pathLst>
-          </a:custGeom>
-        </p:spPr>
-      </p:sp>
-      <p:sp>
-        <p:nvSpPr>
-          <p:cNvPr id="101" name="Google Shape;101;g2ddc889944f_0_0:notes"/>
           <p:cNvSpPr txBox="1">
             <a:spLocks noGrp="1"/>
           </p:cNvSpPr>
@@ -12177,15 +13437,7 @@
             <a:pPr fontAlgn="base"/>
             <a:r>
               <a:rPr lang="en-US" sz="1600" dirty="0"/>
-              <a:t>The </a:t>
-            </a:r>
-            <a:r>
-              <a:rPr lang="en-US" sz="1600" dirty="0"/>
-              <a:t>color</a:t>
-            </a:r>
-            <a:r>
-              <a:rPr lang="en-US" sz="1600" dirty="0"/>
-              <a:t> property defines the text color (foreground color in general) of an element</a:t>
+              <a:t>The color property defines the text color (foreground color in general) of an element</a:t>
             </a:r>
             <a:r>
               <a:rPr lang="en-US" sz="1600" dirty="0" smtClean="0"/>
@@ -12687,7 +13939,7 @@
   <p:cSld>
     <p:spTree>
       <p:nvGrpSpPr>
-        <p:cNvPr id="1" name="Shape 114"/>
+        <p:cNvPr id="1" name="Shape 102"/>
         <p:cNvGrpSpPr/>
         <p:nvPr/>
       </p:nvGrpSpPr>
@@ -12701,7 +13953,7 @@
       </p:grpSpPr>
       <p:sp>
         <p:nvSpPr>
-          <p:cNvPr id="115" name="Google Shape;115;p18"/>
+          <p:cNvPr id="103" name="Google Shape;103;p16"/>
           <p:cNvSpPr txBox="1">
             <a:spLocks noGrp="1"/>
           </p:cNvSpPr>
@@ -12711,8 +13963,8 @@
         </p:nvSpPr>
         <p:spPr>
           <a:xfrm>
-            <a:off x="0" y="156050"/>
-            <a:ext cx="9144000" cy="607800"/>
+            <a:off x="0" y="3650"/>
+            <a:ext cx="9144000" cy="472211"/>
           </a:xfrm>
           <a:prstGeom prst="rect">
             <a:avLst/>
@@ -12724,498 +13976,311 @@
           </a:bodyPr>
           <a:lstStyle/>
           <a:p>
-            <a:pPr marL="0" lvl="0" indent="0" algn="ctr" rtl="0">
-              <a:spcBef>
-                <a:spcPts val="0"/>
-              </a:spcBef>
-              <a:spcAft>
-                <a:spcPts val="0"/>
-              </a:spcAft>
+            <a:pPr lvl="0" algn="ctr">
               <a:buSzPts val="990"/>
-              <a:buNone/>
             </a:pPr>
             <a:r>
-              <a:rPr lang="en" sz="3300" b="1"/>
-              <a:t>HTML [HYPER TEXT MARKUP LANGUAGE]</a:t>
-            </a:r>
-            <a:endParaRPr sz="3300" b="1"/>
+              <a:rPr lang="en" b="1" dirty="0"/>
+              <a:t>CSS  </a:t>
+            </a:r>
+            <a:r>
+              <a:rPr lang="en" b="1" dirty="0" smtClean="0"/>
+              <a:t>Border</a:t>
+            </a:r>
+            <a:endParaRPr b="1" dirty="0"/>
           </a:p>
         </p:txBody>
       </p:sp>
       <p:sp>
         <p:nvSpPr>
-          <p:cNvPr id="116" name="Google Shape;116;p18"/>
-          <p:cNvSpPr txBox="1"/>
+          <p:cNvPr id="2" name="Rectangle 1"/>
+          <p:cNvSpPr/>
           <p:nvPr/>
         </p:nvSpPr>
         <p:spPr>
           <a:xfrm>
-            <a:off x="349425" y="964400"/>
-            <a:ext cx="8623800" cy="3452400"/>
+            <a:off x="363894" y="475861"/>
+            <a:ext cx="8257592" cy="4493538"/>
           </a:xfrm>
           <a:prstGeom prst="rect">
             <a:avLst/>
           </a:prstGeom>
-          <a:noFill/>
-          <a:ln>
-            <a:noFill/>
-          </a:ln>
         </p:spPr>
         <p:txBody>
-          <a:bodyPr spcFirstLastPara="1" wrap="square" lIns="91425" tIns="91425" rIns="91425" bIns="91425" anchor="t" anchorCtr="0">
-            <a:noAutofit/>
+          <a:bodyPr wrap="square">
+            <a:spAutoFit/>
           </a:bodyPr>
           <a:lstStyle/>
           <a:p>
-            <a:pPr marL="457200" lvl="0" indent="-355600" algn="l" rtl="0">
-              <a:spcBef>
-                <a:spcPts val="0"/>
-              </a:spcBef>
-              <a:spcAft>
-                <a:spcPts val="0"/>
-              </a:spcAft>
-              <a:buClr>
-                <a:schemeClr val="dk2"/>
-              </a:buClr>
-              <a:buSzPts val="2000"/>
-              <a:buFont typeface="Roboto"/>
-              <a:buChar char="❖"/>
+            <a:pPr algn="ctr" fontAlgn="base"/>
+            <a:r>
+              <a:rPr lang="en-US" sz="1600" b="1" u="sng" dirty="0"/>
+              <a:t>CSS Border Properties</a:t>
+            </a:r>
+          </a:p>
+          <a:p>
+            <a:pPr fontAlgn="base"/>
+            <a:r>
+              <a:rPr lang="en-US" dirty="0" smtClean="0"/>
+              <a:t>The </a:t>
+            </a:r>
+            <a:r>
+              <a:rPr lang="en-US" dirty="0"/>
+              <a:t>CSS border properties allow you to define the border area of an element's box</a:t>
+            </a:r>
+            <a:r>
+              <a:rPr lang="en-US" dirty="0" smtClean="0"/>
+              <a:t>.</a:t>
+            </a:r>
+          </a:p>
+          <a:p>
+            <a:pPr fontAlgn="base"/>
+            <a:endParaRPr lang="en-US" dirty="0"/>
+          </a:p>
+          <a:p>
+            <a:pPr fontAlgn="base"/>
+            <a:r>
+              <a:rPr lang="en-US" dirty="0"/>
+              <a:t>Borders appear directly between the margin and padding of an element. The border can either be a predefined style like, solid line, dotted line, double line, etc</a:t>
+            </a:r>
+            <a:r>
+              <a:rPr lang="en-US" dirty="0" smtClean="0"/>
+              <a:t>.</a:t>
+            </a:r>
+          </a:p>
+          <a:p>
+            <a:pPr fontAlgn="base"/>
+            <a:r>
+              <a:rPr lang="en-US" dirty="0"/>
+              <a:t>	</a:t>
+            </a:r>
+            <a:r>
+              <a:rPr lang="en-US" dirty="0" smtClean="0"/>
+              <a:t>		</a:t>
+            </a:r>
+            <a:endParaRPr lang="en-US" b="1" dirty="0"/>
+          </a:p>
+          <a:p>
+            <a:pPr fontAlgn="base"/>
+            <a:r>
+              <a:rPr lang="en-US" b="1" dirty="0"/>
+              <a:t>Understanding the Different Border Styles</a:t>
+            </a:r>
+          </a:p>
+          <a:p>
+            <a:pPr fontAlgn="base"/>
+            <a:r>
+              <a:rPr lang="en-US" dirty="0" smtClean="0"/>
+              <a:t>The</a:t>
+            </a:r>
+            <a:r>
+              <a:rPr lang="en-US" dirty="0"/>
+              <a:t> </a:t>
+            </a:r>
+            <a:r>
+              <a:rPr lang="en-US" dirty="0"/>
+              <a:t>border-style</a:t>
+            </a:r>
+            <a:r>
+              <a:rPr lang="en-US" dirty="0"/>
+              <a:t> property can have the following values: </a:t>
+            </a:r>
+            <a:r>
+              <a:rPr lang="en-US" dirty="0"/>
+              <a:t>none</a:t>
+            </a:r>
+            <a:r>
+              <a:rPr lang="en-US" dirty="0"/>
+              <a:t>, </a:t>
+            </a:r>
+            <a:r>
+              <a:rPr lang="en-US" dirty="0"/>
+              <a:t>hidden</a:t>
+            </a:r>
+            <a:r>
+              <a:rPr lang="en-US" dirty="0"/>
+              <a:t>, </a:t>
+            </a:r>
+            <a:r>
+              <a:rPr lang="en-US" dirty="0"/>
+              <a:t>solid</a:t>
+            </a:r>
+            <a:r>
+              <a:rPr lang="en-US" dirty="0"/>
+              <a:t>, </a:t>
+            </a:r>
+            <a:r>
+              <a:rPr lang="en-US" dirty="0"/>
+              <a:t>dashed</a:t>
+            </a:r>
+            <a:r>
+              <a:rPr lang="en-US" dirty="0"/>
+              <a:t>, </a:t>
+            </a:r>
+            <a:r>
+              <a:rPr lang="en-US" dirty="0"/>
+              <a:t>dotted</a:t>
+            </a:r>
+            <a:r>
+              <a:rPr lang="en-US" dirty="0"/>
+              <a:t>, </a:t>
+            </a:r>
+            <a:r>
+              <a:rPr lang="en-US" dirty="0"/>
+              <a:t>double</a:t>
+            </a:r>
+            <a:r>
+              <a:rPr lang="en-US" dirty="0"/>
+              <a:t>, </a:t>
+            </a:r>
+            <a:r>
+              <a:rPr lang="en-US" dirty="0"/>
+              <a:t>inset</a:t>
+            </a:r>
+            <a:r>
+              <a:rPr lang="en-US" dirty="0"/>
+              <a:t>, </a:t>
+            </a:r>
+            <a:r>
+              <a:rPr lang="en-US" dirty="0"/>
+              <a:t>outset</a:t>
+            </a:r>
+            <a:r>
+              <a:rPr lang="en-US" dirty="0"/>
+              <a:t>, </a:t>
+            </a:r>
+            <a:r>
+              <a:rPr lang="en-US" dirty="0"/>
+              <a:t>groove</a:t>
+            </a:r>
+            <a:r>
+              <a:rPr lang="en-US" dirty="0"/>
+              <a:t>, and </a:t>
+            </a:r>
+            <a:r>
+              <a:rPr lang="en-US" dirty="0"/>
+              <a:t>ridge</a:t>
+            </a:r>
+            <a:r>
+              <a:rPr lang="en-US" dirty="0"/>
+              <a:t>. </a:t>
+            </a:r>
+            <a:endParaRPr lang="en-US" dirty="0"/>
+          </a:p>
+          <a:p>
+            <a:endParaRPr lang="en-US" sz="1600" dirty="0"/>
+          </a:p>
+          <a:p>
+            <a:pPr marL="285750" indent="-285750">
+              <a:buFont typeface="Wingdings" pitchFamily="2" charset="2"/>
+              <a:buChar char="v"/>
             </a:pPr>
             <a:r>
-              <a:rPr lang="en" sz="2000" b="1">
-                <a:solidFill>
-                  <a:schemeClr val="dk2"/>
-                </a:solidFill>
-                <a:latin typeface="Roboto"/>
-                <a:ea typeface="Roboto"/>
-                <a:cs typeface="Roboto"/>
-                <a:sym typeface="Roboto"/>
-              </a:rPr>
-              <a:t>HTML Introduction</a:t>
-            </a:r>
-            <a:endParaRPr sz="2000" b="1">
-              <a:solidFill>
-                <a:schemeClr val="dk2"/>
-              </a:solidFill>
-              <a:latin typeface="Roboto"/>
-              <a:ea typeface="Roboto"/>
-              <a:cs typeface="Roboto"/>
-              <a:sym typeface="Roboto"/>
-            </a:endParaRPr>
-          </a:p>
-          <a:p>
-            <a:pPr marL="457200" lvl="0" indent="-355600" algn="l" rtl="0">
-              <a:spcBef>
-                <a:spcPts val="0"/>
-              </a:spcBef>
-              <a:spcAft>
-                <a:spcPts val="0"/>
-              </a:spcAft>
-              <a:buClr>
-                <a:schemeClr val="dk2"/>
-              </a:buClr>
-              <a:buSzPts val="2000"/>
-              <a:buFont typeface="Roboto"/>
-              <a:buChar char="❖"/>
+              <a:rPr lang="en-US" dirty="0" smtClean="0"/>
+              <a:t>None</a:t>
+            </a:r>
+          </a:p>
+          <a:p>
+            <a:pPr marL="285750" indent="-285750">
+              <a:buFont typeface="Wingdings" pitchFamily="2" charset="2"/>
+              <a:buChar char="v"/>
             </a:pPr>
             <a:r>
-              <a:rPr lang="en" sz="2000" b="1">
-                <a:solidFill>
-                  <a:schemeClr val="dk2"/>
-                </a:solidFill>
-                <a:latin typeface="Roboto"/>
-                <a:ea typeface="Roboto"/>
-                <a:cs typeface="Roboto"/>
-                <a:sym typeface="Roboto"/>
-              </a:rPr>
-              <a:t>HTML Basics Tags</a:t>
-            </a:r>
-            <a:endParaRPr sz="2000" b="1">
-              <a:solidFill>
-                <a:schemeClr val="dk2"/>
-              </a:solidFill>
-              <a:latin typeface="Roboto"/>
-              <a:ea typeface="Roboto"/>
-              <a:cs typeface="Roboto"/>
-              <a:sym typeface="Roboto"/>
-            </a:endParaRPr>
-          </a:p>
-          <a:p>
-            <a:pPr marL="457200" lvl="0" indent="-355600" algn="l" rtl="0">
-              <a:spcBef>
-                <a:spcPts val="0"/>
-              </a:spcBef>
-              <a:spcAft>
-                <a:spcPts val="0"/>
-              </a:spcAft>
-              <a:buClr>
-                <a:schemeClr val="dk2"/>
-              </a:buClr>
-              <a:buSzPts val="2000"/>
-              <a:buFont typeface="Roboto"/>
-              <a:buChar char="❖"/>
+              <a:rPr lang="en-US" dirty="0" smtClean="0"/>
+              <a:t>Hidden</a:t>
+            </a:r>
+          </a:p>
+          <a:p>
+            <a:pPr marL="285750" indent="-285750">
+              <a:buFont typeface="Wingdings" pitchFamily="2" charset="2"/>
+              <a:buChar char="v"/>
             </a:pPr>
             <a:r>
-              <a:rPr lang="en" sz="2000" b="1">
-                <a:solidFill>
-                  <a:schemeClr val="dk2"/>
-                </a:solidFill>
-                <a:latin typeface="Roboto"/>
-                <a:ea typeface="Roboto"/>
-                <a:cs typeface="Roboto"/>
-                <a:sym typeface="Roboto"/>
-              </a:rPr>
-              <a:t>HTML Environment Setup</a:t>
-            </a:r>
-            <a:endParaRPr sz="2000" b="1">
-              <a:solidFill>
-                <a:schemeClr val="dk2"/>
-              </a:solidFill>
-              <a:latin typeface="Roboto"/>
-              <a:ea typeface="Roboto"/>
-              <a:cs typeface="Roboto"/>
-              <a:sym typeface="Roboto"/>
-            </a:endParaRPr>
-          </a:p>
-          <a:p>
-            <a:pPr marL="457200" lvl="0" indent="-355600" algn="l" rtl="0">
-              <a:spcBef>
-                <a:spcPts val="0"/>
-              </a:spcBef>
-              <a:spcAft>
-                <a:spcPts val="0"/>
-              </a:spcAft>
-              <a:buClr>
-                <a:schemeClr val="dk2"/>
-              </a:buClr>
-              <a:buSzPts val="2000"/>
-              <a:buFont typeface="Roboto"/>
-              <a:buChar char="❖"/>
+              <a:rPr lang="en-US" dirty="0" smtClean="0"/>
+              <a:t>Solid</a:t>
+            </a:r>
+          </a:p>
+          <a:p>
+            <a:pPr marL="285750" indent="-285750">
+              <a:buFont typeface="Wingdings" pitchFamily="2" charset="2"/>
+              <a:buChar char="v"/>
             </a:pPr>
             <a:r>
-              <a:rPr lang="en" sz="2000" b="1">
-                <a:solidFill>
-                  <a:schemeClr val="dk2"/>
-                </a:solidFill>
-                <a:latin typeface="Roboto"/>
-                <a:ea typeface="Roboto"/>
-                <a:cs typeface="Roboto"/>
-                <a:sym typeface="Roboto"/>
-              </a:rPr>
-              <a:t>HTML Paragraph / Headings</a:t>
-            </a:r>
-            <a:endParaRPr sz="2000" b="1">
-              <a:solidFill>
-                <a:schemeClr val="dk2"/>
-              </a:solidFill>
-              <a:latin typeface="Roboto"/>
-              <a:ea typeface="Roboto"/>
-              <a:cs typeface="Roboto"/>
-              <a:sym typeface="Roboto"/>
-            </a:endParaRPr>
-          </a:p>
-          <a:p>
-            <a:pPr marL="457200" lvl="0" indent="-355600" algn="l" rtl="0">
-              <a:spcBef>
-                <a:spcPts val="0"/>
-              </a:spcBef>
-              <a:spcAft>
-                <a:spcPts val="0"/>
-              </a:spcAft>
-              <a:buClr>
-                <a:schemeClr val="dk2"/>
-              </a:buClr>
-              <a:buSzPts val="2000"/>
-              <a:buFont typeface="Roboto"/>
-              <a:buChar char="❖"/>
+              <a:rPr lang="en-US" dirty="0" smtClean="0"/>
+              <a:t>Dashed</a:t>
+            </a:r>
+          </a:p>
+          <a:p>
+            <a:pPr marL="285750" indent="-285750">
+              <a:buFont typeface="Wingdings" pitchFamily="2" charset="2"/>
+              <a:buChar char="v"/>
             </a:pPr>
             <a:r>
-              <a:rPr lang="en" sz="2000" b="1">
-                <a:solidFill>
-                  <a:schemeClr val="dk2"/>
-                </a:solidFill>
-                <a:latin typeface="Roboto"/>
-                <a:ea typeface="Roboto"/>
-                <a:cs typeface="Roboto"/>
-                <a:sym typeface="Roboto"/>
-              </a:rPr>
-              <a:t>HTML Images</a:t>
-            </a:r>
-            <a:endParaRPr sz="2000" b="1">
-              <a:solidFill>
-                <a:schemeClr val="dk2"/>
-              </a:solidFill>
-              <a:latin typeface="Roboto"/>
-              <a:ea typeface="Roboto"/>
-              <a:cs typeface="Roboto"/>
-              <a:sym typeface="Roboto"/>
-            </a:endParaRPr>
-          </a:p>
-          <a:p>
-            <a:pPr marL="457200" lvl="0" indent="-355600" algn="l" rtl="0">
-              <a:spcBef>
-                <a:spcPts val="0"/>
-              </a:spcBef>
-              <a:spcAft>
-                <a:spcPts val="0"/>
-              </a:spcAft>
-              <a:buClr>
-                <a:schemeClr val="dk2"/>
-              </a:buClr>
-              <a:buSzPts val="2000"/>
-              <a:buFont typeface="Roboto"/>
-              <a:buChar char="❖"/>
+              <a:rPr lang="en-US" dirty="0" smtClean="0"/>
+              <a:t>Dotted</a:t>
+            </a:r>
+            <a:endParaRPr lang="en-US" dirty="0"/>
+          </a:p>
+          <a:p>
+            <a:pPr marL="285750" indent="-285750">
+              <a:buFont typeface="Wingdings" pitchFamily="2" charset="2"/>
+              <a:buChar char="v"/>
             </a:pPr>
             <a:r>
-              <a:rPr lang="en" sz="2000" b="1">
-                <a:solidFill>
-                  <a:schemeClr val="dk2"/>
-                </a:solidFill>
-                <a:latin typeface="Roboto"/>
-                <a:ea typeface="Roboto"/>
-                <a:cs typeface="Roboto"/>
-                <a:sym typeface="Roboto"/>
-              </a:rPr>
-              <a:t>HTML Lists</a:t>
-            </a:r>
-            <a:endParaRPr sz="2000" b="1">
-              <a:solidFill>
-                <a:schemeClr val="dk2"/>
-              </a:solidFill>
-              <a:latin typeface="Roboto"/>
-              <a:ea typeface="Roboto"/>
-              <a:cs typeface="Roboto"/>
-              <a:sym typeface="Roboto"/>
-            </a:endParaRPr>
-          </a:p>
-          <a:p>
-            <a:pPr marL="457200" lvl="0" indent="-355600" algn="l" rtl="0">
-              <a:spcBef>
-                <a:spcPts val="0"/>
-              </a:spcBef>
-              <a:spcAft>
-                <a:spcPts val="0"/>
-              </a:spcAft>
-              <a:buClr>
-                <a:schemeClr val="dk2"/>
-              </a:buClr>
-              <a:buSzPts val="2000"/>
-              <a:buFont typeface="Roboto"/>
-              <a:buChar char="❖"/>
+              <a:rPr lang="en-US" dirty="0" smtClean="0"/>
+              <a:t>Double</a:t>
+            </a:r>
+            <a:endParaRPr lang="en-US" b="1" dirty="0"/>
+          </a:p>
+          <a:p>
+            <a:pPr marL="285750" indent="-285750">
+              <a:buFont typeface="Wingdings" pitchFamily="2" charset="2"/>
+              <a:buChar char="v"/>
             </a:pPr>
             <a:r>
-              <a:rPr lang="en" sz="2000" b="1">
-                <a:solidFill>
-                  <a:schemeClr val="dk2"/>
-                </a:solidFill>
-                <a:latin typeface="Roboto"/>
-                <a:ea typeface="Roboto"/>
-                <a:cs typeface="Roboto"/>
-                <a:sym typeface="Roboto"/>
-              </a:rPr>
-              <a:t>HTML Forms</a:t>
-            </a:r>
-            <a:endParaRPr sz="2000" b="1">
-              <a:solidFill>
-                <a:schemeClr val="dk2"/>
-              </a:solidFill>
-              <a:latin typeface="Roboto"/>
-              <a:ea typeface="Roboto"/>
-              <a:cs typeface="Roboto"/>
-              <a:sym typeface="Roboto"/>
-            </a:endParaRPr>
-          </a:p>
-          <a:p>
-            <a:pPr marL="457200" lvl="0" indent="-355600" algn="l" rtl="0">
-              <a:spcBef>
-                <a:spcPts val="0"/>
-              </a:spcBef>
-              <a:spcAft>
-                <a:spcPts val="0"/>
-              </a:spcAft>
-              <a:buClr>
-                <a:schemeClr val="dk2"/>
-              </a:buClr>
-              <a:buSzPts val="2000"/>
-              <a:buFont typeface="Roboto"/>
-              <a:buChar char="❖"/>
+              <a:rPr lang="en-US" dirty="0" smtClean="0"/>
+              <a:t>Inset</a:t>
+            </a:r>
+          </a:p>
+          <a:p>
+            <a:pPr marL="285750" indent="-285750">
+              <a:buFont typeface="Wingdings" pitchFamily="2" charset="2"/>
+              <a:buChar char="v"/>
             </a:pPr>
             <a:r>
-              <a:rPr lang="en" sz="2000" b="1">
-                <a:solidFill>
-                  <a:schemeClr val="dk2"/>
-                </a:solidFill>
-                <a:latin typeface="Roboto"/>
-                <a:ea typeface="Roboto"/>
-                <a:cs typeface="Roboto"/>
-                <a:sym typeface="Roboto"/>
-              </a:rPr>
-              <a:t>HTML Tables</a:t>
-            </a:r>
-            <a:endParaRPr sz="2000" b="1">
-              <a:solidFill>
-                <a:schemeClr val="dk2"/>
-              </a:solidFill>
-              <a:latin typeface="Roboto"/>
-              <a:ea typeface="Roboto"/>
-              <a:cs typeface="Roboto"/>
-              <a:sym typeface="Roboto"/>
-            </a:endParaRPr>
-          </a:p>
-          <a:p>
-            <a:pPr marL="457200" lvl="0" indent="-355600" algn="l" rtl="0">
-              <a:spcBef>
-                <a:spcPts val="0"/>
-              </a:spcBef>
-              <a:spcAft>
-                <a:spcPts val="0"/>
-              </a:spcAft>
-              <a:buClr>
-                <a:schemeClr val="dk2"/>
-              </a:buClr>
-              <a:buSzPts val="2000"/>
-              <a:buFont typeface="Roboto"/>
-              <a:buChar char="❖"/>
+              <a:rPr lang="en-US" dirty="0" smtClean="0"/>
+              <a:t>Outset</a:t>
+            </a:r>
+          </a:p>
+          <a:p>
+            <a:pPr marL="285750" indent="-285750">
+              <a:buFont typeface="Wingdings" pitchFamily="2" charset="2"/>
+              <a:buChar char="v"/>
             </a:pPr>
             <a:r>
-              <a:rPr lang="en" sz="2000" b="1">
-                <a:solidFill>
-                  <a:schemeClr val="dk2"/>
-                </a:solidFill>
-                <a:latin typeface="Roboto"/>
-                <a:ea typeface="Roboto"/>
-                <a:cs typeface="Roboto"/>
-                <a:sym typeface="Roboto"/>
-              </a:rPr>
-              <a:t>HTML Div Elements</a:t>
-            </a:r>
-            <a:endParaRPr sz="2000" b="1">
-              <a:solidFill>
-                <a:schemeClr val="dk2"/>
-              </a:solidFill>
-              <a:latin typeface="Roboto"/>
-              <a:ea typeface="Roboto"/>
-              <a:cs typeface="Roboto"/>
-              <a:sym typeface="Roboto"/>
-            </a:endParaRPr>
-          </a:p>
-          <a:p>
-            <a:pPr marL="457200" lvl="0" indent="-355600" algn="l" rtl="0">
-              <a:spcBef>
-                <a:spcPts val="0"/>
-              </a:spcBef>
-              <a:spcAft>
-                <a:spcPts val="0"/>
-              </a:spcAft>
-              <a:buClr>
-                <a:schemeClr val="dk2"/>
-              </a:buClr>
-              <a:buSzPts val="2000"/>
-              <a:buFont typeface="Roboto"/>
-              <a:buChar char="❖"/>
+              <a:rPr lang="en-US" dirty="0" smtClean="0"/>
+              <a:t>Groove</a:t>
+            </a:r>
+          </a:p>
+          <a:p>
+            <a:pPr marL="285750" indent="-285750">
+              <a:buFont typeface="Wingdings" pitchFamily="2" charset="2"/>
+              <a:buChar char="v"/>
             </a:pPr>
             <a:r>
-              <a:rPr lang="en" sz="2000" b="1">
-                <a:solidFill>
-                  <a:schemeClr val="dk2"/>
-                </a:solidFill>
-                <a:latin typeface="Roboto"/>
-                <a:ea typeface="Roboto"/>
-                <a:cs typeface="Roboto"/>
-                <a:sym typeface="Roboto"/>
-              </a:rPr>
-              <a:t>HTML Block Elements</a:t>
-            </a:r>
-            <a:endParaRPr sz="2000" b="1">
-              <a:solidFill>
-                <a:schemeClr val="dk2"/>
-              </a:solidFill>
-              <a:latin typeface="Roboto"/>
-              <a:ea typeface="Roboto"/>
-              <a:cs typeface="Roboto"/>
-              <a:sym typeface="Roboto"/>
-            </a:endParaRPr>
-          </a:p>
-          <a:p>
-            <a:pPr marL="457200" lvl="0" indent="-355600" algn="l" rtl="0">
-              <a:spcBef>
-                <a:spcPts val="0"/>
-              </a:spcBef>
-              <a:spcAft>
-                <a:spcPts val="0"/>
-              </a:spcAft>
-              <a:buClr>
-                <a:schemeClr val="dk2"/>
-              </a:buClr>
-              <a:buSzPts val="2000"/>
-              <a:buFont typeface="Roboto"/>
-              <a:buChar char="❖"/>
-            </a:pPr>
-            <a:r>
-              <a:rPr lang="en" sz="2000" b="1">
-                <a:solidFill>
-                  <a:schemeClr val="dk2"/>
-                </a:solidFill>
-                <a:latin typeface="Roboto"/>
-                <a:ea typeface="Roboto"/>
-                <a:cs typeface="Roboto"/>
-                <a:sym typeface="Roboto"/>
-              </a:rPr>
-              <a:t>HTML Inline Elements</a:t>
-            </a:r>
-            <a:endParaRPr sz="2000" b="1">
-              <a:solidFill>
-                <a:schemeClr val="dk2"/>
-              </a:solidFill>
-              <a:latin typeface="Roboto"/>
-              <a:ea typeface="Roboto"/>
-              <a:cs typeface="Roboto"/>
-              <a:sym typeface="Roboto"/>
-            </a:endParaRPr>
-          </a:p>
-          <a:p>
-            <a:pPr marL="457200" lvl="0" indent="0" algn="l" rtl="0">
-              <a:spcBef>
-                <a:spcPts val="0"/>
-              </a:spcBef>
-              <a:spcAft>
-                <a:spcPts val="0"/>
-              </a:spcAft>
-              <a:buNone/>
-            </a:pPr>
-            <a:endParaRPr sz="2000" b="1">
-              <a:solidFill>
-                <a:schemeClr val="dk2"/>
-              </a:solidFill>
-              <a:latin typeface="Roboto"/>
-              <a:ea typeface="Roboto"/>
-              <a:cs typeface="Roboto"/>
-              <a:sym typeface="Roboto"/>
-            </a:endParaRPr>
-          </a:p>
-          <a:p>
-            <a:pPr marL="457200" lvl="0" indent="0" algn="l" rtl="0">
-              <a:spcBef>
-                <a:spcPts val="0"/>
-              </a:spcBef>
-              <a:spcAft>
-                <a:spcPts val="0"/>
-              </a:spcAft>
-              <a:buNone/>
-            </a:pPr>
-            <a:endParaRPr sz="2000" b="1">
-              <a:solidFill>
-                <a:schemeClr val="dk2"/>
-              </a:solidFill>
-              <a:latin typeface="Roboto"/>
-              <a:ea typeface="Roboto"/>
-              <a:cs typeface="Roboto"/>
-              <a:sym typeface="Roboto"/>
-            </a:endParaRPr>
+              <a:rPr lang="en-US" sz="1600" dirty="0" smtClean="0"/>
+              <a:t>Ridge</a:t>
+            </a:r>
+            <a:endParaRPr lang="en-US" sz="1600" dirty="0"/>
           </a:p>
         </p:txBody>
       </p:sp>
     </p:spTree>
+    <p:extLst>
+      <p:ext uri="{BB962C8B-B14F-4D97-AF65-F5344CB8AC3E}">
+        <p14:creationId xmlns:p14="http://schemas.microsoft.com/office/powerpoint/2010/main" val="3174067700"/>
+      </p:ext>
+    </p:extLst>
   </p:cSld>
   <p:clrMapOvr>
     <a:masterClrMapping/>
@@ -13235,7 +14300,7 @@
   <p:cSld>
     <p:spTree>
       <p:nvGrpSpPr>
-        <p:cNvPr id="1" name="Shape 120"/>
+        <p:cNvPr id="1" name="Shape 102"/>
         <p:cNvGrpSpPr/>
         <p:nvPr/>
       </p:nvGrpSpPr>
@@ -13249,7 +14314,7 @@
       </p:grpSpPr>
       <p:sp>
         <p:nvSpPr>
-          <p:cNvPr id="121" name="Google Shape;121;p19"/>
+          <p:cNvPr id="103" name="Google Shape;103;p16"/>
           <p:cNvSpPr txBox="1">
             <a:spLocks noGrp="1"/>
           </p:cNvSpPr>
@@ -13259,8 +14324,8 @@
         </p:nvSpPr>
         <p:spPr>
           <a:xfrm>
-            <a:off x="0" y="156050"/>
-            <a:ext cx="9144000" cy="607800"/>
+            <a:off x="0" y="3650"/>
+            <a:ext cx="9144000" cy="574848"/>
           </a:xfrm>
           <a:prstGeom prst="rect">
             <a:avLst/>
@@ -13272,42 +14337,147 @@
           </a:bodyPr>
           <a:lstStyle/>
           <a:p>
-            <a:pPr marL="0" lvl="0" indent="0" algn="ctr" rtl="0">
-              <a:spcBef>
-                <a:spcPts val="0"/>
-              </a:spcBef>
-              <a:spcAft>
-                <a:spcPts val="0"/>
-              </a:spcAft>
+            <a:pPr lvl="0" algn="ctr">
               <a:buSzPts val="990"/>
-              <a:buNone/>
             </a:pPr>
             <a:r>
-              <a:rPr lang="en" sz="3300" b="1"/>
-              <a:t>CSS 3 [CASECADING STYLE SHEET]</a:t>
-            </a:r>
-            <a:endParaRPr sz="3300" b="1"/>
+              <a:rPr lang="en" b="1" dirty="0"/>
+              <a:t>CSS  </a:t>
+            </a:r>
+            <a:r>
+              <a:rPr lang="en" b="1" dirty="0" smtClean="0"/>
+              <a:t>Border</a:t>
+            </a:r>
+            <a:endParaRPr b="1" dirty="0"/>
           </a:p>
         </p:txBody>
       </p:sp>
       <p:sp>
         <p:nvSpPr>
-          <p:cNvPr id="122" name="Google Shape;122;p19"/>
-          <p:cNvSpPr txBox="1"/>
+          <p:cNvPr id="2" name="Rectangle 1"/>
+          <p:cNvSpPr/>
           <p:nvPr/>
         </p:nvSpPr>
         <p:spPr>
           <a:xfrm>
-            <a:off x="349425" y="964400"/>
-            <a:ext cx="8623800" cy="3732600"/>
+            <a:off x="363894" y="718458"/>
+            <a:ext cx="8257592" cy="553998"/>
           </a:xfrm>
           <a:prstGeom prst="rect">
             <a:avLst/>
           </a:prstGeom>
-          <a:noFill/>
-          <a:ln>
-            <a:noFill/>
-          </a:ln>
+        </p:spPr>
+        <p:txBody>
+          <a:bodyPr wrap="square">
+            <a:spAutoFit/>
+          </a:bodyPr>
+          <a:lstStyle/>
+          <a:p>
+            <a:pPr algn="ctr" fontAlgn="base"/>
+            <a:r>
+              <a:rPr lang="en-US" sz="1600" b="1" u="sng" dirty="0"/>
+              <a:t>CSS Border Properties</a:t>
+            </a:r>
+          </a:p>
+          <a:p>
+            <a:pPr fontAlgn="base"/>
+            <a:r>
+              <a:rPr lang="en-US" dirty="0"/>
+              <a:t>	</a:t>
+            </a:r>
+            <a:r>
+              <a:rPr lang="en-US" dirty="0" smtClean="0"/>
+              <a:t>		</a:t>
+            </a:r>
+            <a:endParaRPr lang="en-US" b="1" dirty="0"/>
+          </a:p>
+        </p:txBody>
+      </p:sp>
+      <p:pic>
+        <p:nvPicPr>
+          <p:cNvPr id="3" name="Picture 2"/>
+          <p:cNvPicPr>
+            <a:picLocks noChangeAspect="1"/>
+          </p:cNvPicPr>
+          <p:nvPr/>
+        </p:nvPicPr>
+        <p:blipFill>
+          <a:blip r:embed="rId3">
+            <a:extLst>
+              <a:ext uri="{28A0092B-C50C-407E-A947-70E740481C1C}">
+                <a14:useLocalDpi xmlns:a14="http://schemas.microsoft.com/office/drawing/2010/main" val="0"/>
+              </a:ext>
+            </a:extLst>
+          </a:blip>
+          <a:stretch>
+            <a:fillRect/>
+          </a:stretch>
+        </p:blipFill>
+        <p:spPr>
+          <a:xfrm>
+            <a:off x="1023403" y="1189070"/>
+            <a:ext cx="6938574" cy="3180509"/>
+          </a:xfrm>
+          <a:prstGeom prst="rect">
+            <a:avLst/>
+          </a:prstGeom>
+        </p:spPr>
+      </p:pic>
+    </p:spTree>
+    <p:extLst>
+      <p:ext uri="{BB962C8B-B14F-4D97-AF65-F5344CB8AC3E}">
+        <p14:creationId xmlns:p14="http://schemas.microsoft.com/office/powerpoint/2010/main" val="4227372258"/>
+      </p:ext>
+    </p:extLst>
+  </p:cSld>
+  <p:clrMapOvr>
+    <a:masterClrMapping/>
+  </p:clrMapOvr>
+  <p:timing>
+    <p:tnLst>
+      <p:par>
+        <p:cTn id="1" dur="indefinite" restart="never" nodeType="tmRoot"/>
+      </p:par>
+    </p:tnLst>
+  </p:timing>
+</p:sld>
+</file>
+
+<file path=ppt/slides/slide22.xml><?xml version="1.0" encoding="utf-8"?>
+<p:sld xmlns:a="http://schemas.openxmlformats.org/drawingml/2006/main" xmlns:r="http://schemas.openxmlformats.org/officeDocument/2006/relationships" xmlns:p="http://schemas.openxmlformats.org/presentationml/2006/main">
+  <p:cSld>
+    <p:spTree>
+      <p:nvGrpSpPr>
+        <p:cNvPr id="1" name="Shape 102"/>
+        <p:cNvGrpSpPr/>
+        <p:nvPr/>
+      </p:nvGrpSpPr>
+      <p:grpSpPr>
+        <a:xfrm>
+          <a:off x="0" y="0"/>
+          <a:ext cx="0" cy="0"/>
+          <a:chOff x="0" y="0"/>
+          <a:chExt cx="0" cy="0"/>
+        </a:xfrm>
+      </p:grpSpPr>
+      <p:sp>
+        <p:nvSpPr>
+          <p:cNvPr id="103" name="Google Shape;103;p16"/>
+          <p:cNvSpPr txBox="1">
+            <a:spLocks noGrp="1"/>
+          </p:cNvSpPr>
+          <p:nvPr>
+            <p:ph type="title"/>
+          </p:nvPr>
+        </p:nvSpPr>
+        <p:spPr>
+          <a:xfrm>
+            <a:off x="0" y="3650"/>
+            <a:ext cx="9144000" cy="472211"/>
+          </a:xfrm>
+          <a:prstGeom prst="rect">
+            <a:avLst/>
+          </a:prstGeom>
         </p:spPr>
         <p:txBody>
           <a:bodyPr spcFirstLastPara="1" wrap="square" lIns="91425" tIns="91425" rIns="91425" bIns="91425" anchor="t" anchorCtr="0">
@@ -13315,455 +14485,2045 @@
           </a:bodyPr>
           <a:lstStyle/>
           <a:p>
-            <a:pPr marL="457200" lvl="0" indent="-355600" algn="l" rtl="0">
-              <a:spcBef>
-                <a:spcPts val="0"/>
-              </a:spcBef>
-              <a:spcAft>
-                <a:spcPts val="0"/>
-              </a:spcAft>
-              <a:buClr>
-                <a:schemeClr val="dk2"/>
-              </a:buClr>
-              <a:buSzPts val="2000"/>
-              <a:buFont typeface="Roboto"/>
-              <a:buChar char="❖"/>
+            <a:pPr lvl="0" algn="ctr">
+              <a:buSzPts val="990"/>
             </a:pPr>
             <a:r>
-              <a:rPr lang="en" sz="2000" b="1">
-                <a:solidFill>
-                  <a:schemeClr val="dk2"/>
-                </a:solidFill>
-                <a:latin typeface="Roboto"/>
-                <a:ea typeface="Roboto"/>
-                <a:cs typeface="Roboto"/>
-                <a:sym typeface="Roboto"/>
-              </a:rPr>
-              <a:t>CSS Introduction &amp; Basics</a:t>
-            </a:r>
-            <a:endParaRPr sz="2000" b="1">
-              <a:solidFill>
-                <a:schemeClr val="dk2"/>
-              </a:solidFill>
-              <a:latin typeface="Roboto"/>
-              <a:ea typeface="Roboto"/>
-              <a:cs typeface="Roboto"/>
-              <a:sym typeface="Roboto"/>
-            </a:endParaRPr>
-          </a:p>
-          <a:p>
-            <a:pPr marL="457200" lvl="0" indent="-355600" algn="l" rtl="0">
-              <a:spcBef>
-                <a:spcPts val="0"/>
-              </a:spcBef>
-              <a:spcAft>
-                <a:spcPts val="0"/>
-              </a:spcAft>
-              <a:buClr>
-                <a:schemeClr val="dk2"/>
-              </a:buClr>
-              <a:buSzPts val="2000"/>
-              <a:buFont typeface="Roboto"/>
-              <a:buChar char="❖"/>
-            </a:pPr>
-            <a:r>
-              <a:rPr lang="en" sz="2000" b="1">
-                <a:solidFill>
-                  <a:schemeClr val="dk2"/>
-                </a:solidFill>
-                <a:latin typeface="Roboto"/>
-                <a:ea typeface="Roboto"/>
-                <a:cs typeface="Roboto"/>
-                <a:sym typeface="Roboto"/>
-              </a:rPr>
-              <a:t>CSS Environment Setup</a:t>
-            </a:r>
-            <a:endParaRPr sz="2000" b="1">
-              <a:solidFill>
-                <a:schemeClr val="dk2"/>
-              </a:solidFill>
-              <a:latin typeface="Roboto"/>
-              <a:ea typeface="Roboto"/>
-              <a:cs typeface="Roboto"/>
-              <a:sym typeface="Roboto"/>
-            </a:endParaRPr>
-          </a:p>
-          <a:p>
-            <a:pPr marL="457200" lvl="0" indent="-355600" algn="l" rtl="0">
-              <a:spcBef>
-                <a:spcPts val="0"/>
-              </a:spcBef>
-              <a:spcAft>
-                <a:spcPts val="0"/>
-              </a:spcAft>
-              <a:buClr>
-                <a:schemeClr val="dk2"/>
-              </a:buClr>
-              <a:buSzPts val="2000"/>
-              <a:buFont typeface="Roboto"/>
-              <a:buChar char="❖"/>
-            </a:pPr>
-            <a:r>
-              <a:rPr lang="en" sz="2000" b="1">
-                <a:solidFill>
-                  <a:schemeClr val="dk2"/>
-                </a:solidFill>
-                <a:latin typeface="Roboto"/>
-                <a:ea typeface="Roboto"/>
-                <a:cs typeface="Roboto"/>
-                <a:sym typeface="Roboto"/>
-              </a:rPr>
-              <a:t>CSS Colors / Backgrounds</a:t>
-            </a:r>
-            <a:endParaRPr sz="2000" b="1">
-              <a:solidFill>
-                <a:schemeClr val="dk2"/>
-              </a:solidFill>
-              <a:latin typeface="Roboto"/>
-              <a:ea typeface="Roboto"/>
-              <a:cs typeface="Roboto"/>
-              <a:sym typeface="Roboto"/>
-            </a:endParaRPr>
-          </a:p>
-          <a:p>
-            <a:pPr marL="457200" lvl="0" indent="-355600" algn="l" rtl="0">
-              <a:spcBef>
-                <a:spcPts val="0"/>
-              </a:spcBef>
-              <a:spcAft>
-                <a:spcPts val="0"/>
-              </a:spcAft>
-              <a:buClr>
-                <a:schemeClr val="dk2"/>
-              </a:buClr>
-              <a:buSzPts val="2000"/>
-              <a:buFont typeface="Roboto"/>
-              <a:buChar char="❖"/>
-            </a:pPr>
-            <a:r>
-              <a:rPr lang="en" sz="2000" b="1">
-                <a:solidFill>
-                  <a:schemeClr val="dk2"/>
-                </a:solidFill>
-                <a:latin typeface="Roboto"/>
-                <a:ea typeface="Roboto"/>
-                <a:cs typeface="Roboto"/>
-                <a:sym typeface="Roboto"/>
-              </a:rPr>
-              <a:t>CSS Borders / Margins / Padding</a:t>
-            </a:r>
-            <a:endParaRPr sz="2000" b="1">
-              <a:solidFill>
-                <a:schemeClr val="dk2"/>
-              </a:solidFill>
-              <a:latin typeface="Roboto"/>
-              <a:ea typeface="Roboto"/>
-              <a:cs typeface="Roboto"/>
-              <a:sym typeface="Roboto"/>
-            </a:endParaRPr>
-          </a:p>
-          <a:p>
-            <a:pPr marL="457200" lvl="0" indent="-355600" algn="l" rtl="0">
-              <a:spcBef>
-                <a:spcPts val="0"/>
-              </a:spcBef>
-              <a:spcAft>
-                <a:spcPts val="0"/>
-              </a:spcAft>
-              <a:buClr>
-                <a:schemeClr val="dk2"/>
-              </a:buClr>
-              <a:buSzPts val="2000"/>
-              <a:buFont typeface="Roboto"/>
-              <a:buChar char="❖"/>
-            </a:pPr>
-            <a:r>
-              <a:rPr lang="en" sz="2000" b="1">
-                <a:solidFill>
-                  <a:schemeClr val="dk2"/>
-                </a:solidFill>
-                <a:latin typeface="Roboto"/>
-                <a:ea typeface="Roboto"/>
-                <a:cs typeface="Roboto"/>
-                <a:sym typeface="Roboto"/>
-              </a:rPr>
-              <a:t>CSS Text / Fonts</a:t>
-            </a:r>
-            <a:endParaRPr sz="2000" b="1">
-              <a:solidFill>
-                <a:schemeClr val="dk2"/>
-              </a:solidFill>
-              <a:latin typeface="Roboto"/>
-              <a:ea typeface="Roboto"/>
-              <a:cs typeface="Roboto"/>
-              <a:sym typeface="Roboto"/>
-            </a:endParaRPr>
-          </a:p>
-          <a:p>
-            <a:pPr marL="457200" lvl="0" indent="-355600" algn="l" rtl="0">
-              <a:spcBef>
-                <a:spcPts val="0"/>
-              </a:spcBef>
-              <a:spcAft>
-                <a:spcPts val="0"/>
-              </a:spcAft>
-              <a:buClr>
-                <a:schemeClr val="dk2"/>
-              </a:buClr>
-              <a:buSzPts val="2000"/>
-              <a:buFont typeface="Roboto"/>
-              <a:buChar char="❖"/>
-            </a:pPr>
-            <a:r>
-              <a:rPr lang="en" sz="2000" b="1">
-                <a:solidFill>
-                  <a:schemeClr val="dk2"/>
-                </a:solidFill>
-                <a:latin typeface="Roboto"/>
-                <a:ea typeface="Roboto"/>
-                <a:cs typeface="Roboto"/>
-                <a:sym typeface="Roboto"/>
-              </a:rPr>
-              <a:t>CSS Shadow / Positions</a:t>
-            </a:r>
-            <a:endParaRPr sz="2000" b="1">
-              <a:solidFill>
-                <a:schemeClr val="dk2"/>
-              </a:solidFill>
-              <a:latin typeface="Roboto"/>
-              <a:ea typeface="Roboto"/>
-              <a:cs typeface="Roboto"/>
-              <a:sym typeface="Roboto"/>
-            </a:endParaRPr>
-          </a:p>
-          <a:p>
-            <a:pPr marL="457200" lvl="0" indent="-355600" algn="l" rtl="0">
-              <a:spcBef>
-                <a:spcPts val="0"/>
-              </a:spcBef>
-              <a:spcAft>
-                <a:spcPts val="0"/>
-              </a:spcAft>
-              <a:buClr>
-                <a:schemeClr val="dk2"/>
-              </a:buClr>
-              <a:buSzPts val="2000"/>
-              <a:buFont typeface="Roboto"/>
-              <a:buChar char="❖"/>
-            </a:pPr>
-            <a:r>
-              <a:rPr lang="en" sz="2000" b="1">
-                <a:solidFill>
-                  <a:schemeClr val="dk2"/>
-                </a:solidFill>
-                <a:latin typeface="Roboto"/>
-                <a:ea typeface="Roboto"/>
-                <a:cs typeface="Roboto"/>
-                <a:sym typeface="Roboto"/>
-              </a:rPr>
-              <a:t>CSS Links</a:t>
-            </a:r>
-            <a:endParaRPr sz="2000" b="1">
-              <a:solidFill>
-                <a:schemeClr val="dk2"/>
-              </a:solidFill>
-              <a:latin typeface="Roboto"/>
-              <a:ea typeface="Roboto"/>
-              <a:cs typeface="Roboto"/>
-              <a:sym typeface="Roboto"/>
-            </a:endParaRPr>
-          </a:p>
-          <a:p>
-            <a:pPr marL="457200" lvl="0" indent="-355600" algn="l" rtl="0">
-              <a:spcBef>
-                <a:spcPts val="0"/>
-              </a:spcBef>
-              <a:spcAft>
-                <a:spcPts val="0"/>
-              </a:spcAft>
-              <a:buClr>
-                <a:schemeClr val="dk2"/>
-              </a:buClr>
-              <a:buSzPts val="2000"/>
-              <a:buFont typeface="Roboto"/>
-              <a:buChar char="❖"/>
-            </a:pPr>
-            <a:r>
-              <a:rPr lang="en" sz="2000" b="1">
-                <a:solidFill>
-                  <a:schemeClr val="dk2"/>
-                </a:solidFill>
-                <a:latin typeface="Roboto"/>
-                <a:ea typeface="Roboto"/>
-                <a:cs typeface="Roboto"/>
-                <a:sym typeface="Roboto"/>
-              </a:rPr>
-              <a:t>CSS Gridbox / Flexbox</a:t>
-            </a:r>
-            <a:endParaRPr sz="2000" b="1">
-              <a:solidFill>
-                <a:schemeClr val="dk2"/>
-              </a:solidFill>
-              <a:latin typeface="Roboto"/>
-              <a:ea typeface="Roboto"/>
-              <a:cs typeface="Roboto"/>
-              <a:sym typeface="Roboto"/>
-            </a:endParaRPr>
-          </a:p>
-          <a:p>
-            <a:pPr marL="457200" lvl="0" indent="-355600" algn="l" rtl="0">
-              <a:spcBef>
-                <a:spcPts val="0"/>
-              </a:spcBef>
-              <a:spcAft>
-                <a:spcPts val="0"/>
-              </a:spcAft>
-              <a:buClr>
-                <a:schemeClr val="dk2"/>
-              </a:buClr>
-              <a:buSzPts val="2000"/>
-              <a:buFont typeface="Roboto"/>
-              <a:buChar char="❖"/>
-            </a:pPr>
-            <a:r>
-              <a:rPr lang="en" sz="2000" b="1">
-                <a:solidFill>
-                  <a:schemeClr val="dk2"/>
-                </a:solidFill>
-                <a:latin typeface="Roboto"/>
-                <a:ea typeface="Roboto"/>
-                <a:cs typeface="Roboto"/>
-                <a:sym typeface="Roboto"/>
-              </a:rPr>
-              <a:t>CSS Forms / Buttons</a:t>
-            </a:r>
-            <a:endParaRPr sz="2000" b="1">
-              <a:solidFill>
-                <a:schemeClr val="dk2"/>
-              </a:solidFill>
-              <a:latin typeface="Roboto"/>
-              <a:ea typeface="Roboto"/>
-              <a:cs typeface="Roboto"/>
-              <a:sym typeface="Roboto"/>
-            </a:endParaRPr>
-          </a:p>
-          <a:p>
-            <a:pPr marL="457200" lvl="0" indent="-355600" algn="l" rtl="0">
-              <a:spcBef>
-                <a:spcPts val="0"/>
-              </a:spcBef>
-              <a:spcAft>
-                <a:spcPts val="0"/>
-              </a:spcAft>
-              <a:buClr>
-                <a:schemeClr val="dk2"/>
-              </a:buClr>
-              <a:buSzPts val="2000"/>
-              <a:buFont typeface="Roboto"/>
-              <a:buChar char="❖"/>
-            </a:pPr>
-            <a:r>
-              <a:rPr lang="en" sz="2000" b="1">
-                <a:solidFill>
-                  <a:schemeClr val="dk2"/>
-                </a:solidFill>
-                <a:latin typeface="Roboto"/>
-                <a:ea typeface="Roboto"/>
-                <a:cs typeface="Roboto"/>
-                <a:sym typeface="Roboto"/>
-              </a:rPr>
-              <a:t>CSS Responsiveness</a:t>
-            </a:r>
-            <a:endParaRPr sz="2000" b="1">
-              <a:solidFill>
-                <a:schemeClr val="dk2"/>
-              </a:solidFill>
-              <a:latin typeface="Roboto"/>
-              <a:ea typeface="Roboto"/>
-              <a:cs typeface="Roboto"/>
-              <a:sym typeface="Roboto"/>
-            </a:endParaRPr>
-          </a:p>
-          <a:p>
-            <a:pPr marL="457200" lvl="0" indent="-355600" algn="l" rtl="0">
-              <a:spcBef>
-                <a:spcPts val="0"/>
-              </a:spcBef>
-              <a:spcAft>
-                <a:spcPts val="0"/>
-              </a:spcAft>
-              <a:buClr>
-                <a:schemeClr val="dk2"/>
-              </a:buClr>
-              <a:buSzPts val="2000"/>
-              <a:buFont typeface="Roboto"/>
-              <a:buChar char="❖"/>
-            </a:pPr>
-            <a:r>
-              <a:rPr lang="en" sz="2000" b="1">
-                <a:solidFill>
-                  <a:schemeClr val="dk2"/>
-                </a:solidFill>
-                <a:latin typeface="Roboto"/>
-                <a:ea typeface="Roboto"/>
-                <a:cs typeface="Roboto"/>
-                <a:sym typeface="Roboto"/>
-              </a:rPr>
-              <a:t>CSS Pseudo Elements</a:t>
-            </a:r>
-            <a:endParaRPr sz="2000" b="1">
-              <a:solidFill>
-                <a:schemeClr val="dk2"/>
-              </a:solidFill>
-              <a:latin typeface="Roboto"/>
-              <a:ea typeface="Roboto"/>
-              <a:cs typeface="Roboto"/>
-              <a:sym typeface="Roboto"/>
-            </a:endParaRPr>
-          </a:p>
-          <a:p>
-            <a:pPr marL="457200" lvl="0" indent="0" algn="l" rtl="0">
-              <a:spcBef>
-                <a:spcPts val="0"/>
-              </a:spcBef>
-              <a:spcAft>
-                <a:spcPts val="0"/>
-              </a:spcAft>
-              <a:buNone/>
-            </a:pPr>
-            <a:endParaRPr sz="2000" b="1">
-              <a:solidFill>
-                <a:schemeClr val="dk2"/>
-              </a:solidFill>
-              <a:latin typeface="Roboto"/>
-              <a:ea typeface="Roboto"/>
-              <a:cs typeface="Roboto"/>
-              <a:sym typeface="Roboto"/>
-            </a:endParaRPr>
-          </a:p>
-          <a:p>
-            <a:pPr marL="457200" lvl="0" indent="0" algn="l" rtl="0">
-              <a:spcBef>
-                <a:spcPts val="0"/>
-              </a:spcBef>
-              <a:spcAft>
-                <a:spcPts val="0"/>
-              </a:spcAft>
-              <a:buNone/>
-            </a:pPr>
-            <a:endParaRPr sz="2000" b="1">
-              <a:solidFill>
-                <a:schemeClr val="dk2"/>
-              </a:solidFill>
-              <a:latin typeface="Roboto"/>
-              <a:ea typeface="Roboto"/>
-              <a:cs typeface="Roboto"/>
-              <a:sym typeface="Roboto"/>
-            </a:endParaRPr>
+              <a:rPr lang="en" b="1" dirty="0"/>
+              <a:t>CSS  </a:t>
+            </a:r>
+            <a:r>
+              <a:rPr lang="en" b="1" dirty="0" smtClean="0"/>
+              <a:t>Border</a:t>
+            </a:r>
+            <a:endParaRPr b="1" dirty="0"/>
+          </a:p>
+        </p:txBody>
+      </p:sp>
+      <p:sp>
+        <p:nvSpPr>
+          <p:cNvPr id="2" name="Rectangle 1"/>
+          <p:cNvSpPr/>
+          <p:nvPr/>
+        </p:nvSpPr>
+        <p:spPr>
+          <a:xfrm>
+            <a:off x="363894" y="475861"/>
+            <a:ext cx="8257592" cy="4278094"/>
+          </a:xfrm>
+          <a:prstGeom prst="rect">
+            <a:avLst/>
+          </a:prstGeom>
+        </p:spPr>
+        <p:txBody>
+          <a:bodyPr wrap="square">
+            <a:spAutoFit/>
+          </a:bodyPr>
+          <a:lstStyle/>
+          <a:p>
+            <a:pPr algn="ctr" fontAlgn="base"/>
+            <a:r>
+              <a:rPr lang="en-US" sz="1600" b="1" u="sng" dirty="0"/>
+              <a:t>CSS Border </a:t>
+            </a:r>
+            <a:r>
+              <a:rPr lang="en-US" sz="1600" b="1" u="sng" dirty="0" smtClean="0"/>
+              <a:t>Properties</a:t>
+            </a:r>
+          </a:p>
+          <a:p>
+            <a:pPr fontAlgn="base"/>
+            <a:r>
+              <a:rPr lang="en-US" sz="1600" b="1" dirty="0"/>
+              <a:t>Setting the Border Width</a:t>
+            </a:r>
+          </a:p>
+          <a:p>
+            <a:pPr fontAlgn="base"/>
+            <a:r>
+              <a:rPr lang="da-DK" sz="1600" dirty="0" smtClean="0"/>
+              <a:t>p {</a:t>
+            </a:r>
+          </a:p>
+          <a:p>
+            <a:pPr fontAlgn="base"/>
+            <a:r>
+              <a:rPr lang="da-DK" sz="1600" dirty="0" smtClean="0"/>
+              <a:t> </a:t>
+            </a:r>
+            <a:r>
+              <a:rPr lang="da-DK" sz="1600" dirty="0"/>
+              <a:t>border-style: dashed</a:t>
+            </a:r>
+            <a:r>
+              <a:rPr lang="da-DK" sz="1600" dirty="0" smtClean="0"/>
+              <a:t>;</a:t>
+            </a:r>
+          </a:p>
+          <a:p>
+            <a:pPr fontAlgn="base"/>
+            <a:r>
+              <a:rPr lang="da-DK" sz="1600" dirty="0" smtClean="0"/>
+              <a:t> </a:t>
+            </a:r>
+            <a:r>
+              <a:rPr lang="da-DK" sz="1600" dirty="0"/>
+              <a:t>border-width: 10px; </a:t>
+            </a:r>
+            <a:endParaRPr lang="da-DK" sz="1600" dirty="0" smtClean="0"/>
+          </a:p>
+          <a:p>
+            <a:pPr fontAlgn="base"/>
+            <a:r>
+              <a:rPr lang="da-DK" sz="1600" dirty="0" smtClean="0"/>
+              <a:t>}</a:t>
+            </a:r>
+          </a:p>
+          <a:p>
+            <a:pPr fontAlgn="base"/>
+            <a:endParaRPr lang="da-DK" sz="1600" b="1" u="sng" dirty="0" smtClean="0"/>
+          </a:p>
+          <a:p>
+            <a:pPr fontAlgn="base"/>
+            <a:r>
+              <a:rPr lang="en-US" sz="1600" b="1" dirty="0"/>
+              <a:t>Specifying the Border Color</a:t>
+            </a:r>
+          </a:p>
+          <a:p>
+            <a:pPr fontAlgn="base"/>
+            <a:r>
+              <a:rPr lang="sv-SE" sz="1600" dirty="0" smtClean="0"/>
+              <a:t>p </a:t>
+            </a:r>
+            <a:r>
+              <a:rPr lang="sv-SE" sz="1600" dirty="0"/>
+              <a:t>{ </a:t>
+            </a:r>
+            <a:endParaRPr lang="sv-SE" sz="1600" dirty="0" smtClean="0"/>
+          </a:p>
+          <a:p>
+            <a:pPr fontAlgn="base"/>
+            <a:r>
+              <a:rPr lang="sv-SE" sz="1600" dirty="0" smtClean="0"/>
+              <a:t>border-style</a:t>
+            </a:r>
+            <a:r>
+              <a:rPr lang="sv-SE" sz="1600" dirty="0"/>
+              <a:t>: solid</a:t>
+            </a:r>
+            <a:r>
+              <a:rPr lang="sv-SE" sz="1600" dirty="0" smtClean="0"/>
+              <a:t>;</a:t>
+            </a:r>
+          </a:p>
+          <a:p>
+            <a:pPr fontAlgn="base"/>
+            <a:r>
+              <a:rPr lang="sv-SE" sz="1600" dirty="0" smtClean="0"/>
+              <a:t>border-color</a:t>
+            </a:r>
+            <a:r>
+              <a:rPr lang="sv-SE" sz="1600" dirty="0"/>
+              <a:t>: #ff0000</a:t>
+            </a:r>
+            <a:r>
+              <a:rPr lang="sv-SE" sz="1600" dirty="0" smtClean="0"/>
+              <a:t>;</a:t>
+            </a:r>
+          </a:p>
+          <a:p>
+            <a:pPr fontAlgn="base"/>
+            <a:r>
+              <a:rPr lang="sv-SE" sz="1600" dirty="0" smtClean="0"/>
+              <a:t> }</a:t>
+            </a:r>
+          </a:p>
+          <a:p>
+            <a:pPr fontAlgn="base"/>
+            <a:endParaRPr lang="sv-SE" sz="1600" b="1" u="sng" dirty="0"/>
+          </a:p>
+          <a:p>
+            <a:pPr fontAlgn="base"/>
+            <a:r>
+              <a:rPr lang="en-US" sz="1600" b="1" dirty="0"/>
+              <a:t>The Border Shorthand Property</a:t>
+            </a:r>
+          </a:p>
+          <a:p>
+            <a:pPr fontAlgn="base"/>
+            <a:r>
+              <a:rPr lang="en-US" sz="1600" dirty="0"/>
+              <a:t>p { </a:t>
+            </a:r>
+            <a:endParaRPr lang="en-US" sz="1600" dirty="0" smtClean="0"/>
+          </a:p>
+          <a:p>
+            <a:pPr fontAlgn="base"/>
+            <a:r>
+              <a:rPr lang="en-US" sz="1600" dirty="0" smtClean="0"/>
+              <a:t>border</a:t>
+            </a:r>
+            <a:r>
+              <a:rPr lang="en-US" sz="1600" dirty="0"/>
+              <a:t>: 5px solid #00ff00</a:t>
+            </a:r>
+            <a:r>
+              <a:rPr lang="en-US" sz="1600" dirty="0" smtClean="0"/>
+              <a:t>;</a:t>
+            </a:r>
+          </a:p>
+          <a:p>
+            <a:pPr fontAlgn="base"/>
+            <a:r>
+              <a:rPr lang="en-US" sz="1600" dirty="0" smtClean="0"/>
+              <a:t> </a:t>
+            </a:r>
+            <a:r>
+              <a:rPr lang="en-US" sz="1600" dirty="0"/>
+              <a:t>}</a:t>
+            </a:r>
+            <a:endParaRPr lang="en-US" sz="1600" b="1" u="sng" dirty="0"/>
           </a:p>
         </p:txBody>
       </p:sp>
     </p:spTree>
+    <p:extLst>
+      <p:ext uri="{BB962C8B-B14F-4D97-AF65-F5344CB8AC3E}">
+        <p14:creationId xmlns:p14="http://schemas.microsoft.com/office/powerpoint/2010/main" val="1048460430"/>
+      </p:ext>
+    </p:extLst>
+  </p:cSld>
+  <p:clrMapOvr>
+    <a:masterClrMapping/>
+  </p:clrMapOvr>
+  <p:timing>
+    <p:tnLst>
+      <p:par>
+        <p:cTn id="1" dur="indefinite" restart="never" nodeType="tmRoot"/>
+      </p:par>
+    </p:tnLst>
+  </p:timing>
+</p:sld>
+</file>
+
+<file path=ppt/slides/slide23.xml><?xml version="1.0" encoding="utf-8"?>
+<p:sld xmlns:a="http://schemas.openxmlformats.org/drawingml/2006/main" xmlns:r="http://schemas.openxmlformats.org/officeDocument/2006/relationships" xmlns:p="http://schemas.openxmlformats.org/presentationml/2006/main">
+  <p:cSld>
+    <p:spTree>
+      <p:nvGrpSpPr>
+        <p:cNvPr id="1" name="Shape 102"/>
+        <p:cNvGrpSpPr/>
+        <p:nvPr/>
+      </p:nvGrpSpPr>
+      <p:grpSpPr>
+        <a:xfrm>
+          <a:off x="0" y="0"/>
+          <a:ext cx="0" cy="0"/>
+          <a:chOff x="0" y="0"/>
+          <a:chExt cx="0" cy="0"/>
+        </a:xfrm>
+      </p:grpSpPr>
+      <p:sp>
+        <p:nvSpPr>
+          <p:cNvPr id="103" name="Google Shape;103;p16"/>
+          <p:cNvSpPr txBox="1">
+            <a:spLocks noGrp="1"/>
+          </p:cNvSpPr>
+          <p:nvPr>
+            <p:ph type="title"/>
+          </p:nvPr>
+        </p:nvSpPr>
+        <p:spPr>
+          <a:xfrm>
+            <a:off x="0" y="3650"/>
+            <a:ext cx="9144000" cy="472211"/>
+          </a:xfrm>
+          <a:prstGeom prst="rect">
+            <a:avLst/>
+          </a:prstGeom>
+        </p:spPr>
+        <p:txBody>
+          <a:bodyPr spcFirstLastPara="1" wrap="square" lIns="91425" tIns="91425" rIns="91425" bIns="91425" anchor="t" anchorCtr="0">
+            <a:noAutofit/>
+          </a:bodyPr>
+          <a:lstStyle/>
+          <a:p>
+            <a:pPr lvl="0" algn="ctr">
+              <a:buSzPts val="990"/>
+            </a:pPr>
+            <a:r>
+              <a:rPr lang="en" b="1" dirty="0"/>
+              <a:t>CSS  </a:t>
+            </a:r>
+            <a:r>
+              <a:rPr lang="en" b="1" dirty="0" smtClean="0"/>
+              <a:t>Border</a:t>
+            </a:r>
+            <a:endParaRPr b="1" dirty="0"/>
+          </a:p>
+        </p:txBody>
+      </p:sp>
+      <p:sp>
+        <p:nvSpPr>
+          <p:cNvPr id="2" name="Rectangle 1"/>
+          <p:cNvSpPr/>
+          <p:nvPr/>
+        </p:nvSpPr>
+        <p:spPr>
+          <a:xfrm>
+            <a:off x="363894" y="475861"/>
+            <a:ext cx="8257592" cy="3293209"/>
+          </a:xfrm>
+          <a:prstGeom prst="rect">
+            <a:avLst/>
+          </a:prstGeom>
+        </p:spPr>
+        <p:txBody>
+          <a:bodyPr wrap="square">
+            <a:spAutoFit/>
+          </a:bodyPr>
+          <a:lstStyle/>
+          <a:p>
+            <a:pPr algn="ctr" fontAlgn="base"/>
+            <a:r>
+              <a:rPr lang="en-US" sz="1600" b="1" u="sng" dirty="0"/>
+              <a:t>CSS Border </a:t>
+            </a:r>
+            <a:r>
+              <a:rPr lang="en-US" sz="1600" b="1" u="sng" dirty="0" smtClean="0"/>
+              <a:t>Properties</a:t>
+            </a:r>
+          </a:p>
+          <a:p>
+            <a:pPr algn="ctr" fontAlgn="base"/>
+            <a:endParaRPr lang="en-US" sz="1600" b="1" u="sng" dirty="0" smtClean="0"/>
+          </a:p>
+          <a:p>
+            <a:pPr fontAlgn="base"/>
+            <a:r>
+              <a:rPr lang="en-US" sz="1600" b="1" dirty="0"/>
+              <a:t>Creating CSS3 Rounded </a:t>
+            </a:r>
+            <a:r>
+              <a:rPr lang="en-US" sz="1600" b="1" dirty="0" smtClean="0"/>
+              <a:t>Corners</a:t>
+            </a:r>
+          </a:p>
+          <a:p>
+            <a:pPr fontAlgn="base"/>
+            <a:r>
+              <a:rPr lang="en-US" sz="1600" dirty="0"/>
+              <a:t>The </a:t>
+            </a:r>
+            <a:r>
+              <a:rPr lang="en-US" sz="1600" dirty="0"/>
+              <a:t>border-radius</a:t>
+            </a:r>
+            <a:r>
+              <a:rPr lang="en-US" sz="1600" dirty="0"/>
+              <a:t> property can be used to create rounded corners. </a:t>
+            </a:r>
+            <a:endParaRPr lang="en-US" sz="1600" dirty="0" smtClean="0"/>
+          </a:p>
+          <a:p>
+            <a:pPr fontAlgn="base"/>
+            <a:endParaRPr lang="en-US" sz="1600" b="1" dirty="0" smtClean="0"/>
+          </a:p>
+          <a:p>
+            <a:pPr fontAlgn="base"/>
+            <a:r>
+              <a:rPr lang="en-US" sz="1600" dirty="0"/>
+              <a:t>.box </a:t>
+            </a:r>
+            <a:r>
+              <a:rPr lang="en-US" sz="1600" dirty="0" smtClean="0"/>
+              <a:t>{ </a:t>
+            </a:r>
+          </a:p>
+          <a:p>
+            <a:pPr fontAlgn="base"/>
+            <a:r>
+              <a:rPr lang="en-US" sz="1600" dirty="0" smtClean="0"/>
+              <a:t>width</a:t>
+            </a:r>
+            <a:r>
+              <a:rPr lang="en-US" sz="1600" dirty="0"/>
+              <a:t>: 300px</a:t>
+            </a:r>
+            <a:r>
+              <a:rPr lang="en-US" sz="1600" dirty="0" smtClean="0"/>
+              <a:t>;</a:t>
+            </a:r>
+          </a:p>
+          <a:p>
+            <a:pPr fontAlgn="base"/>
+            <a:r>
+              <a:rPr lang="en-US" sz="1600" dirty="0" smtClean="0"/>
+              <a:t> </a:t>
+            </a:r>
+            <a:r>
+              <a:rPr lang="en-US" sz="1600" dirty="0"/>
+              <a:t>height: 150px</a:t>
+            </a:r>
+            <a:r>
+              <a:rPr lang="en-US" sz="1600" dirty="0" smtClean="0"/>
+              <a:t>;</a:t>
+            </a:r>
+          </a:p>
+          <a:p>
+            <a:pPr fontAlgn="base"/>
+            <a:r>
+              <a:rPr lang="en-US" sz="1600" dirty="0" smtClean="0"/>
+              <a:t> </a:t>
+            </a:r>
+            <a:r>
+              <a:rPr lang="en-US" sz="1600" dirty="0"/>
+              <a:t>background: #ffb6c1; </a:t>
+            </a:r>
+            <a:endParaRPr lang="en-US" sz="1600" dirty="0" smtClean="0"/>
+          </a:p>
+          <a:p>
+            <a:pPr fontAlgn="base"/>
+            <a:r>
+              <a:rPr lang="en-US" sz="1600" dirty="0"/>
+              <a:t> </a:t>
+            </a:r>
+            <a:r>
+              <a:rPr lang="en-US" sz="1600" dirty="0" smtClean="0"/>
+              <a:t>border</a:t>
+            </a:r>
+            <a:r>
+              <a:rPr lang="en-US" sz="1600" dirty="0"/>
+              <a:t>: 2px solid #f08080; </a:t>
+            </a:r>
+            <a:endParaRPr lang="en-US" sz="1600" dirty="0" smtClean="0"/>
+          </a:p>
+          <a:p>
+            <a:pPr fontAlgn="base"/>
+            <a:r>
+              <a:rPr lang="en-US" sz="1600" dirty="0"/>
+              <a:t> </a:t>
+            </a:r>
+            <a:r>
+              <a:rPr lang="en-US" sz="1600" dirty="0" smtClean="0"/>
+              <a:t>border-radius</a:t>
+            </a:r>
+            <a:r>
+              <a:rPr lang="en-US" sz="1600" dirty="0"/>
+              <a:t>: 20px</a:t>
+            </a:r>
+            <a:r>
+              <a:rPr lang="en-US" sz="1600" dirty="0" smtClean="0"/>
+              <a:t>;</a:t>
+            </a:r>
+          </a:p>
+          <a:p>
+            <a:pPr fontAlgn="base"/>
+            <a:r>
+              <a:rPr lang="en-US" sz="1600" dirty="0" smtClean="0"/>
+              <a:t> }</a:t>
+            </a:r>
+          </a:p>
+          <a:p>
+            <a:pPr fontAlgn="base"/>
+            <a:endParaRPr lang="en-US" sz="1600" b="1" dirty="0"/>
+          </a:p>
+        </p:txBody>
+      </p:sp>
+    </p:spTree>
+    <p:extLst>
+      <p:ext uri="{BB962C8B-B14F-4D97-AF65-F5344CB8AC3E}">
+        <p14:creationId xmlns:p14="http://schemas.microsoft.com/office/powerpoint/2010/main" val="1140807958"/>
+      </p:ext>
+    </p:extLst>
+  </p:cSld>
+  <p:clrMapOvr>
+    <a:masterClrMapping/>
+  </p:clrMapOvr>
+  <p:timing>
+    <p:tnLst>
+      <p:par>
+        <p:cTn id="1" dur="indefinite" restart="never" nodeType="tmRoot"/>
+      </p:par>
+    </p:tnLst>
+  </p:timing>
+</p:sld>
+</file>
+
+<file path=ppt/slides/slide24.xml><?xml version="1.0" encoding="utf-8"?>
+<p:sld xmlns:a="http://schemas.openxmlformats.org/drawingml/2006/main" xmlns:r="http://schemas.openxmlformats.org/officeDocument/2006/relationships" xmlns:p="http://schemas.openxmlformats.org/presentationml/2006/main">
+  <p:cSld>
+    <p:spTree>
+      <p:nvGrpSpPr>
+        <p:cNvPr id="1" name="Shape 102"/>
+        <p:cNvGrpSpPr/>
+        <p:nvPr/>
+      </p:nvGrpSpPr>
+      <p:grpSpPr>
+        <a:xfrm>
+          <a:off x="0" y="0"/>
+          <a:ext cx="0" cy="0"/>
+          <a:chOff x="0" y="0"/>
+          <a:chExt cx="0" cy="0"/>
+        </a:xfrm>
+      </p:grpSpPr>
+      <p:sp>
+        <p:nvSpPr>
+          <p:cNvPr id="103" name="Google Shape;103;p16"/>
+          <p:cNvSpPr txBox="1">
+            <a:spLocks noGrp="1"/>
+          </p:cNvSpPr>
+          <p:nvPr>
+            <p:ph type="title"/>
+          </p:nvPr>
+        </p:nvSpPr>
+        <p:spPr>
+          <a:xfrm>
+            <a:off x="0" y="3650"/>
+            <a:ext cx="9144000" cy="472211"/>
+          </a:xfrm>
+          <a:prstGeom prst="rect">
+            <a:avLst/>
+          </a:prstGeom>
+        </p:spPr>
+        <p:txBody>
+          <a:bodyPr spcFirstLastPara="1" wrap="square" lIns="91425" tIns="91425" rIns="91425" bIns="91425" anchor="t" anchorCtr="0">
+            <a:noAutofit/>
+          </a:bodyPr>
+          <a:lstStyle/>
+          <a:p>
+            <a:pPr lvl="0" algn="ctr">
+              <a:buSzPts val="990"/>
+            </a:pPr>
+            <a:r>
+              <a:rPr lang="en" b="1" dirty="0"/>
+              <a:t>CSS  </a:t>
+            </a:r>
+            <a:r>
+              <a:rPr lang="en" b="1" dirty="0" smtClean="0"/>
+              <a:t>Margin</a:t>
+            </a:r>
+            <a:endParaRPr b="1" dirty="0"/>
+          </a:p>
+        </p:txBody>
+      </p:sp>
+      <p:sp>
+        <p:nvSpPr>
+          <p:cNvPr id="2" name="Rectangle 1"/>
+          <p:cNvSpPr/>
+          <p:nvPr/>
+        </p:nvSpPr>
+        <p:spPr>
+          <a:xfrm>
+            <a:off x="363894" y="625151"/>
+            <a:ext cx="8257592" cy="3785652"/>
+          </a:xfrm>
+          <a:prstGeom prst="rect">
+            <a:avLst/>
+          </a:prstGeom>
+        </p:spPr>
+        <p:txBody>
+          <a:bodyPr wrap="square">
+            <a:spAutoFit/>
+          </a:bodyPr>
+          <a:lstStyle/>
+          <a:p>
+            <a:pPr algn="ctr" fontAlgn="base"/>
+            <a:r>
+              <a:rPr lang="en-US" sz="1600" b="1" u="sng" dirty="0"/>
+              <a:t>CSS </a:t>
+            </a:r>
+            <a:r>
+              <a:rPr lang="en-US" sz="1600" b="1" u="sng" dirty="0" smtClean="0"/>
+              <a:t>Margin Properties</a:t>
+            </a:r>
+          </a:p>
+          <a:p>
+            <a:pPr algn="ctr" fontAlgn="base"/>
+            <a:endParaRPr lang="en-US" sz="1600" b="1" u="sng" dirty="0" smtClean="0"/>
+          </a:p>
+          <a:p>
+            <a:pPr fontAlgn="base"/>
+            <a:r>
+              <a:rPr lang="en-US" sz="1600" dirty="0"/>
+              <a:t>The CSS margin properties allow you to set the spacing around the border of an element's box </a:t>
+            </a:r>
+            <a:endParaRPr lang="en-US" sz="1600" dirty="0" smtClean="0"/>
+          </a:p>
+          <a:p>
+            <a:pPr fontAlgn="base"/>
+            <a:endParaRPr lang="en-US" sz="1600" dirty="0"/>
+          </a:p>
+          <a:p>
+            <a:pPr fontAlgn="base"/>
+            <a:r>
+              <a:rPr lang="en-US" sz="1600" b="1" dirty="0"/>
+              <a:t>Setting Margins for Individual Sides</a:t>
+            </a:r>
+          </a:p>
+          <a:p>
+            <a:pPr fontAlgn="base"/>
+            <a:endParaRPr lang="en-US" sz="1600" dirty="0" smtClean="0"/>
+          </a:p>
+          <a:p>
+            <a:pPr fontAlgn="base"/>
+            <a:r>
+              <a:rPr lang="en-US" sz="1600" dirty="0"/>
+              <a:t>h1 { </a:t>
+            </a:r>
+            <a:endParaRPr lang="en-US" sz="1600" dirty="0" smtClean="0"/>
+          </a:p>
+          <a:p>
+            <a:pPr fontAlgn="base"/>
+            <a:r>
+              <a:rPr lang="en-US" sz="1600" dirty="0" smtClean="0"/>
+              <a:t>margin-top</a:t>
+            </a:r>
+            <a:r>
+              <a:rPr lang="en-US" sz="1600" dirty="0"/>
+              <a:t>: 50px</a:t>
+            </a:r>
+            <a:r>
+              <a:rPr lang="en-US" sz="1600" dirty="0" smtClean="0"/>
+              <a:t>;</a:t>
+            </a:r>
+          </a:p>
+          <a:p>
+            <a:pPr fontAlgn="base"/>
+            <a:r>
+              <a:rPr lang="en-US" sz="1600" dirty="0" smtClean="0"/>
+              <a:t> </a:t>
+            </a:r>
+            <a:r>
+              <a:rPr lang="en-US" sz="1600" dirty="0"/>
+              <a:t>margin-bottom: 100px</a:t>
+            </a:r>
+            <a:r>
+              <a:rPr lang="en-US" sz="1600" dirty="0" smtClean="0"/>
+              <a:t>;</a:t>
+            </a:r>
+          </a:p>
+          <a:p>
+            <a:pPr fontAlgn="base"/>
+            <a:r>
+              <a:rPr lang="en-US" sz="1600" dirty="0" smtClean="0"/>
+              <a:t> </a:t>
+            </a:r>
+            <a:r>
+              <a:rPr lang="en-US" sz="1600" dirty="0"/>
+              <a:t>} </a:t>
+            </a:r>
+            <a:endParaRPr lang="en-US" sz="1600" dirty="0" smtClean="0"/>
+          </a:p>
+          <a:p>
+            <a:pPr fontAlgn="base"/>
+            <a:endParaRPr lang="en-US" sz="1600" dirty="0"/>
+          </a:p>
+          <a:p>
+            <a:pPr fontAlgn="base"/>
+            <a:r>
+              <a:rPr lang="en-US" sz="1600" dirty="0" smtClean="0"/>
+              <a:t>p </a:t>
+            </a:r>
+            <a:r>
+              <a:rPr lang="en-US" sz="1600" dirty="0"/>
+              <a:t>{ margin-left: 75px</a:t>
+            </a:r>
+            <a:r>
+              <a:rPr lang="en-US" sz="1600" dirty="0" smtClean="0"/>
+              <a:t>;</a:t>
+            </a:r>
+          </a:p>
+          <a:p>
+            <a:pPr fontAlgn="base"/>
+            <a:r>
+              <a:rPr lang="en-US" sz="1600" dirty="0" smtClean="0"/>
+              <a:t> </a:t>
+            </a:r>
+            <a:r>
+              <a:rPr lang="en-US" sz="1600" dirty="0"/>
+              <a:t>margin-right: </a:t>
+            </a:r>
+            <a:r>
+              <a:rPr lang="en-US" sz="1600" dirty="0" smtClean="0"/>
+              <a:t>75px;</a:t>
+            </a:r>
+          </a:p>
+          <a:p>
+            <a:pPr fontAlgn="base"/>
+            <a:r>
+              <a:rPr lang="en-US" sz="1600" dirty="0" smtClean="0"/>
+              <a:t> }</a:t>
+            </a:r>
+            <a:endParaRPr lang="en-US" sz="1600" b="1" u="sng" dirty="0"/>
+          </a:p>
+        </p:txBody>
+      </p:sp>
+    </p:spTree>
+    <p:extLst>
+      <p:ext uri="{BB962C8B-B14F-4D97-AF65-F5344CB8AC3E}">
+        <p14:creationId xmlns:p14="http://schemas.microsoft.com/office/powerpoint/2010/main" val="2068726851"/>
+      </p:ext>
+    </p:extLst>
+  </p:cSld>
+  <p:clrMapOvr>
+    <a:masterClrMapping/>
+  </p:clrMapOvr>
+  <p:timing>
+    <p:tnLst>
+      <p:par>
+        <p:cTn id="1" dur="indefinite" restart="never" nodeType="tmRoot"/>
+      </p:par>
+    </p:tnLst>
+  </p:timing>
+</p:sld>
+</file>
+
+<file path=ppt/slides/slide25.xml><?xml version="1.0" encoding="utf-8"?>
+<p:sld xmlns:a="http://schemas.openxmlformats.org/drawingml/2006/main" xmlns:r="http://schemas.openxmlformats.org/officeDocument/2006/relationships" xmlns:p="http://schemas.openxmlformats.org/presentationml/2006/main">
+  <p:cSld>
+    <p:spTree>
+      <p:nvGrpSpPr>
+        <p:cNvPr id="1" name="Shape 102"/>
+        <p:cNvGrpSpPr/>
+        <p:nvPr/>
+      </p:nvGrpSpPr>
+      <p:grpSpPr>
+        <a:xfrm>
+          <a:off x="0" y="0"/>
+          <a:ext cx="0" cy="0"/>
+          <a:chOff x="0" y="0"/>
+          <a:chExt cx="0" cy="0"/>
+        </a:xfrm>
+      </p:grpSpPr>
+      <p:sp>
+        <p:nvSpPr>
+          <p:cNvPr id="103" name="Google Shape;103;p16"/>
+          <p:cNvSpPr txBox="1">
+            <a:spLocks noGrp="1"/>
+          </p:cNvSpPr>
+          <p:nvPr>
+            <p:ph type="title"/>
+          </p:nvPr>
+        </p:nvSpPr>
+        <p:spPr>
+          <a:xfrm>
+            <a:off x="0" y="3650"/>
+            <a:ext cx="9144000" cy="472211"/>
+          </a:xfrm>
+          <a:prstGeom prst="rect">
+            <a:avLst/>
+          </a:prstGeom>
+        </p:spPr>
+        <p:txBody>
+          <a:bodyPr spcFirstLastPara="1" wrap="square" lIns="91425" tIns="91425" rIns="91425" bIns="91425" anchor="t" anchorCtr="0">
+            <a:noAutofit/>
+          </a:bodyPr>
+          <a:lstStyle/>
+          <a:p>
+            <a:pPr lvl="0" algn="ctr">
+              <a:buSzPts val="990"/>
+            </a:pPr>
+            <a:r>
+              <a:rPr lang="en" b="1" dirty="0"/>
+              <a:t>CSS  </a:t>
+            </a:r>
+            <a:r>
+              <a:rPr lang="en" b="1" dirty="0" smtClean="0"/>
+              <a:t>Margin</a:t>
+            </a:r>
+            <a:endParaRPr b="1" dirty="0"/>
+          </a:p>
+        </p:txBody>
+      </p:sp>
+      <p:sp>
+        <p:nvSpPr>
+          <p:cNvPr id="2" name="Rectangle 1"/>
+          <p:cNvSpPr/>
+          <p:nvPr/>
+        </p:nvSpPr>
+        <p:spPr>
+          <a:xfrm>
+            <a:off x="363894" y="625151"/>
+            <a:ext cx="8257592" cy="3293209"/>
+          </a:xfrm>
+          <a:prstGeom prst="rect">
+            <a:avLst/>
+          </a:prstGeom>
+        </p:spPr>
+        <p:txBody>
+          <a:bodyPr wrap="square">
+            <a:spAutoFit/>
+          </a:bodyPr>
+          <a:lstStyle/>
+          <a:p>
+            <a:pPr algn="ctr" fontAlgn="base"/>
+            <a:r>
+              <a:rPr lang="en-US" sz="1600" b="1" u="sng" dirty="0"/>
+              <a:t>CSS </a:t>
+            </a:r>
+            <a:r>
+              <a:rPr lang="en-US" sz="1600" b="1" u="sng" dirty="0" smtClean="0"/>
+              <a:t>Margin Properties</a:t>
+            </a:r>
+          </a:p>
+          <a:p>
+            <a:pPr algn="ctr" fontAlgn="base"/>
+            <a:endParaRPr lang="en-US" sz="1600" b="1" u="sng" dirty="0" smtClean="0"/>
+          </a:p>
+          <a:p>
+            <a:pPr fontAlgn="base"/>
+            <a:r>
+              <a:rPr lang="en-US" sz="1600" b="1" dirty="0"/>
+              <a:t>The Margin Shorthand </a:t>
+            </a:r>
+            <a:r>
+              <a:rPr lang="en-US" sz="1600" b="1" dirty="0" smtClean="0"/>
+              <a:t>Property</a:t>
+            </a:r>
+          </a:p>
+          <a:p>
+            <a:pPr fontAlgn="base"/>
+            <a:r>
+              <a:rPr lang="en-US" sz="1600" dirty="0"/>
+              <a:t>The </a:t>
+            </a:r>
+            <a:r>
+              <a:rPr lang="en-US" sz="1600" dirty="0"/>
+              <a:t>margin</a:t>
+            </a:r>
+            <a:r>
+              <a:rPr lang="en-US" sz="1600" dirty="0"/>
+              <a:t> property is a shorthand property to avoid setting margin of each side separately, i.e., </a:t>
+            </a:r>
+            <a:r>
+              <a:rPr lang="en-US" sz="1600" dirty="0"/>
+              <a:t>margin-top</a:t>
+            </a:r>
+            <a:r>
+              <a:rPr lang="en-US" sz="1600" dirty="0"/>
+              <a:t>, </a:t>
+            </a:r>
+            <a:r>
+              <a:rPr lang="en-US" sz="1600" dirty="0"/>
+              <a:t>margin-right</a:t>
+            </a:r>
+            <a:r>
+              <a:rPr lang="en-US" sz="1600" dirty="0"/>
+              <a:t>, </a:t>
+            </a:r>
+            <a:r>
+              <a:rPr lang="en-US" sz="1600" dirty="0"/>
+              <a:t>margin-bottom</a:t>
+            </a:r>
+            <a:r>
+              <a:rPr lang="en-US" sz="1600" dirty="0"/>
+              <a:t> and </a:t>
+            </a:r>
+            <a:r>
+              <a:rPr lang="en-US" sz="1600" dirty="0"/>
+              <a:t>margin-left</a:t>
+            </a:r>
+            <a:r>
+              <a:rPr lang="en-US" sz="1600" dirty="0" smtClean="0"/>
+              <a:t>.</a:t>
+            </a:r>
+          </a:p>
+          <a:p>
+            <a:pPr fontAlgn="base"/>
+            <a:endParaRPr lang="en-US" sz="1600" b="1" dirty="0" smtClean="0"/>
+          </a:p>
+          <a:p>
+            <a:pPr fontAlgn="base"/>
+            <a:r>
+              <a:rPr lang="en-US" sz="1600" dirty="0"/>
+              <a:t>h1 </a:t>
+            </a:r>
+            <a:r>
+              <a:rPr lang="en-US" sz="1600" dirty="0" smtClean="0"/>
+              <a:t>{ </a:t>
+            </a:r>
+            <a:r>
+              <a:rPr lang="en-US" sz="1600" dirty="0"/>
+              <a:t>margin: 50px; /* apply to all four sides </a:t>
+            </a:r>
+            <a:r>
+              <a:rPr lang="en-US" sz="1600" dirty="0" smtClean="0"/>
+              <a:t>*/ }</a:t>
+            </a:r>
+          </a:p>
+          <a:p>
+            <a:pPr fontAlgn="base"/>
+            <a:endParaRPr lang="en-US" sz="1600" dirty="0"/>
+          </a:p>
+          <a:p>
+            <a:pPr fontAlgn="base"/>
+            <a:r>
+              <a:rPr lang="en-US" sz="1600" dirty="0" smtClean="0"/>
+              <a:t>p </a:t>
+            </a:r>
+            <a:r>
+              <a:rPr lang="en-US" sz="1600" dirty="0"/>
+              <a:t>{ margin: 25px 75px; /* vertical | horizontal */ } </a:t>
+            </a:r>
+            <a:endParaRPr lang="en-US" sz="1600" dirty="0" smtClean="0"/>
+          </a:p>
+          <a:p>
+            <a:pPr fontAlgn="base"/>
+            <a:endParaRPr lang="en-US" sz="1600" dirty="0" smtClean="0"/>
+          </a:p>
+          <a:p>
+            <a:pPr fontAlgn="base"/>
+            <a:r>
+              <a:rPr lang="en-US" sz="1600" dirty="0" smtClean="0"/>
+              <a:t>div </a:t>
+            </a:r>
+            <a:r>
+              <a:rPr lang="en-US" sz="1600" dirty="0"/>
+              <a:t>{ margin: 25px 50px 75px; /* top | horizontal | bottom */ </a:t>
+            </a:r>
+            <a:r>
+              <a:rPr lang="en-US" sz="1600" dirty="0" smtClean="0"/>
+              <a:t>}</a:t>
+            </a:r>
+          </a:p>
+          <a:p>
+            <a:pPr fontAlgn="base"/>
+            <a:endParaRPr lang="en-US" sz="1600" dirty="0" smtClean="0"/>
+          </a:p>
+          <a:p>
+            <a:pPr fontAlgn="base"/>
+            <a:r>
+              <a:rPr lang="en-US" sz="1600" dirty="0" err="1" smtClean="0"/>
+              <a:t>hr</a:t>
+            </a:r>
+            <a:r>
+              <a:rPr lang="en-US" sz="1600" dirty="0" smtClean="0"/>
+              <a:t> </a:t>
+            </a:r>
+            <a:r>
+              <a:rPr lang="en-US" sz="1600" dirty="0"/>
+              <a:t>{ margin: 25px 50px 75px 100px; /* top | right | bottom | left */ }</a:t>
+            </a:r>
+            <a:endParaRPr lang="en-US" sz="1600" b="1" dirty="0"/>
+          </a:p>
+        </p:txBody>
+      </p:sp>
+    </p:spTree>
+    <p:extLst>
+      <p:ext uri="{BB962C8B-B14F-4D97-AF65-F5344CB8AC3E}">
+        <p14:creationId xmlns:p14="http://schemas.microsoft.com/office/powerpoint/2010/main" val="3736611268"/>
+      </p:ext>
+    </p:extLst>
+  </p:cSld>
+  <p:clrMapOvr>
+    <a:masterClrMapping/>
+  </p:clrMapOvr>
+  <p:timing>
+    <p:tnLst>
+      <p:par>
+        <p:cTn id="1" dur="indefinite" restart="never" nodeType="tmRoot"/>
+      </p:par>
+    </p:tnLst>
+  </p:timing>
+</p:sld>
+</file>
+
+<file path=ppt/slides/slide26.xml><?xml version="1.0" encoding="utf-8"?>
+<p:sld xmlns:a="http://schemas.openxmlformats.org/drawingml/2006/main" xmlns:r="http://schemas.openxmlformats.org/officeDocument/2006/relationships" xmlns:p="http://schemas.openxmlformats.org/presentationml/2006/main">
+  <p:cSld>
+    <p:spTree>
+      <p:nvGrpSpPr>
+        <p:cNvPr id="1" name="Shape 102"/>
+        <p:cNvGrpSpPr/>
+        <p:nvPr/>
+      </p:nvGrpSpPr>
+      <p:grpSpPr>
+        <a:xfrm>
+          <a:off x="0" y="0"/>
+          <a:ext cx="0" cy="0"/>
+          <a:chOff x="0" y="0"/>
+          <a:chExt cx="0" cy="0"/>
+        </a:xfrm>
+      </p:grpSpPr>
+      <p:sp>
+        <p:nvSpPr>
+          <p:cNvPr id="103" name="Google Shape;103;p16"/>
+          <p:cNvSpPr txBox="1">
+            <a:spLocks noGrp="1"/>
+          </p:cNvSpPr>
+          <p:nvPr>
+            <p:ph type="title"/>
+          </p:nvPr>
+        </p:nvSpPr>
+        <p:spPr>
+          <a:xfrm>
+            <a:off x="0" y="3650"/>
+            <a:ext cx="9144000" cy="546856"/>
+          </a:xfrm>
+          <a:prstGeom prst="rect">
+            <a:avLst/>
+          </a:prstGeom>
+        </p:spPr>
+        <p:txBody>
+          <a:bodyPr spcFirstLastPara="1" wrap="square" lIns="91425" tIns="91425" rIns="91425" bIns="91425" anchor="t" anchorCtr="0">
+            <a:noAutofit/>
+          </a:bodyPr>
+          <a:lstStyle/>
+          <a:p>
+            <a:pPr lvl="0" algn="ctr">
+              <a:buSzPts val="990"/>
+            </a:pPr>
+            <a:r>
+              <a:rPr lang="en" b="1" dirty="0"/>
+              <a:t>CSS  </a:t>
+            </a:r>
+            <a:r>
+              <a:rPr lang="en" b="1" dirty="0" smtClean="0"/>
+              <a:t>Padding</a:t>
+            </a:r>
+            <a:endParaRPr b="1" dirty="0"/>
+          </a:p>
+        </p:txBody>
+      </p:sp>
+      <p:sp>
+        <p:nvSpPr>
+          <p:cNvPr id="2" name="Rectangle 1"/>
+          <p:cNvSpPr/>
+          <p:nvPr/>
+        </p:nvSpPr>
+        <p:spPr>
+          <a:xfrm>
+            <a:off x="363894" y="625151"/>
+            <a:ext cx="8257592" cy="4031873"/>
+          </a:xfrm>
+          <a:prstGeom prst="rect">
+            <a:avLst/>
+          </a:prstGeom>
+        </p:spPr>
+        <p:txBody>
+          <a:bodyPr wrap="square">
+            <a:spAutoFit/>
+          </a:bodyPr>
+          <a:lstStyle/>
+          <a:p>
+            <a:pPr algn="ctr" fontAlgn="base"/>
+            <a:r>
+              <a:rPr lang="en-US" sz="1600" b="1" u="sng" dirty="0"/>
+              <a:t>CSS </a:t>
+            </a:r>
+            <a:r>
+              <a:rPr lang="en-US" sz="1600" b="1" u="sng" dirty="0" smtClean="0"/>
+              <a:t>Padding Properties</a:t>
+            </a:r>
+          </a:p>
+          <a:p>
+            <a:pPr algn="ctr" fontAlgn="base"/>
+            <a:endParaRPr lang="en-US" sz="1600" b="1" u="sng" dirty="0" smtClean="0"/>
+          </a:p>
+          <a:p>
+            <a:pPr fontAlgn="base"/>
+            <a:r>
+              <a:rPr lang="en-US" sz="1600" dirty="0"/>
+              <a:t>The CSS padding properties allow you to set the spacing between the content of an element and its </a:t>
+            </a:r>
+            <a:r>
+              <a:rPr lang="en-US" sz="1600" dirty="0" smtClean="0"/>
+              <a:t>border</a:t>
+            </a:r>
+          </a:p>
+          <a:p>
+            <a:pPr fontAlgn="base"/>
+            <a:endParaRPr lang="en-US" sz="1600" b="1" dirty="0"/>
+          </a:p>
+          <a:p>
+            <a:pPr fontAlgn="base"/>
+            <a:r>
+              <a:rPr lang="en-US" sz="1600" b="1" dirty="0"/>
+              <a:t>Define Paddings for Individual Sides</a:t>
+            </a:r>
+          </a:p>
+          <a:p>
+            <a:pPr fontAlgn="base"/>
+            <a:endParaRPr lang="en-US" sz="1600" b="1" dirty="0" smtClean="0"/>
+          </a:p>
+          <a:p>
+            <a:pPr fontAlgn="base"/>
+            <a:r>
+              <a:rPr lang="en-US" sz="1600" dirty="0"/>
+              <a:t>h1 </a:t>
+            </a:r>
+            <a:r>
+              <a:rPr lang="en-US" sz="1600" dirty="0" smtClean="0"/>
+              <a:t>{ </a:t>
+            </a:r>
+          </a:p>
+          <a:p>
+            <a:pPr fontAlgn="base"/>
+            <a:r>
+              <a:rPr lang="en-US" sz="1600" dirty="0" smtClean="0"/>
+              <a:t>padding-top</a:t>
+            </a:r>
+            <a:r>
+              <a:rPr lang="en-US" sz="1600" dirty="0"/>
+              <a:t>: 50px; </a:t>
+            </a:r>
+            <a:endParaRPr lang="en-US" sz="1600" dirty="0" smtClean="0"/>
+          </a:p>
+          <a:p>
+            <a:pPr fontAlgn="base"/>
+            <a:r>
+              <a:rPr lang="en-US" sz="1600" dirty="0" smtClean="0"/>
+              <a:t>padding-bottom</a:t>
+            </a:r>
+            <a:r>
+              <a:rPr lang="en-US" sz="1600" dirty="0"/>
+              <a:t>: 100px</a:t>
+            </a:r>
+            <a:r>
+              <a:rPr lang="en-US" sz="1600" dirty="0" smtClean="0"/>
+              <a:t>;</a:t>
+            </a:r>
+          </a:p>
+          <a:p>
+            <a:pPr fontAlgn="base"/>
+            <a:r>
+              <a:rPr lang="en-US" sz="1600" dirty="0" smtClean="0"/>
+              <a:t> </a:t>
+            </a:r>
+            <a:r>
+              <a:rPr lang="en-US" sz="1600" dirty="0"/>
+              <a:t>} </a:t>
+            </a:r>
+            <a:endParaRPr lang="en-US" sz="1600" dirty="0" smtClean="0"/>
+          </a:p>
+          <a:p>
+            <a:pPr fontAlgn="base"/>
+            <a:endParaRPr lang="en-US" sz="1600" dirty="0"/>
+          </a:p>
+          <a:p>
+            <a:pPr fontAlgn="base"/>
+            <a:r>
+              <a:rPr lang="en-US" sz="1600" dirty="0" smtClean="0"/>
+              <a:t>p {</a:t>
+            </a:r>
+          </a:p>
+          <a:p>
+            <a:pPr fontAlgn="base"/>
+            <a:r>
+              <a:rPr lang="en-US" sz="1600" dirty="0" smtClean="0"/>
+              <a:t> </a:t>
+            </a:r>
+            <a:r>
+              <a:rPr lang="en-US" sz="1600" dirty="0"/>
+              <a:t>padding-left: 75px</a:t>
+            </a:r>
+            <a:r>
+              <a:rPr lang="en-US" sz="1600" dirty="0" smtClean="0"/>
+              <a:t>;</a:t>
+            </a:r>
+          </a:p>
+          <a:p>
+            <a:pPr fontAlgn="base"/>
+            <a:r>
+              <a:rPr lang="en-US" sz="1600" dirty="0" smtClean="0"/>
+              <a:t> </a:t>
+            </a:r>
+            <a:r>
+              <a:rPr lang="en-US" sz="1600" dirty="0"/>
+              <a:t>padding-right: 75px</a:t>
+            </a:r>
+            <a:r>
+              <a:rPr lang="en-US" sz="1600" dirty="0" smtClean="0"/>
+              <a:t>;</a:t>
+            </a:r>
+          </a:p>
+          <a:p>
+            <a:pPr fontAlgn="base"/>
+            <a:r>
+              <a:rPr lang="en-US" sz="1600" dirty="0" smtClean="0"/>
+              <a:t> </a:t>
+            </a:r>
+            <a:r>
+              <a:rPr lang="en-US" sz="1600" dirty="0"/>
+              <a:t>}</a:t>
+            </a:r>
+            <a:endParaRPr lang="en-US" sz="1600" b="1" dirty="0"/>
+          </a:p>
+        </p:txBody>
+      </p:sp>
+    </p:spTree>
+    <p:extLst>
+      <p:ext uri="{BB962C8B-B14F-4D97-AF65-F5344CB8AC3E}">
+        <p14:creationId xmlns:p14="http://schemas.microsoft.com/office/powerpoint/2010/main" val="741543992"/>
+      </p:ext>
+    </p:extLst>
+  </p:cSld>
+  <p:clrMapOvr>
+    <a:masterClrMapping/>
+  </p:clrMapOvr>
+  <p:timing>
+    <p:tnLst>
+      <p:par>
+        <p:cTn id="1" dur="indefinite" restart="never" nodeType="tmRoot"/>
+      </p:par>
+    </p:tnLst>
+  </p:timing>
+</p:sld>
+</file>
+
+<file path=ppt/slides/slide27.xml><?xml version="1.0" encoding="utf-8"?>
+<p:sld xmlns:a="http://schemas.openxmlformats.org/drawingml/2006/main" xmlns:r="http://schemas.openxmlformats.org/officeDocument/2006/relationships" xmlns:p="http://schemas.openxmlformats.org/presentationml/2006/main">
+  <p:cSld>
+    <p:spTree>
+      <p:nvGrpSpPr>
+        <p:cNvPr id="1" name="Shape 102"/>
+        <p:cNvGrpSpPr/>
+        <p:nvPr/>
+      </p:nvGrpSpPr>
+      <p:grpSpPr>
+        <a:xfrm>
+          <a:off x="0" y="0"/>
+          <a:ext cx="0" cy="0"/>
+          <a:chOff x="0" y="0"/>
+          <a:chExt cx="0" cy="0"/>
+        </a:xfrm>
+      </p:grpSpPr>
+      <p:sp>
+        <p:nvSpPr>
+          <p:cNvPr id="103" name="Google Shape;103;p16"/>
+          <p:cNvSpPr txBox="1">
+            <a:spLocks noGrp="1"/>
+          </p:cNvSpPr>
+          <p:nvPr>
+            <p:ph type="title"/>
+          </p:nvPr>
+        </p:nvSpPr>
+        <p:spPr>
+          <a:xfrm>
+            <a:off x="0" y="3650"/>
+            <a:ext cx="9144000" cy="472211"/>
+          </a:xfrm>
+          <a:prstGeom prst="rect">
+            <a:avLst/>
+          </a:prstGeom>
+        </p:spPr>
+        <p:txBody>
+          <a:bodyPr spcFirstLastPara="1" wrap="square" lIns="91425" tIns="91425" rIns="91425" bIns="91425" anchor="t" anchorCtr="0">
+            <a:noAutofit/>
+          </a:bodyPr>
+          <a:lstStyle/>
+          <a:p>
+            <a:pPr lvl="0" algn="ctr">
+              <a:buSzPts val="990"/>
+            </a:pPr>
+            <a:r>
+              <a:rPr lang="en" b="1" dirty="0"/>
+              <a:t>CSS  </a:t>
+            </a:r>
+            <a:r>
+              <a:rPr lang="en" b="1" dirty="0" smtClean="0"/>
+              <a:t>Padding</a:t>
+            </a:r>
+            <a:endParaRPr b="1" dirty="0"/>
+          </a:p>
+        </p:txBody>
+      </p:sp>
+      <p:sp>
+        <p:nvSpPr>
+          <p:cNvPr id="2" name="Rectangle 1"/>
+          <p:cNvSpPr/>
+          <p:nvPr/>
+        </p:nvSpPr>
+        <p:spPr>
+          <a:xfrm>
+            <a:off x="363894" y="625151"/>
+            <a:ext cx="8257592" cy="3293209"/>
+          </a:xfrm>
+          <a:prstGeom prst="rect">
+            <a:avLst/>
+          </a:prstGeom>
+        </p:spPr>
+        <p:txBody>
+          <a:bodyPr wrap="square">
+            <a:spAutoFit/>
+          </a:bodyPr>
+          <a:lstStyle/>
+          <a:p>
+            <a:pPr algn="ctr" fontAlgn="base"/>
+            <a:r>
+              <a:rPr lang="en-US" sz="1600" b="1" u="sng" dirty="0"/>
+              <a:t>CSS </a:t>
+            </a:r>
+            <a:r>
+              <a:rPr lang="en-US" sz="1600" b="1" u="sng" dirty="0" smtClean="0"/>
+              <a:t>Padding Properties</a:t>
+            </a:r>
+          </a:p>
+          <a:p>
+            <a:pPr algn="ctr" fontAlgn="base"/>
+            <a:endParaRPr lang="en-US" sz="1600" b="1" u="sng" dirty="0" smtClean="0"/>
+          </a:p>
+          <a:p>
+            <a:pPr fontAlgn="base"/>
+            <a:r>
+              <a:rPr lang="en-US" sz="1600" b="1" dirty="0"/>
+              <a:t>The </a:t>
+            </a:r>
+            <a:r>
+              <a:rPr lang="en-US" sz="1600" b="1" dirty="0" smtClean="0"/>
+              <a:t>Padding </a:t>
+            </a:r>
+            <a:r>
+              <a:rPr lang="en-US" sz="1600" b="1" dirty="0"/>
+              <a:t>Shorthand </a:t>
+            </a:r>
+            <a:r>
+              <a:rPr lang="en-US" sz="1600" b="1" dirty="0" smtClean="0"/>
+              <a:t>Property</a:t>
+            </a:r>
+          </a:p>
+          <a:p>
+            <a:pPr fontAlgn="base"/>
+            <a:r>
+              <a:rPr lang="en-US" sz="1600" dirty="0"/>
+              <a:t>The </a:t>
+            </a:r>
+            <a:r>
+              <a:rPr lang="en-US" sz="1600" dirty="0"/>
+              <a:t>padding</a:t>
+            </a:r>
+            <a:r>
+              <a:rPr lang="en-US" sz="1600" dirty="0"/>
+              <a:t> property is a shorthand property to avoid setting padding of each side separately, i.e., </a:t>
+            </a:r>
+            <a:r>
+              <a:rPr lang="en-US" sz="1600" dirty="0"/>
+              <a:t>padding-top</a:t>
+            </a:r>
+            <a:r>
+              <a:rPr lang="en-US" sz="1600" dirty="0"/>
+              <a:t>, </a:t>
+            </a:r>
+            <a:r>
+              <a:rPr lang="en-US" sz="1600" dirty="0"/>
+              <a:t>padding-right</a:t>
+            </a:r>
+            <a:r>
+              <a:rPr lang="en-US" sz="1600" dirty="0"/>
+              <a:t>, </a:t>
+            </a:r>
+            <a:r>
+              <a:rPr lang="en-US" sz="1600" dirty="0"/>
+              <a:t>padding-bottom</a:t>
+            </a:r>
+            <a:r>
+              <a:rPr lang="en-US" sz="1600" dirty="0"/>
+              <a:t> and </a:t>
+            </a:r>
+            <a:r>
+              <a:rPr lang="en-US" sz="1600" dirty="0"/>
+              <a:t>padding-left</a:t>
+            </a:r>
+            <a:r>
+              <a:rPr lang="en-US" sz="1600" dirty="0" smtClean="0"/>
+              <a:t>.</a:t>
+            </a:r>
+          </a:p>
+          <a:p>
+            <a:pPr fontAlgn="base"/>
+            <a:endParaRPr lang="en-US" sz="1600" b="1" dirty="0" smtClean="0"/>
+          </a:p>
+          <a:p>
+            <a:pPr fontAlgn="base"/>
+            <a:r>
+              <a:rPr lang="en-US" sz="1600" dirty="0"/>
+              <a:t>h1 { padding: 50px; /* apply to all four sides */ </a:t>
+            </a:r>
+            <a:r>
+              <a:rPr lang="en-US" sz="1600" dirty="0" smtClean="0"/>
+              <a:t>}</a:t>
+            </a:r>
+          </a:p>
+          <a:p>
+            <a:pPr fontAlgn="base"/>
+            <a:endParaRPr lang="en-US" sz="1600" dirty="0" smtClean="0"/>
+          </a:p>
+          <a:p>
+            <a:pPr fontAlgn="base"/>
+            <a:r>
+              <a:rPr lang="en-US" sz="1600" dirty="0" smtClean="0"/>
+              <a:t>p </a:t>
+            </a:r>
+            <a:r>
+              <a:rPr lang="en-US" sz="1600" dirty="0"/>
+              <a:t>{ padding: 25px 75px; /* vertical | horizontal */ </a:t>
+            </a:r>
+            <a:r>
+              <a:rPr lang="en-US" sz="1600" dirty="0" smtClean="0"/>
+              <a:t>}</a:t>
+            </a:r>
+          </a:p>
+          <a:p>
+            <a:pPr fontAlgn="base"/>
+            <a:endParaRPr lang="en-US" sz="1600" dirty="0" smtClean="0"/>
+          </a:p>
+          <a:p>
+            <a:pPr fontAlgn="base"/>
+            <a:r>
+              <a:rPr lang="en-US" sz="1600" dirty="0" smtClean="0"/>
+              <a:t>div </a:t>
+            </a:r>
+            <a:r>
+              <a:rPr lang="en-US" sz="1600" dirty="0"/>
+              <a:t>{ padding: 25px 50px 75px; /* top | horizontal | bottom */ </a:t>
+            </a:r>
+            <a:r>
+              <a:rPr lang="en-US" sz="1600" dirty="0" smtClean="0"/>
+              <a:t>}</a:t>
+            </a:r>
+          </a:p>
+          <a:p>
+            <a:pPr fontAlgn="base"/>
+            <a:endParaRPr lang="en-US" sz="1600" dirty="0" smtClean="0"/>
+          </a:p>
+          <a:p>
+            <a:pPr fontAlgn="base"/>
+            <a:r>
+              <a:rPr lang="en-US" sz="1600" dirty="0" smtClean="0"/>
+              <a:t>pre </a:t>
+            </a:r>
+            <a:r>
+              <a:rPr lang="en-US" sz="1600" dirty="0"/>
+              <a:t>{ padding: 25px 50px 75px 100px; /* top | right | bottom | left */ }</a:t>
+            </a:r>
+            <a:endParaRPr lang="en-US" sz="1600" b="1" dirty="0"/>
+          </a:p>
+        </p:txBody>
+      </p:sp>
+    </p:spTree>
+    <p:extLst>
+      <p:ext uri="{BB962C8B-B14F-4D97-AF65-F5344CB8AC3E}">
+        <p14:creationId xmlns:p14="http://schemas.microsoft.com/office/powerpoint/2010/main" val="1611789234"/>
+      </p:ext>
+    </p:extLst>
+  </p:cSld>
+  <p:clrMapOvr>
+    <a:masterClrMapping/>
+  </p:clrMapOvr>
+  <p:timing>
+    <p:tnLst>
+      <p:par>
+        <p:cTn id="1" dur="indefinite" restart="never" nodeType="tmRoot"/>
+      </p:par>
+    </p:tnLst>
+  </p:timing>
+</p:sld>
+</file>
+
+<file path=ppt/slides/slide28.xml><?xml version="1.0" encoding="utf-8"?>
+<p:sld xmlns:a="http://schemas.openxmlformats.org/drawingml/2006/main" xmlns:r="http://schemas.openxmlformats.org/officeDocument/2006/relationships" xmlns:p="http://schemas.openxmlformats.org/presentationml/2006/main">
+  <p:cSld>
+    <p:spTree>
+      <p:nvGrpSpPr>
+        <p:cNvPr id="1" name="Shape 102"/>
+        <p:cNvGrpSpPr/>
+        <p:nvPr/>
+      </p:nvGrpSpPr>
+      <p:grpSpPr>
+        <a:xfrm>
+          <a:off x="0" y="0"/>
+          <a:ext cx="0" cy="0"/>
+          <a:chOff x="0" y="0"/>
+          <a:chExt cx="0" cy="0"/>
+        </a:xfrm>
+      </p:grpSpPr>
+      <p:sp>
+        <p:nvSpPr>
+          <p:cNvPr id="103" name="Google Shape;103;p16"/>
+          <p:cNvSpPr txBox="1">
+            <a:spLocks noGrp="1"/>
+          </p:cNvSpPr>
+          <p:nvPr>
+            <p:ph type="title"/>
+          </p:nvPr>
+        </p:nvSpPr>
+        <p:spPr>
+          <a:xfrm>
+            <a:off x="0" y="3650"/>
+            <a:ext cx="9144000" cy="472211"/>
+          </a:xfrm>
+          <a:prstGeom prst="rect">
+            <a:avLst/>
+          </a:prstGeom>
+        </p:spPr>
+        <p:txBody>
+          <a:bodyPr spcFirstLastPara="1" wrap="square" lIns="91425" tIns="91425" rIns="91425" bIns="91425" anchor="t" anchorCtr="0">
+            <a:noAutofit/>
+          </a:bodyPr>
+          <a:lstStyle/>
+          <a:p>
+            <a:pPr lvl="0" algn="ctr">
+              <a:buSzPts val="990"/>
+            </a:pPr>
+            <a:r>
+              <a:rPr lang="en" b="1" dirty="0"/>
+              <a:t>CSS  </a:t>
+            </a:r>
+            <a:r>
+              <a:rPr lang="en" b="1" dirty="0" smtClean="0"/>
+              <a:t>Text</a:t>
+            </a:r>
+            <a:endParaRPr b="1" dirty="0"/>
+          </a:p>
+        </p:txBody>
+      </p:sp>
+      <p:sp>
+        <p:nvSpPr>
+          <p:cNvPr id="2" name="Rectangle 1"/>
+          <p:cNvSpPr/>
+          <p:nvPr/>
+        </p:nvSpPr>
+        <p:spPr>
+          <a:xfrm>
+            <a:off x="363894" y="625151"/>
+            <a:ext cx="8257592" cy="4278094"/>
+          </a:xfrm>
+          <a:prstGeom prst="rect">
+            <a:avLst/>
+          </a:prstGeom>
+        </p:spPr>
+        <p:txBody>
+          <a:bodyPr wrap="square">
+            <a:spAutoFit/>
+          </a:bodyPr>
+          <a:lstStyle/>
+          <a:p>
+            <a:pPr algn="ctr" fontAlgn="base"/>
+            <a:r>
+              <a:rPr lang="en-US" sz="1600" b="1" u="sng" dirty="0"/>
+              <a:t>CSS </a:t>
+            </a:r>
+            <a:r>
+              <a:rPr lang="en-US" sz="1600" b="1" u="sng" dirty="0" smtClean="0"/>
+              <a:t>Text Properties</a:t>
+            </a:r>
+          </a:p>
+          <a:p>
+            <a:pPr algn="ctr" fontAlgn="base"/>
+            <a:endParaRPr lang="en-US" sz="1600" b="1" u="sng" dirty="0" smtClean="0"/>
+          </a:p>
+          <a:p>
+            <a:pPr fontAlgn="base"/>
+            <a:r>
+              <a:rPr lang="en-US" sz="1600" b="1" dirty="0" smtClean="0"/>
+              <a:t>Formatting Text </a:t>
+            </a:r>
+            <a:r>
+              <a:rPr lang="en-US" sz="1600" b="1" dirty="0"/>
+              <a:t>with </a:t>
+            </a:r>
+            <a:r>
+              <a:rPr lang="en-US" sz="1600" b="1" dirty="0" smtClean="0"/>
+              <a:t>CSS</a:t>
+            </a:r>
+          </a:p>
+          <a:p>
+            <a:pPr fontAlgn="base"/>
+            <a:endParaRPr lang="en-US" sz="1600" b="1" dirty="0"/>
+          </a:p>
+          <a:p>
+            <a:pPr fontAlgn="base"/>
+            <a:r>
+              <a:rPr lang="en-US" sz="1600" dirty="0"/>
+              <a:t>CSS provides several properties that allows you to define various text styles such as color, alignment, spacing, decoration, transformation, etc. very easily and effectively</a:t>
+            </a:r>
+            <a:r>
+              <a:rPr lang="en-US" sz="1600" dirty="0" smtClean="0"/>
+              <a:t>.</a:t>
+            </a:r>
+          </a:p>
+          <a:p>
+            <a:pPr fontAlgn="base"/>
+            <a:endParaRPr lang="en-US" sz="1600" b="1" dirty="0"/>
+          </a:p>
+          <a:p>
+            <a:pPr fontAlgn="base"/>
+            <a:r>
+              <a:rPr lang="en-US" sz="1600" dirty="0"/>
+              <a:t>The commonly used text properties are: </a:t>
+            </a:r>
+            <a:r>
+              <a:rPr lang="en-US" sz="1600" dirty="0"/>
+              <a:t>text-align</a:t>
+            </a:r>
+            <a:r>
+              <a:rPr lang="en-US" sz="1600" dirty="0"/>
+              <a:t>, </a:t>
+            </a:r>
+            <a:r>
+              <a:rPr lang="en-US" sz="1600" dirty="0"/>
+              <a:t>text-decoration</a:t>
+            </a:r>
+            <a:r>
+              <a:rPr lang="en-US" sz="1600" dirty="0"/>
+              <a:t>, </a:t>
+            </a:r>
+            <a:r>
+              <a:rPr lang="en-US" sz="1600" dirty="0"/>
+              <a:t>text-transform</a:t>
+            </a:r>
+            <a:r>
+              <a:rPr lang="en-US" sz="1600" dirty="0"/>
+              <a:t>, </a:t>
+            </a:r>
+            <a:r>
+              <a:rPr lang="en-US" sz="1600" dirty="0"/>
+              <a:t>text-indent</a:t>
+            </a:r>
+            <a:r>
+              <a:rPr lang="en-US" sz="1600" dirty="0"/>
+              <a:t>, </a:t>
+            </a:r>
+            <a:r>
+              <a:rPr lang="en-US" sz="1600" dirty="0"/>
+              <a:t>line-height</a:t>
+            </a:r>
+            <a:r>
+              <a:rPr lang="en-US" sz="1600" dirty="0"/>
+              <a:t>, </a:t>
+            </a:r>
+            <a:r>
+              <a:rPr lang="en-US" sz="1600" dirty="0"/>
+              <a:t>letter-spacing</a:t>
+            </a:r>
+            <a:r>
+              <a:rPr lang="en-US" sz="1600" dirty="0"/>
+              <a:t>, </a:t>
+            </a:r>
+            <a:r>
+              <a:rPr lang="en-US" sz="1600" dirty="0"/>
+              <a:t>word-spacing</a:t>
+            </a:r>
+            <a:r>
+              <a:rPr lang="en-US" sz="1600" dirty="0"/>
+              <a:t>, and more. These properties give you precise control over the visual appearance of the </a:t>
+            </a:r>
+            <a:r>
+              <a:rPr lang="en-US" sz="1600" i="1" dirty="0"/>
+              <a:t>characters</a:t>
+            </a:r>
+            <a:r>
+              <a:rPr lang="en-US" sz="1600" dirty="0"/>
+              <a:t>, </a:t>
+            </a:r>
+            <a:r>
+              <a:rPr lang="en-US" sz="1600" i="1" dirty="0" smtClean="0"/>
+              <a:t>words</a:t>
+            </a:r>
+            <a:r>
+              <a:rPr lang="en-US" sz="1600" dirty="0"/>
+              <a:t> </a:t>
+            </a:r>
+            <a:r>
+              <a:rPr lang="en-US" sz="1600" dirty="0" smtClean="0"/>
+              <a:t>&amp;</a:t>
+            </a:r>
+            <a:r>
+              <a:rPr lang="en-US" sz="1600" dirty="0"/>
+              <a:t> </a:t>
+            </a:r>
+            <a:r>
+              <a:rPr lang="en-US" sz="1600" i="1" dirty="0" smtClean="0"/>
+              <a:t>spaces</a:t>
+            </a:r>
+            <a:r>
+              <a:rPr lang="en-US" sz="1600" dirty="0" smtClean="0"/>
+              <a:t>.</a:t>
+            </a:r>
+          </a:p>
+          <a:p>
+            <a:pPr fontAlgn="base"/>
+            <a:endParaRPr lang="en-US" sz="1600" dirty="0"/>
+          </a:p>
+          <a:p>
+            <a:pPr fontAlgn="base"/>
+            <a:r>
+              <a:rPr lang="en-US" sz="1600" b="1" dirty="0"/>
+              <a:t>Text </a:t>
+            </a:r>
+            <a:r>
+              <a:rPr lang="en-US" sz="1600" b="1" dirty="0" smtClean="0"/>
+              <a:t>Color &amp; Alignment</a:t>
+            </a:r>
+          </a:p>
+          <a:p>
+            <a:pPr fontAlgn="base"/>
+            <a:endParaRPr lang="en-US" sz="1600" b="1" dirty="0" smtClean="0"/>
+          </a:p>
+          <a:p>
+            <a:pPr fontAlgn="base"/>
+            <a:r>
+              <a:rPr lang="en-US" sz="1600" dirty="0"/>
+              <a:t>p </a:t>
+            </a:r>
+            <a:r>
+              <a:rPr lang="en-US" sz="1600" dirty="0" smtClean="0"/>
+              <a:t>{</a:t>
+            </a:r>
+          </a:p>
+          <a:p>
+            <a:pPr fontAlgn="base"/>
+            <a:r>
+              <a:rPr lang="en-US" sz="1600" dirty="0" smtClean="0"/>
+              <a:t> </a:t>
+            </a:r>
+            <a:r>
+              <a:rPr lang="en-US" sz="1600" dirty="0"/>
+              <a:t>text-align: justify</a:t>
+            </a:r>
+            <a:r>
+              <a:rPr lang="en-US" sz="1600" dirty="0" smtClean="0"/>
+              <a:t>;</a:t>
+            </a:r>
+          </a:p>
+          <a:p>
+            <a:pPr fontAlgn="base"/>
+            <a:r>
+              <a:rPr lang="en-US" sz="1600" dirty="0"/>
+              <a:t> color: #434343;</a:t>
+            </a:r>
+            <a:endParaRPr lang="en-US" sz="1600" dirty="0" smtClean="0"/>
+          </a:p>
+          <a:p>
+            <a:pPr fontAlgn="base"/>
+            <a:r>
+              <a:rPr lang="en-US" sz="1600" dirty="0" smtClean="0"/>
+              <a:t> }</a:t>
+            </a:r>
+            <a:endParaRPr lang="en-US" sz="1600" b="1" dirty="0"/>
+          </a:p>
+        </p:txBody>
+      </p:sp>
+    </p:spTree>
+    <p:extLst>
+      <p:ext uri="{BB962C8B-B14F-4D97-AF65-F5344CB8AC3E}">
+        <p14:creationId xmlns:p14="http://schemas.microsoft.com/office/powerpoint/2010/main" val="1673326423"/>
+      </p:ext>
+    </p:extLst>
+  </p:cSld>
+  <p:clrMapOvr>
+    <a:masterClrMapping/>
+  </p:clrMapOvr>
+  <p:timing>
+    <p:tnLst>
+      <p:par>
+        <p:cTn id="1" dur="indefinite" restart="never" nodeType="tmRoot"/>
+      </p:par>
+    </p:tnLst>
+  </p:timing>
+</p:sld>
+</file>
+
+<file path=ppt/slides/slide29.xml><?xml version="1.0" encoding="utf-8"?>
+<p:sld xmlns:a="http://schemas.openxmlformats.org/drawingml/2006/main" xmlns:r="http://schemas.openxmlformats.org/officeDocument/2006/relationships" xmlns:p="http://schemas.openxmlformats.org/presentationml/2006/main">
+  <p:cSld>
+    <p:spTree>
+      <p:nvGrpSpPr>
+        <p:cNvPr id="1" name="Shape 102"/>
+        <p:cNvGrpSpPr/>
+        <p:nvPr/>
+      </p:nvGrpSpPr>
+      <p:grpSpPr>
+        <a:xfrm>
+          <a:off x="0" y="0"/>
+          <a:ext cx="0" cy="0"/>
+          <a:chOff x="0" y="0"/>
+          <a:chExt cx="0" cy="0"/>
+        </a:xfrm>
+      </p:grpSpPr>
+      <p:sp>
+        <p:nvSpPr>
+          <p:cNvPr id="103" name="Google Shape;103;p16"/>
+          <p:cNvSpPr txBox="1">
+            <a:spLocks noGrp="1"/>
+          </p:cNvSpPr>
+          <p:nvPr>
+            <p:ph type="title"/>
+          </p:nvPr>
+        </p:nvSpPr>
+        <p:spPr>
+          <a:xfrm>
+            <a:off x="0" y="3650"/>
+            <a:ext cx="9144000" cy="472211"/>
+          </a:xfrm>
+          <a:prstGeom prst="rect">
+            <a:avLst/>
+          </a:prstGeom>
+        </p:spPr>
+        <p:txBody>
+          <a:bodyPr spcFirstLastPara="1" wrap="square" lIns="91425" tIns="91425" rIns="91425" bIns="91425" anchor="t" anchorCtr="0">
+            <a:noAutofit/>
+          </a:bodyPr>
+          <a:lstStyle/>
+          <a:p>
+            <a:pPr lvl="0" algn="ctr">
+              <a:buSzPts val="990"/>
+            </a:pPr>
+            <a:r>
+              <a:rPr lang="en" b="1" dirty="0"/>
+              <a:t>CSS  </a:t>
+            </a:r>
+            <a:r>
+              <a:rPr lang="en" b="1" dirty="0" smtClean="0"/>
+              <a:t>Text</a:t>
+            </a:r>
+            <a:endParaRPr b="1" dirty="0"/>
+          </a:p>
+        </p:txBody>
+      </p:sp>
+      <p:sp>
+        <p:nvSpPr>
+          <p:cNvPr id="2" name="Rectangle 1"/>
+          <p:cNvSpPr/>
+          <p:nvPr/>
+        </p:nvSpPr>
+        <p:spPr>
+          <a:xfrm>
+            <a:off x="363894" y="625151"/>
+            <a:ext cx="8257592" cy="4278094"/>
+          </a:xfrm>
+          <a:prstGeom prst="rect">
+            <a:avLst/>
+          </a:prstGeom>
+        </p:spPr>
+        <p:txBody>
+          <a:bodyPr wrap="square">
+            <a:spAutoFit/>
+          </a:bodyPr>
+          <a:lstStyle/>
+          <a:p>
+            <a:pPr algn="ctr" fontAlgn="base"/>
+            <a:r>
+              <a:rPr lang="en-US" sz="1600" b="1" u="sng" dirty="0"/>
+              <a:t>CSS </a:t>
+            </a:r>
+            <a:r>
+              <a:rPr lang="en-US" sz="1600" b="1" u="sng" dirty="0" smtClean="0"/>
+              <a:t>Text Properties</a:t>
+            </a:r>
+          </a:p>
+          <a:p>
+            <a:pPr algn="ctr" fontAlgn="base"/>
+            <a:endParaRPr lang="en-US" sz="1600" b="1" u="sng" dirty="0" smtClean="0"/>
+          </a:p>
+          <a:p>
+            <a:pPr fontAlgn="base"/>
+            <a:r>
+              <a:rPr lang="en-US" sz="1600" b="1" dirty="0"/>
+              <a:t>Text Decoration</a:t>
+            </a:r>
+          </a:p>
+          <a:p>
+            <a:pPr fontAlgn="base"/>
+            <a:r>
+              <a:rPr lang="en-US" sz="1600" dirty="0"/>
+              <a:t>The </a:t>
+            </a:r>
+            <a:r>
+              <a:rPr lang="en-US" sz="1600" dirty="0">
+                <a:hlinkClick r:id="rId3"/>
+              </a:rPr>
+              <a:t>text-decoration</a:t>
+            </a:r>
+            <a:r>
+              <a:rPr lang="en-US" sz="1600" dirty="0"/>
+              <a:t> property is used to set or remove decorations from text</a:t>
+            </a:r>
+            <a:r>
+              <a:rPr lang="en-US" sz="1600" dirty="0" smtClean="0"/>
+              <a:t>.</a:t>
+            </a:r>
+          </a:p>
+          <a:p>
+            <a:pPr fontAlgn="base"/>
+            <a:r>
+              <a:rPr lang="en-US" sz="1600" dirty="0" smtClean="0"/>
+              <a:t>This </a:t>
+            </a:r>
+            <a:r>
+              <a:rPr lang="en-US" sz="1600" dirty="0"/>
+              <a:t>property typically accepts one of the following values: </a:t>
+            </a:r>
+            <a:r>
+              <a:rPr lang="en-US" sz="1600" dirty="0"/>
+              <a:t>underline</a:t>
+            </a:r>
+            <a:r>
+              <a:rPr lang="en-US" sz="1600" dirty="0"/>
+              <a:t>, </a:t>
+            </a:r>
+            <a:r>
+              <a:rPr lang="en-US" sz="1600" dirty="0" err="1"/>
+              <a:t>overline</a:t>
+            </a:r>
+            <a:r>
+              <a:rPr lang="en-US" sz="1600" dirty="0"/>
+              <a:t>, </a:t>
+            </a:r>
+            <a:r>
+              <a:rPr lang="en-US" sz="1600" dirty="0"/>
+              <a:t>line-through</a:t>
+            </a:r>
+            <a:r>
+              <a:rPr lang="en-US" sz="1600" dirty="0"/>
+              <a:t>, and </a:t>
+            </a:r>
+            <a:r>
+              <a:rPr lang="en-US" sz="1600" dirty="0"/>
+              <a:t>none</a:t>
+            </a:r>
+            <a:r>
+              <a:rPr lang="en-US" sz="1600" dirty="0"/>
+              <a:t>. </a:t>
+            </a:r>
+            <a:endParaRPr lang="en-US" sz="1600" dirty="0" smtClean="0"/>
+          </a:p>
+          <a:p>
+            <a:pPr fontAlgn="base"/>
+            <a:endParaRPr lang="en-US" sz="1600" dirty="0" smtClean="0"/>
+          </a:p>
+          <a:p>
+            <a:pPr fontAlgn="base"/>
+            <a:r>
+              <a:rPr lang="en-US" sz="1600" dirty="0"/>
+              <a:t>h1 { text-decoration: </a:t>
+            </a:r>
+            <a:r>
+              <a:rPr lang="en-US" sz="1600" dirty="0" err="1"/>
+              <a:t>overline</a:t>
+            </a:r>
+            <a:r>
+              <a:rPr lang="en-US" sz="1600" dirty="0"/>
+              <a:t>; </a:t>
+            </a:r>
+            <a:r>
+              <a:rPr lang="en-US" sz="1600" dirty="0" smtClean="0"/>
+              <a:t>}</a:t>
+            </a:r>
+          </a:p>
+          <a:p>
+            <a:pPr fontAlgn="base"/>
+            <a:r>
+              <a:rPr lang="en-US" sz="1600" dirty="0" smtClean="0"/>
+              <a:t>h2 </a:t>
+            </a:r>
+            <a:r>
+              <a:rPr lang="en-US" sz="1600" dirty="0"/>
+              <a:t>{ text-decoration: line-through; </a:t>
+            </a:r>
+            <a:r>
+              <a:rPr lang="en-US" sz="1600" dirty="0" smtClean="0"/>
+              <a:t>}</a:t>
+            </a:r>
+          </a:p>
+          <a:p>
+            <a:pPr fontAlgn="base"/>
+            <a:r>
+              <a:rPr lang="en-US" sz="1600" dirty="0" smtClean="0"/>
+              <a:t>h3 </a:t>
+            </a:r>
+            <a:r>
+              <a:rPr lang="en-US" sz="1600" dirty="0"/>
+              <a:t>{ text-decoration: underline; </a:t>
+            </a:r>
+            <a:r>
+              <a:rPr lang="en-US" sz="1600" dirty="0" smtClean="0"/>
+              <a:t>}</a:t>
+            </a:r>
+          </a:p>
+          <a:p>
+            <a:pPr fontAlgn="base"/>
+            <a:endParaRPr lang="en-US" sz="1600" dirty="0"/>
+          </a:p>
+          <a:p>
+            <a:pPr fontAlgn="base"/>
+            <a:r>
+              <a:rPr lang="en-US" sz="1600" b="1" dirty="0"/>
+              <a:t>Text </a:t>
+            </a:r>
+            <a:r>
+              <a:rPr lang="en-US" sz="1600" b="1" dirty="0" smtClean="0"/>
+              <a:t>Transformation</a:t>
+            </a:r>
+          </a:p>
+          <a:p>
+            <a:pPr fontAlgn="base"/>
+            <a:r>
+              <a:rPr lang="en-US" sz="1600" dirty="0"/>
+              <a:t>The </a:t>
+            </a:r>
+            <a:r>
+              <a:rPr lang="en-US" sz="1600" dirty="0"/>
+              <a:t>text-transform</a:t>
+            </a:r>
+            <a:r>
+              <a:rPr lang="en-US" sz="1600" dirty="0"/>
+              <a:t> property is used to set the cases for a text.</a:t>
+            </a:r>
+            <a:endParaRPr lang="en-US" sz="1600" b="1" dirty="0"/>
+          </a:p>
+          <a:p>
+            <a:pPr fontAlgn="base"/>
+            <a:endParaRPr lang="en-US" sz="1600" dirty="0" smtClean="0"/>
+          </a:p>
+          <a:p>
+            <a:pPr fontAlgn="base"/>
+            <a:r>
+              <a:rPr lang="en-US" sz="1600" dirty="0"/>
+              <a:t>h1 { text-transform: uppercase; </a:t>
+            </a:r>
+            <a:r>
+              <a:rPr lang="en-US" sz="1600" dirty="0" smtClean="0"/>
+              <a:t>}</a:t>
+            </a:r>
+          </a:p>
+          <a:p>
+            <a:pPr fontAlgn="base"/>
+            <a:r>
+              <a:rPr lang="en-US" sz="1600" dirty="0" smtClean="0"/>
+              <a:t>h2 </a:t>
+            </a:r>
+            <a:r>
+              <a:rPr lang="en-US" sz="1600" dirty="0"/>
+              <a:t>{ text-transform: capitalize; } </a:t>
+            </a:r>
+            <a:endParaRPr lang="en-US" sz="1600" dirty="0" smtClean="0"/>
+          </a:p>
+          <a:p>
+            <a:pPr fontAlgn="base"/>
+            <a:r>
+              <a:rPr lang="en-US" sz="1600" dirty="0" smtClean="0"/>
+              <a:t>h3 </a:t>
+            </a:r>
+            <a:r>
+              <a:rPr lang="en-US" sz="1600" dirty="0"/>
+              <a:t>{ text-transform: lowercase; </a:t>
+            </a:r>
+            <a:r>
+              <a:rPr lang="en-US" sz="1600" dirty="0" smtClean="0"/>
+              <a:t>}</a:t>
+            </a:r>
+          </a:p>
+        </p:txBody>
+      </p:sp>
+    </p:spTree>
+    <p:extLst>
+      <p:ext uri="{BB962C8B-B14F-4D97-AF65-F5344CB8AC3E}">
+        <p14:creationId xmlns:p14="http://schemas.microsoft.com/office/powerpoint/2010/main" val="2790573131"/>
+      </p:ext>
+    </p:extLst>
   </p:cSld>
   <p:clrMapOvr>
     <a:masterClrMapping/>
@@ -13914,6 +16674,1768 @@
               <a:highlight>
                 <a:srgbClr val="FFFFFF"/>
               </a:highlight>
+              <a:latin typeface="Roboto"/>
+              <a:ea typeface="Roboto"/>
+              <a:cs typeface="Roboto"/>
+              <a:sym typeface="Roboto"/>
+            </a:endParaRPr>
+          </a:p>
+        </p:txBody>
+      </p:sp>
+    </p:spTree>
+  </p:cSld>
+  <p:clrMapOvr>
+    <a:masterClrMapping/>
+  </p:clrMapOvr>
+  <p:timing>
+    <p:tnLst>
+      <p:par>
+        <p:cTn id="1" dur="indefinite" restart="never" nodeType="tmRoot"/>
+      </p:par>
+    </p:tnLst>
+  </p:timing>
+</p:sld>
+</file>
+
+<file path=ppt/slides/slide30.xml><?xml version="1.0" encoding="utf-8"?>
+<p:sld xmlns:a="http://schemas.openxmlformats.org/drawingml/2006/main" xmlns:r="http://schemas.openxmlformats.org/officeDocument/2006/relationships" xmlns:p="http://schemas.openxmlformats.org/presentationml/2006/main">
+  <p:cSld>
+    <p:spTree>
+      <p:nvGrpSpPr>
+        <p:cNvPr id="1" name="Shape 102"/>
+        <p:cNvGrpSpPr/>
+        <p:nvPr/>
+      </p:nvGrpSpPr>
+      <p:grpSpPr>
+        <a:xfrm>
+          <a:off x="0" y="0"/>
+          <a:ext cx="0" cy="0"/>
+          <a:chOff x="0" y="0"/>
+          <a:chExt cx="0" cy="0"/>
+        </a:xfrm>
+      </p:grpSpPr>
+      <p:sp>
+        <p:nvSpPr>
+          <p:cNvPr id="103" name="Google Shape;103;p16"/>
+          <p:cNvSpPr txBox="1">
+            <a:spLocks noGrp="1"/>
+          </p:cNvSpPr>
+          <p:nvPr>
+            <p:ph type="title"/>
+          </p:nvPr>
+        </p:nvSpPr>
+        <p:spPr>
+          <a:xfrm>
+            <a:off x="0" y="3650"/>
+            <a:ext cx="9144000" cy="472211"/>
+          </a:xfrm>
+          <a:prstGeom prst="rect">
+            <a:avLst/>
+          </a:prstGeom>
+        </p:spPr>
+        <p:txBody>
+          <a:bodyPr spcFirstLastPara="1" wrap="square" lIns="91425" tIns="91425" rIns="91425" bIns="91425" anchor="t" anchorCtr="0">
+            <a:noAutofit/>
+          </a:bodyPr>
+          <a:lstStyle/>
+          <a:p>
+            <a:pPr lvl="0" algn="ctr">
+              <a:buSzPts val="990"/>
+            </a:pPr>
+            <a:r>
+              <a:rPr lang="en" b="1" dirty="0"/>
+              <a:t>CSS  </a:t>
+            </a:r>
+            <a:r>
+              <a:rPr lang="en" b="1" dirty="0" smtClean="0"/>
+              <a:t>Text</a:t>
+            </a:r>
+            <a:endParaRPr b="1" dirty="0"/>
+          </a:p>
+        </p:txBody>
+      </p:sp>
+      <p:sp>
+        <p:nvSpPr>
+          <p:cNvPr id="2" name="Rectangle 1"/>
+          <p:cNvSpPr/>
+          <p:nvPr/>
+        </p:nvSpPr>
+        <p:spPr>
+          <a:xfrm>
+            <a:off x="363894" y="625151"/>
+            <a:ext cx="8257592" cy="4278094"/>
+          </a:xfrm>
+          <a:prstGeom prst="rect">
+            <a:avLst/>
+          </a:prstGeom>
+        </p:spPr>
+        <p:txBody>
+          <a:bodyPr wrap="square">
+            <a:spAutoFit/>
+          </a:bodyPr>
+          <a:lstStyle/>
+          <a:p>
+            <a:pPr algn="ctr" fontAlgn="base"/>
+            <a:r>
+              <a:rPr lang="en-US" sz="1600" b="1" u="sng" dirty="0"/>
+              <a:t>CSS </a:t>
+            </a:r>
+            <a:r>
+              <a:rPr lang="en-US" sz="1600" b="1" u="sng" dirty="0" smtClean="0"/>
+              <a:t>Text Properties</a:t>
+            </a:r>
+          </a:p>
+          <a:p>
+            <a:pPr fontAlgn="base"/>
+            <a:r>
+              <a:rPr lang="en-US" sz="1600" b="1" dirty="0" smtClean="0"/>
+              <a:t>Text </a:t>
+            </a:r>
+            <a:r>
+              <a:rPr lang="en-US" sz="1600" b="1" dirty="0"/>
+              <a:t>Indentation</a:t>
+            </a:r>
+          </a:p>
+          <a:p>
+            <a:pPr fontAlgn="base"/>
+            <a:r>
+              <a:rPr lang="en-US" sz="1600" dirty="0"/>
+              <a:t>The </a:t>
+            </a:r>
+            <a:r>
+              <a:rPr lang="en-US" sz="1600" dirty="0">
+                <a:hlinkClick r:id="rId3"/>
+              </a:rPr>
+              <a:t>letter-spacing</a:t>
+            </a:r>
+            <a:r>
+              <a:rPr lang="en-US" sz="1600" dirty="0"/>
+              <a:t> property is used to set extra spacing between the characters of text.  </a:t>
+            </a:r>
+            <a:endParaRPr lang="en-US" sz="1600" dirty="0" smtClean="0"/>
+          </a:p>
+          <a:p>
+            <a:pPr fontAlgn="base"/>
+            <a:r>
+              <a:rPr lang="en-US" sz="1600" dirty="0" smtClean="0"/>
+              <a:t>p </a:t>
+            </a:r>
+            <a:r>
+              <a:rPr lang="en-US" sz="1600" dirty="0"/>
+              <a:t>{ text-indent: 100px; </a:t>
+            </a:r>
+            <a:r>
+              <a:rPr lang="en-US" sz="1600" dirty="0" smtClean="0"/>
+              <a:t>}</a:t>
+            </a:r>
+          </a:p>
+          <a:p>
+            <a:pPr fontAlgn="base"/>
+            <a:endParaRPr lang="en-US" sz="1600" dirty="0"/>
+          </a:p>
+          <a:p>
+            <a:pPr fontAlgn="base"/>
+            <a:r>
+              <a:rPr lang="en-US" sz="1600" b="1" dirty="0"/>
+              <a:t>Letter </a:t>
+            </a:r>
+            <a:r>
+              <a:rPr lang="en-US" sz="1600" b="1" dirty="0" smtClean="0"/>
+              <a:t>Spacing</a:t>
+            </a:r>
+          </a:p>
+          <a:p>
+            <a:pPr fontAlgn="base"/>
+            <a:r>
+              <a:rPr lang="en-US" sz="1600" dirty="0"/>
+              <a:t>The </a:t>
+            </a:r>
+            <a:r>
+              <a:rPr lang="en-US" sz="1600" dirty="0">
+                <a:hlinkClick r:id="rId3"/>
+              </a:rPr>
+              <a:t>letter-spacing</a:t>
+            </a:r>
+            <a:r>
+              <a:rPr lang="en-US" sz="1600" dirty="0"/>
+              <a:t> property is used to set extra spacing between the characters of text</a:t>
+            </a:r>
+            <a:r>
+              <a:rPr lang="en-US" sz="1600" dirty="0" smtClean="0"/>
+              <a:t>.</a:t>
+            </a:r>
+          </a:p>
+          <a:p>
+            <a:pPr fontAlgn="base"/>
+            <a:endParaRPr lang="en-US" sz="1600" b="1" dirty="0" smtClean="0"/>
+          </a:p>
+          <a:p>
+            <a:pPr fontAlgn="base"/>
+            <a:r>
+              <a:rPr lang="en-US" sz="1600" dirty="0"/>
+              <a:t>h1 { letter-spacing: -3px; </a:t>
+            </a:r>
+            <a:r>
+              <a:rPr lang="en-US" sz="1600" dirty="0" smtClean="0"/>
+              <a:t>}</a:t>
+            </a:r>
+          </a:p>
+          <a:p>
+            <a:pPr fontAlgn="base"/>
+            <a:r>
+              <a:rPr lang="en-US" sz="1600" dirty="0" smtClean="0"/>
+              <a:t>p </a:t>
+            </a:r>
+            <a:r>
+              <a:rPr lang="en-US" sz="1600" dirty="0"/>
+              <a:t>{ letter-spacing: 10px; </a:t>
+            </a:r>
+            <a:r>
+              <a:rPr lang="en-US" sz="1600" dirty="0" smtClean="0"/>
+              <a:t>}</a:t>
+            </a:r>
+          </a:p>
+          <a:p>
+            <a:pPr fontAlgn="base"/>
+            <a:endParaRPr lang="en-US" sz="1600" b="1" dirty="0" smtClean="0"/>
+          </a:p>
+          <a:p>
+            <a:pPr fontAlgn="base"/>
+            <a:r>
+              <a:rPr lang="en-US" sz="1600" b="1" dirty="0"/>
+              <a:t>Word </a:t>
+            </a:r>
+            <a:r>
+              <a:rPr lang="en-US" sz="1600" b="1" dirty="0" smtClean="0"/>
+              <a:t>Spacing</a:t>
+            </a:r>
+          </a:p>
+          <a:p>
+            <a:pPr fontAlgn="base"/>
+            <a:r>
+              <a:rPr lang="en-US" sz="1600" dirty="0"/>
+              <a:t>The </a:t>
+            </a:r>
+            <a:r>
+              <a:rPr lang="en-US" sz="1600" dirty="0"/>
+              <a:t>word-spacing</a:t>
+            </a:r>
+            <a:r>
+              <a:rPr lang="en-US" sz="1600" dirty="0"/>
+              <a:t> property is used to specify additional spacing between the words</a:t>
+            </a:r>
+            <a:r>
+              <a:rPr lang="en-US" sz="1600" dirty="0" smtClean="0"/>
+              <a:t>.</a:t>
+            </a:r>
+          </a:p>
+          <a:p>
+            <a:pPr fontAlgn="base"/>
+            <a:endParaRPr lang="en-US" sz="1600" dirty="0" smtClean="0"/>
+          </a:p>
+          <a:p>
+            <a:pPr fontAlgn="base"/>
+            <a:r>
+              <a:rPr lang="en-US" sz="1600" dirty="0" err="1" smtClean="0"/>
+              <a:t>p.normal</a:t>
+            </a:r>
+            <a:r>
+              <a:rPr lang="en-US" sz="1600" dirty="0" smtClean="0"/>
+              <a:t> </a:t>
+            </a:r>
+            <a:r>
+              <a:rPr lang="en-US" sz="1600" dirty="0"/>
+              <a:t>{ word-spacing: 20px; </a:t>
+            </a:r>
+            <a:r>
+              <a:rPr lang="en-US" sz="1600" dirty="0" smtClean="0"/>
+              <a:t>}</a:t>
+            </a:r>
+          </a:p>
+          <a:p>
+            <a:pPr fontAlgn="base"/>
+            <a:r>
+              <a:rPr lang="en-US" sz="1600" dirty="0" err="1" smtClean="0"/>
+              <a:t>p.justified</a:t>
+            </a:r>
+            <a:r>
+              <a:rPr lang="en-US" sz="1600" dirty="0" smtClean="0"/>
+              <a:t> </a:t>
+            </a:r>
+            <a:r>
+              <a:rPr lang="en-US" sz="1600" dirty="0"/>
+              <a:t>{ word-spacing: 20px; text-align: justify; </a:t>
+            </a:r>
+            <a:r>
+              <a:rPr lang="en-US" sz="1600" dirty="0" smtClean="0"/>
+              <a:t>}</a:t>
+            </a:r>
+          </a:p>
+          <a:p>
+            <a:pPr fontAlgn="base"/>
+            <a:r>
+              <a:rPr lang="en-US" sz="1600" dirty="0" err="1" smtClean="0"/>
+              <a:t>p.preformatted</a:t>
+            </a:r>
+            <a:r>
+              <a:rPr lang="en-US" sz="1600" dirty="0" smtClean="0"/>
+              <a:t> { word-spacing: 20px; white-space: pre; }</a:t>
+            </a:r>
+          </a:p>
+        </p:txBody>
+      </p:sp>
+    </p:spTree>
+    <p:extLst>
+      <p:ext uri="{BB962C8B-B14F-4D97-AF65-F5344CB8AC3E}">
+        <p14:creationId xmlns:p14="http://schemas.microsoft.com/office/powerpoint/2010/main" val="250638716"/>
+      </p:ext>
+    </p:extLst>
+  </p:cSld>
+  <p:clrMapOvr>
+    <a:masterClrMapping/>
+  </p:clrMapOvr>
+  <p:timing>
+    <p:tnLst>
+      <p:par>
+        <p:cTn id="1" dur="indefinite" restart="never" nodeType="tmRoot"/>
+      </p:par>
+    </p:tnLst>
+  </p:timing>
+</p:sld>
+</file>
+
+<file path=ppt/slides/slide31.xml><?xml version="1.0" encoding="utf-8"?>
+<p:sld xmlns:a="http://schemas.openxmlformats.org/drawingml/2006/main" xmlns:r="http://schemas.openxmlformats.org/officeDocument/2006/relationships" xmlns:p="http://schemas.openxmlformats.org/presentationml/2006/main">
+  <p:cSld>
+    <p:spTree>
+      <p:nvGrpSpPr>
+        <p:cNvPr id="1" name="Shape 102"/>
+        <p:cNvGrpSpPr/>
+        <p:nvPr/>
+      </p:nvGrpSpPr>
+      <p:grpSpPr>
+        <a:xfrm>
+          <a:off x="0" y="0"/>
+          <a:ext cx="0" cy="0"/>
+          <a:chOff x="0" y="0"/>
+          <a:chExt cx="0" cy="0"/>
+        </a:xfrm>
+      </p:grpSpPr>
+      <p:sp>
+        <p:nvSpPr>
+          <p:cNvPr id="103" name="Google Shape;103;p16"/>
+          <p:cNvSpPr txBox="1">
+            <a:spLocks noGrp="1"/>
+          </p:cNvSpPr>
+          <p:nvPr>
+            <p:ph type="title"/>
+          </p:nvPr>
+        </p:nvSpPr>
+        <p:spPr>
+          <a:xfrm>
+            <a:off x="0" y="3650"/>
+            <a:ext cx="9144000" cy="472211"/>
+          </a:xfrm>
+          <a:prstGeom prst="rect">
+            <a:avLst/>
+          </a:prstGeom>
+        </p:spPr>
+        <p:txBody>
+          <a:bodyPr spcFirstLastPara="1" wrap="square" lIns="91425" tIns="91425" rIns="91425" bIns="91425" anchor="t" anchorCtr="0">
+            <a:noAutofit/>
+          </a:bodyPr>
+          <a:lstStyle/>
+          <a:p>
+            <a:pPr lvl="0" algn="ctr">
+              <a:buSzPts val="990"/>
+            </a:pPr>
+            <a:r>
+              <a:rPr lang="en" b="1" dirty="0"/>
+              <a:t>CSS  </a:t>
+            </a:r>
+            <a:r>
+              <a:rPr lang="en" b="1" dirty="0" smtClean="0"/>
+              <a:t>Font</a:t>
+            </a:r>
+            <a:endParaRPr b="1" dirty="0"/>
+          </a:p>
+        </p:txBody>
+      </p:sp>
+      <p:sp>
+        <p:nvSpPr>
+          <p:cNvPr id="2" name="Rectangle 1"/>
+          <p:cNvSpPr/>
+          <p:nvPr/>
+        </p:nvSpPr>
+        <p:spPr>
+          <a:xfrm>
+            <a:off x="363894" y="625151"/>
+            <a:ext cx="8257592" cy="4278094"/>
+          </a:xfrm>
+          <a:prstGeom prst="rect">
+            <a:avLst/>
+          </a:prstGeom>
+        </p:spPr>
+        <p:txBody>
+          <a:bodyPr wrap="square">
+            <a:spAutoFit/>
+          </a:bodyPr>
+          <a:lstStyle/>
+          <a:p>
+            <a:pPr algn="ctr" fontAlgn="base"/>
+            <a:r>
+              <a:rPr lang="en-US" sz="1600" b="1" u="sng" dirty="0"/>
+              <a:t>CSS </a:t>
+            </a:r>
+            <a:r>
+              <a:rPr lang="en-US" sz="1600" b="1" u="sng" dirty="0" smtClean="0"/>
+              <a:t>Font Properties</a:t>
+            </a:r>
+          </a:p>
+          <a:p>
+            <a:pPr fontAlgn="base"/>
+            <a:r>
+              <a:rPr lang="en-US" sz="1600" b="1" dirty="0" smtClean="0"/>
+              <a:t>Styling </a:t>
+            </a:r>
+            <a:r>
+              <a:rPr lang="en-US" sz="1600" b="1" dirty="0"/>
+              <a:t>Fonts with CSS</a:t>
+            </a:r>
+          </a:p>
+          <a:p>
+            <a:pPr fontAlgn="base"/>
+            <a:r>
+              <a:rPr lang="en-US" sz="1600" dirty="0"/>
+              <a:t>The font properties are: </a:t>
+            </a:r>
+            <a:r>
+              <a:rPr lang="en-US" sz="1600" dirty="0"/>
+              <a:t>font-family</a:t>
+            </a:r>
+            <a:r>
+              <a:rPr lang="en-US" sz="1600" dirty="0"/>
+              <a:t>, </a:t>
+            </a:r>
+            <a:r>
+              <a:rPr lang="en-US" sz="1600" dirty="0"/>
+              <a:t>font-style</a:t>
+            </a:r>
+            <a:r>
+              <a:rPr lang="en-US" sz="1600" dirty="0"/>
+              <a:t>, </a:t>
+            </a:r>
+            <a:r>
+              <a:rPr lang="en-US" sz="1600" dirty="0"/>
+              <a:t>font-weight</a:t>
+            </a:r>
+            <a:r>
+              <a:rPr lang="en-US" sz="1600" dirty="0"/>
+              <a:t>, </a:t>
+            </a:r>
+            <a:r>
+              <a:rPr lang="en-US" sz="1600" dirty="0"/>
+              <a:t>font-size</a:t>
+            </a:r>
+            <a:r>
+              <a:rPr lang="en-US" sz="1600" dirty="0"/>
+              <a:t>, and </a:t>
+            </a:r>
+            <a:r>
+              <a:rPr lang="en-US" sz="1600" dirty="0"/>
+              <a:t>font-variant</a:t>
+            </a:r>
+            <a:r>
+              <a:rPr lang="en-US" sz="1600" dirty="0" smtClean="0"/>
+              <a:t>.</a:t>
+            </a:r>
+          </a:p>
+          <a:p>
+            <a:pPr fontAlgn="base"/>
+            <a:endParaRPr lang="en-US" sz="1600" dirty="0"/>
+          </a:p>
+          <a:p>
+            <a:pPr fontAlgn="base"/>
+            <a:r>
+              <a:rPr lang="en-US" sz="1600" b="1" dirty="0"/>
+              <a:t>Font </a:t>
+            </a:r>
+            <a:r>
+              <a:rPr lang="en-US" sz="1600" b="1" dirty="0" smtClean="0"/>
+              <a:t>Family </a:t>
+            </a:r>
+          </a:p>
+          <a:p>
+            <a:pPr fontAlgn="base"/>
+            <a:r>
+              <a:rPr lang="en-US" sz="1600" dirty="0" smtClean="0"/>
+              <a:t>The</a:t>
+            </a:r>
+            <a:r>
+              <a:rPr lang="en-US" sz="1600" dirty="0"/>
+              <a:t> </a:t>
+            </a:r>
+            <a:r>
+              <a:rPr lang="en-US" sz="1600" dirty="0"/>
+              <a:t>font-family</a:t>
+            </a:r>
+            <a:r>
+              <a:rPr lang="en-US" sz="1600" dirty="0"/>
+              <a:t> property is used to specify the font to be used to render the text</a:t>
+            </a:r>
+            <a:r>
+              <a:rPr lang="en-US" sz="1600" dirty="0" smtClean="0"/>
+              <a:t>.</a:t>
+            </a:r>
+          </a:p>
+          <a:p>
+            <a:pPr fontAlgn="base"/>
+            <a:r>
+              <a:rPr lang="en-US" sz="1600" dirty="0" smtClean="0"/>
+              <a:t>body { </a:t>
+            </a:r>
+            <a:r>
+              <a:rPr lang="en-US" sz="1600" dirty="0"/>
+              <a:t>font-family: Arial, Helvetica, sans-serif</a:t>
+            </a:r>
+            <a:r>
+              <a:rPr lang="en-US" sz="1600" dirty="0" smtClean="0"/>
+              <a:t>; </a:t>
+            </a:r>
+            <a:r>
+              <a:rPr lang="en-US" sz="1600" dirty="0"/>
+              <a:t>}</a:t>
+            </a:r>
+            <a:endParaRPr lang="en-US" sz="1600" b="1" dirty="0" smtClean="0"/>
+          </a:p>
+          <a:p>
+            <a:pPr fontAlgn="base"/>
+            <a:endParaRPr lang="en-US" sz="1600" b="1" dirty="0" smtClean="0"/>
+          </a:p>
+          <a:p>
+            <a:pPr fontAlgn="base"/>
+            <a:r>
+              <a:rPr lang="en-US" sz="1600" b="1" dirty="0" smtClean="0"/>
+              <a:t>Font Style</a:t>
+            </a:r>
+          </a:p>
+          <a:p>
+            <a:pPr fontAlgn="base"/>
+            <a:r>
+              <a:rPr lang="en-US" sz="1600" dirty="0"/>
+              <a:t>The </a:t>
+            </a:r>
+            <a:r>
+              <a:rPr lang="en-US" sz="1600" dirty="0"/>
+              <a:t>font-style</a:t>
+            </a:r>
+            <a:r>
+              <a:rPr lang="en-US" sz="1600" dirty="0"/>
+              <a:t> property is used to set the font face style for the text content of an element</a:t>
+            </a:r>
+            <a:r>
+              <a:rPr lang="en-US" sz="1600" dirty="0" smtClean="0"/>
+              <a:t>.</a:t>
+            </a:r>
+          </a:p>
+          <a:p>
+            <a:pPr fontAlgn="base"/>
+            <a:r>
+              <a:rPr lang="en-US" sz="1600" dirty="0" err="1" smtClean="0"/>
+              <a:t>p.normal</a:t>
+            </a:r>
+            <a:r>
+              <a:rPr lang="en-US" sz="1600" dirty="0" smtClean="0"/>
+              <a:t> </a:t>
+            </a:r>
+            <a:r>
+              <a:rPr lang="en-US" sz="1600" dirty="0"/>
+              <a:t>{ font-style: normal; </a:t>
+            </a:r>
+            <a:r>
+              <a:rPr lang="en-US" sz="1600" dirty="0" smtClean="0"/>
+              <a:t>}</a:t>
+            </a:r>
+          </a:p>
+          <a:p>
+            <a:pPr fontAlgn="base"/>
+            <a:r>
+              <a:rPr lang="en-US" sz="1600" dirty="0" err="1" smtClean="0"/>
+              <a:t>p.italic</a:t>
+            </a:r>
+            <a:r>
+              <a:rPr lang="en-US" sz="1600" dirty="0" smtClean="0"/>
+              <a:t> </a:t>
+            </a:r>
+            <a:r>
+              <a:rPr lang="en-US" sz="1600" dirty="0"/>
+              <a:t>{ font-style: italic; </a:t>
+            </a:r>
+            <a:r>
+              <a:rPr lang="en-US" sz="1600" dirty="0" smtClean="0"/>
+              <a:t>}</a:t>
+            </a:r>
+          </a:p>
+          <a:p>
+            <a:pPr fontAlgn="base"/>
+            <a:r>
+              <a:rPr lang="en-US" sz="1600" dirty="0" smtClean="0"/>
+              <a:t> </a:t>
+            </a:r>
+            <a:r>
+              <a:rPr lang="en-US" sz="1600" dirty="0" err="1"/>
+              <a:t>p.oblique</a:t>
+            </a:r>
+            <a:r>
+              <a:rPr lang="en-US" sz="1600" dirty="0"/>
+              <a:t> { font-style: oblique; </a:t>
+            </a:r>
+            <a:r>
+              <a:rPr lang="en-US" sz="1600" dirty="0" smtClean="0"/>
+              <a:t>}</a:t>
+            </a:r>
+          </a:p>
+          <a:p>
+            <a:pPr fontAlgn="base"/>
+            <a:endParaRPr lang="en-US" sz="1600" b="1" dirty="0"/>
+          </a:p>
+          <a:p>
+            <a:pPr fontAlgn="base"/>
+            <a:r>
+              <a:rPr lang="en-US" sz="1600" b="1" dirty="0"/>
+              <a:t>Font </a:t>
+            </a:r>
+            <a:r>
+              <a:rPr lang="en-US" sz="1600" b="1" dirty="0" smtClean="0"/>
+              <a:t>Size</a:t>
+            </a:r>
+          </a:p>
+          <a:p>
+            <a:pPr fontAlgn="base"/>
+            <a:r>
+              <a:rPr lang="en-US" sz="1600" dirty="0" smtClean="0"/>
+              <a:t>h1 </a:t>
+            </a:r>
+            <a:r>
+              <a:rPr lang="en-US" sz="1600" dirty="0"/>
+              <a:t>{ font-size: 24px; </a:t>
+            </a:r>
+            <a:r>
+              <a:rPr lang="en-US" sz="1600" dirty="0" smtClean="0"/>
+              <a:t>}</a:t>
+            </a:r>
+          </a:p>
+          <a:p>
+            <a:pPr fontAlgn="base"/>
+            <a:r>
+              <a:rPr lang="en-US" sz="1600" dirty="0" smtClean="0"/>
+              <a:t>p </a:t>
+            </a:r>
+            <a:r>
+              <a:rPr lang="en-US" sz="1600" dirty="0"/>
+              <a:t>{ font-size: 14px; </a:t>
+            </a:r>
+            <a:r>
+              <a:rPr lang="en-US" sz="1600" dirty="0" smtClean="0"/>
+              <a:t>}</a:t>
+            </a:r>
+            <a:endParaRPr lang="en-US" sz="1600" b="1" dirty="0" smtClean="0"/>
+          </a:p>
+        </p:txBody>
+      </p:sp>
+    </p:spTree>
+    <p:extLst>
+      <p:ext uri="{BB962C8B-B14F-4D97-AF65-F5344CB8AC3E}">
+        <p14:creationId xmlns:p14="http://schemas.microsoft.com/office/powerpoint/2010/main" val="601420612"/>
+      </p:ext>
+    </p:extLst>
+  </p:cSld>
+  <p:clrMapOvr>
+    <a:masterClrMapping/>
+  </p:clrMapOvr>
+  <p:timing>
+    <p:tnLst>
+      <p:par>
+        <p:cTn id="1" dur="indefinite" restart="never" nodeType="tmRoot"/>
+      </p:par>
+    </p:tnLst>
+  </p:timing>
+</p:sld>
+</file>
+
+<file path=ppt/slides/slide32.xml><?xml version="1.0" encoding="utf-8"?>
+<p:sld xmlns:a="http://schemas.openxmlformats.org/drawingml/2006/main" xmlns:r="http://schemas.openxmlformats.org/officeDocument/2006/relationships" xmlns:p="http://schemas.openxmlformats.org/presentationml/2006/main">
+  <p:cSld>
+    <p:spTree>
+      <p:nvGrpSpPr>
+        <p:cNvPr id="1" name="Shape 114"/>
+        <p:cNvGrpSpPr/>
+        <p:nvPr/>
+      </p:nvGrpSpPr>
+      <p:grpSpPr>
+        <a:xfrm>
+          <a:off x="0" y="0"/>
+          <a:ext cx="0" cy="0"/>
+          <a:chOff x="0" y="0"/>
+          <a:chExt cx="0" cy="0"/>
+        </a:xfrm>
+      </p:grpSpPr>
+      <p:sp>
+        <p:nvSpPr>
+          <p:cNvPr id="115" name="Google Shape;115;p18"/>
+          <p:cNvSpPr txBox="1">
+            <a:spLocks noGrp="1"/>
+          </p:cNvSpPr>
+          <p:nvPr>
+            <p:ph type="title"/>
+          </p:nvPr>
+        </p:nvSpPr>
+        <p:spPr>
+          <a:xfrm>
+            <a:off x="0" y="156050"/>
+            <a:ext cx="9144000" cy="607800"/>
+          </a:xfrm>
+          <a:prstGeom prst="rect">
+            <a:avLst/>
+          </a:prstGeom>
+        </p:spPr>
+        <p:txBody>
+          <a:bodyPr spcFirstLastPara="1" wrap="square" lIns="91425" tIns="91425" rIns="91425" bIns="91425" anchor="t" anchorCtr="0">
+            <a:noAutofit/>
+          </a:bodyPr>
+          <a:lstStyle/>
+          <a:p>
+            <a:pPr marL="0" lvl="0" indent="0" algn="ctr" rtl="0">
+              <a:spcBef>
+                <a:spcPts val="0"/>
+              </a:spcBef>
+              <a:spcAft>
+                <a:spcPts val="0"/>
+              </a:spcAft>
+              <a:buSzPts val="990"/>
+              <a:buNone/>
+            </a:pPr>
+            <a:r>
+              <a:rPr lang="en" sz="3300" b="1"/>
+              <a:t>HTML [HYPER TEXT MARKUP LANGUAGE]</a:t>
+            </a:r>
+            <a:endParaRPr sz="3300" b="1"/>
+          </a:p>
+        </p:txBody>
+      </p:sp>
+      <p:sp>
+        <p:nvSpPr>
+          <p:cNvPr id="116" name="Google Shape;116;p18"/>
+          <p:cNvSpPr txBox="1"/>
+          <p:nvPr/>
+        </p:nvSpPr>
+        <p:spPr>
+          <a:xfrm>
+            <a:off x="349425" y="964400"/>
+            <a:ext cx="8623800" cy="3452400"/>
+          </a:xfrm>
+          <a:prstGeom prst="rect">
+            <a:avLst/>
+          </a:prstGeom>
+          <a:noFill/>
+          <a:ln>
+            <a:noFill/>
+          </a:ln>
+        </p:spPr>
+        <p:txBody>
+          <a:bodyPr spcFirstLastPara="1" wrap="square" lIns="91425" tIns="91425" rIns="91425" bIns="91425" anchor="t" anchorCtr="0">
+            <a:noAutofit/>
+          </a:bodyPr>
+          <a:lstStyle/>
+          <a:p>
+            <a:pPr marL="457200" lvl="0" indent="-355600" algn="l" rtl="0">
+              <a:spcBef>
+                <a:spcPts val="0"/>
+              </a:spcBef>
+              <a:spcAft>
+                <a:spcPts val="0"/>
+              </a:spcAft>
+              <a:buClr>
+                <a:schemeClr val="dk2"/>
+              </a:buClr>
+              <a:buSzPts val="2000"/>
+              <a:buFont typeface="Roboto"/>
+              <a:buChar char="❖"/>
+            </a:pPr>
+            <a:r>
+              <a:rPr lang="en" sz="2000" b="1">
+                <a:solidFill>
+                  <a:schemeClr val="dk2"/>
+                </a:solidFill>
+                <a:latin typeface="Roboto"/>
+                <a:ea typeface="Roboto"/>
+                <a:cs typeface="Roboto"/>
+                <a:sym typeface="Roboto"/>
+              </a:rPr>
+              <a:t>HTML Introduction</a:t>
+            </a:r>
+            <a:endParaRPr sz="2000" b="1">
+              <a:solidFill>
+                <a:schemeClr val="dk2"/>
+              </a:solidFill>
+              <a:latin typeface="Roboto"/>
+              <a:ea typeface="Roboto"/>
+              <a:cs typeface="Roboto"/>
+              <a:sym typeface="Roboto"/>
+            </a:endParaRPr>
+          </a:p>
+          <a:p>
+            <a:pPr marL="457200" lvl="0" indent="-355600" algn="l" rtl="0">
+              <a:spcBef>
+                <a:spcPts val="0"/>
+              </a:spcBef>
+              <a:spcAft>
+                <a:spcPts val="0"/>
+              </a:spcAft>
+              <a:buClr>
+                <a:schemeClr val="dk2"/>
+              </a:buClr>
+              <a:buSzPts val="2000"/>
+              <a:buFont typeface="Roboto"/>
+              <a:buChar char="❖"/>
+            </a:pPr>
+            <a:r>
+              <a:rPr lang="en" sz="2000" b="1">
+                <a:solidFill>
+                  <a:schemeClr val="dk2"/>
+                </a:solidFill>
+                <a:latin typeface="Roboto"/>
+                <a:ea typeface="Roboto"/>
+                <a:cs typeface="Roboto"/>
+                <a:sym typeface="Roboto"/>
+              </a:rPr>
+              <a:t>HTML Basics Tags</a:t>
+            </a:r>
+            <a:endParaRPr sz="2000" b="1">
+              <a:solidFill>
+                <a:schemeClr val="dk2"/>
+              </a:solidFill>
+              <a:latin typeface="Roboto"/>
+              <a:ea typeface="Roboto"/>
+              <a:cs typeface="Roboto"/>
+              <a:sym typeface="Roboto"/>
+            </a:endParaRPr>
+          </a:p>
+          <a:p>
+            <a:pPr marL="457200" lvl="0" indent="-355600" algn="l" rtl="0">
+              <a:spcBef>
+                <a:spcPts val="0"/>
+              </a:spcBef>
+              <a:spcAft>
+                <a:spcPts val="0"/>
+              </a:spcAft>
+              <a:buClr>
+                <a:schemeClr val="dk2"/>
+              </a:buClr>
+              <a:buSzPts val="2000"/>
+              <a:buFont typeface="Roboto"/>
+              <a:buChar char="❖"/>
+            </a:pPr>
+            <a:r>
+              <a:rPr lang="en" sz="2000" b="1">
+                <a:solidFill>
+                  <a:schemeClr val="dk2"/>
+                </a:solidFill>
+                <a:latin typeface="Roboto"/>
+                <a:ea typeface="Roboto"/>
+                <a:cs typeface="Roboto"/>
+                <a:sym typeface="Roboto"/>
+              </a:rPr>
+              <a:t>HTML Environment Setup</a:t>
+            </a:r>
+            <a:endParaRPr sz="2000" b="1">
+              <a:solidFill>
+                <a:schemeClr val="dk2"/>
+              </a:solidFill>
+              <a:latin typeface="Roboto"/>
+              <a:ea typeface="Roboto"/>
+              <a:cs typeface="Roboto"/>
+              <a:sym typeface="Roboto"/>
+            </a:endParaRPr>
+          </a:p>
+          <a:p>
+            <a:pPr marL="457200" lvl="0" indent="-355600" algn="l" rtl="0">
+              <a:spcBef>
+                <a:spcPts val="0"/>
+              </a:spcBef>
+              <a:spcAft>
+                <a:spcPts val="0"/>
+              </a:spcAft>
+              <a:buClr>
+                <a:schemeClr val="dk2"/>
+              </a:buClr>
+              <a:buSzPts val="2000"/>
+              <a:buFont typeface="Roboto"/>
+              <a:buChar char="❖"/>
+            </a:pPr>
+            <a:r>
+              <a:rPr lang="en" sz="2000" b="1">
+                <a:solidFill>
+                  <a:schemeClr val="dk2"/>
+                </a:solidFill>
+                <a:latin typeface="Roboto"/>
+                <a:ea typeface="Roboto"/>
+                <a:cs typeface="Roboto"/>
+                <a:sym typeface="Roboto"/>
+              </a:rPr>
+              <a:t>HTML Paragraph / Headings</a:t>
+            </a:r>
+            <a:endParaRPr sz="2000" b="1">
+              <a:solidFill>
+                <a:schemeClr val="dk2"/>
+              </a:solidFill>
+              <a:latin typeface="Roboto"/>
+              <a:ea typeface="Roboto"/>
+              <a:cs typeface="Roboto"/>
+              <a:sym typeface="Roboto"/>
+            </a:endParaRPr>
+          </a:p>
+          <a:p>
+            <a:pPr marL="457200" lvl="0" indent="-355600" algn="l" rtl="0">
+              <a:spcBef>
+                <a:spcPts val="0"/>
+              </a:spcBef>
+              <a:spcAft>
+                <a:spcPts val="0"/>
+              </a:spcAft>
+              <a:buClr>
+                <a:schemeClr val="dk2"/>
+              </a:buClr>
+              <a:buSzPts val="2000"/>
+              <a:buFont typeface="Roboto"/>
+              <a:buChar char="❖"/>
+            </a:pPr>
+            <a:r>
+              <a:rPr lang="en" sz="2000" b="1">
+                <a:solidFill>
+                  <a:schemeClr val="dk2"/>
+                </a:solidFill>
+                <a:latin typeface="Roboto"/>
+                <a:ea typeface="Roboto"/>
+                <a:cs typeface="Roboto"/>
+                <a:sym typeface="Roboto"/>
+              </a:rPr>
+              <a:t>HTML Images</a:t>
+            </a:r>
+            <a:endParaRPr sz="2000" b="1">
+              <a:solidFill>
+                <a:schemeClr val="dk2"/>
+              </a:solidFill>
+              <a:latin typeface="Roboto"/>
+              <a:ea typeface="Roboto"/>
+              <a:cs typeface="Roboto"/>
+              <a:sym typeface="Roboto"/>
+            </a:endParaRPr>
+          </a:p>
+          <a:p>
+            <a:pPr marL="457200" lvl="0" indent="-355600" algn="l" rtl="0">
+              <a:spcBef>
+                <a:spcPts val="0"/>
+              </a:spcBef>
+              <a:spcAft>
+                <a:spcPts val="0"/>
+              </a:spcAft>
+              <a:buClr>
+                <a:schemeClr val="dk2"/>
+              </a:buClr>
+              <a:buSzPts val="2000"/>
+              <a:buFont typeface="Roboto"/>
+              <a:buChar char="❖"/>
+            </a:pPr>
+            <a:r>
+              <a:rPr lang="en" sz="2000" b="1">
+                <a:solidFill>
+                  <a:schemeClr val="dk2"/>
+                </a:solidFill>
+                <a:latin typeface="Roboto"/>
+                <a:ea typeface="Roboto"/>
+                <a:cs typeface="Roboto"/>
+                <a:sym typeface="Roboto"/>
+              </a:rPr>
+              <a:t>HTML Lists</a:t>
+            </a:r>
+            <a:endParaRPr sz="2000" b="1">
+              <a:solidFill>
+                <a:schemeClr val="dk2"/>
+              </a:solidFill>
+              <a:latin typeface="Roboto"/>
+              <a:ea typeface="Roboto"/>
+              <a:cs typeface="Roboto"/>
+              <a:sym typeface="Roboto"/>
+            </a:endParaRPr>
+          </a:p>
+          <a:p>
+            <a:pPr marL="457200" lvl="0" indent="-355600" algn="l" rtl="0">
+              <a:spcBef>
+                <a:spcPts val="0"/>
+              </a:spcBef>
+              <a:spcAft>
+                <a:spcPts val="0"/>
+              </a:spcAft>
+              <a:buClr>
+                <a:schemeClr val="dk2"/>
+              </a:buClr>
+              <a:buSzPts val="2000"/>
+              <a:buFont typeface="Roboto"/>
+              <a:buChar char="❖"/>
+            </a:pPr>
+            <a:r>
+              <a:rPr lang="en" sz="2000" b="1">
+                <a:solidFill>
+                  <a:schemeClr val="dk2"/>
+                </a:solidFill>
+                <a:latin typeface="Roboto"/>
+                <a:ea typeface="Roboto"/>
+                <a:cs typeface="Roboto"/>
+                <a:sym typeface="Roboto"/>
+              </a:rPr>
+              <a:t>HTML Forms</a:t>
+            </a:r>
+            <a:endParaRPr sz="2000" b="1">
+              <a:solidFill>
+                <a:schemeClr val="dk2"/>
+              </a:solidFill>
+              <a:latin typeface="Roboto"/>
+              <a:ea typeface="Roboto"/>
+              <a:cs typeface="Roboto"/>
+              <a:sym typeface="Roboto"/>
+            </a:endParaRPr>
+          </a:p>
+          <a:p>
+            <a:pPr marL="457200" lvl="0" indent="-355600" algn="l" rtl="0">
+              <a:spcBef>
+                <a:spcPts val="0"/>
+              </a:spcBef>
+              <a:spcAft>
+                <a:spcPts val="0"/>
+              </a:spcAft>
+              <a:buClr>
+                <a:schemeClr val="dk2"/>
+              </a:buClr>
+              <a:buSzPts val="2000"/>
+              <a:buFont typeface="Roboto"/>
+              <a:buChar char="❖"/>
+            </a:pPr>
+            <a:r>
+              <a:rPr lang="en" sz="2000" b="1">
+                <a:solidFill>
+                  <a:schemeClr val="dk2"/>
+                </a:solidFill>
+                <a:latin typeface="Roboto"/>
+                <a:ea typeface="Roboto"/>
+                <a:cs typeface="Roboto"/>
+                <a:sym typeface="Roboto"/>
+              </a:rPr>
+              <a:t>HTML Tables</a:t>
+            </a:r>
+            <a:endParaRPr sz="2000" b="1">
+              <a:solidFill>
+                <a:schemeClr val="dk2"/>
+              </a:solidFill>
+              <a:latin typeface="Roboto"/>
+              <a:ea typeface="Roboto"/>
+              <a:cs typeface="Roboto"/>
+              <a:sym typeface="Roboto"/>
+            </a:endParaRPr>
+          </a:p>
+          <a:p>
+            <a:pPr marL="457200" lvl="0" indent="-355600" algn="l" rtl="0">
+              <a:spcBef>
+                <a:spcPts val="0"/>
+              </a:spcBef>
+              <a:spcAft>
+                <a:spcPts val="0"/>
+              </a:spcAft>
+              <a:buClr>
+                <a:schemeClr val="dk2"/>
+              </a:buClr>
+              <a:buSzPts val="2000"/>
+              <a:buFont typeface="Roboto"/>
+              <a:buChar char="❖"/>
+            </a:pPr>
+            <a:r>
+              <a:rPr lang="en" sz="2000" b="1">
+                <a:solidFill>
+                  <a:schemeClr val="dk2"/>
+                </a:solidFill>
+                <a:latin typeface="Roboto"/>
+                <a:ea typeface="Roboto"/>
+                <a:cs typeface="Roboto"/>
+                <a:sym typeface="Roboto"/>
+              </a:rPr>
+              <a:t>HTML Div Elements</a:t>
+            </a:r>
+            <a:endParaRPr sz="2000" b="1">
+              <a:solidFill>
+                <a:schemeClr val="dk2"/>
+              </a:solidFill>
+              <a:latin typeface="Roboto"/>
+              <a:ea typeface="Roboto"/>
+              <a:cs typeface="Roboto"/>
+              <a:sym typeface="Roboto"/>
+            </a:endParaRPr>
+          </a:p>
+          <a:p>
+            <a:pPr marL="457200" lvl="0" indent="-355600" algn="l" rtl="0">
+              <a:spcBef>
+                <a:spcPts val="0"/>
+              </a:spcBef>
+              <a:spcAft>
+                <a:spcPts val="0"/>
+              </a:spcAft>
+              <a:buClr>
+                <a:schemeClr val="dk2"/>
+              </a:buClr>
+              <a:buSzPts val="2000"/>
+              <a:buFont typeface="Roboto"/>
+              <a:buChar char="❖"/>
+            </a:pPr>
+            <a:r>
+              <a:rPr lang="en" sz="2000" b="1">
+                <a:solidFill>
+                  <a:schemeClr val="dk2"/>
+                </a:solidFill>
+                <a:latin typeface="Roboto"/>
+                <a:ea typeface="Roboto"/>
+                <a:cs typeface="Roboto"/>
+                <a:sym typeface="Roboto"/>
+              </a:rPr>
+              <a:t>HTML Block Elements</a:t>
+            </a:r>
+            <a:endParaRPr sz="2000" b="1">
+              <a:solidFill>
+                <a:schemeClr val="dk2"/>
+              </a:solidFill>
+              <a:latin typeface="Roboto"/>
+              <a:ea typeface="Roboto"/>
+              <a:cs typeface="Roboto"/>
+              <a:sym typeface="Roboto"/>
+            </a:endParaRPr>
+          </a:p>
+          <a:p>
+            <a:pPr marL="457200" lvl="0" indent="-355600" algn="l" rtl="0">
+              <a:spcBef>
+                <a:spcPts val="0"/>
+              </a:spcBef>
+              <a:spcAft>
+                <a:spcPts val="0"/>
+              </a:spcAft>
+              <a:buClr>
+                <a:schemeClr val="dk2"/>
+              </a:buClr>
+              <a:buSzPts val="2000"/>
+              <a:buFont typeface="Roboto"/>
+              <a:buChar char="❖"/>
+            </a:pPr>
+            <a:r>
+              <a:rPr lang="en" sz="2000" b="1">
+                <a:solidFill>
+                  <a:schemeClr val="dk2"/>
+                </a:solidFill>
+                <a:latin typeface="Roboto"/>
+                <a:ea typeface="Roboto"/>
+                <a:cs typeface="Roboto"/>
+                <a:sym typeface="Roboto"/>
+              </a:rPr>
+              <a:t>HTML Inline Elements</a:t>
+            </a:r>
+            <a:endParaRPr sz="2000" b="1">
+              <a:solidFill>
+                <a:schemeClr val="dk2"/>
+              </a:solidFill>
+              <a:latin typeface="Roboto"/>
+              <a:ea typeface="Roboto"/>
+              <a:cs typeface="Roboto"/>
+              <a:sym typeface="Roboto"/>
+            </a:endParaRPr>
+          </a:p>
+          <a:p>
+            <a:pPr marL="457200" lvl="0" indent="0" algn="l" rtl="0">
+              <a:spcBef>
+                <a:spcPts val="0"/>
+              </a:spcBef>
+              <a:spcAft>
+                <a:spcPts val="0"/>
+              </a:spcAft>
+              <a:buNone/>
+            </a:pPr>
+            <a:endParaRPr sz="2000" b="1">
+              <a:solidFill>
+                <a:schemeClr val="dk2"/>
+              </a:solidFill>
+              <a:latin typeface="Roboto"/>
+              <a:ea typeface="Roboto"/>
+              <a:cs typeface="Roboto"/>
+              <a:sym typeface="Roboto"/>
+            </a:endParaRPr>
+          </a:p>
+          <a:p>
+            <a:pPr marL="457200" lvl="0" indent="0" algn="l" rtl="0">
+              <a:spcBef>
+                <a:spcPts val="0"/>
+              </a:spcBef>
+              <a:spcAft>
+                <a:spcPts val="0"/>
+              </a:spcAft>
+              <a:buNone/>
+            </a:pPr>
+            <a:endParaRPr sz="2000" b="1">
+              <a:solidFill>
+                <a:schemeClr val="dk2"/>
+              </a:solidFill>
+              <a:latin typeface="Roboto"/>
+              <a:ea typeface="Roboto"/>
+              <a:cs typeface="Roboto"/>
+              <a:sym typeface="Roboto"/>
+            </a:endParaRPr>
+          </a:p>
+        </p:txBody>
+      </p:sp>
+    </p:spTree>
+  </p:cSld>
+  <p:clrMapOvr>
+    <a:masterClrMapping/>
+  </p:clrMapOvr>
+  <p:timing>
+    <p:tnLst>
+      <p:par>
+        <p:cTn id="1" dur="indefinite" restart="never" nodeType="tmRoot"/>
+      </p:par>
+    </p:tnLst>
+  </p:timing>
+</p:sld>
+</file>
+
+<file path=ppt/slides/slide33.xml><?xml version="1.0" encoding="utf-8"?>
+<p:sld xmlns:a="http://schemas.openxmlformats.org/drawingml/2006/main" xmlns:r="http://schemas.openxmlformats.org/officeDocument/2006/relationships" xmlns:p="http://schemas.openxmlformats.org/presentationml/2006/main">
+  <p:cSld>
+    <p:spTree>
+      <p:nvGrpSpPr>
+        <p:cNvPr id="1" name="Shape 120"/>
+        <p:cNvGrpSpPr/>
+        <p:nvPr/>
+      </p:nvGrpSpPr>
+      <p:grpSpPr>
+        <a:xfrm>
+          <a:off x="0" y="0"/>
+          <a:ext cx="0" cy="0"/>
+          <a:chOff x="0" y="0"/>
+          <a:chExt cx="0" cy="0"/>
+        </a:xfrm>
+      </p:grpSpPr>
+      <p:sp>
+        <p:nvSpPr>
+          <p:cNvPr id="121" name="Google Shape;121;p19"/>
+          <p:cNvSpPr txBox="1">
+            <a:spLocks noGrp="1"/>
+          </p:cNvSpPr>
+          <p:nvPr>
+            <p:ph type="title"/>
+          </p:nvPr>
+        </p:nvSpPr>
+        <p:spPr>
+          <a:xfrm>
+            <a:off x="0" y="156050"/>
+            <a:ext cx="9144000" cy="607800"/>
+          </a:xfrm>
+          <a:prstGeom prst="rect">
+            <a:avLst/>
+          </a:prstGeom>
+        </p:spPr>
+        <p:txBody>
+          <a:bodyPr spcFirstLastPara="1" wrap="square" lIns="91425" tIns="91425" rIns="91425" bIns="91425" anchor="t" anchorCtr="0">
+            <a:noAutofit/>
+          </a:bodyPr>
+          <a:lstStyle/>
+          <a:p>
+            <a:pPr marL="0" lvl="0" indent="0" algn="ctr" rtl="0">
+              <a:spcBef>
+                <a:spcPts val="0"/>
+              </a:spcBef>
+              <a:spcAft>
+                <a:spcPts val="0"/>
+              </a:spcAft>
+              <a:buSzPts val="990"/>
+              <a:buNone/>
+            </a:pPr>
+            <a:r>
+              <a:rPr lang="en" sz="3300" b="1"/>
+              <a:t>CSS 3 [CASECADING STYLE SHEET]</a:t>
+            </a:r>
+            <a:endParaRPr sz="3300" b="1"/>
+          </a:p>
+        </p:txBody>
+      </p:sp>
+      <p:sp>
+        <p:nvSpPr>
+          <p:cNvPr id="122" name="Google Shape;122;p19"/>
+          <p:cNvSpPr txBox="1"/>
+          <p:nvPr/>
+        </p:nvSpPr>
+        <p:spPr>
+          <a:xfrm>
+            <a:off x="349425" y="964400"/>
+            <a:ext cx="8623800" cy="3732600"/>
+          </a:xfrm>
+          <a:prstGeom prst="rect">
+            <a:avLst/>
+          </a:prstGeom>
+          <a:noFill/>
+          <a:ln>
+            <a:noFill/>
+          </a:ln>
+        </p:spPr>
+        <p:txBody>
+          <a:bodyPr spcFirstLastPara="1" wrap="square" lIns="91425" tIns="91425" rIns="91425" bIns="91425" anchor="t" anchorCtr="0">
+            <a:noAutofit/>
+          </a:bodyPr>
+          <a:lstStyle/>
+          <a:p>
+            <a:pPr marL="457200" lvl="0" indent="-355600" algn="l" rtl="0">
+              <a:spcBef>
+                <a:spcPts val="0"/>
+              </a:spcBef>
+              <a:spcAft>
+                <a:spcPts val="0"/>
+              </a:spcAft>
+              <a:buClr>
+                <a:schemeClr val="dk2"/>
+              </a:buClr>
+              <a:buSzPts val="2000"/>
+              <a:buFont typeface="Roboto"/>
+              <a:buChar char="❖"/>
+            </a:pPr>
+            <a:r>
+              <a:rPr lang="en" sz="2000" b="1">
+                <a:solidFill>
+                  <a:schemeClr val="dk2"/>
+                </a:solidFill>
+                <a:latin typeface="Roboto"/>
+                <a:ea typeface="Roboto"/>
+                <a:cs typeface="Roboto"/>
+                <a:sym typeface="Roboto"/>
+              </a:rPr>
+              <a:t>CSS Introduction &amp; Basics</a:t>
+            </a:r>
+            <a:endParaRPr sz="2000" b="1">
+              <a:solidFill>
+                <a:schemeClr val="dk2"/>
+              </a:solidFill>
+              <a:latin typeface="Roboto"/>
+              <a:ea typeface="Roboto"/>
+              <a:cs typeface="Roboto"/>
+              <a:sym typeface="Roboto"/>
+            </a:endParaRPr>
+          </a:p>
+          <a:p>
+            <a:pPr marL="457200" lvl="0" indent="-355600" algn="l" rtl="0">
+              <a:spcBef>
+                <a:spcPts val="0"/>
+              </a:spcBef>
+              <a:spcAft>
+                <a:spcPts val="0"/>
+              </a:spcAft>
+              <a:buClr>
+                <a:schemeClr val="dk2"/>
+              </a:buClr>
+              <a:buSzPts val="2000"/>
+              <a:buFont typeface="Roboto"/>
+              <a:buChar char="❖"/>
+            </a:pPr>
+            <a:r>
+              <a:rPr lang="en" sz="2000" b="1">
+                <a:solidFill>
+                  <a:schemeClr val="dk2"/>
+                </a:solidFill>
+                <a:latin typeface="Roboto"/>
+                <a:ea typeface="Roboto"/>
+                <a:cs typeface="Roboto"/>
+                <a:sym typeface="Roboto"/>
+              </a:rPr>
+              <a:t>CSS Environment Setup</a:t>
+            </a:r>
+            <a:endParaRPr sz="2000" b="1">
+              <a:solidFill>
+                <a:schemeClr val="dk2"/>
+              </a:solidFill>
+              <a:latin typeface="Roboto"/>
+              <a:ea typeface="Roboto"/>
+              <a:cs typeface="Roboto"/>
+              <a:sym typeface="Roboto"/>
+            </a:endParaRPr>
+          </a:p>
+          <a:p>
+            <a:pPr marL="457200" lvl="0" indent="-355600" algn="l" rtl="0">
+              <a:spcBef>
+                <a:spcPts val="0"/>
+              </a:spcBef>
+              <a:spcAft>
+                <a:spcPts val="0"/>
+              </a:spcAft>
+              <a:buClr>
+                <a:schemeClr val="dk2"/>
+              </a:buClr>
+              <a:buSzPts val="2000"/>
+              <a:buFont typeface="Roboto"/>
+              <a:buChar char="❖"/>
+            </a:pPr>
+            <a:r>
+              <a:rPr lang="en" sz="2000" b="1">
+                <a:solidFill>
+                  <a:schemeClr val="dk2"/>
+                </a:solidFill>
+                <a:latin typeface="Roboto"/>
+                <a:ea typeface="Roboto"/>
+                <a:cs typeface="Roboto"/>
+                <a:sym typeface="Roboto"/>
+              </a:rPr>
+              <a:t>CSS Colors / Backgrounds</a:t>
+            </a:r>
+            <a:endParaRPr sz="2000" b="1">
+              <a:solidFill>
+                <a:schemeClr val="dk2"/>
+              </a:solidFill>
+              <a:latin typeface="Roboto"/>
+              <a:ea typeface="Roboto"/>
+              <a:cs typeface="Roboto"/>
+              <a:sym typeface="Roboto"/>
+            </a:endParaRPr>
+          </a:p>
+          <a:p>
+            <a:pPr marL="457200" lvl="0" indent="-355600" algn="l" rtl="0">
+              <a:spcBef>
+                <a:spcPts val="0"/>
+              </a:spcBef>
+              <a:spcAft>
+                <a:spcPts val="0"/>
+              </a:spcAft>
+              <a:buClr>
+                <a:schemeClr val="dk2"/>
+              </a:buClr>
+              <a:buSzPts val="2000"/>
+              <a:buFont typeface="Roboto"/>
+              <a:buChar char="❖"/>
+            </a:pPr>
+            <a:r>
+              <a:rPr lang="en" sz="2000" b="1">
+                <a:solidFill>
+                  <a:schemeClr val="dk2"/>
+                </a:solidFill>
+                <a:latin typeface="Roboto"/>
+                <a:ea typeface="Roboto"/>
+                <a:cs typeface="Roboto"/>
+                <a:sym typeface="Roboto"/>
+              </a:rPr>
+              <a:t>CSS Borders / Margins / Padding</a:t>
+            </a:r>
+            <a:endParaRPr sz="2000" b="1">
+              <a:solidFill>
+                <a:schemeClr val="dk2"/>
+              </a:solidFill>
+              <a:latin typeface="Roboto"/>
+              <a:ea typeface="Roboto"/>
+              <a:cs typeface="Roboto"/>
+              <a:sym typeface="Roboto"/>
+            </a:endParaRPr>
+          </a:p>
+          <a:p>
+            <a:pPr marL="457200" lvl="0" indent="-355600" algn="l" rtl="0">
+              <a:spcBef>
+                <a:spcPts val="0"/>
+              </a:spcBef>
+              <a:spcAft>
+                <a:spcPts val="0"/>
+              </a:spcAft>
+              <a:buClr>
+                <a:schemeClr val="dk2"/>
+              </a:buClr>
+              <a:buSzPts val="2000"/>
+              <a:buFont typeface="Roboto"/>
+              <a:buChar char="❖"/>
+            </a:pPr>
+            <a:r>
+              <a:rPr lang="en" sz="2000" b="1">
+                <a:solidFill>
+                  <a:schemeClr val="dk2"/>
+                </a:solidFill>
+                <a:latin typeface="Roboto"/>
+                <a:ea typeface="Roboto"/>
+                <a:cs typeface="Roboto"/>
+                <a:sym typeface="Roboto"/>
+              </a:rPr>
+              <a:t>CSS Text / Fonts</a:t>
+            </a:r>
+            <a:endParaRPr sz="2000" b="1">
+              <a:solidFill>
+                <a:schemeClr val="dk2"/>
+              </a:solidFill>
+              <a:latin typeface="Roboto"/>
+              <a:ea typeface="Roboto"/>
+              <a:cs typeface="Roboto"/>
+              <a:sym typeface="Roboto"/>
+            </a:endParaRPr>
+          </a:p>
+          <a:p>
+            <a:pPr marL="457200" lvl="0" indent="-355600" algn="l" rtl="0">
+              <a:spcBef>
+                <a:spcPts val="0"/>
+              </a:spcBef>
+              <a:spcAft>
+                <a:spcPts val="0"/>
+              </a:spcAft>
+              <a:buClr>
+                <a:schemeClr val="dk2"/>
+              </a:buClr>
+              <a:buSzPts val="2000"/>
+              <a:buFont typeface="Roboto"/>
+              <a:buChar char="❖"/>
+            </a:pPr>
+            <a:r>
+              <a:rPr lang="en" sz="2000" b="1">
+                <a:solidFill>
+                  <a:schemeClr val="dk2"/>
+                </a:solidFill>
+                <a:latin typeface="Roboto"/>
+                <a:ea typeface="Roboto"/>
+                <a:cs typeface="Roboto"/>
+                <a:sym typeface="Roboto"/>
+              </a:rPr>
+              <a:t>CSS Shadow / Positions</a:t>
+            </a:r>
+            <a:endParaRPr sz="2000" b="1">
+              <a:solidFill>
+                <a:schemeClr val="dk2"/>
+              </a:solidFill>
+              <a:latin typeface="Roboto"/>
+              <a:ea typeface="Roboto"/>
+              <a:cs typeface="Roboto"/>
+              <a:sym typeface="Roboto"/>
+            </a:endParaRPr>
+          </a:p>
+          <a:p>
+            <a:pPr marL="457200" lvl="0" indent="-355600" algn="l" rtl="0">
+              <a:spcBef>
+                <a:spcPts val="0"/>
+              </a:spcBef>
+              <a:spcAft>
+                <a:spcPts val="0"/>
+              </a:spcAft>
+              <a:buClr>
+                <a:schemeClr val="dk2"/>
+              </a:buClr>
+              <a:buSzPts val="2000"/>
+              <a:buFont typeface="Roboto"/>
+              <a:buChar char="❖"/>
+            </a:pPr>
+            <a:r>
+              <a:rPr lang="en" sz="2000" b="1">
+                <a:solidFill>
+                  <a:schemeClr val="dk2"/>
+                </a:solidFill>
+                <a:latin typeface="Roboto"/>
+                <a:ea typeface="Roboto"/>
+                <a:cs typeface="Roboto"/>
+                <a:sym typeface="Roboto"/>
+              </a:rPr>
+              <a:t>CSS Links</a:t>
+            </a:r>
+            <a:endParaRPr sz="2000" b="1">
+              <a:solidFill>
+                <a:schemeClr val="dk2"/>
+              </a:solidFill>
+              <a:latin typeface="Roboto"/>
+              <a:ea typeface="Roboto"/>
+              <a:cs typeface="Roboto"/>
+              <a:sym typeface="Roboto"/>
+            </a:endParaRPr>
+          </a:p>
+          <a:p>
+            <a:pPr marL="457200" lvl="0" indent="-355600" algn="l" rtl="0">
+              <a:spcBef>
+                <a:spcPts val="0"/>
+              </a:spcBef>
+              <a:spcAft>
+                <a:spcPts val="0"/>
+              </a:spcAft>
+              <a:buClr>
+                <a:schemeClr val="dk2"/>
+              </a:buClr>
+              <a:buSzPts val="2000"/>
+              <a:buFont typeface="Roboto"/>
+              <a:buChar char="❖"/>
+            </a:pPr>
+            <a:r>
+              <a:rPr lang="en" sz="2000" b="1">
+                <a:solidFill>
+                  <a:schemeClr val="dk2"/>
+                </a:solidFill>
+                <a:latin typeface="Roboto"/>
+                <a:ea typeface="Roboto"/>
+                <a:cs typeface="Roboto"/>
+                <a:sym typeface="Roboto"/>
+              </a:rPr>
+              <a:t>CSS Gridbox / Flexbox</a:t>
+            </a:r>
+            <a:endParaRPr sz="2000" b="1">
+              <a:solidFill>
+                <a:schemeClr val="dk2"/>
+              </a:solidFill>
+              <a:latin typeface="Roboto"/>
+              <a:ea typeface="Roboto"/>
+              <a:cs typeface="Roboto"/>
+              <a:sym typeface="Roboto"/>
+            </a:endParaRPr>
+          </a:p>
+          <a:p>
+            <a:pPr marL="457200" lvl="0" indent="-355600" algn="l" rtl="0">
+              <a:spcBef>
+                <a:spcPts val="0"/>
+              </a:spcBef>
+              <a:spcAft>
+                <a:spcPts val="0"/>
+              </a:spcAft>
+              <a:buClr>
+                <a:schemeClr val="dk2"/>
+              </a:buClr>
+              <a:buSzPts val="2000"/>
+              <a:buFont typeface="Roboto"/>
+              <a:buChar char="❖"/>
+            </a:pPr>
+            <a:r>
+              <a:rPr lang="en" sz="2000" b="1">
+                <a:solidFill>
+                  <a:schemeClr val="dk2"/>
+                </a:solidFill>
+                <a:latin typeface="Roboto"/>
+                <a:ea typeface="Roboto"/>
+                <a:cs typeface="Roboto"/>
+                <a:sym typeface="Roboto"/>
+              </a:rPr>
+              <a:t>CSS Forms / Buttons</a:t>
+            </a:r>
+            <a:endParaRPr sz="2000" b="1">
+              <a:solidFill>
+                <a:schemeClr val="dk2"/>
+              </a:solidFill>
+              <a:latin typeface="Roboto"/>
+              <a:ea typeface="Roboto"/>
+              <a:cs typeface="Roboto"/>
+              <a:sym typeface="Roboto"/>
+            </a:endParaRPr>
+          </a:p>
+          <a:p>
+            <a:pPr marL="457200" lvl="0" indent="-355600" algn="l" rtl="0">
+              <a:spcBef>
+                <a:spcPts val="0"/>
+              </a:spcBef>
+              <a:spcAft>
+                <a:spcPts val="0"/>
+              </a:spcAft>
+              <a:buClr>
+                <a:schemeClr val="dk2"/>
+              </a:buClr>
+              <a:buSzPts val="2000"/>
+              <a:buFont typeface="Roboto"/>
+              <a:buChar char="❖"/>
+            </a:pPr>
+            <a:r>
+              <a:rPr lang="en" sz="2000" b="1">
+                <a:solidFill>
+                  <a:schemeClr val="dk2"/>
+                </a:solidFill>
+                <a:latin typeface="Roboto"/>
+                <a:ea typeface="Roboto"/>
+                <a:cs typeface="Roboto"/>
+                <a:sym typeface="Roboto"/>
+              </a:rPr>
+              <a:t>CSS Responsiveness</a:t>
+            </a:r>
+            <a:endParaRPr sz="2000" b="1">
+              <a:solidFill>
+                <a:schemeClr val="dk2"/>
+              </a:solidFill>
+              <a:latin typeface="Roboto"/>
+              <a:ea typeface="Roboto"/>
+              <a:cs typeface="Roboto"/>
+              <a:sym typeface="Roboto"/>
+            </a:endParaRPr>
+          </a:p>
+          <a:p>
+            <a:pPr marL="457200" lvl="0" indent="-355600" algn="l" rtl="0">
+              <a:spcBef>
+                <a:spcPts val="0"/>
+              </a:spcBef>
+              <a:spcAft>
+                <a:spcPts val="0"/>
+              </a:spcAft>
+              <a:buClr>
+                <a:schemeClr val="dk2"/>
+              </a:buClr>
+              <a:buSzPts val="2000"/>
+              <a:buFont typeface="Roboto"/>
+              <a:buChar char="❖"/>
+            </a:pPr>
+            <a:r>
+              <a:rPr lang="en" sz="2000" b="1">
+                <a:solidFill>
+                  <a:schemeClr val="dk2"/>
+                </a:solidFill>
+                <a:latin typeface="Roboto"/>
+                <a:ea typeface="Roboto"/>
+                <a:cs typeface="Roboto"/>
+                <a:sym typeface="Roboto"/>
+              </a:rPr>
+              <a:t>CSS Pseudo Elements</a:t>
+            </a:r>
+            <a:endParaRPr sz="2000" b="1">
+              <a:solidFill>
+                <a:schemeClr val="dk2"/>
+              </a:solidFill>
+              <a:latin typeface="Roboto"/>
+              <a:ea typeface="Roboto"/>
+              <a:cs typeface="Roboto"/>
+              <a:sym typeface="Roboto"/>
+            </a:endParaRPr>
+          </a:p>
+          <a:p>
+            <a:pPr marL="457200" lvl="0" indent="0" algn="l" rtl="0">
+              <a:spcBef>
+                <a:spcPts val="0"/>
+              </a:spcBef>
+              <a:spcAft>
+                <a:spcPts val="0"/>
+              </a:spcAft>
+              <a:buNone/>
+            </a:pPr>
+            <a:endParaRPr sz="2000" b="1">
+              <a:solidFill>
+                <a:schemeClr val="dk2"/>
+              </a:solidFill>
+              <a:latin typeface="Roboto"/>
+              <a:ea typeface="Roboto"/>
+              <a:cs typeface="Roboto"/>
+              <a:sym typeface="Roboto"/>
+            </a:endParaRPr>
+          </a:p>
+          <a:p>
+            <a:pPr marL="457200" lvl="0" indent="0" algn="l" rtl="0">
+              <a:spcBef>
+                <a:spcPts val="0"/>
+              </a:spcBef>
+              <a:spcAft>
+                <a:spcPts val="0"/>
+              </a:spcAft>
+              <a:buNone/>
+            </a:pPr>
+            <a:endParaRPr sz="2000" b="1">
+              <a:solidFill>
+                <a:schemeClr val="dk2"/>
+              </a:solidFill>
               <a:latin typeface="Roboto"/>
               <a:ea typeface="Roboto"/>
               <a:cs typeface="Roboto"/>

--- a/CSS Course.pptx
+++ b/CSS Course.pptx
@@ -5,7 +5,7 @@
     <p:sldMasterId id="2147483659" r:id="rId1"/>
   </p:sldMasterIdLst>
   <p:notesMasterIdLst>
-    <p:notesMasterId r:id="rId35"/>
+    <p:notesMasterId r:id="rId46"/>
   </p:notesMasterIdLst>
   <p:sldIdLst>
     <p:sldId id="256" r:id="rId2"/>
@@ -39,18 +39,29 @@
     <p:sldId id="290" r:id="rId30"/>
     <p:sldId id="291" r:id="rId31"/>
     <p:sldId id="292" r:id="rId32"/>
-    <p:sldId id="261" r:id="rId33"/>
-    <p:sldId id="262" r:id="rId34"/>
+    <p:sldId id="293" r:id="rId33"/>
+    <p:sldId id="294" r:id="rId34"/>
+    <p:sldId id="295" r:id="rId35"/>
+    <p:sldId id="296" r:id="rId36"/>
+    <p:sldId id="297" r:id="rId37"/>
+    <p:sldId id="298" r:id="rId38"/>
+    <p:sldId id="299" r:id="rId39"/>
+    <p:sldId id="300" r:id="rId40"/>
+    <p:sldId id="301" r:id="rId41"/>
+    <p:sldId id="302" r:id="rId42"/>
+    <p:sldId id="303" r:id="rId43"/>
+    <p:sldId id="261" r:id="rId44"/>
+    <p:sldId id="262" r:id="rId45"/>
   </p:sldIdLst>
   <p:sldSz cx="9144000" cy="5143500" type="screen16x9"/>
   <p:notesSz cx="6858000" cy="9144000"/>
   <p:embeddedFontLst>
     <p:embeddedFont>
       <p:font typeface="Roboto" charset="0"/>
-      <p:regular r:id="rId36"/>
-      <p:bold r:id="rId37"/>
-      <p:italic r:id="rId38"/>
-      <p:boldItalic r:id="rId39"/>
+      <p:regular r:id="rId47"/>
+      <p:bold r:id="rId48"/>
+      <p:italic r:id="rId49"/>
+      <p:boldItalic r:id="rId50"/>
     </p:embeddedFont>
   </p:embeddedFontLst>
   <p:defaultTextStyle>
@@ -284,7 +295,7 @@
   </p:defaultTextStyle>
   <p:extLst>
     <p:ext uri="{EFAFB233-063F-42B5-8137-9DF3F51BA10A}">
-      <p15:sldGuideLst xmlns:ahyp="http://schemas.microsoft.com/office/drawing/2018/hyperlinkcolor" xmlns:p15="http://schemas.microsoft.com/office/powerpoint/2012/main" xmlns:p14="http://schemas.microsoft.com/office/powerpoint/2010/main" xmlns:com="http://schemas.openxmlformats.org/drawingml/2006/compatibility" xmlns:pvml="urn:schemas-microsoft-com:office:powerpoint" xmlns:v="urn:schemas-microsoft-com:vml" xmlns:o="urn:schemas-microsoft-com:office:office" xmlns:dgm="http://schemas.openxmlformats.org/drawingml/2006/diagram" xmlns:c="http://schemas.openxmlformats.org/drawingml/2006/chart" xmlns:mv="urn:schemas-microsoft-com:mac:vml" xmlns:mc="http://schemas.openxmlformats.org/markup-compatibility/2006" xmlns="">
+      <p15:sldGuideLst xmlns="" xmlns:mc="http://schemas.openxmlformats.org/markup-compatibility/2006" xmlns:mv="urn:schemas-microsoft-com:mac:vml" xmlns:c="http://schemas.openxmlformats.org/drawingml/2006/chart" xmlns:dgm="http://schemas.openxmlformats.org/drawingml/2006/diagram" xmlns:o="urn:schemas-microsoft-com:office:office" xmlns:v="urn:schemas-microsoft-com:vml" xmlns:pvml="urn:schemas-microsoft-com:office:powerpoint" xmlns:com="http://schemas.openxmlformats.org/drawingml/2006/compatibility" xmlns:p14="http://schemas.microsoft.com/office/powerpoint/2010/main" xmlns:p15="http://schemas.microsoft.com/office/powerpoint/2012/main" xmlns:ahyp="http://schemas.microsoft.com/office/drawing/2018/hyperlinkcolor">
         <p15:guide id="1" orient="horz" pos="1620">
           <p15:clr>
             <a:srgbClr val="747775"/>
@@ -3352,6 +3363,1254 @@
   <p:cSld>
     <p:spTree>
       <p:nvGrpSpPr>
+        <p:cNvPr id="1" name="Shape 99"/>
+        <p:cNvGrpSpPr/>
+        <p:nvPr/>
+      </p:nvGrpSpPr>
+      <p:grpSpPr>
+        <a:xfrm>
+          <a:off x="0" y="0"/>
+          <a:ext cx="0" cy="0"/>
+          <a:chOff x="0" y="0"/>
+          <a:chExt cx="0" cy="0"/>
+        </a:xfrm>
+      </p:grpSpPr>
+      <p:sp>
+        <p:nvSpPr>
+          <p:cNvPr id="100" name="Google Shape;100;g2ddc889944f_0_0:notes"/>
+          <p:cNvSpPr>
+            <a:spLocks noGrp="1" noRot="1" noChangeAspect="1"/>
+          </p:cNvSpPr>
+          <p:nvPr>
+            <p:ph type="sldImg" idx="2"/>
+          </p:nvPr>
+        </p:nvSpPr>
+        <p:spPr>
+          <a:xfrm>
+            <a:off x="381000" y="685800"/>
+            <a:ext cx="6096000" cy="3429000"/>
+          </a:xfrm>
+          <a:custGeom>
+            <a:avLst/>
+            <a:gdLst/>
+            <a:ahLst/>
+            <a:cxnLst/>
+            <a:rect l="l" t="t" r="r" b="b"/>
+            <a:pathLst>
+              <a:path w="120000" h="120000" extrusionOk="0">
+                <a:moveTo>
+                  <a:pt x="0" y="0"/>
+                </a:moveTo>
+                <a:lnTo>
+                  <a:pt x="120000" y="0"/>
+                </a:lnTo>
+                <a:lnTo>
+                  <a:pt x="120000" y="120000"/>
+                </a:lnTo>
+                <a:lnTo>
+                  <a:pt x="0" y="120000"/>
+                </a:lnTo>
+                <a:close/>
+              </a:path>
+            </a:pathLst>
+          </a:custGeom>
+        </p:spPr>
+      </p:sp>
+      <p:sp>
+        <p:nvSpPr>
+          <p:cNvPr id="101" name="Google Shape;101;g2ddc889944f_0_0:notes"/>
+          <p:cNvSpPr txBox="1">
+            <a:spLocks noGrp="1"/>
+          </p:cNvSpPr>
+          <p:nvPr>
+            <p:ph type="body" idx="1"/>
+          </p:nvPr>
+        </p:nvSpPr>
+        <p:spPr>
+          <a:xfrm>
+            <a:off x="685800" y="4343400"/>
+            <a:ext cx="5486400" cy="4114800"/>
+          </a:xfrm>
+          <a:prstGeom prst="rect">
+            <a:avLst/>
+          </a:prstGeom>
+        </p:spPr>
+        <p:txBody>
+          <a:bodyPr spcFirstLastPara="1" wrap="square" lIns="91425" tIns="91425" rIns="91425" bIns="91425" anchor="t" anchorCtr="0">
+            <a:noAutofit/>
+          </a:bodyPr>
+          <a:lstStyle/>
+          <a:p>
+            <a:pPr marL="0" lvl="0" indent="0" algn="l" rtl="0">
+              <a:spcBef>
+                <a:spcPts val="0"/>
+              </a:spcBef>
+              <a:spcAft>
+                <a:spcPts val="0"/>
+              </a:spcAft>
+              <a:buNone/>
+            </a:pPr>
+            <a:endParaRPr/>
+          </a:p>
+        </p:txBody>
+      </p:sp>
+    </p:spTree>
+  </p:cSld>
+  <p:clrMapOvr>
+    <a:masterClrMapping/>
+  </p:clrMapOvr>
+</p:notes>
+</file>
+
+<file path=ppt/notesSlides/notesSlide33.xml><?xml version="1.0" encoding="utf-8"?>
+<p:notes xmlns:a="http://schemas.openxmlformats.org/drawingml/2006/main" xmlns:r="http://schemas.openxmlformats.org/officeDocument/2006/relationships" xmlns:p="http://schemas.openxmlformats.org/presentationml/2006/main" showMasterSp="0" showMasterPhAnim="0">
+  <p:cSld>
+    <p:spTree>
+      <p:nvGrpSpPr>
+        <p:cNvPr id="1" name="Shape 99"/>
+        <p:cNvGrpSpPr/>
+        <p:nvPr/>
+      </p:nvGrpSpPr>
+      <p:grpSpPr>
+        <a:xfrm>
+          <a:off x="0" y="0"/>
+          <a:ext cx="0" cy="0"/>
+          <a:chOff x="0" y="0"/>
+          <a:chExt cx="0" cy="0"/>
+        </a:xfrm>
+      </p:grpSpPr>
+      <p:sp>
+        <p:nvSpPr>
+          <p:cNvPr id="100" name="Google Shape;100;g2ddc889944f_0_0:notes"/>
+          <p:cNvSpPr>
+            <a:spLocks noGrp="1" noRot="1" noChangeAspect="1"/>
+          </p:cNvSpPr>
+          <p:nvPr>
+            <p:ph type="sldImg" idx="2"/>
+          </p:nvPr>
+        </p:nvSpPr>
+        <p:spPr>
+          <a:xfrm>
+            <a:off x="381000" y="685800"/>
+            <a:ext cx="6096000" cy="3429000"/>
+          </a:xfrm>
+          <a:custGeom>
+            <a:avLst/>
+            <a:gdLst/>
+            <a:ahLst/>
+            <a:cxnLst/>
+            <a:rect l="l" t="t" r="r" b="b"/>
+            <a:pathLst>
+              <a:path w="120000" h="120000" extrusionOk="0">
+                <a:moveTo>
+                  <a:pt x="0" y="0"/>
+                </a:moveTo>
+                <a:lnTo>
+                  <a:pt x="120000" y="0"/>
+                </a:lnTo>
+                <a:lnTo>
+                  <a:pt x="120000" y="120000"/>
+                </a:lnTo>
+                <a:lnTo>
+                  <a:pt x="0" y="120000"/>
+                </a:lnTo>
+                <a:close/>
+              </a:path>
+            </a:pathLst>
+          </a:custGeom>
+        </p:spPr>
+      </p:sp>
+      <p:sp>
+        <p:nvSpPr>
+          <p:cNvPr id="101" name="Google Shape;101;g2ddc889944f_0_0:notes"/>
+          <p:cNvSpPr txBox="1">
+            <a:spLocks noGrp="1"/>
+          </p:cNvSpPr>
+          <p:nvPr>
+            <p:ph type="body" idx="1"/>
+          </p:nvPr>
+        </p:nvSpPr>
+        <p:spPr>
+          <a:xfrm>
+            <a:off x="685800" y="4343400"/>
+            <a:ext cx="5486400" cy="4114800"/>
+          </a:xfrm>
+          <a:prstGeom prst="rect">
+            <a:avLst/>
+          </a:prstGeom>
+        </p:spPr>
+        <p:txBody>
+          <a:bodyPr spcFirstLastPara="1" wrap="square" lIns="91425" tIns="91425" rIns="91425" bIns="91425" anchor="t" anchorCtr="0">
+            <a:noAutofit/>
+          </a:bodyPr>
+          <a:lstStyle/>
+          <a:p>
+            <a:pPr marL="0" lvl="0" indent="0" algn="l" rtl="0">
+              <a:spcBef>
+                <a:spcPts val="0"/>
+              </a:spcBef>
+              <a:spcAft>
+                <a:spcPts val="0"/>
+              </a:spcAft>
+              <a:buNone/>
+            </a:pPr>
+            <a:endParaRPr/>
+          </a:p>
+        </p:txBody>
+      </p:sp>
+    </p:spTree>
+  </p:cSld>
+  <p:clrMapOvr>
+    <a:masterClrMapping/>
+  </p:clrMapOvr>
+</p:notes>
+</file>
+
+<file path=ppt/notesSlides/notesSlide34.xml><?xml version="1.0" encoding="utf-8"?>
+<p:notes xmlns:a="http://schemas.openxmlformats.org/drawingml/2006/main" xmlns:r="http://schemas.openxmlformats.org/officeDocument/2006/relationships" xmlns:p="http://schemas.openxmlformats.org/presentationml/2006/main" showMasterSp="0" showMasterPhAnim="0">
+  <p:cSld>
+    <p:spTree>
+      <p:nvGrpSpPr>
+        <p:cNvPr id="1" name="Shape 99"/>
+        <p:cNvGrpSpPr/>
+        <p:nvPr/>
+      </p:nvGrpSpPr>
+      <p:grpSpPr>
+        <a:xfrm>
+          <a:off x="0" y="0"/>
+          <a:ext cx="0" cy="0"/>
+          <a:chOff x="0" y="0"/>
+          <a:chExt cx="0" cy="0"/>
+        </a:xfrm>
+      </p:grpSpPr>
+      <p:sp>
+        <p:nvSpPr>
+          <p:cNvPr id="100" name="Google Shape;100;g2ddc889944f_0_0:notes"/>
+          <p:cNvSpPr>
+            <a:spLocks noGrp="1" noRot="1" noChangeAspect="1"/>
+          </p:cNvSpPr>
+          <p:nvPr>
+            <p:ph type="sldImg" idx="2"/>
+          </p:nvPr>
+        </p:nvSpPr>
+        <p:spPr>
+          <a:xfrm>
+            <a:off x="381000" y="685800"/>
+            <a:ext cx="6096000" cy="3429000"/>
+          </a:xfrm>
+          <a:custGeom>
+            <a:avLst/>
+            <a:gdLst/>
+            <a:ahLst/>
+            <a:cxnLst/>
+            <a:rect l="l" t="t" r="r" b="b"/>
+            <a:pathLst>
+              <a:path w="120000" h="120000" extrusionOk="0">
+                <a:moveTo>
+                  <a:pt x="0" y="0"/>
+                </a:moveTo>
+                <a:lnTo>
+                  <a:pt x="120000" y="0"/>
+                </a:lnTo>
+                <a:lnTo>
+                  <a:pt x="120000" y="120000"/>
+                </a:lnTo>
+                <a:lnTo>
+                  <a:pt x="0" y="120000"/>
+                </a:lnTo>
+                <a:close/>
+              </a:path>
+            </a:pathLst>
+          </a:custGeom>
+        </p:spPr>
+      </p:sp>
+      <p:sp>
+        <p:nvSpPr>
+          <p:cNvPr id="101" name="Google Shape;101;g2ddc889944f_0_0:notes"/>
+          <p:cNvSpPr txBox="1">
+            <a:spLocks noGrp="1"/>
+          </p:cNvSpPr>
+          <p:nvPr>
+            <p:ph type="body" idx="1"/>
+          </p:nvPr>
+        </p:nvSpPr>
+        <p:spPr>
+          <a:xfrm>
+            <a:off x="685800" y="4343400"/>
+            <a:ext cx="5486400" cy="4114800"/>
+          </a:xfrm>
+          <a:prstGeom prst="rect">
+            <a:avLst/>
+          </a:prstGeom>
+        </p:spPr>
+        <p:txBody>
+          <a:bodyPr spcFirstLastPara="1" wrap="square" lIns="91425" tIns="91425" rIns="91425" bIns="91425" anchor="t" anchorCtr="0">
+            <a:noAutofit/>
+          </a:bodyPr>
+          <a:lstStyle/>
+          <a:p>
+            <a:pPr marL="0" lvl="0" indent="0" algn="l" rtl="0">
+              <a:spcBef>
+                <a:spcPts val="0"/>
+              </a:spcBef>
+              <a:spcAft>
+                <a:spcPts val="0"/>
+              </a:spcAft>
+              <a:buNone/>
+            </a:pPr>
+            <a:endParaRPr/>
+          </a:p>
+        </p:txBody>
+      </p:sp>
+    </p:spTree>
+  </p:cSld>
+  <p:clrMapOvr>
+    <a:masterClrMapping/>
+  </p:clrMapOvr>
+</p:notes>
+</file>
+
+<file path=ppt/notesSlides/notesSlide35.xml><?xml version="1.0" encoding="utf-8"?>
+<p:notes xmlns:a="http://schemas.openxmlformats.org/drawingml/2006/main" xmlns:r="http://schemas.openxmlformats.org/officeDocument/2006/relationships" xmlns:p="http://schemas.openxmlformats.org/presentationml/2006/main" showMasterSp="0" showMasterPhAnim="0">
+  <p:cSld>
+    <p:spTree>
+      <p:nvGrpSpPr>
+        <p:cNvPr id="1" name="Shape 99"/>
+        <p:cNvGrpSpPr/>
+        <p:nvPr/>
+      </p:nvGrpSpPr>
+      <p:grpSpPr>
+        <a:xfrm>
+          <a:off x="0" y="0"/>
+          <a:ext cx="0" cy="0"/>
+          <a:chOff x="0" y="0"/>
+          <a:chExt cx="0" cy="0"/>
+        </a:xfrm>
+      </p:grpSpPr>
+      <p:sp>
+        <p:nvSpPr>
+          <p:cNvPr id="100" name="Google Shape;100;g2ddc889944f_0_0:notes"/>
+          <p:cNvSpPr>
+            <a:spLocks noGrp="1" noRot="1" noChangeAspect="1"/>
+          </p:cNvSpPr>
+          <p:nvPr>
+            <p:ph type="sldImg" idx="2"/>
+          </p:nvPr>
+        </p:nvSpPr>
+        <p:spPr>
+          <a:xfrm>
+            <a:off x="381000" y="685800"/>
+            <a:ext cx="6096000" cy="3429000"/>
+          </a:xfrm>
+          <a:custGeom>
+            <a:avLst/>
+            <a:gdLst/>
+            <a:ahLst/>
+            <a:cxnLst/>
+            <a:rect l="l" t="t" r="r" b="b"/>
+            <a:pathLst>
+              <a:path w="120000" h="120000" extrusionOk="0">
+                <a:moveTo>
+                  <a:pt x="0" y="0"/>
+                </a:moveTo>
+                <a:lnTo>
+                  <a:pt x="120000" y="0"/>
+                </a:lnTo>
+                <a:lnTo>
+                  <a:pt x="120000" y="120000"/>
+                </a:lnTo>
+                <a:lnTo>
+                  <a:pt x="0" y="120000"/>
+                </a:lnTo>
+                <a:close/>
+              </a:path>
+            </a:pathLst>
+          </a:custGeom>
+        </p:spPr>
+      </p:sp>
+      <p:sp>
+        <p:nvSpPr>
+          <p:cNvPr id="101" name="Google Shape;101;g2ddc889944f_0_0:notes"/>
+          <p:cNvSpPr txBox="1">
+            <a:spLocks noGrp="1"/>
+          </p:cNvSpPr>
+          <p:nvPr>
+            <p:ph type="body" idx="1"/>
+          </p:nvPr>
+        </p:nvSpPr>
+        <p:spPr>
+          <a:xfrm>
+            <a:off x="685800" y="4343400"/>
+            <a:ext cx="5486400" cy="4114800"/>
+          </a:xfrm>
+          <a:prstGeom prst="rect">
+            <a:avLst/>
+          </a:prstGeom>
+        </p:spPr>
+        <p:txBody>
+          <a:bodyPr spcFirstLastPara="1" wrap="square" lIns="91425" tIns="91425" rIns="91425" bIns="91425" anchor="t" anchorCtr="0">
+            <a:noAutofit/>
+          </a:bodyPr>
+          <a:lstStyle/>
+          <a:p>
+            <a:pPr marL="0" lvl="0" indent="0" algn="l" rtl="0">
+              <a:spcBef>
+                <a:spcPts val="0"/>
+              </a:spcBef>
+              <a:spcAft>
+                <a:spcPts val="0"/>
+              </a:spcAft>
+              <a:buNone/>
+            </a:pPr>
+            <a:endParaRPr/>
+          </a:p>
+        </p:txBody>
+      </p:sp>
+    </p:spTree>
+  </p:cSld>
+  <p:clrMapOvr>
+    <a:masterClrMapping/>
+  </p:clrMapOvr>
+</p:notes>
+</file>
+
+<file path=ppt/notesSlides/notesSlide36.xml><?xml version="1.0" encoding="utf-8"?>
+<p:notes xmlns:a="http://schemas.openxmlformats.org/drawingml/2006/main" xmlns:r="http://schemas.openxmlformats.org/officeDocument/2006/relationships" xmlns:p="http://schemas.openxmlformats.org/presentationml/2006/main" showMasterSp="0" showMasterPhAnim="0">
+  <p:cSld>
+    <p:spTree>
+      <p:nvGrpSpPr>
+        <p:cNvPr id="1" name="Shape 99"/>
+        <p:cNvGrpSpPr/>
+        <p:nvPr/>
+      </p:nvGrpSpPr>
+      <p:grpSpPr>
+        <a:xfrm>
+          <a:off x="0" y="0"/>
+          <a:ext cx="0" cy="0"/>
+          <a:chOff x="0" y="0"/>
+          <a:chExt cx="0" cy="0"/>
+        </a:xfrm>
+      </p:grpSpPr>
+      <p:sp>
+        <p:nvSpPr>
+          <p:cNvPr id="100" name="Google Shape;100;g2ddc889944f_0_0:notes"/>
+          <p:cNvSpPr>
+            <a:spLocks noGrp="1" noRot="1" noChangeAspect="1"/>
+          </p:cNvSpPr>
+          <p:nvPr>
+            <p:ph type="sldImg" idx="2"/>
+          </p:nvPr>
+        </p:nvSpPr>
+        <p:spPr>
+          <a:xfrm>
+            <a:off x="381000" y="685800"/>
+            <a:ext cx="6096000" cy="3429000"/>
+          </a:xfrm>
+          <a:custGeom>
+            <a:avLst/>
+            <a:gdLst/>
+            <a:ahLst/>
+            <a:cxnLst/>
+            <a:rect l="l" t="t" r="r" b="b"/>
+            <a:pathLst>
+              <a:path w="120000" h="120000" extrusionOk="0">
+                <a:moveTo>
+                  <a:pt x="0" y="0"/>
+                </a:moveTo>
+                <a:lnTo>
+                  <a:pt x="120000" y="0"/>
+                </a:lnTo>
+                <a:lnTo>
+                  <a:pt x="120000" y="120000"/>
+                </a:lnTo>
+                <a:lnTo>
+                  <a:pt x="0" y="120000"/>
+                </a:lnTo>
+                <a:close/>
+              </a:path>
+            </a:pathLst>
+          </a:custGeom>
+        </p:spPr>
+      </p:sp>
+      <p:sp>
+        <p:nvSpPr>
+          <p:cNvPr id="101" name="Google Shape;101;g2ddc889944f_0_0:notes"/>
+          <p:cNvSpPr txBox="1">
+            <a:spLocks noGrp="1"/>
+          </p:cNvSpPr>
+          <p:nvPr>
+            <p:ph type="body" idx="1"/>
+          </p:nvPr>
+        </p:nvSpPr>
+        <p:spPr>
+          <a:xfrm>
+            <a:off x="685800" y="4343400"/>
+            <a:ext cx="5486400" cy="4114800"/>
+          </a:xfrm>
+          <a:prstGeom prst="rect">
+            <a:avLst/>
+          </a:prstGeom>
+        </p:spPr>
+        <p:txBody>
+          <a:bodyPr spcFirstLastPara="1" wrap="square" lIns="91425" tIns="91425" rIns="91425" bIns="91425" anchor="t" anchorCtr="0">
+            <a:noAutofit/>
+          </a:bodyPr>
+          <a:lstStyle/>
+          <a:p>
+            <a:pPr marL="0" lvl="0" indent="0" algn="l" rtl="0">
+              <a:spcBef>
+                <a:spcPts val="0"/>
+              </a:spcBef>
+              <a:spcAft>
+                <a:spcPts val="0"/>
+              </a:spcAft>
+              <a:buNone/>
+            </a:pPr>
+            <a:endParaRPr/>
+          </a:p>
+        </p:txBody>
+      </p:sp>
+    </p:spTree>
+  </p:cSld>
+  <p:clrMapOvr>
+    <a:masterClrMapping/>
+  </p:clrMapOvr>
+</p:notes>
+</file>
+
+<file path=ppt/notesSlides/notesSlide37.xml><?xml version="1.0" encoding="utf-8"?>
+<p:notes xmlns:a="http://schemas.openxmlformats.org/drawingml/2006/main" xmlns:r="http://schemas.openxmlformats.org/officeDocument/2006/relationships" xmlns:p="http://schemas.openxmlformats.org/presentationml/2006/main" showMasterSp="0" showMasterPhAnim="0">
+  <p:cSld>
+    <p:spTree>
+      <p:nvGrpSpPr>
+        <p:cNvPr id="1" name="Shape 99"/>
+        <p:cNvGrpSpPr/>
+        <p:nvPr/>
+      </p:nvGrpSpPr>
+      <p:grpSpPr>
+        <a:xfrm>
+          <a:off x="0" y="0"/>
+          <a:ext cx="0" cy="0"/>
+          <a:chOff x="0" y="0"/>
+          <a:chExt cx="0" cy="0"/>
+        </a:xfrm>
+      </p:grpSpPr>
+      <p:sp>
+        <p:nvSpPr>
+          <p:cNvPr id="100" name="Google Shape;100;g2ddc889944f_0_0:notes"/>
+          <p:cNvSpPr>
+            <a:spLocks noGrp="1" noRot="1" noChangeAspect="1"/>
+          </p:cNvSpPr>
+          <p:nvPr>
+            <p:ph type="sldImg" idx="2"/>
+          </p:nvPr>
+        </p:nvSpPr>
+        <p:spPr>
+          <a:xfrm>
+            <a:off x="381000" y="685800"/>
+            <a:ext cx="6096000" cy="3429000"/>
+          </a:xfrm>
+          <a:custGeom>
+            <a:avLst/>
+            <a:gdLst/>
+            <a:ahLst/>
+            <a:cxnLst/>
+            <a:rect l="l" t="t" r="r" b="b"/>
+            <a:pathLst>
+              <a:path w="120000" h="120000" extrusionOk="0">
+                <a:moveTo>
+                  <a:pt x="0" y="0"/>
+                </a:moveTo>
+                <a:lnTo>
+                  <a:pt x="120000" y="0"/>
+                </a:lnTo>
+                <a:lnTo>
+                  <a:pt x="120000" y="120000"/>
+                </a:lnTo>
+                <a:lnTo>
+                  <a:pt x="0" y="120000"/>
+                </a:lnTo>
+                <a:close/>
+              </a:path>
+            </a:pathLst>
+          </a:custGeom>
+        </p:spPr>
+      </p:sp>
+      <p:sp>
+        <p:nvSpPr>
+          <p:cNvPr id="101" name="Google Shape;101;g2ddc889944f_0_0:notes"/>
+          <p:cNvSpPr txBox="1">
+            <a:spLocks noGrp="1"/>
+          </p:cNvSpPr>
+          <p:nvPr>
+            <p:ph type="body" idx="1"/>
+          </p:nvPr>
+        </p:nvSpPr>
+        <p:spPr>
+          <a:xfrm>
+            <a:off x="685800" y="4343400"/>
+            <a:ext cx="5486400" cy="4114800"/>
+          </a:xfrm>
+          <a:prstGeom prst="rect">
+            <a:avLst/>
+          </a:prstGeom>
+        </p:spPr>
+        <p:txBody>
+          <a:bodyPr spcFirstLastPara="1" wrap="square" lIns="91425" tIns="91425" rIns="91425" bIns="91425" anchor="t" anchorCtr="0">
+            <a:noAutofit/>
+          </a:bodyPr>
+          <a:lstStyle/>
+          <a:p>
+            <a:pPr marL="0" lvl="0" indent="0" algn="l" rtl="0">
+              <a:spcBef>
+                <a:spcPts val="0"/>
+              </a:spcBef>
+              <a:spcAft>
+                <a:spcPts val="0"/>
+              </a:spcAft>
+              <a:buNone/>
+            </a:pPr>
+            <a:endParaRPr/>
+          </a:p>
+        </p:txBody>
+      </p:sp>
+    </p:spTree>
+  </p:cSld>
+  <p:clrMapOvr>
+    <a:masterClrMapping/>
+  </p:clrMapOvr>
+</p:notes>
+</file>
+
+<file path=ppt/notesSlides/notesSlide38.xml><?xml version="1.0" encoding="utf-8"?>
+<p:notes xmlns:a="http://schemas.openxmlformats.org/drawingml/2006/main" xmlns:r="http://schemas.openxmlformats.org/officeDocument/2006/relationships" xmlns:p="http://schemas.openxmlformats.org/presentationml/2006/main" showMasterSp="0" showMasterPhAnim="0">
+  <p:cSld>
+    <p:spTree>
+      <p:nvGrpSpPr>
+        <p:cNvPr id="1" name="Shape 99"/>
+        <p:cNvGrpSpPr/>
+        <p:nvPr/>
+      </p:nvGrpSpPr>
+      <p:grpSpPr>
+        <a:xfrm>
+          <a:off x="0" y="0"/>
+          <a:ext cx="0" cy="0"/>
+          <a:chOff x="0" y="0"/>
+          <a:chExt cx="0" cy="0"/>
+        </a:xfrm>
+      </p:grpSpPr>
+      <p:sp>
+        <p:nvSpPr>
+          <p:cNvPr id="100" name="Google Shape;100;g2ddc889944f_0_0:notes"/>
+          <p:cNvSpPr>
+            <a:spLocks noGrp="1" noRot="1" noChangeAspect="1"/>
+          </p:cNvSpPr>
+          <p:nvPr>
+            <p:ph type="sldImg" idx="2"/>
+          </p:nvPr>
+        </p:nvSpPr>
+        <p:spPr>
+          <a:xfrm>
+            <a:off x="381000" y="685800"/>
+            <a:ext cx="6096000" cy="3429000"/>
+          </a:xfrm>
+          <a:custGeom>
+            <a:avLst/>
+            <a:gdLst/>
+            <a:ahLst/>
+            <a:cxnLst/>
+            <a:rect l="l" t="t" r="r" b="b"/>
+            <a:pathLst>
+              <a:path w="120000" h="120000" extrusionOk="0">
+                <a:moveTo>
+                  <a:pt x="0" y="0"/>
+                </a:moveTo>
+                <a:lnTo>
+                  <a:pt x="120000" y="0"/>
+                </a:lnTo>
+                <a:lnTo>
+                  <a:pt x="120000" y="120000"/>
+                </a:lnTo>
+                <a:lnTo>
+                  <a:pt x="0" y="120000"/>
+                </a:lnTo>
+                <a:close/>
+              </a:path>
+            </a:pathLst>
+          </a:custGeom>
+        </p:spPr>
+      </p:sp>
+      <p:sp>
+        <p:nvSpPr>
+          <p:cNvPr id="101" name="Google Shape;101;g2ddc889944f_0_0:notes"/>
+          <p:cNvSpPr txBox="1">
+            <a:spLocks noGrp="1"/>
+          </p:cNvSpPr>
+          <p:nvPr>
+            <p:ph type="body" idx="1"/>
+          </p:nvPr>
+        </p:nvSpPr>
+        <p:spPr>
+          <a:xfrm>
+            <a:off x="685800" y="4343400"/>
+            <a:ext cx="5486400" cy="4114800"/>
+          </a:xfrm>
+          <a:prstGeom prst="rect">
+            <a:avLst/>
+          </a:prstGeom>
+        </p:spPr>
+        <p:txBody>
+          <a:bodyPr spcFirstLastPara="1" wrap="square" lIns="91425" tIns="91425" rIns="91425" bIns="91425" anchor="t" anchorCtr="0">
+            <a:noAutofit/>
+          </a:bodyPr>
+          <a:lstStyle/>
+          <a:p>
+            <a:pPr marL="0" lvl="0" indent="0" algn="l" rtl="0">
+              <a:spcBef>
+                <a:spcPts val="0"/>
+              </a:spcBef>
+              <a:spcAft>
+                <a:spcPts val="0"/>
+              </a:spcAft>
+              <a:buNone/>
+            </a:pPr>
+            <a:endParaRPr/>
+          </a:p>
+        </p:txBody>
+      </p:sp>
+    </p:spTree>
+  </p:cSld>
+  <p:clrMapOvr>
+    <a:masterClrMapping/>
+  </p:clrMapOvr>
+</p:notes>
+</file>
+
+<file path=ppt/notesSlides/notesSlide39.xml><?xml version="1.0" encoding="utf-8"?>
+<p:notes xmlns:a="http://schemas.openxmlformats.org/drawingml/2006/main" xmlns:r="http://schemas.openxmlformats.org/officeDocument/2006/relationships" xmlns:p="http://schemas.openxmlformats.org/presentationml/2006/main" showMasterSp="0" showMasterPhAnim="0">
+  <p:cSld>
+    <p:spTree>
+      <p:nvGrpSpPr>
+        <p:cNvPr id="1" name="Shape 99"/>
+        <p:cNvGrpSpPr/>
+        <p:nvPr/>
+      </p:nvGrpSpPr>
+      <p:grpSpPr>
+        <a:xfrm>
+          <a:off x="0" y="0"/>
+          <a:ext cx="0" cy="0"/>
+          <a:chOff x="0" y="0"/>
+          <a:chExt cx="0" cy="0"/>
+        </a:xfrm>
+      </p:grpSpPr>
+      <p:sp>
+        <p:nvSpPr>
+          <p:cNvPr id="100" name="Google Shape;100;g2ddc889944f_0_0:notes"/>
+          <p:cNvSpPr>
+            <a:spLocks noGrp="1" noRot="1" noChangeAspect="1"/>
+          </p:cNvSpPr>
+          <p:nvPr>
+            <p:ph type="sldImg" idx="2"/>
+          </p:nvPr>
+        </p:nvSpPr>
+        <p:spPr>
+          <a:xfrm>
+            <a:off x="381000" y="685800"/>
+            <a:ext cx="6096000" cy="3429000"/>
+          </a:xfrm>
+          <a:custGeom>
+            <a:avLst/>
+            <a:gdLst/>
+            <a:ahLst/>
+            <a:cxnLst/>
+            <a:rect l="l" t="t" r="r" b="b"/>
+            <a:pathLst>
+              <a:path w="120000" h="120000" extrusionOk="0">
+                <a:moveTo>
+                  <a:pt x="0" y="0"/>
+                </a:moveTo>
+                <a:lnTo>
+                  <a:pt x="120000" y="0"/>
+                </a:lnTo>
+                <a:lnTo>
+                  <a:pt x="120000" y="120000"/>
+                </a:lnTo>
+                <a:lnTo>
+                  <a:pt x="0" y="120000"/>
+                </a:lnTo>
+                <a:close/>
+              </a:path>
+            </a:pathLst>
+          </a:custGeom>
+        </p:spPr>
+      </p:sp>
+      <p:sp>
+        <p:nvSpPr>
+          <p:cNvPr id="101" name="Google Shape;101;g2ddc889944f_0_0:notes"/>
+          <p:cNvSpPr txBox="1">
+            <a:spLocks noGrp="1"/>
+          </p:cNvSpPr>
+          <p:nvPr>
+            <p:ph type="body" idx="1"/>
+          </p:nvPr>
+        </p:nvSpPr>
+        <p:spPr>
+          <a:xfrm>
+            <a:off x="685800" y="4343400"/>
+            <a:ext cx="5486400" cy="4114800"/>
+          </a:xfrm>
+          <a:prstGeom prst="rect">
+            <a:avLst/>
+          </a:prstGeom>
+        </p:spPr>
+        <p:txBody>
+          <a:bodyPr spcFirstLastPara="1" wrap="square" lIns="91425" tIns="91425" rIns="91425" bIns="91425" anchor="t" anchorCtr="0">
+            <a:noAutofit/>
+          </a:bodyPr>
+          <a:lstStyle/>
+          <a:p>
+            <a:pPr marL="0" lvl="0" indent="0" algn="l" rtl="0">
+              <a:spcBef>
+                <a:spcPts val="0"/>
+              </a:spcBef>
+              <a:spcAft>
+                <a:spcPts val="0"/>
+              </a:spcAft>
+              <a:buNone/>
+            </a:pPr>
+            <a:endParaRPr/>
+          </a:p>
+        </p:txBody>
+      </p:sp>
+    </p:spTree>
+  </p:cSld>
+  <p:clrMapOvr>
+    <a:masterClrMapping/>
+  </p:clrMapOvr>
+</p:notes>
+</file>
+
+<file path=ppt/notesSlides/notesSlide4.xml><?xml version="1.0" encoding="utf-8"?>
+<p:notes xmlns:a="http://schemas.openxmlformats.org/drawingml/2006/main" xmlns:r="http://schemas.openxmlformats.org/officeDocument/2006/relationships" xmlns:p="http://schemas.openxmlformats.org/presentationml/2006/main" showMasterSp="0" showMasterPhAnim="0">
+  <p:cSld>
+    <p:spTree>
+      <p:nvGrpSpPr>
+        <p:cNvPr id="1" name="Shape 99"/>
+        <p:cNvGrpSpPr/>
+        <p:nvPr/>
+      </p:nvGrpSpPr>
+      <p:grpSpPr>
+        <a:xfrm>
+          <a:off x="0" y="0"/>
+          <a:ext cx="0" cy="0"/>
+          <a:chOff x="0" y="0"/>
+          <a:chExt cx="0" cy="0"/>
+        </a:xfrm>
+      </p:grpSpPr>
+      <p:sp>
+        <p:nvSpPr>
+          <p:cNvPr id="100" name="Google Shape;100;g2ddc889944f_0_0:notes"/>
+          <p:cNvSpPr>
+            <a:spLocks noGrp="1" noRot="1" noChangeAspect="1"/>
+          </p:cNvSpPr>
+          <p:nvPr>
+            <p:ph type="sldImg" idx="2"/>
+          </p:nvPr>
+        </p:nvSpPr>
+        <p:spPr>
+          <a:xfrm>
+            <a:off x="381000" y="685800"/>
+            <a:ext cx="6096000" cy="3429000"/>
+          </a:xfrm>
+          <a:custGeom>
+            <a:avLst/>
+            <a:gdLst/>
+            <a:ahLst/>
+            <a:cxnLst/>
+            <a:rect l="l" t="t" r="r" b="b"/>
+            <a:pathLst>
+              <a:path w="120000" h="120000" extrusionOk="0">
+                <a:moveTo>
+                  <a:pt x="0" y="0"/>
+                </a:moveTo>
+                <a:lnTo>
+                  <a:pt x="120000" y="0"/>
+                </a:lnTo>
+                <a:lnTo>
+                  <a:pt x="120000" y="120000"/>
+                </a:lnTo>
+                <a:lnTo>
+                  <a:pt x="0" y="120000"/>
+                </a:lnTo>
+                <a:close/>
+              </a:path>
+            </a:pathLst>
+          </a:custGeom>
+        </p:spPr>
+      </p:sp>
+      <p:sp>
+        <p:nvSpPr>
+          <p:cNvPr id="101" name="Google Shape;101;g2ddc889944f_0_0:notes"/>
+          <p:cNvSpPr txBox="1">
+            <a:spLocks noGrp="1"/>
+          </p:cNvSpPr>
+          <p:nvPr>
+            <p:ph type="body" idx="1"/>
+          </p:nvPr>
+        </p:nvSpPr>
+        <p:spPr>
+          <a:xfrm>
+            <a:off x="685800" y="4343400"/>
+            <a:ext cx="5486400" cy="4114800"/>
+          </a:xfrm>
+          <a:prstGeom prst="rect">
+            <a:avLst/>
+          </a:prstGeom>
+        </p:spPr>
+        <p:txBody>
+          <a:bodyPr spcFirstLastPara="1" wrap="square" lIns="91425" tIns="91425" rIns="91425" bIns="91425" anchor="t" anchorCtr="0">
+            <a:noAutofit/>
+          </a:bodyPr>
+          <a:lstStyle/>
+          <a:p>
+            <a:pPr marL="0" lvl="0" indent="0" algn="l" rtl="0">
+              <a:spcBef>
+                <a:spcPts val="0"/>
+              </a:spcBef>
+              <a:spcAft>
+                <a:spcPts val="0"/>
+              </a:spcAft>
+              <a:buNone/>
+            </a:pPr>
+            <a:endParaRPr/>
+          </a:p>
+        </p:txBody>
+      </p:sp>
+    </p:spTree>
+  </p:cSld>
+  <p:clrMapOvr>
+    <a:masterClrMapping/>
+  </p:clrMapOvr>
+</p:notes>
+</file>
+
+<file path=ppt/notesSlides/notesSlide40.xml><?xml version="1.0" encoding="utf-8"?>
+<p:notes xmlns:a="http://schemas.openxmlformats.org/drawingml/2006/main" xmlns:r="http://schemas.openxmlformats.org/officeDocument/2006/relationships" xmlns:p="http://schemas.openxmlformats.org/presentationml/2006/main" showMasterSp="0" showMasterPhAnim="0">
+  <p:cSld>
+    <p:spTree>
+      <p:nvGrpSpPr>
+        <p:cNvPr id="1" name="Shape 99"/>
+        <p:cNvGrpSpPr/>
+        <p:nvPr/>
+      </p:nvGrpSpPr>
+      <p:grpSpPr>
+        <a:xfrm>
+          <a:off x="0" y="0"/>
+          <a:ext cx="0" cy="0"/>
+          <a:chOff x="0" y="0"/>
+          <a:chExt cx="0" cy="0"/>
+        </a:xfrm>
+      </p:grpSpPr>
+      <p:sp>
+        <p:nvSpPr>
+          <p:cNvPr id="100" name="Google Shape;100;g2ddc889944f_0_0:notes"/>
+          <p:cNvSpPr>
+            <a:spLocks noGrp="1" noRot="1" noChangeAspect="1"/>
+          </p:cNvSpPr>
+          <p:nvPr>
+            <p:ph type="sldImg" idx="2"/>
+          </p:nvPr>
+        </p:nvSpPr>
+        <p:spPr>
+          <a:xfrm>
+            <a:off x="381000" y="685800"/>
+            <a:ext cx="6096000" cy="3429000"/>
+          </a:xfrm>
+          <a:custGeom>
+            <a:avLst/>
+            <a:gdLst/>
+            <a:ahLst/>
+            <a:cxnLst/>
+            <a:rect l="l" t="t" r="r" b="b"/>
+            <a:pathLst>
+              <a:path w="120000" h="120000" extrusionOk="0">
+                <a:moveTo>
+                  <a:pt x="0" y="0"/>
+                </a:moveTo>
+                <a:lnTo>
+                  <a:pt x="120000" y="0"/>
+                </a:lnTo>
+                <a:lnTo>
+                  <a:pt x="120000" y="120000"/>
+                </a:lnTo>
+                <a:lnTo>
+                  <a:pt x="0" y="120000"/>
+                </a:lnTo>
+                <a:close/>
+              </a:path>
+            </a:pathLst>
+          </a:custGeom>
+        </p:spPr>
+      </p:sp>
+      <p:sp>
+        <p:nvSpPr>
+          <p:cNvPr id="101" name="Google Shape;101;g2ddc889944f_0_0:notes"/>
+          <p:cNvSpPr txBox="1">
+            <a:spLocks noGrp="1"/>
+          </p:cNvSpPr>
+          <p:nvPr>
+            <p:ph type="body" idx="1"/>
+          </p:nvPr>
+        </p:nvSpPr>
+        <p:spPr>
+          <a:xfrm>
+            <a:off x="685800" y="4343400"/>
+            <a:ext cx="5486400" cy="4114800"/>
+          </a:xfrm>
+          <a:prstGeom prst="rect">
+            <a:avLst/>
+          </a:prstGeom>
+        </p:spPr>
+        <p:txBody>
+          <a:bodyPr spcFirstLastPara="1" wrap="square" lIns="91425" tIns="91425" rIns="91425" bIns="91425" anchor="t" anchorCtr="0">
+            <a:noAutofit/>
+          </a:bodyPr>
+          <a:lstStyle/>
+          <a:p>
+            <a:pPr marL="0" lvl="0" indent="0" algn="l" rtl="0">
+              <a:spcBef>
+                <a:spcPts val="0"/>
+              </a:spcBef>
+              <a:spcAft>
+                <a:spcPts val="0"/>
+              </a:spcAft>
+              <a:buNone/>
+            </a:pPr>
+            <a:endParaRPr/>
+          </a:p>
+        </p:txBody>
+      </p:sp>
+    </p:spTree>
+  </p:cSld>
+  <p:clrMapOvr>
+    <a:masterClrMapping/>
+  </p:clrMapOvr>
+</p:notes>
+</file>
+
+<file path=ppt/notesSlides/notesSlide41.xml><?xml version="1.0" encoding="utf-8"?>
+<p:notes xmlns:a="http://schemas.openxmlformats.org/drawingml/2006/main" xmlns:r="http://schemas.openxmlformats.org/officeDocument/2006/relationships" xmlns:p="http://schemas.openxmlformats.org/presentationml/2006/main" showMasterSp="0" showMasterPhAnim="0">
+  <p:cSld>
+    <p:spTree>
+      <p:nvGrpSpPr>
+        <p:cNvPr id="1" name="Shape 99"/>
+        <p:cNvGrpSpPr/>
+        <p:nvPr/>
+      </p:nvGrpSpPr>
+      <p:grpSpPr>
+        <a:xfrm>
+          <a:off x="0" y="0"/>
+          <a:ext cx="0" cy="0"/>
+          <a:chOff x="0" y="0"/>
+          <a:chExt cx="0" cy="0"/>
+        </a:xfrm>
+      </p:grpSpPr>
+      <p:sp>
+        <p:nvSpPr>
+          <p:cNvPr id="100" name="Google Shape;100;g2ddc889944f_0_0:notes"/>
+          <p:cNvSpPr>
+            <a:spLocks noGrp="1" noRot="1" noChangeAspect="1"/>
+          </p:cNvSpPr>
+          <p:nvPr>
+            <p:ph type="sldImg" idx="2"/>
+          </p:nvPr>
+        </p:nvSpPr>
+        <p:spPr>
+          <a:xfrm>
+            <a:off x="381000" y="685800"/>
+            <a:ext cx="6096000" cy="3429000"/>
+          </a:xfrm>
+          <a:custGeom>
+            <a:avLst/>
+            <a:gdLst/>
+            <a:ahLst/>
+            <a:cxnLst/>
+            <a:rect l="l" t="t" r="r" b="b"/>
+            <a:pathLst>
+              <a:path w="120000" h="120000" extrusionOk="0">
+                <a:moveTo>
+                  <a:pt x="0" y="0"/>
+                </a:moveTo>
+                <a:lnTo>
+                  <a:pt x="120000" y="0"/>
+                </a:lnTo>
+                <a:lnTo>
+                  <a:pt x="120000" y="120000"/>
+                </a:lnTo>
+                <a:lnTo>
+                  <a:pt x="0" y="120000"/>
+                </a:lnTo>
+                <a:close/>
+              </a:path>
+            </a:pathLst>
+          </a:custGeom>
+        </p:spPr>
+      </p:sp>
+      <p:sp>
+        <p:nvSpPr>
+          <p:cNvPr id="101" name="Google Shape;101;g2ddc889944f_0_0:notes"/>
+          <p:cNvSpPr txBox="1">
+            <a:spLocks noGrp="1"/>
+          </p:cNvSpPr>
+          <p:nvPr>
+            <p:ph type="body" idx="1"/>
+          </p:nvPr>
+        </p:nvSpPr>
+        <p:spPr>
+          <a:xfrm>
+            <a:off x="685800" y="4343400"/>
+            <a:ext cx="5486400" cy="4114800"/>
+          </a:xfrm>
+          <a:prstGeom prst="rect">
+            <a:avLst/>
+          </a:prstGeom>
+        </p:spPr>
+        <p:txBody>
+          <a:bodyPr spcFirstLastPara="1" wrap="square" lIns="91425" tIns="91425" rIns="91425" bIns="91425" anchor="t" anchorCtr="0">
+            <a:noAutofit/>
+          </a:bodyPr>
+          <a:lstStyle/>
+          <a:p>
+            <a:pPr marL="0" lvl="0" indent="0" algn="l" rtl="0">
+              <a:spcBef>
+                <a:spcPts val="0"/>
+              </a:spcBef>
+              <a:spcAft>
+                <a:spcPts val="0"/>
+              </a:spcAft>
+              <a:buNone/>
+            </a:pPr>
+            <a:endParaRPr/>
+          </a:p>
+        </p:txBody>
+      </p:sp>
+    </p:spTree>
+  </p:cSld>
+  <p:clrMapOvr>
+    <a:masterClrMapping/>
+  </p:clrMapOvr>
+</p:notes>
+</file>
+
+<file path=ppt/notesSlides/notesSlide42.xml><?xml version="1.0" encoding="utf-8"?>
+<p:notes xmlns:a="http://schemas.openxmlformats.org/drawingml/2006/main" xmlns:r="http://schemas.openxmlformats.org/officeDocument/2006/relationships" xmlns:p="http://schemas.openxmlformats.org/presentationml/2006/main" showMasterSp="0" showMasterPhAnim="0">
+  <p:cSld>
+    <p:spTree>
+      <p:nvGrpSpPr>
+        <p:cNvPr id="1" name="Shape 99"/>
+        <p:cNvGrpSpPr/>
+        <p:nvPr/>
+      </p:nvGrpSpPr>
+      <p:grpSpPr>
+        <a:xfrm>
+          <a:off x="0" y="0"/>
+          <a:ext cx="0" cy="0"/>
+          <a:chOff x="0" y="0"/>
+          <a:chExt cx="0" cy="0"/>
+        </a:xfrm>
+      </p:grpSpPr>
+      <p:sp>
+        <p:nvSpPr>
+          <p:cNvPr id="100" name="Google Shape;100;g2ddc889944f_0_0:notes"/>
+          <p:cNvSpPr>
+            <a:spLocks noGrp="1" noRot="1" noChangeAspect="1"/>
+          </p:cNvSpPr>
+          <p:nvPr>
+            <p:ph type="sldImg" idx="2"/>
+          </p:nvPr>
+        </p:nvSpPr>
+        <p:spPr>
+          <a:xfrm>
+            <a:off x="381000" y="685800"/>
+            <a:ext cx="6096000" cy="3429000"/>
+          </a:xfrm>
+          <a:custGeom>
+            <a:avLst/>
+            <a:gdLst/>
+            <a:ahLst/>
+            <a:cxnLst/>
+            <a:rect l="l" t="t" r="r" b="b"/>
+            <a:pathLst>
+              <a:path w="120000" h="120000" extrusionOk="0">
+                <a:moveTo>
+                  <a:pt x="0" y="0"/>
+                </a:moveTo>
+                <a:lnTo>
+                  <a:pt x="120000" y="0"/>
+                </a:lnTo>
+                <a:lnTo>
+                  <a:pt x="120000" y="120000"/>
+                </a:lnTo>
+                <a:lnTo>
+                  <a:pt x="0" y="120000"/>
+                </a:lnTo>
+                <a:close/>
+              </a:path>
+            </a:pathLst>
+          </a:custGeom>
+        </p:spPr>
+      </p:sp>
+      <p:sp>
+        <p:nvSpPr>
+          <p:cNvPr id="101" name="Google Shape;101;g2ddc889944f_0_0:notes"/>
+          <p:cNvSpPr txBox="1">
+            <a:spLocks noGrp="1"/>
+          </p:cNvSpPr>
+          <p:nvPr>
+            <p:ph type="body" idx="1"/>
+          </p:nvPr>
+        </p:nvSpPr>
+        <p:spPr>
+          <a:xfrm>
+            <a:off x="685800" y="4343400"/>
+            <a:ext cx="5486400" cy="4114800"/>
+          </a:xfrm>
+          <a:prstGeom prst="rect">
+            <a:avLst/>
+          </a:prstGeom>
+        </p:spPr>
+        <p:txBody>
+          <a:bodyPr spcFirstLastPara="1" wrap="square" lIns="91425" tIns="91425" rIns="91425" bIns="91425" anchor="t" anchorCtr="0">
+            <a:noAutofit/>
+          </a:bodyPr>
+          <a:lstStyle/>
+          <a:p>
+            <a:pPr marL="0" lvl="0" indent="0" algn="l" rtl="0">
+              <a:spcBef>
+                <a:spcPts val="0"/>
+              </a:spcBef>
+              <a:spcAft>
+                <a:spcPts val="0"/>
+              </a:spcAft>
+              <a:buNone/>
+            </a:pPr>
+            <a:endParaRPr/>
+          </a:p>
+        </p:txBody>
+      </p:sp>
+    </p:spTree>
+  </p:cSld>
+  <p:clrMapOvr>
+    <a:masterClrMapping/>
+  </p:clrMapOvr>
+</p:notes>
+</file>
+
+<file path=ppt/notesSlides/notesSlide43.xml><?xml version="1.0" encoding="utf-8"?>
+<p:notes xmlns:a="http://schemas.openxmlformats.org/drawingml/2006/main" xmlns:r="http://schemas.openxmlformats.org/officeDocument/2006/relationships" xmlns:p="http://schemas.openxmlformats.org/presentationml/2006/main" showMasterSp="0" showMasterPhAnim="0">
+  <p:cSld>
+    <p:spTree>
+      <p:nvGrpSpPr>
         <p:cNvPr id="1" name="Shape 111"/>
         <p:cNvGrpSpPr/>
         <p:nvPr/>
@@ -3451,7 +4710,7 @@
 </p:notes>
 </file>
 
-<file path=ppt/notesSlides/notesSlide33.xml><?xml version="1.0" encoding="utf-8"?>
+<file path=ppt/notesSlides/notesSlide44.xml><?xml version="1.0" encoding="utf-8"?>
 <p:notes xmlns:a="http://schemas.openxmlformats.org/drawingml/2006/main" xmlns:r="http://schemas.openxmlformats.org/officeDocument/2006/relationships" xmlns:p="http://schemas.openxmlformats.org/presentationml/2006/main" showMasterSp="0" showMasterPhAnim="0">
   <p:cSld>
     <p:spTree>
@@ -3512,110 +4771,6 @@
       <p:sp>
         <p:nvSpPr>
           <p:cNvPr id="119" name="Google Shape;119;g2d058e3c2f2_0_24:notes"/>
-          <p:cNvSpPr txBox="1">
-            <a:spLocks noGrp="1"/>
-          </p:cNvSpPr>
-          <p:nvPr>
-            <p:ph type="body" idx="1"/>
-          </p:nvPr>
-        </p:nvSpPr>
-        <p:spPr>
-          <a:xfrm>
-            <a:off x="685800" y="4343400"/>
-            <a:ext cx="5486400" cy="4114800"/>
-          </a:xfrm>
-          <a:prstGeom prst="rect">
-            <a:avLst/>
-          </a:prstGeom>
-        </p:spPr>
-        <p:txBody>
-          <a:bodyPr spcFirstLastPara="1" wrap="square" lIns="91425" tIns="91425" rIns="91425" bIns="91425" anchor="t" anchorCtr="0">
-            <a:noAutofit/>
-          </a:bodyPr>
-          <a:lstStyle/>
-          <a:p>
-            <a:pPr marL="0" lvl="0" indent="0" algn="l" rtl="0">
-              <a:spcBef>
-                <a:spcPts val="0"/>
-              </a:spcBef>
-              <a:spcAft>
-                <a:spcPts val="0"/>
-              </a:spcAft>
-              <a:buNone/>
-            </a:pPr>
-            <a:endParaRPr/>
-          </a:p>
-        </p:txBody>
-      </p:sp>
-    </p:spTree>
-  </p:cSld>
-  <p:clrMapOvr>
-    <a:masterClrMapping/>
-  </p:clrMapOvr>
-</p:notes>
-</file>
-
-<file path=ppt/notesSlides/notesSlide4.xml><?xml version="1.0" encoding="utf-8"?>
-<p:notes xmlns:a="http://schemas.openxmlformats.org/drawingml/2006/main" xmlns:r="http://schemas.openxmlformats.org/officeDocument/2006/relationships" xmlns:p="http://schemas.openxmlformats.org/presentationml/2006/main" showMasterSp="0" showMasterPhAnim="0">
-  <p:cSld>
-    <p:spTree>
-      <p:nvGrpSpPr>
-        <p:cNvPr id="1" name="Shape 99"/>
-        <p:cNvGrpSpPr/>
-        <p:nvPr/>
-      </p:nvGrpSpPr>
-      <p:grpSpPr>
-        <a:xfrm>
-          <a:off x="0" y="0"/>
-          <a:ext cx="0" cy="0"/>
-          <a:chOff x="0" y="0"/>
-          <a:chExt cx="0" cy="0"/>
-        </a:xfrm>
-      </p:grpSpPr>
-      <p:sp>
-        <p:nvSpPr>
-          <p:cNvPr id="100" name="Google Shape;100;g2ddc889944f_0_0:notes"/>
-          <p:cNvSpPr>
-            <a:spLocks noGrp="1" noRot="1" noChangeAspect="1"/>
-          </p:cNvSpPr>
-          <p:nvPr>
-            <p:ph type="sldImg" idx="2"/>
-          </p:nvPr>
-        </p:nvSpPr>
-        <p:spPr>
-          <a:xfrm>
-            <a:off x="381000" y="685800"/>
-            <a:ext cx="6096000" cy="3429000"/>
-          </a:xfrm>
-          <a:custGeom>
-            <a:avLst/>
-            <a:gdLst/>
-            <a:ahLst/>
-            <a:cxnLst/>
-            <a:rect l="l" t="t" r="r" b="b"/>
-            <a:pathLst>
-              <a:path w="120000" h="120000" extrusionOk="0">
-                <a:moveTo>
-                  <a:pt x="0" y="0"/>
-                </a:moveTo>
-                <a:lnTo>
-                  <a:pt x="120000" y="0"/>
-                </a:lnTo>
-                <a:lnTo>
-                  <a:pt x="120000" y="120000"/>
-                </a:lnTo>
-                <a:lnTo>
-                  <a:pt x="0" y="120000"/>
-                </a:lnTo>
-                <a:close/>
-              </a:path>
-            </a:pathLst>
-          </a:custGeom>
-        </p:spPr>
-      </p:sp>
-      <p:sp>
-        <p:nvSpPr>
-          <p:cNvPr id="101" name="Google Shape;101;g2ddc889944f_0_0:notes"/>
           <p:cNvSpPr txBox="1">
             <a:spLocks noGrp="1"/>
           </p:cNvSpPr>
@@ -14075,97 +15230,8 @@
             </a:r>
             <a:r>
               <a:rPr lang="en-US" dirty="0"/>
-              <a:t> </a:t>
-            </a:r>
-            <a:r>
-              <a:rPr lang="en-US" dirty="0"/>
-              <a:t>border-style</a:t>
-            </a:r>
-            <a:r>
-              <a:rPr lang="en-US" dirty="0"/>
-              <a:t> property can have the following values: </a:t>
-            </a:r>
-            <a:r>
-              <a:rPr lang="en-US" dirty="0"/>
-              <a:t>none</a:t>
-            </a:r>
-            <a:r>
-              <a:rPr lang="en-US" dirty="0"/>
-              <a:t>, </a:t>
-            </a:r>
-            <a:r>
-              <a:rPr lang="en-US" dirty="0"/>
-              <a:t>hidden</a:t>
-            </a:r>
-            <a:r>
-              <a:rPr lang="en-US" dirty="0"/>
-              <a:t>, </a:t>
-            </a:r>
-            <a:r>
-              <a:rPr lang="en-US" dirty="0"/>
-              <a:t>solid</a:t>
-            </a:r>
-            <a:r>
-              <a:rPr lang="en-US" dirty="0"/>
-              <a:t>, </a:t>
-            </a:r>
-            <a:r>
-              <a:rPr lang="en-US" dirty="0"/>
-              <a:t>dashed</a:t>
-            </a:r>
-            <a:r>
-              <a:rPr lang="en-US" dirty="0"/>
-              <a:t>, </a:t>
-            </a:r>
-            <a:r>
-              <a:rPr lang="en-US" dirty="0"/>
-              <a:t>dotted</a:t>
-            </a:r>
-            <a:r>
-              <a:rPr lang="en-US" dirty="0"/>
-              <a:t>, </a:t>
-            </a:r>
-            <a:r>
-              <a:rPr lang="en-US" dirty="0"/>
-              <a:t>double</a:t>
-            </a:r>
-            <a:r>
-              <a:rPr lang="en-US" dirty="0"/>
-              <a:t>, </a:t>
-            </a:r>
-            <a:r>
-              <a:rPr lang="en-US" dirty="0"/>
-              <a:t>inset</a:t>
-            </a:r>
-            <a:r>
-              <a:rPr lang="en-US" dirty="0"/>
-              <a:t>, </a:t>
-            </a:r>
-            <a:r>
-              <a:rPr lang="en-US" dirty="0"/>
-              <a:t>outset</a:t>
-            </a:r>
-            <a:r>
-              <a:rPr lang="en-US" dirty="0"/>
-              <a:t>, </a:t>
-            </a:r>
-            <a:r>
-              <a:rPr lang="en-US" dirty="0"/>
-              <a:t>groove</a:t>
-            </a:r>
-            <a:r>
-              <a:rPr lang="en-US" dirty="0"/>
-              <a:t>, and </a:t>
-            </a:r>
-            <a:r>
-              <a:rPr lang="en-US" dirty="0"/>
-              <a:t>ridge</a:t>
-            </a:r>
-            <a:r>
-              <a:rPr lang="en-US" dirty="0"/>
-              <a:t>. </a:t>
-            </a:r>
-            <a:endParaRPr lang="en-US" dirty="0"/>
+              <a:t> border-style property can have the following values: none, hidden, solid, dashed, dotted, double, inset, outset, groove, and ridge. </a:t>
+            </a:r>
           </a:p>
           <a:p>
             <a:endParaRPr lang="en-US" sz="1600" dirty="0"/>
@@ -14814,15 +15880,7 @@
             <a:pPr fontAlgn="base"/>
             <a:r>
               <a:rPr lang="en-US" sz="1600" dirty="0"/>
-              <a:t>The </a:t>
-            </a:r>
-            <a:r>
-              <a:rPr lang="en-US" sz="1600" dirty="0"/>
-              <a:t>border-radius</a:t>
-            </a:r>
-            <a:r>
-              <a:rPr lang="en-US" sz="1600" dirty="0"/>
-              <a:t> property can be used to create rounded corners. </a:t>
+              <a:t>The border-radius property can be used to create rounded corners. </a:t>
             </a:r>
             <a:endParaRPr lang="en-US" sz="1600" dirty="0" smtClean="0"/>
           </a:p>
@@ -15287,43 +16345,7 @@
             <a:pPr fontAlgn="base"/>
             <a:r>
               <a:rPr lang="en-US" sz="1600" dirty="0"/>
-              <a:t>The </a:t>
-            </a:r>
-            <a:r>
-              <a:rPr lang="en-US" sz="1600" dirty="0"/>
-              <a:t>margin</a:t>
-            </a:r>
-            <a:r>
-              <a:rPr lang="en-US" sz="1600" dirty="0"/>
-              <a:t> property is a shorthand property to avoid setting margin of each side separately, i.e., </a:t>
-            </a:r>
-            <a:r>
-              <a:rPr lang="en-US" sz="1600" dirty="0"/>
-              <a:t>margin-top</a:t>
-            </a:r>
-            <a:r>
-              <a:rPr lang="en-US" sz="1600" dirty="0"/>
-              <a:t>, </a:t>
-            </a:r>
-            <a:r>
-              <a:rPr lang="en-US" sz="1600" dirty="0"/>
-              <a:t>margin-right</a:t>
-            </a:r>
-            <a:r>
-              <a:rPr lang="en-US" sz="1600" dirty="0"/>
-              <a:t>, </a:t>
-            </a:r>
-            <a:r>
-              <a:rPr lang="en-US" sz="1600" dirty="0"/>
-              <a:t>margin-bottom</a:t>
-            </a:r>
-            <a:r>
-              <a:rPr lang="en-US" sz="1600" dirty="0"/>
-              <a:t> and </a:t>
-            </a:r>
-            <a:r>
-              <a:rPr lang="en-US" sz="1600" dirty="0"/>
-              <a:t>margin-left</a:t>
+              <a:t>The margin property is a shorthand property to avoid setting margin of each side separately, i.e., margin-top, margin-right, margin-bottom and margin-left</a:t>
             </a:r>
             <a:r>
               <a:rPr lang="en-US" sz="1600" dirty="0" smtClean="0"/>
@@ -15788,43 +16810,7 @@
             <a:pPr fontAlgn="base"/>
             <a:r>
               <a:rPr lang="en-US" sz="1600" dirty="0"/>
-              <a:t>The </a:t>
-            </a:r>
-            <a:r>
-              <a:rPr lang="en-US" sz="1600" dirty="0"/>
-              <a:t>padding</a:t>
-            </a:r>
-            <a:r>
-              <a:rPr lang="en-US" sz="1600" dirty="0"/>
-              <a:t> property is a shorthand property to avoid setting padding of each side separately, i.e., </a:t>
-            </a:r>
-            <a:r>
-              <a:rPr lang="en-US" sz="1600" dirty="0"/>
-              <a:t>padding-top</a:t>
-            </a:r>
-            <a:r>
-              <a:rPr lang="en-US" sz="1600" dirty="0"/>
-              <a:t>, </a:t>
-            </a:r>
-            <a:r>
-              <a:rPr lang="en-US" sz="1600" dirty="0"/>
-              <a:t>padding-right</a:t>
-            </a:r>
-            <a:r>
-              <a:rPr lang="en-US" sz="1600" dirty="0"/>
-              <a:t>, </a:t>
-            </a:r>
-            <a:r>
-              <a:rPr lang="en-US" sz="1600" dirty="0"/>
-              <a:t>padding-bottom</a:t>
-            </a:r>
-            <a:r>
-              <a:rPr lang="en-US" sz="1600" dirty="0"/>
-              <a:t> and </a:t>
-            </a:r>
-            <a:r>
-              <a:rPr lang="en-US" sz="1600" dirty="0"/>
-              <a:t>padding-left</a:t>
+              <a:t>The padding property is a shorthand property to avoid setting padding of each side separately, i.e., padding-top, padding-right, padding-bottom and padding-left</a:t>
             </a:r>
             <a:r>
               <a:rPr lang="en-US" sz="1600" dirty="0" smtClean="0"/>
@@ -16052,63 +17038,7 @@
             <a:pPr fontAlgn="base"/>
             <a:r>
               <a:rPr lang="en-US" sz="1600" dirty="0"/>
-              <a:t>The commonly used text properties are: </a:t>
-            </a:r>
-            <a:r>
-              <a:rPr lang="en-US" sz="1600" dirty="0"/>
-              <a:t>text-align</a:t>
-            </a:r>
-            <a:r>
-              <a:rPr lang="en-US" sz="1600" dirty="0"/>
-              <a:t>, </a:t>
-            </a:r>
-            <a:r>
-              <a:rPr lang="en-US" sz="1600" dirty="0"/>
-              <a:t>text-decoration</a:t>
-            </a:r>
-            <a:r>
-              <a:rPr lang="en-US" sz="1600" dirty="0"/>
-              <a:t>, </a:t>
-            </a:r>
-            <a:r>
-              <a:rPr lang="en-US" sz="1600" dirty="0"/>
-              <a:t>text-transform</a:t>
-            </a:r>
-            <a:r>
-              <a:rPr lang="en-US" sz="1600" dirty="0"/>
-              <a:t>, </a:t>
-            </a:r>
-            <a:r>
-              <a:rPr lang="en-US" sz="1600" dirty="0"/>
-              <a:t>text-indent</a:t>
-            </a:r>
-            <a:r>
-              <a:rPr lang="en-US" sz="1600" dirty="0"/>
-              <a:t>, </a:t>
-            </a:r>
-            <a:r>
-              <a:rPr lang="en-US" sz="1600" dirty="0"/>
-              <a:t>line-height</a:t>
-            </a:r>
-            <a:r>
-              <a:rPr lang="en-US" sz="1600" dirty="0"/>
-              <a:t>, </a:t>
-            </a:r>
-            <a:r>
-              <a:rPr lang="en-US" sz="1600" dirty="0"/>
-              <a:t>letter-spacing</a:t>
-            </a:r>
-            <a:r>
-              <a:rPr lang="en-US" sz="1600" dirty="0"/>
-              <a:t>, </a:t>
-            </a:r>
-            <a:r>
-              <a:rPr lang="en-US" sz="1600" dirty="0"/>
-              <a:t>word-spacing</a:t>
-            </a:r>
-            <a:r>
-              <a:rPr lang="en-US" sz="1600" dirty="0"/>
-              <a:t>, and more. These properties give you precise control over the visual appearance of the </a:t>
+              <a:t>The commonly used text properties are: text-align, text-decoration, text-transform, text-indent, line-height, letter-spacing, word-spacing, and more. These properties give you precise control over the visual appearance of the </a:t>
             </a:r>
             <a:r>
               <a:rPr lang="en-US" sz="1600" i="1" dirty="0"/>
@@ -16354,15 +17284,7 @@
             </a:r>
             <a:r>
               <a:rPr lang="en-US" sz="1600" dirty="0"/>
-              <a:t>property typically accepts one of the following values: </a:t>
-            </a:r>
-            <a:r>
-              <a:rPr lang="en-US" sz="1600" dirty="0"/>
-              <a:t>underline</a:t>
-            </a:r>
-            <a:r>
-              <a:rPr lang="en-US" sz="1600" dirty="0"/>
-              <a:t>, </a:t>
+              <a:t>property typically accepts one of the following values: underline, </a:t>
             </a:r>
             <a:r>
               <a:rPr lang="en-US" sz="1600" dirty="0" err="1"/>
@@ -16370,23 +17292,7 @@
             </a:r>
             <a:r>
               <a:rPr lang="en-US" sz="1600" dirty="0"/>
-              <a:t>, </a:t>
-            </a:r>
-            <a:r>
-              <a:rPr lang="en-US" sz="1600" dirty="0"/>
-              <a:t>line-through</a:t>
-            </a:r>
-            <a:r>
-              <a:rPr lang="en-US" sz="1600" dirty="0"/>
-              <a:t>, and </a:t>
-            </a:r>
-            <a:r>
-              <a:rPr lang="en-US" sz="1600" dirty="0"/>
-              <a:t>none</a:t>
-            </a:r>
-            <a:r>
-              <a:rPr lang="en-US" sz="1600" dirty="0"/>
-              <a:t>. </a:t>
+              <a:t>, line-through, and none. </a:t>
             </a:r>
             <a:endParaRPr lang="en-US" sz="1600" dirty="0" smtClean="0"/>
           </a:p>
@@ -16462,15 +17368,7 @@
             <a:pPr fontAlgn="base"/>
             <a:r>
               <a:rPr lang="en-US" sz="1600" dirty="0"/>
-              <a:t>The </a:t>
-            </a:r>
-            <a:r>
-              <a:rPr lang="en-US" sz="1600" dirty="0"/>
-              <a:t>text-transform</a:t>
-            </a:r>
-            <a:r>
-              <a:rPr lang="en-US" sz="1600" dirty="0"/>
-              <a:t> property is used to set the cases for a text.</a:t>
+              <a:t>The text-transform property is used to set the cases for a text.</a:t>
             </a:r>
             <a:endParaRPr lang="en-US" sz="1600" b="1" dirty="0"/>
           </a:p>
@@ -16914,15 +17812,7 @@
             <a:pPr fontAlgn="base"/>
             <a:r>
               <a:rPr lang="en-US" sz="1600" dirty="0"/>
-              <a:t>The </a:t>
-            </a:r>
-            <a:r>
-              <a:rPr lang="en-US" sz="1600" dirty="0"/>
-              <a:t>word-spacing</a:t>
-            </a:r>
-            <a:r>
-              <a:rPr lang="en-US" sz="1600" dirty="0"/>
-              <a:t> property is used to specify additional spacing between the words</a:t>
+              <a:t>The word-spacing property is used to specify additional spacing between the words</a:t>
             </a:r>
             <a:r>
               <a:rPr lang="en-US" sz="1600" dirty="0" smtClean="0"/>
@@ -17107,43 +17997,7 @@
             <a:pPr fontAlgn="base"/>
             <a:r>
               <a:rPr lang="en-US" sz="1600" dirty="0"/>
-              <a:t>The font properties are: </a:t>
-            </a:r>
-            <a:r>
-              <a:rPr lang="en-US" sz="1600" dirty="0"/>
-              <a:t>font-family</a:t>
-            </a:r>
-            <a:r>
-              <a:rPr lang="en-US" sz="1600" dirty="0"/>
-              <a:t>, </a:t>
-            </a:r>
-            <a:r>
-              <a:rPr lang="en-US" sz="1600" dirty="0"/>
-              <a:t>font-style</a:t>
-            </a:r>
-            <a:r>
-              <a:rPr lang="en-US" sz="1600" dirty="0"/>
-              <a:t>, </a:t>
-            </a:r>
-            <a:r>
-              <a:rPr lang="en-US" sz="1600" dirty="0"/>
-              <a:t>font-weight</a:t>
-            </a:r>
-            <a:r>
-              <a:rPr lang="en-US" sz="1600" dirty="0"/>
-              <a:t>, </a:t>
-            </a:r>
-            <a:r>
-              <a:rPr lang="en-US" sz="1600" dirty="0"/>
-              <a:t>font-size</a:t>
-            </a:r>
-            <a:r>
-              <a:rPr lang="en-US" sz="1600" dirty="0"/>
-              <a:t>, and </a:t>
-            </a:r>
-            <a:r>
-              <a:rPr lang="en-US" sz="1600" dirty="0"/>
-              <a:t>font-variant</a:t>
+              <a:t>The font properties are: font-family, font-style, font-weight, font-size, and font-variant</a:t>
             </a:r>
             <a:r>
               <a:rPr lang="en-US" sz="1600" dirty="0" smtClean="0"/>
@@ -17173,15 +18027,7 @@
             </a:r>
             <a:r>
               <a:rPr lang="en-US" sz="1600" dirty="0"/>
-              <a:t> </a:t>
-            </a:r>
-            <a:r>
-              <a:rPr lang="en-US" sz="1600" dirty="0"/>
-              <a:t>font-family</a:t>
-            </a:r>
-            <a:r>
-              <a:rPr lang="en-US" sz="1600" dirty="0"/>
-              <a:t> property is used to specify the font to be used to render the text</a:t>
+              <a:t> font-family property is used to specify the font to be used to render the text</a:t>
             </a:r>
             <a:r>
               <a:rPr lang="en-US" sz="1600" dirty="0" smtClean="0"/>
@@ -17223,15 +18069,7 @@
             <a:pPr fontAlgn="base"/>
             <a:r>
               <a:rPr lang="en-US" sz="1600" dirty="0"/>
-              <a:t>The </a:t>
-            </a:r>
-            <a:r>
-              <a:rPr lang="en-US" sz="1600" dirty="0"/>
-              <a:t>font-style</a:t>
-            </a:r>
-            <a:r>
-              <a:rPr lang="en-US" sz="1600" dirty="0"/>
-              <a:t> property is used to set the font face style for the text content of an element</a:t>
+              <a:t>The font-style property is used to set the font face style for the text content of an element</a:t>
             </a:r>
             <a:r>
               <a:rPr lang="en-US" sz="1600" dirty="0" smtClean="0"/>
@@ -17368,7 +18206,7 @@
   <p:cSld>
     <p:spTree>
       <p:nvGrpSpPr>
-        <p:cNvPr id="1" name="Shape 114"/>
+        <p:cNvPr id="1" name="Shape 102"/>
         <p:cNvGrpSpPr/>
         <p:nvPr/>
       </p:nvGrpSpPr>
@@ -17382,7 +18220,7 @@
       </p:grpSpPr>
       <p:sp>
         <p:nvSpPr>
-          <p:cNvPr id="115" name="Google Shape;115;p18"/>
+          <p:cNvPr id="103" name="Google Shape;103;p16"/>
           <p:cNvSpPr txBox="1">
             <a:spLocks noGrp="1"/>
           </p:cNvSpPr>
@@ -17392,8 +18230,8 @@
         </p:nvSpPr>
         <p:spPr>
           <a:xfrm>
-            <a:off x="0" y="156050"/>
-            <a:ext cx="9144000" cy="607800"/>
+            <a:off x="0" y="-24343"/>
+            <a:ext cx="9144000" cy="472211"/>
           </a:xfrm>
           <a:prstGeom prst="rect">
             <a:avLst/>
@@ -17405,498 +18243,130 @@
           </a:bodyPr>
           <a:lstStyle/>
           <a:p>
-            <a:pPr marL="0" lvl="0" indent="0" algn="ctr" rtl="0">
-              <a:spcBef>
-                <a:spcPts val="0"/>
-              </a:spcBef>
-              <a:spcAft>
-                <a:spcPts val="0"/>
-              </a:spcAft>
+            <a:pPr lvl="0" algn="ctr">
               <a:buSzPts val="990"/>
-              <a:buNone/>
             </a:pPr>
             <a:r>
-              <a:rPr lang="en" sz="3300" b="1"/>
-              <a:t>HTML [HYPER TEXT MARKUP LANGUAGE]</a:t>
-            </a:r>
-            <a:endParaRPr sz="3300" b="1"/>
+              <a:rPr lang="en" b="1" dirty="0"/>
+              <a:t>CSS  </a:t>
+            </a:r>
+            <a:r>
+              <a:rPr lang="en" b="1" dirty="0" smtClean="0"/>
+              <a:t>BoxModel</a:t>
+            </a:r>
+            <a:endParaRPr b="1" dirty="0"/>
           </a:p>
         </p:txBody>
       </p:sp>
       <p:sp>
         <p:nvSpPr>
-          <p:cNvPr id="116" name="Google Shape;116;p18"/>
-          <p:cNvSpPr txBox="1"/>
+          <p:cNvPr id="2" name="Rectangle 1"/>
+          <p:cNvSpPr/>
           <p:nvPr/>
         </p:nvSpPr>
         <p:spPr>
           <a:xfrm>
-            <a:off x="349425" y="964400"/>
-            <a:ext cx="8623800" cy="3452400"/>
+            <a:off x="363894" y="494517"/>
+            <a:ext cx="8257592" cy="1569660"/>
           </a:xfrm>
           <a:prstGeom prst="rect">
             <a:avLst/>
           </a:prstGeom>
-          <a:noFill/>
-          <a:ln>
-            <a:noFill/>
-          </a:ln>
         </p:spPr>
         <p:txBody>
-          <a:bodyPr spcFirstLastPara="1" wrap="square" lIns="91425" tIns="91425" rIns="91425" bIns="91425" anchor="t" anchorCtr="0">
-            <a:noAutofit/>
+          <a:bodyPr wrap="square">
+            <a:spAutoFit/>
           </a:bodyPr>
           <a:lstStyle/>
           <a:p>
-            <a:pPr marL="457200" lvl="0" indent="-355600" algn="l" rtl="0">
-              <a:spcBef>
-                <a:spcPts val="0"/>
-              </a:spcBef>
-              <a:spcAft>
-                <a:spcPts val="0"/>
-              </a:spcAft>
-              <a:buClr>
-                <a:schemeClr val="dk2"/>
-              </a:buClr>
-              <a:buSzPts val="2000"/>
-              <a:buFont typeface="Roboto"/>
-              <a:buChar char="❖"/>
-            </a:pPr>
-            <a:r>
-              <a:rPr lang="en" sz="2000" b="1">
-                <a:solidFill>
-                  <a:schemeClr val="dk2"/>
-                </a:solidFill>
-                <a:latin typeface="Roboto"/>
-                <a:ea typeface="Roboto"/>
-                <a:cs typeface="Roboto"/>
-                <a:sym typeface="Roboto"/>
-              </a:rPr>
-              <a:t>HTML Introduction</a:t>
-            </a:r>
-            <a:endParaRPr sz="2000" b="1">
-              <a:solidFill>
-                <a:schemeClr val="dk2"/>
-              </a:solidFill>
-              <a:latin typeface="Roboto"/>
-              <a:ea typeface="Roboto"/>
-              <a:cs typeface="Roboto"/>
-              <a:sym typeface="Roboto"/>
-            </a:endParaRPr>
-          </a:p>
-          <a:p>
-            <a:pPr marL="457200" lvl="0" indent="-355600" algn="l" rtl="0">
-              <a:spcBef>
-                <a:spcPts val="0"/>
-              </a:spcBef>
-              <a:spcAft>
-                <a:spcPts val="0"/>
-              </a:spcAft>
-              <a:buClr>
-                <a:schemeClr val="dk2"/>
-              </a:buClr>
-              <a:buSzPts val="2000"/>
-              <a:buFont typeface="Roboto"/>
-              <a:buChar char="❖"/>
-            </a:pPr>
-            <a:r>
-              <a:rPr lang="en" sz="2000" b="1">
-                <a:solidFill>
-                  <a:schemeClr val="dk2"/>
-                </a:solidFill>
-                <a:latin typeface="Roboto"/>
-                <a:ea typeface="Roboto"/>
-                <a:cs typeface="Roboto"/>
-                <a:sym typeface="Roboto"/>
-              </a:rPr>
-              <a:t>HTML Basics Tags</a:t>
-            </a:r>
-            <a:endParaRPr sz="2000" b="1">
-              <a:solidFill>
-                <a:schemeClr val="dk2"/>
-              </a:solidFill>
-              <a:latin typeface="Roboto"/>
-              <a:ea typeface="Roboto"/>
-              <a:cs typeface="Roboto"/>
-              <a:sym typeface="Roboto"/>
-            </a:endParaRPr>
-          </a:p>
-          <a:p>
-            <a:pPr marL="457200" lvl="0" indent="-355600" algn="l" rtl="0">
-              <a:spcBef>
-                <a:spcPts val="0"/>
-              </a:spcBef>
-              <a:spcAft>
-                <a:spcPts val="0"/>
-              </a:spcAft>
-              <a:buClr>
-                <a:schemeClr val="dk2"/>
-              </a:buClr>
-              <a:buSzPts val="2000"/>
-              <a:buFont typeface="Roboto"/>
-              <a:buChar char="❖"/>
-            </a:pPr>
-            <a:r>
-              <a:rPr lang="en" sz="2000" b="1">
-                <a:solidFill>
-                  <a:schemeClr val="dk2"/>
-                </a:solidFill>
-                <a:latin typeface="Roboto"/>
-                <a:ea typeface="Roboto"/>
-                <a:cs typeface="Roboto"/>
-                <a:sym typeface="Roboto"/>
-              </a:rPr>
-              <a:t>HTML Environment Setup</a:t>
-            </a:r>
-            <a:endParaRPr sz="2000" b="1">
-              <a:solidFill>
-                <a:schemeClr val="dk2"/>
-              </a:solidFill>
-              <a:latin typeface="Roboto"/>
-              <a:ea typeface="Roboto"/>
-              <a:cs typeface="Roboto"/>
-              <a:sym typeface="Roboto"/>
-            </a:endParaRPr>
-          </a:p>
-          <a:p>
-            <a:pPr marL="457200" lvl="0" indent="-355600" algn="l" rtl="0">
-              <a:spcBef>
-                <a:spcPts val="0"/>
-              </a:spcBef>
-              <a:spcAft>
-                <a:spcPts val="0"/>
-              </a:spcAft>
-              <a:buClr>
-                <a:schemeClr val="dk2"/>
-              </a:buClr>
-              <a:buSzPts val="2000"/>
-              <a:buFont typeface="Roboto"/>
-              <a:buChar char="❖"/>
-            </a:pPr>
-            <a:r>
-              <a:rPr lang="en" sz="2000" b="1">
-                <a:solidFill>
-                  <a:schemeClr val="dk2"/>
-                </a:solidFill>
-                <a:latin typeface="Roboto"/>
-                <a:ea typeface="Roboto"/>
-                <a:cs typeface="Roboto"/>
-                <a:sym typeface="Roboto"/>
-              </a:rPr>
-              <a:t>HTML Paragraph / Headings</a:t>
-            </a:r>
-            <a:endParaRPr sz="2000" b="1">
-              <a:solidFill>
-                <a:schemeClr val="dk2"/>
-              </a:solidFill>
-              <a:latin typeface="Roboto"/>
-              <a:ea typeface="Roboto"/>
-              <a:cs typeface="Roboto"/>
-              <a:sym typeface="Roboto"/>
-            </a:endParaRPr>
-          </a:p>
-          <a:p>
-            <a:pPr marL="457200" lvl="0" indent="-355600" algn="l" rtl="0">
-              <a:spcBef>
-                <a:spcPts val="0"/>
-              </a:spcBef>
-              <a:spcAft>
-                <a:spcPts val="0"/>
-              </a:spcAft>
-              <a:buClr>
-                <a:schemeClr val="dk2"/>
-              </a:buClr>
-              <a:buSzPts val="2000"/>
-              <a:buFont typeface="Roboto"/>
-              <a:buChar char="❖"/>
-            </a:pPr>
-            <a:r>
-              <a:rPr lang="en" sz="2000" b="1">
-                <a:solidFill>
-                  <a:schemeClr val="dk2"/>
-                </a:solidFill>
-                <a:latin typeface="Roboto"/>
-                <a:ea typeface="Roboto"/>
-                <a:cs typeface="Roboto"/>
-                <a:sym typeface="Roboto"/>
-              </a:rPr>
-              <a:t>HTML Images</a:t>
-            </a:r>
-            <a:endParaRPr sz="2000" b="1">
-              <a:solidFill>
-                <a:schemeClr val="dk2"/>
-              </a:solidFill>
-              <a:latin typeface="Roboto"/>
-              <a:ea typeface="Roboto"/>
-              <a:cs typeface="Roboto"/>
-              <a:sym typeface="Roboto"/>
-            </a:endParaRPr>
-          </a:p>
-          <a:p>
-            <a:pPr marL="457200" lvl="0" indent="-355600" algn="l" rtl="0">
-              <a:spcBef>
-                <a:spcPts val="0"/>
-              </a:spcBef>
-              <a:spcAft>
-                <a:spcPts val="0"/>
-              </a:spcAft>
-              <a:buClr>
-                <a:schemeClr val="dk2"/>
-              </a:buClr>
-              <a:buSzPts val="2000"/>
-              <a:buFont typeface="Roboto"/>
-              <a:buChar char="❖"/>
-            </a:pPr>
-            <a:r>
-              <a:rPr lang="en" sz="2000" b="1">
-                <a:solidFill>
-                  <a:schemeClr val="dk2"/>
-                </a:solidFill>
-                <a:latin typeface="Roboto"/>
-                <a:ea typeface="Roboto"/>
-                <a:cs typeface="Roboto"/>
-                <a:sym typeface="Roboto"/>
-              </a:rPr>
-              <a:t>HTML Lists</a:t>
-            </a:r>
-            <a:endParaRPr sz="2000" b="1">
-              <a:solidFill>
-                <a:schemeClr val="dk2"/>
-              </a:solidFill>
-              <a:latin typeface="Roboto"/>
-              <a:ea typeface="Roboto"/>
-              <a:cs typeface="Roboto"/>
-              <a:sym typeface="Roboto"/>
-            </a:endParaRPr>
-          </a:p>
-          <a:p>
-            <a:pPr marL="457200" lvl="0" indent="-355600" algn="l" rtl="0">
-              <a:spcBef>
-                <a:spcPts val="0"/>
-              </a:spcBef>
-              <a:spcAft>
-                <a:spcPts val="0"/>
-              </a:spcAft>
-              <a:buClr>
-                <a:schemeClr val="dk2"/>
-              </a:buClr>
-              <a:buSzPts val="2000"/>
-              <a:buFont typeface="Roboto"/>
-              <a:buChar char="❖"/>
-            </a:pPr>
-            <a:r>
-              <a:rPr lang="en" sz="2000" b="1">
-                <a:solidFill>
-                  <a:schemeClr val="dk2"/>
-                </a:solidFill>
-                <a:latin typeface="Roboto"/>
-                <a:ea typeface="Roboto"/>
-                <a:cs typeface="Roboto"/>
-                <a:sym typeface="Roboto"/>
-              </a:rPr>
-              <a:t>HTML Forms</a:t>
-            </a:r>
-            <a:endParaRPr sz="2000" b="1">
-              <a:solidFill>
-                <a:schemeClr val="dk2"/>
-              </a:solidFill>
-              <a:latin typeface="Roboto"/>
-              <a:ea typeface="Roboto"/>
-              <a:cs typeface="Roboto"/>
-              <a:sym typeface="Roboto"/>
-            </a:endParaRPr>
-          </a:p>
-          <a:p>
-            <a:pPr marL="457200" lvl="0" indent="-355600" algn="l" rtl="0">
-              <a:spcBef>
-                <a:spcPts val="0"/>
-              </a:spcBef>
-              <a:spcAft>
-                <a:spcPts val="0"/>
-              </a:spcAft>
-              <a:buClr>
-                <a:schemeClr val="dk2"/>
-              </a:buClr>
-              <a:buSzPts val="2000"/>
-              <a:buFont typeface="Roboto"/>
-              <a:buChar char="❖"/>
-            </a:pPr>
-            <a:r>
-              <a:rPr lang="en" sz="2000" b="1">
-                <a:solidFill>
-                  <a:schemeClr val="dk2"/>
-                </a:solidFill>
-                <a:latin typeface="Roboto"/>
-                <a:ea typeface="Roboto"/>
-                <a:cs typeface="Roboto"/>
-                <a:sym typeface="Roboto"/>
-              </a:rPr>
-              <a:t>HTML Tables</a:t>
-            </a:r>
-            <a:endParaRPr sz="2000" b="1">
-              <a:solidFill>
-                <a:schemeClr val="dk2"/>
-              </a:solidFill>
-              <a:latin typeface="Roboto"/>
-              <a:ea typeface="Roboto"/>
-              <a:cs typeface="Roboto"/>
-              <a:sym typeface="Roboto"/>
-            </a:endParaRPr>
-          </a:p>
-          <a:p>
-            <a:pPr marL="457200" lvl="0" indent="-355600" algn="l" rtl="0">
-              <a:spcBef>
-                <a:spcPts val="0"/>
-              </a:spcBef>
-              <a:spcAft>
-                <a:spcPts val="0"/>
-              </a:spcAft>
-              <a:buClr>
-                <a:schemeClr val="dk2"/>
-              </a:buClr>
-              <a:buSzPts val="2000"/>
-              <a:buFont typeface="Roboto"/>
-              <a:buChar char="❖"/>
-            </a:pPr>
-            <a:r>
-              <a:rPr lang="en" sz="2000" b="1">
-                <a:solidFill>
-                  <a:schemeClr val="dk2"/>
-                </a:solidFill>
-                <a:latin typeface="Roboto"/>
-                <a:ea typeface="Roboto"/>
-                <a:cs typeface="Roboto"/>
-                <a:sym typeface="Roboto"/>
-              </a:rPr>
-              <a:t>HTML Div Elements</a:t>
-            </a:r>
-            <a:endParaRPr sz="2000" b="1">
-              <a:solidFill>
-                <a:schemeClr val="dk2"/>
-              </a:solidFill>
-              <a:latin typeface="Roboto"/>
-              <a:ea typeface="Roboto"/>
-              <a:cs typeface="Roboto"/>
-              <a:sym typeface="Roboto"/>
-            </a:endParaRPr>
-          </a:p>
-          <a:p>
-            <a:pPr marL="457200" lvl="0" indent="-355600" algn="l" rtl="0">
-              <a:spcBef>
-                <a:spcPts val="0"/>
-              </a:spcBef>
-              <a:spcAft>
-                <a:spcPts val="0"/>
-              </a:spcAft>
-              <a:buClr>
-                <a:schemeClr val="dk2"/>
-              </a:buClr>
-              <a:buSzPts val="2000"/>
-              <a:buFont typeface="Roboto"/>
-              <a:buChar char="❖"/>
-            </a:pPr>
-            <a:r>
-              <a:rPr lang="en" sz="2000" b="1">
-                <a:solidFill>
-                  <a:schemeClr val="dk2"/>
-                </a:solidFill>
-                <a:latin typeface="Roboto"/>
-                <a:ea typeface="Roboto"/>
-                <a:cs typeface="Roboto"/>
-                <a:sym typeface="Roboto"/>
-              </a:rPr>
-              <a:t>HTML Block Elements</a:t>
-            </a:r>
-            <a:endParaRPr sz="2000" b="1">
-              <a:solidFill>
-                <a:schemeClr val="dk2"/>
-              </a:solidFill>
-              <a:latin typeface="Roboto"/>
-              <a:ea typeface="Roboto"/>
-              <a:cs typeface="Roboto"/>
-              <a:sym typeface="Roboto"/>
-            </a:endParaRPr>
-          </a:p>
-          <a:p>
-            <a:pPr marL="457200" lvl="0" indent="-355600" algn="l" rtl="0">
-              <a:spcBef>
-                <a:spcPts val="0"/>
-              </a:spcBef>
-              <a:spcAft>
-                <a:spcPts val="0"/>
-              </a:spcAft>
-              <a:buClr>
-                <a:schemeClr val="dk2"/>
-              </a:buClr>
-              <a:buSzPts val="2000"/>
-              <a:buFont typeface="Roboto"/>
-              <a:buChar char="❖"/>
-            </a:pPr>
-            <a:r>
-              <a:rPr lang="en" sz="2000" b="1">
-                <a:solidFill>
-                  <a:schemeClr val="dk2"/>
-                </a:solidFill>
-                <a:latin typeface="Roboto"/>
-                <a:ea typeface="Roboto"/>
-                <a:cs typeface="Roboto"/>
-                <a:sym typeface="Roboto"/>
-              </a:rPr>
-              <a:t>HTML Inline Elements</a:t>
-            </a:r>
-            <a:endParaRPr sz="2000" b="1">
-              <a:solidFill>
-                <a:schemeClr val="dk2"/>
-              </a:solidFill>
-              <a:latin typeface="Roboto"/>
-              <a:ea typeface="Roboto"/>
-              <a:cs typeface="Roboto"/>
-              <a:sym typeface="Roboto"/>
-            </a:endParaRPr>
-          </a:p>
-          <a:p>
-            <a:pPr marL="457200" lvl="0" indent="0" algn="l" rtl="0">
-              <a:spcBef>
-                <a:spcPts val="0"/>
-              </a:spcBef>
-              <a:spcAft>
-                <a:spcPts val="0"/>
-              </a:spcAft>
-              <a:buNone/>
-            </a:pPr>
-            <a:endParaRPr sz="2000" b="1">
-              <a:solidFill>
-                <a:schemeClr val="dk2"/>
-              </a:solidFill>
-              <a:latin typeface="Roboto"/>
-              <a:ea typeface="Roboto"/>
-              <a:cs typeface="Roboto"/>
-              <a:sym typeface="Roboto"/>
-            </a:endParaRPr>
-          </a:p>
-          <a:p>
-            <a:pPr marL="457200" lvl="0" indent="0" algn="l" rtl="0">
-              <a:spcBef>
-                <a:spcPts val="0"/>
-              </a:spcBef>
-              <a:spcAft>
-                <a:spcPts val="0"/>
-              </a:spcAft>
-              <a:buNone/>
-            </a:pPr>
-            <a:endParaRPr sz="2000" b="1">
-              <a:solidFill>
-                <a:schemeClr val="dk2"/>
-              </a:solidFill>
-              <a:latin typeface="Roboto"/>
-              <a:ea typeface="Roboto"/>
-              <a:cs typeface="Roboto"/>
-              <a:sym typeface="Roboto"/>
-            </a:endParaRPr>
+            <a:pPr fontAlgn="base"/>
+            <a:r>
+              <a:rPr lang="en-US" sz="1600" b="1" dirty="0" smtClean="0"/>
+              <a:t>What </a:t>
+            </a:r>
+            <a:r>
+              <a:rPr lang="en-US" sz="1600" b="1" dirty="0"/>
+              <a:t>is Box Model?</a:t>
+            </a:r>
+          </a:p>
+          <a:p>
+            <a:pPr algn="just" fontAlgn="base"/>
+            <a:r>
+              <a:rPr lang="en-US" sz="1600" dirty="0"/>
+              <a:t>Every element that can be displayed on a web page is comprised of one or more rectangular boxes. CSS box model typically describes how these rectangular boxes are laid out on a web page. These boxes can have different properties and can interact with each other in different ways, but every box has a </a:t>
+            </a:r>
+            <a:r>
+              <a:rPr lang="en-US" sz="1600" b="1" i="1" dirty="0"/>
+              <a:t>content area</a:t>
+            </a:r>
+            <a:r>
+              <a:rPr lang="en-US" sz="1600" dirty="0"/>
+              <a:t> and optional surrounding </a:t>
+            </a:r>
+            <a:r>
+              <a:rPr lang="en-US" sz="1600" b="1" i="1" dirty="0"/>
+              <a:t>padding</a:t>
+            </a:r>
+            <a:r>
+              <a:rPr lang="en-US" sz="1600" dirty="0"/>
+              <a:t>, </a:t>
+            </a:r>
+            <a:r>
+              <a:rPr lang="en-US" sz="1600" b="1" i="1" dirty="0"/>
+              <a:t>border</a:t>
+            </a:r>
+            <a:r>
+              <a:rPr lang="en-US" sz="1600" dirty="0"/>
+              <a:t>, and </a:t>
+            </a:r>
+            <a:r>
+              <a:rPr lang="en-US" sz="1600" b="1" i="1" dirty="0"/>
+              <a:t>margin areas</a:t>
+            </a:r>
+            <a:r>
+              <a:rPr lang="en-US" sz="1600" dirty="0"/>
+              <a:t>.</a:t>
+            </a:r>
+            <a:endParaRPr lang="en-US" sz="1600" b="1" dirty="0" smtClean="0"/>
           </a:p>
         </p:txBody>
       </p:sp>
+      <p:pic>
+        <p:nvPicPr>
+          <p:cNvPr id="3" name="Picture 2"/>
+          <p:cNvPicPr>
+            <a:picLocks noChangeAspect="1"/>
+          </p:cNvPicPr>
+          <p:nvPr/>
+        </p:nvPicPr>
+        <p:blipFill>
+          <a:blip r:embed="rId3">
+            <a:extLst>
+              <a:ext uri="{28A0092B-C50C-407E-A947-70E740481C1C}">
+                <a14:useLocalDpi xmlns:a14="http://schemas.microsoft.com/office/drawing/2010/main" val="0"/>
+              </a:ext>
+            </a:extLst>
+          </a:blip>
+          <a:stretch>
+            <a:fillRect/>
+          </a:stretch>
+        </p:blipFill>
+        <p:spPr>
+          <a:xfrm>
+            <a:off x="3165190" y="2073508"/>
+            <a:ext cx="2927700" cy="2778410"/>
+          </a:xfrm>
+          <a:prstGeom prst="rect">
+            <a:avLst/>
+          </a:prstGeom>
+        </p:spPr>
+      </p:pic>
     </p:spTree>
+    <p:extLst>
+      <p:ext uri="{BB962C8B-B14F-4D97-AF65-F5344CB8AC3E}">
+        <p14:creationId xmlns:p14="http://schemas.microsoft.com/office/powerpoint/2010/main" val="1170260475"/>
+      </p:ext>
+    </p:extLst>
   </p:cSld>
   <p:clrMapOvr>
     <a:masterClrMapping/>
@@ -17916,7 +18386,7 @@
   <p:cSld>
     <p:spTree>
       <p:nvGrpSpPr>
-        <p:cNvPr id="1" name="Shape 120"/>
+        <p:cNvPr id="1" name="Shape 102"/>
         <p:cNvGrpSpPr/>
         <p:nvPr/>
       </p:nvGrpSpPr>
@@ -17930,7 +18400,7 @@
       </p:grpSpPr>
       <p:sp>
         <p:nvSpPr>
-          <p:cNvPr id="121" name="Google Shape;121;p19"/>
+          <p:cNvPr id="103" name="Google Shape;103;p16"/>
           <p:cNvSpPr txBox="1">
             <a:spLocks noGrp="1"/>
           </p:cNvSpPr>
@@ -17940,8 +18410,8 @@
         </p:nvSpPr>
         <p:spPr>
           <a:xfrm>
-            <a:off x="0" y="156050"/>
-            <a:ext cx="9144000" cy="607800"/>
+            <a:off x="0" y="-24343"/>
+            <a:ext cx="9144000" cy="472211"/>
           </a:xfrm>
           <a:prstGeom prst="rect">
             <a:avLst/>
@@ -17953,42 +18423,179 @@
           </a:bodyPr>
           <a:lstStyle/>
           <a:p>
-            <a:pPr marL="0" lvl="0" indent="0" algn="ctr" rtl="0">
-              <a:spcBef>
-                <a:spcPts val="0"/>
-              </a:spcBef>
-              <a:spcAft>
-                <a:spcPts val="0"/>
-              </a:spcAft>
+            <a:pPr lvl="0" algn="ctr">
               <a:buSzPts val="990"/>
-              <a:buNone/>
             </a:pPr>
             <a:r>
-              <a:rPr lang="en" sz="3300" b="1"/>
-              <a:t>CSS 3 [CASECADING STYLE SHEET]</a:t>
-            </a:r>
-            <a:endParaRPr sz="3300" b="1"/>
+              <a:rPr lang="en" b="1" dirty="0"/>
+              <a:t>CSS  </a:t>
+            </a:r>
+            <a:r>
+              <a:rPr lang="en" b="1" dirty="0" smtClean="0"/>
+              <a:t>Flex Layout Model</a:t>
+            </a:r>
+            <a:endParaRPr b="1" dirty="0"/>
           </a:p>
         </p:txBody>
       </p:sp>
       <p:sp>
         <p:nvSpPr>
-          <p:cNvPr id="122" name="Google Shape;122;p19"/>
-          <p:cNvSpPr txBox="1"/>
+          <p:cNvPr id="2" name="Rectangle 1"/>
+          <p:cNvSpPr/>
           <p:nvPr/>
         </p:nvSpPr>
         <p:spPr>
           <a:xfrm>
-            <a:off x="349425" y="964400"/>
-            <a:ext cx="8623800" cy="3732600"/>
+            <a:off x="363894" y="494517"/>
+            <a:ext cx="8257592" cy="1815882"/>
           </a:xfrm>
           <a:prstGeom prst="rect">
             <a:avLst/>
           </a:prstGeom>
-          <a:noFill/>
-          <a:ln>
-            <a:noFill/>
-          </a:ln>
+        </p:spPr>
+        <p:txBody>
+          <a:bodyPr wrap="square">
+            <a:spAutoFit/>
+          </a:bodyPr>
+          <a:lstStyle/>
+          <a:p>
+            <a:pPr fontAlgn="base"/>
+            <a:r>
+              <a:rPr lang="en-US" sz="1600" b="1" dirty="0" smtClean="0"/>
+              <a:t>What </a:t>
+            </a:r>
+            <a:r>
+              <a:rPr lang="en-US" sz="1600" b="1" dirty="0"/>
+              <a:t>is </a:t>
+            </a:r>
+            <a:r>
+              <a:rPr lang="en-US" sz="1600" b="1" dirty="0" smtClean="0"/>
+              <a:t>Flex Layout </a:t>
+            </a:r>
+            <a:r>
+              <a:rPr lang="en-US" sz="1600" b="1" dirty="0"/>
+              <a:t>Model</a:t>
+            </a:r>
+            <a:r>
+              <a:rPr lang="en-US" sz="1600" b="1" dirty="0" smtClean="0"/>
+              <a:t>?</a:t>
+            </a:r>
+          </a:p>
+          <a:p>
+            <a:pPr fontAlgn="base"/>
+            <a:endParaRPr lang="en-US" sz="1600" b="1" dirty="0"/>
+          </a:p>
+          <a:p>
+            <a:pPr algn="just" fontAlgn="base"/>
+            <a:r>
+              <a:rPr lang="en-US" sz="1600" dirty="0"/>
+              <a:t>Flexible box, commonly referred to as </a:t>
+            </a:r>
+            <a:r>
+              <a:rPr lang="en-US" sz="1600" dirty="0" err="1"/>
+              <a:t>flexbox</a:t>
+            </a:r>
+            <a:r>
+              <a:rPr lang="en-US" sz="1600" dirty="0"/>
+              <a:t>, is a new layout model introduced in CSS3 for creating the flexible user interface design with multiple rows and columns without using the percentage or fixed length values. The CSS3 flex layout model provides a simple and powerful mechanism for handling the distributing of space and alignment of content automatically through </a:t>
+            </a:r>
+            <a:r>
+              <a:rPr lang="en-US" sz="1600" dirty="0" err="1"/>
+              <a:t>stylesheet</a:t>
+            </a:r>
+            <a:r>
+              <a:rPr lang="en-US" sz="1600" dirty="0"/>
+              <a:t> without interfering the actual markup.</a:t>
+            </a:r>
+            <a:endParaRPr lang="en-US" sz="1600" b="1" dirty="0" smtClean="0"/>
+          </a:p>
+        </p:txBody>
+      </p:sp>
+      <p:pic>
+        <p:nvPicPr>
+          <p:cNvPr id="4" name="Picture 3"/>
+          <p:cNvPicPr>
+            <a:picLocks noChangeAspect="1"/>
+          </p:cNvPicPr>
+          <p:nvPr/>
+        </p:nvPicPr>
+        <p:blipFill>
+          <a:blip r:embed="rId3">
+            <a:extLst>
+              <a:ext uri="{28A0092B-C50C-407E-A947-70E740481C1C}">
+                <a14:useLocalDpi xmlns:a14="http://schemas.microsoft.com/office/drawing/2010/main" val="0"/>
+              </a:ext>
+            </a:extLst>
+          </a:blip>
+          <a:stretch>
+            <a:fillRect/>
+          </a:stretch>
+        </p:blipFill>
+        <p:spPr>
+          <a:xfrm>
+            <a:off x="2121353" y="2340427"/>
+            <a:ext cx="4167479" cy="2377684"/>
+          </a:xfrm>
+          <a:prstGeom prst="rect">
+            <a:avLst/>
+          </a:prstGeom>
+        </p:spPr>
+      </p:pic>
+    </p:spTree>
+    <p:extLst>
+      <p:ext uri="{BB962C8B-B14F-4D97-AF65-F5344CB8AC3E}">
+        <p14:creationId xmlns:p14="http://schemas.microsoft.com/office/powerpoint/2010/main" val="7598642"/>
+      </p:ext>
+    </p:extLst>
+  </p:cSld>
+  <p:clrMapOvr>
+    <a:masterClrMapping/>
+  </p:clrMapOvr>
+  <p:timing>
+    <p:tnLst>
+      <p:par>
+        <p:cTn id="1" dur="indefinite" restart="never" nodeType="tmRoot"/>
+      </p:par>
+    </p:tnLst>
+  </p:timing>
+</p:sld>
+</file>
+
+<file path=ppt/slides/slide34.xml><?xml version="1.0" encoding="utf-8"?>
+<p:sld xmlns:a="http://schemas.openxmlformats.org/drawingml/2006/main" xmlns:r="http://schemas.openxmlformats.org/officeDocument/2006/relationships" xmlns:p="http://schemas.openxmlformats.org/presentationml/2006/main">
+  <p:cSld>
+    <p:spTree>
+      <p:nvGrpSpPr>
+        <p:cNvPr id="1" name="Shape 102"/>
+        <p:cNvGrpSpPr/>
+        <p:nvPr/>
+      </p:nvGrpSpPr>
+      <p:grpSpPr>
+        <a:xfrm>
+          <a:off x="0" y="0"/>
+          <a:ext cx="0" cy="0"/>
+          <a:chOff x="0" y="0"/>
+          <a:chExt cx="0" cy="0"/>
+        </a:xfrm>
+      </p:grpSpPr>
+      <p:sp>
+        <p:nvSpPr>
+          <p:cNvPr id="103" name="Google Shape;103;p16"/>
+          <p:cNvSpPr txBox="1">
+            <a:spLocks noGrp="1"/>
+          </p:cNvSpPr>
+          <p:nvPr>
+            <p:ph type="title"/>
+          </p:nvPr>
+        </p:nvSpPr>
+        <p:spPr>
+          <a:xfrm>
+            <a:off x="0" y="-24343"/>
+            <a:ext cx="9144000" cy="472211"/>
+          </a:xfrm>
+          <a:prstGeom prst="rect">
+            <a:avLst/>
+          </a:prstGeom>
         </p:spPr>
         <p:txBody>
           <a:bodyPr spcFirstLastPara="1" wrap="square" lIns="91425" tIns="91425" rIns="91425" bIns="91425" anchor="t" anchorCtr="0">
@@ -17996,455 +18603,1005 @@
           </a:bodyPr>
           <a:lstStyle/>
           <a:p>
-            <a:pPr marL="457200" lvl="0" indent="-355600" algn="l" rtl="0">
-              <a:spcBef>
-                <a:spcPts val="0"/>
-              </a:spcBef>
-              <a:spcAft>
-                <a:spcPts val="0"/>
-              </a:spcAft>
-              <a:buClr>
-                <a:schemeClr val="dk2"/>
-              </a:buClr>
-              <a:buSzPts val="2000"/>
-              <a:buFont typeface="Roboto"/>
-              <a:buChar char="❖"/>
+            <a:pPr lvl="0" algn="ctr">
+              <a:buSzPts val="990"/>
             </a:pPr>
             <a:r>
-              <a:rPr lang="en" sz="2000" b="1">
-                <a:solidFill>
-                  <a:schemeClr val="dk2"/>
-                </a:solidFill>
-                <a:latin typeface="Roboto"/>
-                <a:ea typeface="Roboto"/>
-                <a:cs typeface="Roboto"/>
-                <a:sym typeface="Roboto"/>
+              <a:rPr lang="en" b="1" dirty="0"/>
+              <a:t>CSS  </a:t>
+            </a:r>
+            <a:r>
+              <a:rPr lang="en" b="1" dirty="0" smtClean="0"/>
+              <a:t>Flex Layout Model</a:t>
+            </a:r>
+            <a:endParaRPr b="1" dirty="0"/>
+          </a:p>
+        </p:txBody>
+      </p:sp>
+      <p:sp>
+        <p:nvSpPr>
+          <p:cNvPr id="2" name="Rectangle 1"/>
+          <p:cNvSpPr/>
+          <p:nvPr/>
+        </p:nvSpPr>
+        <p:spPr>
+          <a:xfrm>
+            <a:off x="363894" y="494517"/>
+            <a:ext cx="8257592" cy="1569660"/>
+          </a:xfrm>
+          <a:prstGeom prst="rect">
+            <a:avLst/>
+          </a:prstGeom>
+        </p:spPr>
+        <p:txBody>
+          <a:bodyPr wrap="square">
+            <a:spAutoFit/>
+          </a:bodyPr>
+          <a:lstStyle/>
+          <a:p>
+            <a:pPr fontAlgn="base"/>
+            <a:r>
+              <a:rPr lang="en-US" sz="1600" b="1" dirty="0"/>
+              <a:t>Controlling Flow inside Flex Container</a:t>
+            </a:r>
+          </a:p>
+          <a:p>
+            <a:pPr fontAlgn="base"/>
+            <a:endParaRPr lang="en-US" sz="1600" b="1" dirty="0"/>
+          </a:p>
+          <a:p>
+            <a:pPr algn="just" fontAlgn="base"/>
+            <a:r>
+              <a:rPr lang="en-US" sz="1600" dirty="0"/>
+              <a:t>In the standard CSS box model, the elements normally displayed in the order as they appear in the underlying HTML markup. Flex layout lets you control the direction of the flow inside a flex container in such a way that the elements can be laid out in any flow direction leftwards, rightwards, downwards, or even upwards.</a:t>
+            </a:r>
+            <a:endParaRPr lang="en-US" sz="1600" b="1" dirty="0" smtClean="0"/>
+          </a:p>
+        </p:txBody>
+      </p:sp>
+      <p:pic>
+        <p:nvPicPr>
+          <p:cNvPr id="3" name="Picture 2"/>
+          <p:cNvPicPr>
+            <a:picLocks noChangeAspect="1"/>
+          </p:cNvPicPr>
+          <p:nvPr/>
+        </p:nvPicPr>
+        <p:blipFill>
+          <a:blip r:embed="rId3">
+            <a:extLst>
+              <a:ext uri="{28A0092B-C50C-407E-A947-70E740481C1C}">
+                <a14:useLocalDpi xmlns:a14="http://schemas.microsoft.com/office/drawing/2010/main" val="0"/>
+              </a:ext>
+            </a:extLst>
+          </a:blip>
+          <a:stretch>
+            <a:fillRect/>
+          </a:stretch>
+        </p:blipFill>
+        <p:spPr>
+          <a:xfrm>
+            <a:off x="1461312" y="2083792"/>
+            <a:ext cx="4846184" cy="2676032"/>
+          </a:xfrm>
+          <a:prstGeom prst="rect">
+            <a:avLst/>
+          </a:prstGeom>
+        </p:spPr>
+      </p:pic>
+    </p:spTree>
+    <p:extLst>
+      <p:ext uri="{BB962C8B-B14F-4D97-AF65-F5344CB8AC3E}">
+        <p14:creationId xmlns:p14="http://schemas.microsoft.com/office/powerpoint/2010/main" val="3727369294"/>
+      </p:ext>
+    </p:extLst>
+  </p:cSld>
+  <p:clrMapOvr>
+    <a:masterClrMapping/>
+  </p:clrMapOvr>
+  <p:timing>
+    <p:tnLst>
+      <p:par>
+        <p:cTn id="1" dur="indefinite" restart="never" nodeType="tmRoot"/>
+      </p:par>
+    </p:tnLst>
+  </p:timing>
+</p:sld>
+</file>
+
+<file path=ppt/slides/slide35.xml><?xml version="1.0" encoding="utf-8"?>
+<p:sld xmlns:a="http://schemas.openxmlformats.org/drawingml/2006/main" xmlns:r="http://schemas.openxmlformats.org/officeDocument/2006/relationships" xmlns:p="http://schemas.openxmlformats.org/presentationml/2006/main">
+  <p:cSld>
+    <p:spTree>
+      <p:nvGrpSpPr>
+        <p:cNvPr id="1" name="Shape 102"/>
+        <p:cNvGrpSpPr/>
+        <p:nvPr/>
+      </p:nvGrpSpPr>
+      <p:grpSpPr>
+        <a:xfrm>
+          <a:off x="0" y="0"/>
+          <a:ext cx="0" cy="0"/>
+          <a:chOff x="0" y="0"/>
+          <a:chExt cx="0" cy="0"/>
+        </a:xfrm>
+      </p:grpSpPr>
+      <p:sp>
+        <p:nvSpPr>
+          <p:cNvPr id="103" name="Google Shape;103;p16"/>
+          <p:cNvSpPr txBox="1">
+            <a:spLocks noGrp="1"/>
+          </p:cNvSpPr>
+          <p:nvPr>
+            <p:ph type="title"/>
+          </p:nvPr>
+        </p:nvSpPr>
+        <p:spPr>
+          <a:xfrm>
+            <a:off x="0" y="-24343"/>
+            <a:ext cx="9144000" cy="472211"/>
+          </a:xfrm>
+          <a:prstGeom prst="rect">
+            <a:avLst/>
+          </a:prstGeom>
+        </p:spPr>
+        <p:txBody>
+          <a:bodyPr spcFirstLastPara="1" wrap="square" lIns="91425" tIns="91425" rIns="91425" bIns="91425" anchor="t" anchorCtr="0">
+            <a:noAutofit/>
+          </a:bodyPr>
+          <a:lstStyle/>
+          <a:p>
+            <a:pPr lvl="0" algn="ctr">
+              <a:buSzPts val="990"/>
+            </a:pPr>
+            <a:r>
+              <a:rPr lang="en" b="1" dirty="0"/>
+              <a:t>CSS  </a:t>
+            </a:r>
+            <a:r>
+              <a:rPr lang="en" b="1" dirty="0" smtClean="0"/>
+              <a:t>Flex Layout Model</a:t>
+            </a:r>
+            <a:endParaRPr b="1" dirty="0"/>
+          </a:p>
+        </p:txBody>
+      </p:sp>
+      <p:sp>
+        <p:nvSpPr>
+          <p:cNvPr id="2" name="Rectangle 1"/>
+          <p:cNvSpPr/>
+          <p:nvPr/>
+        </p:nvSpPr>
+        <p:spPr>
+          <a:xfrm>
+            <a:off x="363894" y="494517"/>
+            <a:ext cx="8257592" cy="1077218"/>
+          </a:xfrm>
+          <a:prstGeom prst="rect">
+            <a:avLst/>
+          </a:prstGeom>
+        </p:spPr>
+        <p:txBody>
+          <a:bodyPr wrap="square">
+            <a:spAutoFit/>
+          </a:bodyPr>
+          <a:lstStyle/>
+          <a:p>
+            <a:pPr fontAlgn="base"/>
+            <a:r>
+              <a:rPr lang="en-US" sz="1600" b="1" dirty="0"/>
+              <a:t>Controlling Flow inside Flex Container</a:t>
+            </a:r>
+          </a:p>
+          <a:p>
+            <a:pPr fontAlgn="base"/>
+            <a:endParaRPr lang="en-US" sz="1600" b="1" dirty="0"/>
+          </a:p>
+          <a:p>
+            <a:pPr algn="just" fontAlgn="base"/>
+            <a:r>
+              <a:rPr lang="en-US" sz="1600" dirty="0"/>
+              <a:t>you can </a:t>
+            </a:r>
+            <a:r>
+              <a:rPr lang="en-US" sz="1600" dirty="0" smtClean="0"/>
+              <a:t>display </a:t>
+            </a:r>
+            <a:r>
+              <a:rPr lang="en-US" sz="1600" dirty="0"/>
+              <a:t>the flex items inside a flex container in columns instead of row using the value </a:t>
+            </a:r>
+            <a:r>
+              <a:rPr lang="en-US" sz="1600" dirty="0"/>
+              <a:t>column</a:t>
+            </a:r>
+            <a:r>
+              <a:rPr lang="en-US" sz="1600" dirty="0"/>
+              <a:t> for the </a:t>
+            </a:r>
+            <a:r>
+              <a:rPr lang="en-US" sz="1600" dirty="0"/>
+              <a:t>flex-direction</a:t>
+            </a:r>
+            <a:r>
+              <a:rPr lang="en-US" sz="1600" dirty="0"/>
+              <a:t> </a:t>
+            </a:r>
+            <a:r>
+              <a:rPr lang="en-US" sz="1600" dirty="0" smtClean="0"/>
+              <a:t>property.</a:t>
+            </a:r>
+            <a:endParaRPr lang="en-US" sz="1600" b="1" dirty="0" smtClean="0"/>
+          </a:p>
+        </p:txBody>
+      </p:sp>
+      <p:pic>
+        <p:nvPicPr>
+          <p:cNvPr id="4" name="Picture 3"/>
+          <p:cNvPicPr>
+            <a:picLocks noChangeAspect="1"/>
+          </p:cNvPicPr>
+          <p:nvPr/>
+        </p:nvPicPr>
+        <p:blipFill>
+          <a:blip r:embed="rId3">
+            <a:extLst>
+              <a:ext uri="{28A0092B-C50C-407E-A947-70E740481C1C}">
+                <a14:useLocalDpi xmlns:a14="http://schemas.microsoft.com/office/drawing/2010/main" val="0"/>
+              </a:ext>
+            </a:extLst>
+          </a:blip>
+          <a:stretch>
+            <a:fillRect/>
+          </a:stretch>
+        </p:blipFill>
+        <p:spPr>
+          <a:xfrm>
+            <a:off x="1423988" y="1565487"/>
+            <a:ext cx="5247400" cy="2857888"/>
+          </a:xfrm>
+          <a:prstGeom prst="rect">
+            <a:avLst/>
+          </a:prstGeom>
+        </p:spPr>
+      </p:pic>
+    </p:spTree>
+    <p:extLst>
+      <p:ext uri="{BB962C8B-B14F-4D97-AF65-F5344CB8AC3E}">
+        <p14:creationId xmlns:p14="http://schemas.microsoft.com/office/powerpoint/2010/main" val="1549857644"/>
+      </p:ext>
+    </p:extLst>
+  </p:cSld>
+  <p:clrMapOvr>
+    <a:masterClrMapping/>
+  </p:clrMapOvr>
+  <p:timing>
+    <p:tnLst>
+      <p:par>
+        <p:cTn id="1" dur="indefinite" restart="never" nodeType="tmRoot"/>
+      </p:par>
+    </p:tnLst>
+  </p:timing>
+</p:sld>
+</file>
+
+<file path=ppt/slides/slide36.xml><?xml version="1.0" encoding="utf-8"?>
+<p:sld xmlns:a="http://schemas.openxmlformats.org/drawingml/2006/main" xmlns:r="http://schemas.openxmlformats.org/officeDocument/2006/relationships" xmlns:p="http://schemas.openxmlformats.org/presentationml/2006/main">
+  <p:cSld>
+    <p:spTree>
+      <p:nvGrpSpPr>
+        <p:cNvPr id="1" name="Shape 102"/>
+        <p:cNvGrpSpPr/>
+        <p:nvPr/>
+      </p:nvGrpSpPr>
+      <p:grpSpPr>
+        <a:xfrm>
+          <a:off x="0" y="0"/>
+          <a:ext cx="0" cy="0"/>
+          <a:chOff x="0" y="0"/>
+          <a:chExt cx="0" cy="0"/>
+        </a:xfrm>
+      </p:grpSpPr>
+      <p:sp>
+        <p:nvSpPr>
+          <p:cNvPr id="103" name="Google Shape;103;p16"/>
+          <p:cNvSpPr txBox="1">
+            <a:spLocks noGrp="1"/>
+          </p:cNvSpPr>
+          <p:nvPr>
+            <p:ph type="title"/>
+          </p:nvPr>
+        </p:nvSpPr>
+        <p:spPr>
+          <a:xfrm>
+            <a:off x="0" y="-24343"/>
+            <a:ext cx="9144000" cy="472211"/>
+          </a:xfrm>
+          <a:prstGeom prst="rect">
+            <a:avLst/>
+          </a:prstGeom>
+        </p:spPr>
+        <p:txBody>
+          <a:bodyPr spcFirstLastPara="1" wrap="square" lIns="91425" tIns="91425" rIns="91425" bIns="91425" anchor="t" anchorCtr="0">
+            <a:noAutofit/>
+          </a:bodyPr>
+          <a:lstStyle/>
+          <a:p>
+            <a:pPr lvl="0" algn="ctr">
+              <a:buSzPts val="990"/>
+            </a:pPr>
+            <a:r>
+              <a:rPr lang="en" b="1" dirty="0"/>
+              <a:t>CSS  </a:t>
+            </a:r>
+            <a:r>
+              <a:rPr lang="en" b="1" dirty="0" smtClean="0"/>
+              <a:t>Flex Layout Model</a:t>
+            </a:r>
+            <a:endParaRPr b="1" dirty="0"/>
+          </a:p>
+        </p:txBody>
+      </p:sp>
+      <p:sp>
+        <p:nvSpPr>
+          <p:cNvPr id="2" name="Rectangle 1"/>
+          <p:cNvSpPr/>
+          <p:nvPr/>
+        </p:nvSpPr>
+        <p:spPr>
+          <a:xfrm>
+            <a:off x="363894" y="494517"/>
+            <a:ext cx="8257592" cy="1323439"/>
+          </a:xfrm>
+          <a:prstGeom prst="rect">
+            <a:avLst/>
+          </a:prstGeom>
+        </p:spPr>
+        <p:txBody>
+          <a:bodyPr wrap="square">
+            <a:spAutoFit/>
+          </a:bodyPr>
+          <a:lstStyle/>
+          <a:p>
+            <a:pPr fontAlgn="base"/>
+            <a:r>
+              <a:rPr lang="en-US" sz="1600" b="1" dirty="0"/>
+              <a:t>Controlling the Dimensions of Flex Items</a:t>
+            </a:r>
+          </a:p>
+          <a:p>
+            <a:pPr fontAlgn="base"/>
+            <a:endParaRPr lang="en-US" sz="1600" b="1" dirty="0"/>
+          </a:p>
+          <a:p>
+            <a:pPr algn="just" fontAlgn="base"/>
+            <a:r>
+              <a:rPr lang="en-US" sz="1600" dirty="0"/>
+              <a:t>The most important aspect of the flex layout is the ability of flex items to alter their width or height to fill the available space. This is achieved with the </a:t>
+            </a:r>
+            <a:r>
+              <a:rPr lang="en-US" sz="1600" dirty="0">
+                <a:hlinkClick r:id="rId3"/>
               </a:rPr>
-              <a:t>CSS Introduction &amp; Basics</a:t>
-            </a:r>
-            <a:endParaRPr sz="2000" b="1">
-              <a:solidFill>
-                <a:schemeClr val="dk2"/>
-              </a:solidFill>
-              <a:latin typeface="Roboto"/>
-              <a:ea typeface="Roboto"/>
-              <a:cs typeface="Roboto"/>
-              <a:sym typeface="Roboto"/>
-            </a:endParaRPr>
-          </a:p>
-          <a:p>
-            <a:pPr marL="457200" lvl="0" indent="-355600" algn="l" rtl="0">
-              <a:spcBef>
-                <a:spcPts val="0"/>
-              </a:spcBef>
-              <a:spcAft>
-                <a:spcPts val="0"/>
-              </a:spcAft>
-              <a:buClr>
-                <a:schemeClr val="dk2"/>
-              </a:buClr>
-              <a:buSzPts val="2000"/>
-              <a:buFont typeface="Roboto"/>
-              <a:buChar char="❖"/>
+              <a:t>flex</a:t>
+            </a:r>
+            <a:r>
+              <a:rPr lang="en-US" sz="1600" dirty="0"/>
+              <a:t> property. It is shorthand property for </a:t>
+            </a:r>
+            <a:r>
+              <a:rPr lang="en-US" sz="1600" dirty="0">
+                <a:hlinkClick r:id="rId4"/>
+              </a:rPr>
+              <a:t>flex-grow</a:t>
+            </a:r>
+            <a:r>
+              <a:rPr lang="en-US" sz="1600" dirty="0"/>
+              <a:t>, </a:t>
+            </a:r>
+            <a:r>
+              <a:rPr lang="en-US" sz="1600" dirty="0">
+                <a:hlinkClick r:id="rId5"/>
+              </a:rPr>
+              <a:t>flex-shrink</a:t>
+            </a:r>
+            <a:r>
+              <a:rPr lang="en-US" sz="1600" dirty="0"/>
+              <a:t> and </a:t>
+            </a:r>
+            <a:r>
+              <a:rPr lang="en-US" sz="1600" dirty="0">
+                <a:hlinkClick r:id="rId6"/>
+              </a:rPr>
+              <a:t>flex-basis</a:t>
+            </a:r>
+            <a:r>
+              <a:rPr lang="en-US" sz="1600" dirty="0"/>
+              <a:t> properties.</a:t>
+            </a:r>
+            <a:endParaRPr lang="en-US" sz="1600" b="1" dirty="0" smtClean="0"/>
+          </a:p>
+        </p:txBody>
+      </p:sp>
+      <p:pic>
+        <p:nvPicPr>
+          <p:cNvPr id="3" name="Picture 2"/>
+          <p:cNvPicPr>
+            <a:picLocks noChangeAspect="1"/>
+          </p:cNvPicPr>
+          <p:nvPr/>
+        </p:nvPicPr>
+        <p:blipFill>
+          <a:blip r:embed="rId7">
+            <a:extLst>
+              <a:ext uri="{28A0092B-C50C-407E-A947-70E740481C1C}">
+                <a14:useLocalDpi xmlns:a14="http://schemas.microsoft.com/office/drawing/2010/main" val="0"/>
+              </a:ext>
+            </a:extLst>
+          </a:blip>
+          <a:stretch>
+            <a:fillRect/>
+          </a:stretch>
+        </p:blipFill>
+        <p:spPr>
+          <a:xfrm>
+            <a:off x="1282947" y="1799525"/>
+            <a:ext cx="5052543" cy="2931123"/>
+          </a:xfrm>
+          <a:prstGeom prst="rect">
+            <a:avLst/>
+          </a:prstGeom>
+        </p:spPr>
+      </p:pic>
+    </p:spTree>
+    <p:extLst>
+      <p:ext uri="{BB962C8B-B14F-4D97-AF65-F5344CB8AC3E}">
+        <p14:creationId xmlns:p14="http://schemas.microsoft.com/office/powerpoint/2010/main" val="538826369"/>
+      </p:ext>
+    </p:extLst>
+  </p:cSld>
+  <p:clrMapOvr>
+    <a:masterClrMapping/>
+  </p:clrMapOvr>
+  <p:timing>
+    <p:tnLst>
+      <p:par>
+        <p:cTn id="1" dur="indefinite" restart="never" nodeType="tmRoot"/>
+      </p:par>
+    </p:tnLst>
+  </p:timing>
+</p:sld>
+</file>
+
+<file path=ppt/slides/slide37.xml><?xml version="1.0" encoding="utf-8"?>
+<p:sld xmlns:a="http://schemas.openxmlformats.org/drawingml/2006/main" xmlns:r="http://schemas.openxmlformats.org/officeDocument/2006/relationships" xmlns:p="http://schemas.openxmlformats.org/presentationml/2006/main">
+  <p:cSld>
+    <p:spTree>
+      <p:nvGrpSpPr>
+        <p:cNvPr id="1" name="Shape 102"/>
+        <p:cNvGrpSpPr/>
+        <p:nvPr/>
+      </p:nvGrpSpPr>
+      <p:grpSpPr>
+        <a:xfrm>
+          <a:off x="0" y="0"/>
+          <a:ext cx="0" cy="0"/>
+          <a:chOff x="0" y="0"/>
+          <a:chExt cx="0" cy="0"/>
+        </a:xfrm>
+      </p:grpSpPr>
+      <p:sp>
+        <p:nvSpPr>
+          <p:cNvPr id="103" name="Google Shape;103;p16"/>
+          <p:cNvSpPr txBox="1">
+            <a:spLocks noGrp="1"/>
+          </p:cNvSpPr>
+          <p:nvPr>
+            <p:ph type="title"/>
+          </p:nvPr>
+        </p:nvSpPr>
+        <p:spPr>
+          <a:xfrm>
+            <a:off x="0" y="-24343"/>
+            <a:ext cx="9144000" cy="472211"/>
+          </a:xfrm>
+          <a:prstGeom prst="rect">
+            <a:avLst/>
+          </a:prstGeom>
+        </p:spPr>
+        <p:txBody>
+          <a:bodyPr spcFirstLastPara="1" wrap="square" lIns="91425" tIns="91425" rIns="91425" bIns="91425" anchor="t" anchorCtr="0">
+            <a:noAutofit/>
+          </a:bodyPr>
+          <a:lstStyle/>
+          <a:p>
+            <a:pPr lvl="0" algn="ctr">
+              <a:buSzPts val="990"/>
             </a:pPr>
             <a:r>
-              <a:rPr lang="en" sz="2000" b="1">
-                <a:solidFill>
-                  <a:schemeClr val="dk2"/>
-                </a:solidFill>
-                <a:latin typeface="Roboto"/>
-                <a:ea typeface="Roboto"/>
-                <a:cs typeface="Roboto"/>
-                <a:sym typeface="Roboto"/>
+              <a:rPr lang="en" b="1" dirty="0"/>
+              <a:t>CSS  </a:t>
+            </a:r>
+            <a:r>
+              <a:rPr lang="en" b="1" dirty="0" smtClean="0"/>
+              <a:t>Flex Layout Model</a:t>
+            </a:r>
+            <a:endParaRPr b="1" dirty="0"/>
+          </a:p>
+        </p:txBody>
+      </p:sp>
+      <p:sp>
+        <p:nvSpPr>
+          <p:cNvPr id="2" name="Rectangle 1"/>
+          <p:cNvSpPr/>
+          <p:nvPr/>
+        </p:nvSpPr>
+        <p:spPr>
+          <a:xfrm>
+            <a:off x="363894" y="494517"/>
+            <a:ext cx="8257592" cy="4524315"/>
+          </a:xfrm>
+          <a:prstGeom prst="rect">
+            <a:avLst/>
+          </a:prstGeom>
+        </p:spPr>
+        <p:txBody>
+          <a:bodyPr wrap="square">
+            <a:spAutoFit/>
+          </a:bodyPr>
+          <a:lstStyle/>
+          <a:p>
+            <a:pPr fontAlgn="base"/>
+            <a:r>
+              <a:rPr lang="en-US" sz="1600" b="1" dirty="0"/>
+              <a:t>Aligning Flex Items within Flex Container</a:t>
+            </a:r>
+          </a:p>
+          <a:p>
+            <a:pPr fontAlgn="base"/>
+            <a:endParaRPr lang="en-US" sz="1600" b="1" dirty="0"/>
+          </a:p>
+          <a:p>
+            <a:pPr algn="just" fontAlgn="base"/>
+            <a:r>
+              <a:rPr lang="en-US" sz="1600" dirty="0"/>
+              <a:t>There are four properties </a:t>
+            </a:r>
+            <a:r>
+              <a:rPr lang="en-US" sz="1600" dirty="0">
+                <a:hlinkClick r:id="rId3"/>
               </a:rPr>
-              <a:t>CSS Environment Setup</a:t>
-            </a:r>
-            <a:endParaRPr sz="2000" b="1">
-              <a:solidFill>
-                <a:schemeClr val="dk2"/>
-              </a:solidFill>
-              <a:latin typeface="Roboto"/>
-              <a:ea typeface="Roboto"/>
-              <a:cs typeface="Roboto"/>
-              <a:sym typeface="Roboto"/>
-            </a:endParaRPr>
-          </a:p>
-          <a:p>
-            <a:pPr marL="457200" lvl="0" indent="-355600" algn="l" rtl="0">
-              <a:spcBef>
-                <a:spcPts val="0"/>
-              </a:spcBef>
-              <a:spcAft>
-                <a:spcPts val="0"/>
-              </a:spcAft>
-              <a:buClr>
-                <a:schemeClr val="dk2"/>
-              </a:buClr>
-              <a:buSzPts val="2000"/>
-              <a:buFont typeface="Roboto"/>
-              <a:buChar char="❖"/>
-            </a:pPr>
-            <a:r>
-              <a:rPr lang="en" sz="2000" b="1">
-                <a:solidFill>
-                  <a:schemeClr val="dk2"/>
-                </a:solidFill>
-                <a:latin typeface="Roboto"/>
-                <a:ea typeface="Roboto"/>
-                <a:cs typeface="Roboto"/>
-                <a:sym typeface="Roboto"/>
+              <a:t>justify-content</a:t>
+            </a:r>
+            <a:r>
+              <a:rPr lang="en-US" sz="1600" dirty="0"/>
+              <a:t>, </a:t>
+            </a:r>
+            <a:r>
+              <a:rPr lang="en-US" sz="1600" dirty="0">
+                <a:hlinkClick r:id="rId4"/>
               </a:rPr>
-              <a:t>CSS Colors / Backgrounds</a:t>
-            </a:r>
-            <a:endParaRPr sz="2000" b="1">
-              <a:solidFill>
-                <a:schemeClr val="dk2"/>
-              </a:solidFill>
-              <a:latin typeface="Roboto"/>
-              <a:ea typeface="Roboto"/>
-              <a:cs typeface="Roboto"/>
-              <a:sym typeface="Roboto"/>
-            </a:endParaRPr>
-          </a:p>
-          <a:p>
-            <a:pPr marL="457200" lvl="0" indent="-355600" algn="l" rtl="0">
-              <a:spcBef>
-                <a:spcPts val="0"/>
-              </a:spcBef>
-              <a:spcAft>
-                <a:spcPts val="0"/>
-              </a:spcAft>
-              <a:buClr>
-                <a:schemeClr val="dk2"/>
-              </a:buClr>
-              <a:buSzPts val="2000"/>
-              <a:buFont typeface="Roboto"/>
-              <a:buChar char="❖"/>
-            </a:pPr>
-            <a:r>
-              <a:rPr lang="en" sz="2000" b="1">
-                <a:solidFill>
-                  <a:schemeClr val="dk2"/>
-                </a:solidFill>
-                <a:latin typeface="Roboto"/>
-                <a:ea typeface="Roboto"/>
-                <a:cs typeface="Roboto"/>
-                <a:sym typeface="Roboto"/>
+              <a:t>align-content</a:t>
+            </a:r>
+            <a:r>
+              <a:rPr lang="en-US" sz="1600" dirty="0"/>
+              <a:t>, </a:t>
+            </a:r>
+            <a:r>
+              <a:rPr lang="en-US" sz="1600" dirty="0">
+                <a:hlinkClick r:id="rId5"/>
               </a:rPr>
-              <a:t>CSS Borders / Margins / Padding</a:t>
-            </a:r>
-            <a:endParaRPr sz="2000" b="1">
-              <a:solidFill>
-                <a:schemeClr val="dk2"/>
-              </a:solidFill>
-              <a:latin typeface="Roboto"/>
-              <a:ea typeface="Roboto"/>
-              <a:cs typeface="Roboto"/>
-              <a:sym typeface="Roboto"/>
-            </a:endParaRPr>
-          </a:p>
-          <a:p>
-            <a:pPr marL="457200" lvl="0" indent="-355600" algn="l" rtl="0">
-              <a:spcBef>
-                <a:spcPts val="0"/>
-              </a:spcBef>
-              <a:spcAft>
-                <a:spcPts val="0"/>
-              </a:spcAft>
-              <a:buClr>
-                <a:schemeClr val="dk2"/>
-              </a:buClr>
-              <a:buSzPts val="2000"/>
-              <a:buFont typeface="Roboto"/>
-              <a:buChar char="❖"/>
-            </a:pPr>
-            <a:r>
-              <a:rPr lang="en" sz="2000" b="1">
-                <a:solidFill>
-                  <a:schemeClr val="dk2"/>
-                </a:solidFill>
-                <a:latin typeface="Roboto"/>
-                <a:ea typeface="Roboto"/>
-                <a:cs typeface="Roboto"/>
-                <a:sym typeface="Roboto"/>
+              <a:t>align-items</a:t>
+            </a:r>
+            <a:r>
+              <a:rPr lang="en-US" sz="1600" dirty="0"/>
+              <a:t> and </a:t>
+            </a:r>
+            <a:r>
+              <a:rPr lang="en-US" sz="1600" dirty="0">
+                <a:hlinkClick r:id="rId6"/>
               </a:rPr>
-              <a:t>CSS Text / Fonts</a:t>
-            </a:r>
-            <a:endParaRPr sz="2000" b="1">
-              <a:solidFill>
-                <a:schemeClr val="dk2"/>
-              </a:solidFill>
-              <a:latin typeface="Roboto"/>
-              <a:ea typeface="Roboto"/>
-              <a:cs typeface="Roboto"/>
-              <a:sym typeface="Roboto"/>
-            </a:endParaRPr>
-          </a:p>
-          <a:p>
-            <a:pPr marL="457200" lvl="0" indent="-355600" algn="l" rtl="0">
-              <a:spcBef>
-                <a:spcPts val="0"/>
-              </a:spcBef>
-              <a:spcAft>
-                <a:spcPts val="0"/>
-              </a:spcAft>
-              <a:buClr>
-                <a:schemeClr val="dk2"/>
-              </a:buClr>
-              <a:buSzPts val="2000"/>
-              <a:buFont typeface="Roboto"/>
-              <a:buChar char="❖"/>
-            </a:pPr>
-            <a:r>
-              <a:rPr lang="en" sz="2000" b="1">
-                <a:solidFill>
-                  <a:schemeClr val="dk2"/>
-                </a:solidFill>
-                <a:latin typeface="Roboto"/>
-                <a:ea typeface="Roboto"/>
-                <a:cs typeface="Roboto"/>
-                <a:sym typeface="Roboto"/>
-              </a:rPr>
-              <a:t>CSS Shadow / Positions</a:t>
-            </a:r>
-            <a:endParaRPr sz="2000" b="1">
-              <a:solidFill>
-                <a:schemeClr val="dk2"/>
-              </a:solidFill>
-              <a:latin typeface="Roboto"/>
-              <a:ea typeface="Roboto"/>
-              <a:cs typeface="Roboto"/>
-              <a:sym typeface="Roboto"/>
-            </a:endParaRPr>
-          </a:p>
-          <a:p>
-            <a:pPr marL="457200" lvl="0" indent="-355600" algn="l" rtl="0">
-              <a:spcBef>
-                <a:spcPts val="0"/>
-              </a:spcBef>
-              <a:spcAft>
-                <a:spcPts val="0"/>
-              </a:spcAft>
-              <a:buClr>
-                <a:schemeClr val="dk2"/>
-              </a:buClr>
-              <a:buSzPts val="2000"/>
-              <a:buFont typeface="Roboto"/>
-              <a:buChar char="❖"/>
-            </a:pPr>
-            <a:r>
-              <a:rPr lang="en" sz="2000" b="1">
-                <a:solidFill>
-                  <a:schemeClr val="dk2"/>
-                </a:solidFill>
-                <a:latin typeface="Roboto"/>
-                <a:ea typeface="Roboto"/>
-                <a:cs typeface="Roboto"/>
-                <a:sym typeface="Roboto"/>
-              </a:rPr>
-              <a:t>CSS Links</a:t>
-            </a:r>
-            <a:endParaRPr sz="2000" b="1">
-              <a:solidFill>
-                <a:schemeClr val="dk2"/>
-              </a:solidFill>
-              <a:latin typeface="Roboto"/>
-              <a:ea typeface="Roboto"/>
-              <a:cs typeface="Roboto"/>
-              <a:sym typeface="Roboto"/>
-            </a:endParaRPr>
-          </a:p>
-          <a:p>
-            <a:pPr marL="457200" lvl="0" indent="-355600" algn="l" rtl="0">
-              <a:spcBef>
-                <a:spcPts val="0"/>
-              </a:spcBef>
-              <a:spcAft>
-                <a:spcPts val="0"/>
-              </a:spcAft>
-              <a:buClr>
-                <a:schemeClr val="dk2"/>
-              </a:buClr>
-              <a:buSzPts val="2000"/>
-              <a:buFont typeface="Roboto"/>
-              <a:buChar char="❖"/>
-            </a:pPr>
-            <a:r>
-              <a:rPr lang="en" sz="2000" b="1">
-                <a:solidFill>
-                  <a:schemeClr val="dk2"/>
-                </a:solidFill>
-                <a:latin typeface="Roboto"/>
-                <a:ea typeface="Roboto"/>
-                <a:cs typeface="Roboto"/>
-                <a:sym typeface="Roboto"/>
-              </a:rPr>
-              <a:t>CSS Gridbox / Flexbox</a:t>
-            </a:r>
-            <a:endParaRPr sz="2000" b="1">
-              <a:solidFill>
-                <a:schemeClr val="dk2"/>
-              </a:solidFill>
-              <a:latin typeface="Roboto"/>
-              <a:ea typeface="Roboto"/>
-              <a:cs typeface="Roboto"/>
-              <a:sym typeface="Roboto"/>
-            </a:endParaRPr>
-          </a:p>
-          <a:p>
-            <a:pPr marL="457200" lvl="0" indent="-355600" algn="l" rtl="0">
-              <a:spcBef>
-                <a:spcPts val="0"/>
-              </a:spcBef>
-              <a:spcAft>
-                <a:spcPts val="0"/>
-              </a:spcAft>
-              <a:buClr>
-                <a:schemeClr val="dk2"/>
-              </a:buClr>
-              <a:buSzPts val="2000"/>
-              <a:buFont typeface="Roboto"/>
-              <a:buChar char="❖"/>
-            </a:pPr>
-            <a:r>
-              <a:rPr lang="en" sz="2000" b="1">
-                <a:solidFill>
-                  <a:schemeClr val="dk2"/>
-                </a:solidFill>
-                <a:latin typeface="Roboto"/>
-                <a:ea typeface="Roboto"/>
-                <a:cs typeface="Roboto"/>
-                <a:sym typeface="Roboto"/>
-              </a:rPr>
-              <a:t>CSS Forms / Buttons</a:t>
-            </a:r>
-            <a:endParaRPr sz="2000" b="1">
-              <a:solidFill>
-                <a:schemeClr val="dk2"/>
-              </a:solidFill>
-              <a:latin typeface="Roboto"/>
-              <a:ea typeface="Roboto"/>
-              <a:cs typeface="Roboto"/>
-              <a:sym typeface="Roboto"/>
-            </a:endParaRPr>
-          </a:p>
-          <a:p>
-            <a:pPr marL="457200" lvl="0" indent="-355600" algn="l" rtl="0">
-              <a:spcBef>
-                <a:spcPts val="0"/>
-              </a:spcBef>
-              <a:spcAft>
-                <a:spcPts val="0"/>
-              </a:spcAft>
-              <a:buClr>
-                <a:schemeClr val="dk2"/>
-              </a:buClr>
-              <a:buSzPts val="2000"/>
-              <a:buFont typeface="Roboto"/>
-              <a:buChar char="❖"/>
-            </a:pPr>
-            <a:r>
-              <a:rPr lang="en" sz="2000" b="1">
-                <a:solidFill>
-                  <a:schemeClr val="dk2"/>
-                </a:solidFill>
-                <a:latin typeface="Roboto"/>
-                <a:ea typeface="Roboto"/>
-                <a:cs typeface="Roboto"/>
-                <a:sym typeface="Roboto"/>
-              </a:rPr>
-              <a:t>CSS Responsiveness</a:t>
-            </a:r>
-            <a:endParaRPr sz="2000" b="1">
-              <a:solidFill>
-                <a:schemeClr val="dk2"/>
-              </a:solidFill>
-              <a:latin typeface="Roboto"/>
-              <a:ea typeface="Roboto"/>
-              <a:cs typeface="Roboto"/>
-              <a:sym typeface="Roboto"/>
-            </a:endParaRPr>
-          </a:p>
-          <a:p>
-            <a:pPr marL="457200" lvl="0" indent="-355600" algn="l" rtl="0">
-              <a:spcBef>
-                <a:spcPts val="0"/>
-              </a:spcBef>
-              <a:spcAft>
-                <a:spcPts val="0"/>
-              </a:spcAft>
-              <a:buClr>
-                <a:schemeClr val="dk2"/>
-              </a:buClr>
-              <a:buSzPts val="2000"/>
-              <a:buFont typeface="Roboto"/>
-              <a:buChar char="❖"/>
-            </a:pPr>
-            <a:r>
-              <a:rPr lang="en" sz="2000" b="1">
-                <a:solidFill>
-                  <a:schemeClr val="dk2"/>
-                </a:solidFill>
-                <a:latin typeface="Roboto"/>
-                <a:ea typeface="Roboto"/>
-                <a:cs typeface="Roboto"/>
-                <a:sym typeface="Roboto"/>
-              </a:rPr>
-              <a:t>CSS Pseudo Elements</a:t>
-            </a:r>
-            <a:endParaRPr sz="2000" b="1">
-              <a:solidFill>
-                <a:schemeClr val="dk2"/>
-              </a:solidFill>
-              <a:latin typeface="Roboto"/>
-              <a:ea typeface="Roboto"/>
-              <a:cs typeface="Roboto"/>
-              <a:sym typeface="Roboto"/>
-            </a:endParaRPr>
-          </a:p>
-          <a:p>
-            <a:pPr marL="457200" lvl="0" indent="0" algn="l" rtl="0">
-              <a:spcBef>
-                <a:spcPts val="0"/>
-              </a:spcBef>
-              <a:spcAft>
-                <a:spcPts val="0"/>
-              </a:spcAft>
-              <a:buNone/>
-            </a:pPr>
-            <a:endParaRPr sz="2000" b="1">
-              <a:solidFill>
-                <a:schemeClr val="dk2"/>
-              </a:solidFill>
-              <a:latin typeface="Roboto"/>
-              <a:ea typeface="Roboto"/>
-              <a:cs typeface="Roboto"/>
-              <a:sym typeface="Roboto"/>
-            </a:endParaRPr>
-          </a:p>
-          <a:p>
-            <a:pPr marL="457200" lvl="0" indent="0" algn="l" rtl="0">
-              <a:spcBef>
-                <a:spcPts val="0"/>
-              </a:spcBef>
-              <a:spcAft>
-                <a:spcPts val="0"/>
-              </a:spcAft>
-              <a:buNone/>
-            </a:pPr>
-            <a:endParaRPr sz="2000" b="1">
-              <a:solidFill>
-                <a:schemeClr val="dk2"/>
-              </a:solidFill>
-              <a:latin typeface="Roboto"/>
-              <a:ea typeface="Roboto"/>
-              <a:cs typeface="Roboto"/>
-              <a:sym typeface="Roboto"/>
-            </a:endParaRPr>
+              <a:t>align-self</a:t>
+            </a:r>
+            <a:r>
+              <a:rPr lang="en-US" sz="1600" dirty="0"/>
+              <a:t> which are designed to control the alignment of flex items within flex container. </a:t>
+            </a:r>
+            <a:endParaRPr lang="en-US" sz="1600" dirty="0" smtClean="0"/>
+          </a:p>
+          <a:p>
+            <a:pPr algn="just" fontAlgn="base"/>
+            <a:endParaRPr lang="en-US" sz="1600" b="1" dirty="0"/>
+          </a:p>
+          <a:p>
+            <a:pPr fontAlgn="base"/>
+            <a:r>
+              <a:rPr lang="en-US" sz="1600" dirty="0"/>
+              <a:t>The justify-content property accepts the following values</a:t>
+            </a:r>
+            <a:r>
+              <a:rPr lang="en-US" sz="1600" dirty="0" smtClean="0"/>
+              <a:t>:</a:t>
+            </a:r>
+          </a:p>
+          <a:p>
+            <a:pPr fontAlgn="base"/>
+            <a:endParaRPr lang="en-US" sz="1600" dirty="0"/>
+          </a:p>
+          <a:p>
+            <a:r>
+              <a:rPr lang="en-US" sz="1600" b="1" dirty="0"/>
+              <a:t>flex-start</a:t>
+            </a:r>
+            <a:r>
+              <a:rPr lang="en-US" sz="1600" dirty="0"/>
+              <a:t> — Default value. Flex items are placed at the start of the main axis.</a:t>
+            </a:r>
+          </a:p>
+          <a:p>
+            <a:r>
+              <a:rPr lang="en-US" sz="1600" b="1" dirty="0"/>
+              <a:t>flex-end</a:t>
+            </a:r>
+            <a:r>
+              <a:rPr lang="en-US" sz="1600" dirty="0"/>
+              <a:t> — Flex items are placed at the end of the main axis.</a:t>
+            </a:r>
+          </a:p>
+          <a:p>
+            <a:r>
+              <a:rPr lang="en-US" sz="1600" b="1" dirty="0"/>
+              <a:t>center</a:t>
+            </a:r>
+            <a:r>
+              <a:rPr lang="en-US" sz="1600" dirty="0"/>
+              <a:t> — Flex items are placed at the center of the main axis with equal amounts of free space at both ends. If the leftover free-space is negative i.e. if the items overflow, then the flex items will overflow equally in both directions.</a:t>
+            </a:r>
+          </a:p>
+          <a:p>
+            <a:r>
+              <a:rPr lang="en-US" sz="1600" b="1" dirty="0"/>
+              <a:t>space-between</a:t>
+            </a:r>
+            <a:r>
+              <a:rPr lang="en-US" sz="1600" dirty="0"/>
+              <a:t> — Flex items are distributed evenly along the main axis, where the first item placed at the main-start edge and the last one placed at the main-end. If items overflow or there's only one item, this value is equal to flex-start.</a:t>
+            </a:r>
+          </a:p>
+          <a:p>
+            <a:r>
+              <a:rPr lang="en-US" sz="1600" b="1" dirty="0"/>
+              <a:t>space-around</a:t>
+            </a:r>
+            <a:r>
+              <a:rPr lang="en-US" sz="1600" dirty="0"/>
+              <a:t> — Flex items are distributed evenly with half-size spaces on either end. If they overflow or there's only one item, this value is identical to center.</a:t>
+            </a:r>
+          </a:p>
+          <a:p>
+            <a:pPr algn="just" fontAlgn="base"/>
+            <a:endParaRPr lang="en-US" sz="1600" b="1" dirty="0" smtClean="0"/>
           </a:p>
         </p:txBody>
       </p:sp>
     </p:spTree>
+    <p:extLst>
+      <p:ext uri="{BB962C8B-B14F-4D97-AF65-F5344CB8AC3E}">
+        <p14:creationId xmlns:p14="http://schemas.microsoft.com/office/powerpoint/2010/main" val="508092674"/>
+      </p:ext>
+    </p:extLst>
+  </p:cSld>
+  <p:clrMapOvr>
+    <a:masterClrMapping/>
+  </p:clrMapOvr>
+  <p:timing>
+    <p:tnLst>
+      <p:par>
+        <p:cTn id="1" dur="indefinite" restart="never" nodeType="tmRoot"/>
+      </p:par>
+    </p:tnLst>
+  </p:timing>
+</p:sld>
+</file>
+
+<file path=ppt/slides/slide38.xml><?xml version="1.0" encoding="utf-8"?>
+<p:sld xmlns:a="http://schemas.openxmlformats.org/drawingml/2006/main" xmlns:r="http://schemas.openxmlformats.org/officeDocument/2006/relationships" xmlns:p="http://schemas.openxmlformats.org/presentationml/2006/main">
+  <p:cSld>
+    <p:spTree>
+      <p:nvGrpSpPr>
+        <p:cNvPr id="1" name="Shape 102"/>
+        <p:cNvGrpSpPr/>
+        <p:nvPr/>
+      </p:nvGrpSpPr>
+      <p:grpSpPr>
+        <a:xfrm>
+          <a:off x="0" y="0"/>
+          <a:ext cx="0" cy="0"/>
+          <a:chOff x="0" y="0"/>
+          <a:chExt cx="0" cy="0"/>
+        </a:xfrm>
+      </p:grpSpPr>
+      <p:sp>
+        <p:nvSpPr>
+          <p:cNvPr id="103" name="Google Shape;103;p16"/>
+          <p:cNvSpPr txBox="1">
+            <a:spLocks noGrp="1"/>
+          </p:cNvSpPr>
+          <p:nvPr>
+            <p:ph type="title"/>
+          </p:nvPr>
+        </p:nvSpPr>
+        <p:spPr>
+          <a:xfrm>
+            <a:off x="0" y="-24343"/>
+            <a:ext cx="9144000" cy="472211"/>
+          </a:xfrm>
+          <a:prstGeom prst="rect">
+            <a:avLst/>
+          </a:prstGeom>
+        </p:spPr>
+        <p:txBody>
+          <a:bodyPr spcFirstLastPara="1" wrap="square" lIns="91425" tIns="91425" rIns="91425" bIns="91425" anchor="t" anchorCtr="0">
+            <a:noAutofit/>
+          </a:bodyPr>
+          <a:lstStyle/>
+          <a:p>
+            <a:pPr lvl="0" algn="ctr">
+              <a:buSzPts val="990"/>
+            </a:pPr>
+            <a:r>
+              <a:rPr lang="en" b="1" dirty="0"/>
+              <a:t>CSS  </a:t>
+            </a:r>
+            <a:r>
+              <a:rPr lang="en" b="1" dirty="0" smtClean="0"/>
+              <a:t>Flex Layout Model</a:t>
+            </a:r>
+            <a:endParaRPr b="1" dirty="0"/>
+          </a:p>
+        </p:txBody>
+      </p:sp>
+      <p:sp>
+        <p:nvSpPr>
+          <p:cNvPr id="2" name="Rectangle 1"/>
+          <p:cNvSpPr/>
+          <p:nvPr/>
+        </p:nvSpPr>
+        <p:spPr>
+          <a:xfrm>
+            <a:off x="363894" y="494517"/>
+            <a:ext cx="8257592" cy="584775"/>
+          </a:xfrm>
+          <a:prstGeom prst="rect">
+            <a:avLst/>
+          </a:prstGeom>
+        </p:spPr>
+        <p:txBody>
+          <a:bodyPr wrap="square">
+            <a:spAutoFit/>
+          </a:bodyPr>
+          <a:lstStyle/>
+          <a:p>
+            <a:pPr fontAlgn="base"/>
+            <a:r>
+              <a:rPr lang="en-US" sz="1600" b="1" dirty="0"/>
+              <a:t>Aligning Flex Items within Flex </a:t>
+            </a:r>
+            <a:r>
+              <a:rPr lang="en-US" sz="1600" b="1" dirty="0" smtClean="0"/>
+              <a:t>Container</a:t>
+            </a:r>
+          </a:p>
+          <a:p>
+            <a:pPr algn="ctr" fontAlgn="base"/>
+            <a:r>
+              <a:rPr lang="en-US" sz="1600" b="1" u="sng" dirty="0" smtClean="0"/>
+              <a:t>Justify-Content</a:t>
+            </a:r>
+            <a:endParaRPr lang="en-US" sz="1600" b="1" u="sng" dirty="0" smtClean="0"/>
+          </a:p>
+        </p:txBody>
+      </p:sp>
+      <p:pic>
+        <p:nvPicPr>
+          <p:cNvPr id="4" name="Picture 3"/>
+          <p:cNvPicPr>
+            <a:picLocks noChangeAspect="1"/>
+          </p:cNvPicPr>
+          <p:nvPr/>
+        </p:nvPicPr>
+        <p:blipFill>
+          <a:blip r:embed="rId3">
+            <a:extLst>
+              <a:ext uri="{28A0092B-C50C-407E-A947-70E740481C1C}">
+                <a14:useLocalDpi xmlns:a14="http://schemas.microsoft.com/office/drawing/2010/main" val="0"/>
+              </a:ext>
+            </a:extLst>
+          </a:blip>
+          <a:stretch>
+            <a:fillRect/>
+          </a:stretch>
+        </p:blipFill>
+        <p:spPr>
+          <a:xfrm>
+            <a:off x="1126397" y="1156977"/>
+            <a:ext cx="5687300" cy="3197468"/>
+          </a:xfrm>
+          <a:prstGeom prst="rect">
+            <a:avLst/>
+          </a:prstGeom>
+        </p:spPr>
+      </p:pic>
+    </p:spTree>
+    <p:extLst>
+      <p:ext uri="{BB962C8B-B14F-4D97-AF65-F5344CB8AC3E}">
+        <p14:creationId xmlns:p14="http://schemas.microsoft.com/office/powerpoint/2010/main" val="1921673198"/>
+      </p:ext>
+    </p:extLst>
+  </p:cSld>
+  <p:clrMapOvr>
+    <a:masterClrMapping/>
+  </p:clrMapOvr>
+  <p:timing>
+    <p:tnLst>
+      <p:par>
+        <p:cTn id="1" dur="indefinite" restart="never" nodeType="tmRoot"/>
+      </p:par>
+    </p:tnLst>
+  </p:timing>
+</p:sld>
+</file>
+
+<file path=ppt/slides/slide39.xml><?xml version="1.0" encoding="utf-8"?>
+<p:sld xmlns:a="http://schemas.openxmlformats.org/drawingml/2006/main" xmlns:r="http://schemas.openxmlformats.org/officeDocument/2006/relationships" xmlns:p="http://schemas.openxmlformats.org/presentationml/2006/main">
+  <p:cSld>
+    <p:spTree>
+      <p:nvGrpSpPr>
+        <p:cNvPr id="1" name="Shape 102"/>
+        <p:cNvGrpSpPr/>
+        <p:nvPr/>
+      </p:nvGrpSpPr>
+      <p:grpSpPr>
+        <a:xfrm>
+          <a:off x="0" y="0"/>
+          <a:ext cx="0" cy="0"/>
+          <a:chOff x="0" y="0"/>
+          <a:chExt cx="0" cy="0"/>
+        </a:xfrm>
+      </p:grpSpPr>
+      <p:sp>
+        <p:nvSpPr>
+          <p:cNvPr id="103" name="Google Shape;103;p16"/>
+          <p:cNvSpPr txBox="1">
+            <a:spLocks noGrp="1"/>
+          </p:cNvSpPr>
+          <p:nvPr>
+            <p:ph type="title"/>
+          </p:nvPr>
+        </p:nvSpPr>
+        <p:spPr>
+          <a:xfrm>
+            <a:off x="0" y="-24343"/>
+            <a:ext cx="9144000" cy="472211"/>
+          </a:xfrm>
+          <a:prstGeom prst="rect">
+            <a:avLst/>
+          </a:prstGeom>
+        </p:spPr>
+        <p:txBody>
+          <a:bodyPr spcFirstLastPara="1" wrap="square" lIns="91425" tIns="91425" rIns="91425" bIns="91425" anchor="t" anchorCtr="0">
+            <a:noAutofit/>
+          </a:bodyPr>
+          <a:lstStyle/>
+          <a:p>
+            <a:pPr lvl="0" algn="ctr">
+              <a:buSzPts val="990"/>
+            </a:pPr>
+            <a:r>
+              <a:rPr lang="en" b="1" dirty="0"/>
+              <a:t>CSS  </a:t>
+            </a:r>
+            <a:r>
+              <a:rPr lang="en" b="1" dirty="0" smtClean="0"/>
+              <a:t>Flex Layout Model</a:t>
+            </a:r>
+            <a:endParaRPr b="1" dirty="0"/>
+          </a:p>
+        </p:txBody>
+      </p:sp>
+      <p:sp>
+        <p:nvSpPr>
+          <p:cNvPr id="2" name="Rectangle 1"/>
+          <p:cNvSpPr/>
+          <p:nvPr/>
+        </p:nvSpPr>
+        <p:spPr>
+          <a:xfrm>
+            <a:off x="363894" y="494517"/>
+            <a:ext cx="8257592" cy="830997"/>
+          </a:xfrm>
+          <a:prstGeom prst="rect">
+            <a:avLst/>
+          </a:prstGeom>
+        </p:spPr>
+        <p:txBody>
+          <a:bodyPr wrap="square">
+            <a:spAutoFit/>
+          </a:bodyPr>
+          <a:lstStyle/>
+          <a:p>
+            <a:pPr fontAlgn="base"/>
+            <a:r>
+              <a:rPr lang="en-US" sz="1600" b="1" dirty="0"/>
+              <a:t>Aligning Flex Items within Flex </a:t>
+            </a:r>
+            <a:r>
+              <a:rPr lang="en-US" sz="1600" b="1" dirty="0" smtClean="0"/>
+              <a:t>Container</a:t>
+            </a:r>
+          </a:p>
+          <a:p>
+            <a:pPr fontAlgn="base"/>
+            <a:r>
+              <a:rPr lang="en-US" sz="1600" dirty="0"/>
+              <a:t>The </a:t>
+            </a:r>
+            <a:r>
+              <a:rPr lang="en-US" sz="1600" dirty="0"/>
+              <a:t>align-content</a:t>
+            </a:r>
+            <a:r>
+              <a:rPr lang="en-US" sz="1600" dirty="0"/>
+              <a:t> property accepts the same values as </a:t>
+            </a:r>
+            <a:r>
+              <a:rPr lang="en-US" sz="1600" dirty="0"/>
+              <a:t>justify-content</a:t>
+            </a:r>
+            <a:r>
+              <a:rPr lang="en-US" sz="1600" dirty="0"/>
+              <a:t>, but applies them to the cross axis rather than the main axis. It also accepts one more value:</a:t>
+            </a:r>
+            <a:endParaRPr lang="en-US" sz="1600" b="1" dirty="0" smtClean="0"/>
+          </a:p>
+        </p:txBody>
+      </p:sp>
+      <p:pic>
+        <p:nvPicPr>
+          <p:cNvPr id="3" name="Picture 2"/>
+          <p:cNvPicPr>
+            <a:picLocks noChangeAspect="1"/>
+          </p:cNvPicPr>
+          <p:nvPr/>
+        </p:nvPicPr>
+        <p:blipFill>
+          <a:blip r:embed="rId3">
+            <a:extLst>
+              <a:ext uri="{28A0092B-C50C-407E-A947-70E740481C1C}">
+                <a14:useLocalDpi xmlns:a14="http://schemas.microsoft.com/office/drawing/2010/main" val="0"/>
+              </a:ext>
+            </a:extLst>
+          </a:blip>
+          <a:stretch>
+            <a:fillRect/>
+          </a:stretch>
+        </p:blipFill>
+        <p:spPr>
+          <a:xfrm>
+            <a:off x="1409399" y="1439330"/>
+            <a:ext cx="5159343" cy="3033927"/>
+          </a:xfrm>
+          <a:prstGeom prst="rect">
+            <a:avLst/>
+          </a:prstGeom>
+        </p:spPr>
+      </p:pic>
+    </p:spTree>
+    <p:extLst>
+      <p:ext uri="{BB962C8B-B14F-4D97-AF65-F5344CB8AC3E}">
+        <p14:creationId xmlns:p14="http://schemas.microsoft.com/office/powerpoint/2010/main" val="1103228620"/>
+      </p:ext>
+    </p:extLst>
   </p:cSld>
   <p:clrMapOvr>
     <a:masterClrMapping/>
@@ -18606,6 +19763,1589 @@
         <p14:creationId xmlns:p14="http://schemas.microsoft.com/office/powerpoint/2010/main" val="3067617167"/>
       </p:ext>
     </p:extLst>
+  </p:cSld>
+  <p:clrMapOvr>
+    <a:masterClrMapping/>
+  </p:clrMapOvr>
+  <p:timing>
+    <p:tnLst>
+      <p:par>
+        <p:cTn id="1" dur="indefinite" restart="never" nodeType="tmRoot"/>
+      </p:par>
+    </p:tnLst>
+  </p:timing>
+</p:sld>
+</file>
+
+<file path=ppt/slides/slide40.xml><?xml version="1.0" encoding="utf-8"?>
+<p:sld xmlns:a="http://schemas.openxmlformats.org/drawingml/2006/main" xmlns:r="http://schemas.openxmlformats.org/officeDocument/2006/relationships" xmlns:p="http://schemas.openxmlformats.org/presentationml/2006/main">
+  <p:cSld>
+    <p:spTree>
+      <p:nvGrpSpPr>
+        <p:cNvPr id="1" name="Shape 102"/>
+        <p:cNvGrpSpPr/>
+        <p:nvPr/>
+      </p:nvGrpSpPr>
+      <p:grpSpPr>
+        <a:xfrm>
+          <a:off x="0" y="0"/>
+          <a:ext cx="0" cy="0"/>
+          <a:chOff x="0" y="0"/>
+          <a:chExt cx="0" cy="0"/>
+        </a:xfrm>
+      </p:grpSpPr>
+      <p:sp>
+        <p:nvSpPr>
+          <p:cNvPr id="103" name="Google Shape;103;p16"/>
+          <p:cNvSpPr txBox="1">
+            <a:spLocks noGrp="1"/>
+          </p:cNvSpPr>
+          <p:nvPr>
+            <p:ph type="title"/>
+          </p:nvPr>
+        </p:nvSpPr>
+        <p:spPr>
+          <a:xfrm>
+            <a:off x="0" y="-24343"/>
+            <a:ext cx="9144000" cy="472211"/>
+          </a:xfrm>
+          <a:prstGeom prst="rect">
+            <a:avLst/>
+          </a:prstGeom>
+        </p:spPr>
+        <p:txBody>
+          <a:bodyPr spcFirstLastPara="1" wrap="square" lIns="91425" tIns="91425" rIns="91425" bIns="91425" anchor="t" anchorCtr="0">
+            <a:noAutofit/>
+          </a:bodyPr>
+          <a:lstStyle/>
+          <a:p>
+            <a:pPr lvl="0" algn="ctr">
+              <a:buSzPts val="990"/>
+            </a:pPr>
+            <a:r>
+              <a:rPr lang="en" b="1" dirty="0"/>
+              <a:t>CSS  </a:t>
+            </a:r>
+            <a:r>
+              <a:rPr lang="en" b="1" dirty="0" smtClean="0"/>
+              <a:t>Flex Layout Model</a:t>
+            </a:r>
+            <a:endParaRPr b="1" dirty="0"/>
+          </a:p>
+        </p:txBody>
+      </p:sp>
+      <p:sp>
+        <p:nvSpPr>
+          <p:cNvPr id="2" name="Rectangle 1"/>
+          <p:cNvSpPr/>
+          <p:nvPr/>
+        </p:nvSpPr>
+        <p:spPr>
+          <a:xfrm>
+            <a:off x="363894" y="550503"/>
+            <a:ext cx="8257592" cy="338554"/>
+          </a:xfrm>
+          <a:prstGeom prst="rect">
+            <a:avLst/>
+          </a:prstGeom>
+        </p:spPr>
+        <p:txBody>
+          <a:bodyPr wrap="square">
+            <a:spAutoFit/>
+          </a:bodyPr>
+          <a:lstStyle/>
+          <a:p>
+            <a:pPr fontAlgn="base"/>
+            <a:r>
+              <a:rPr lang="en-US" sz="1600" b="1" dirty="0"/>
+              <a:t>Horizontal and Vertical Center Alignment with </a:t>
+            </a:r>
+            <a:r>
+              <a:rPr lang="en-US" sz="1600" b="1" dirty="0" err="1" smtClean="0"/>
+              <a:t>Flexbox</a:t>
+            </a:r>
+            <a:endParaRPr lang="en-US" sz="1600" b="1" dirty="0"/>
+          </a:p>
+        </p:txBody>
+      </p:sp>
+      <p:pic>
+        <p:nvPicPr>
+          <p:cNvPr id="4" name="Picture 3"/>
+          <p:cNvPicPr>
+            <a:picLocks noChangeAspect="1"/>
+          </p:cNvPicPr>
+          <p:nvPr/>
+        </p:nvPicPr>
+        <p:blipFill>
+          <a:blip r:embed="rId3">
+            <a:extLst>
+              <a:ext uri="{28A0092B-C50C-407E-A947-70E740481C1C}">
+                <a14:useLocalDpi xmlns:a14="http://schemas.microsoft.com/office/drawing/2010/main" val="0"/>
+              </a:ext>
+            </a:extLst>
+          </a:blip>
+          <a:stretch>
+            <a:fillRect/>
+          </a:stretch>
+        </p:blipFill>
+        <p:spPr>
+          <a:xfrm>
+            <a:off x="1749490" y="1056498"/>
+            <a:ext cx="5029200" cy="3105150"/>
+          </a:xfrm>
+          <a:prstGeom prst="rect">
+            <a:avLst/>
+          </a:prstGeom>
+        </p:spPr>
+      </p:pic>
+    </p:spTree>
+    <p:extLst>
+      <p:ext uri="{BB962C8B-B14F-4D97-AF65-F5344CB8AC3E}">
+        <p14:creationId xmlns:p14="http://schemas.microsoft.com/office/powerpoint/2010/main" val="1133066076"/>
+      </p:ext>
+    </p:extLst>
+  </p:cSld>
+  <p:clrMapOvr>
+    <a:masterClrMapping/>
+  </p:clrMapOvr>
+  <p:timing>
+    <p:tnLst>
+      <p:par>
+        <p:cTn id="1" dur="indefinite" restart="never" nodeType="tmRoot"/>
+      </p:par>
+    </p:tnLst>
+  </p:timing>
+</p:sld>
+</file>
+
+<file path=ppt/slides/slide41.xml><?xml version="1.0" encoding="utf-8"?>
+<p:sld xmlns:a="http://schemas.openxmlformats.org/drawingml/2006/main" xmlns:r="http://schemas.openxmlformats.org/officeDocument/2006/relationships" xmlns:p="http://schemas.openxmlformats.org/presentationml/2006/main">
+  <p:cSld>
+    <p:spTree>
+      <p:nvGrpSpPr>
+        <p:cNvPr id="1" name="Shape 102"/>
+        <p:cNvGrpSpPr/>
+        <p:nvPr/>
+      </p:nvGrpSpPr>
+      <p:grpSpPr>
+        <a:xfrm>
+          <a:off x="0" y="0"/>
+          <a:ext cx="0" cy="0"/>
+          <a:chOff x="0" y="0"/>
+          <a:chExt cx="0" cy="0"/>
+        </a:xfrm>
+      </p:grpSpPr>
+      <p:sp>
+        <p:nvSpPr>
+          <p:cNvPr id="103" name="Google Shape;103;p16"/>
+          <p:cNvSpPr txBox="1">
+            <a:spLocks noGrp="1"/>
+          </p:cNvSpPr>
+          <p:nvPr>
+            <p:ph type="title"/>
+          </p:nvPr>
+        </p:nvSpPr>
+        <p:spPr>
+          <a:xfrm>
+            <a:off x="0" y="-24343"/>
+            <a:ext cx="9144000" cy="472211"/>
+          </a:xfrm>
+          <a:prstGeom prst="rect">
+            <a:avLst/>
+          </a:prstGeom>
+        </p:spPr>
+        <p:txBody>
+          <a:bodyPr spcFirstLastPara="1" wrap="square" lIns="91425" tIns="91425" rIns="91425" bIns="91425" anchor="t" anchorCtr="0">
+            <a:noAutofit/>
+          </a:bodyPr>
+          <a:lstStyle/>
+          <a:p>
+            <a:pPr lvl="0" algn="ctr">
+              <a:buSzPts val="990"/>
+            </a:pPr>
+            <a:r>
+              <a:rPr lang="en" b="1" dirty="0"/>
+              <a:t>CSS  </a:t>
+            </a:r>
+            <a:r>
+              <a:rPr lang="en" b="1" dirty="0" smtClean="0"/>
+              <a:t>Flex Layout Model</a:t>
+            </a:r>
+            <a:endParaRPr b="1" dirty="0"/>
+          </a:p>
+        </p:txBody>
+      </p:sp>
+      <p:sp>
+        <p:nvSpPr>
+          <p:cNvPr id="2" name="Rectangle 1"/>
+          <p:cNvSpPr/>
+          <p:nvPr/>
+        </p:nvSpPr>
+        <p:spPr>
+          <a:xfrm>
+            <a:off x="363894" y="550503"/>
+            <a:ext cx="8257592" cy="4031873"/>
+          </a:xfrm>
+          <a:prstGeom prst="rect">
+            <a:avLst/>
+          </a:prstGeom>
+        </p:spPr>
+        <p:txBody>
+          <a:bodyPr wrap="square">
+            <a:spAutoFit/>
+          </a:bodyPr>
+          <a:lstStyle/>
+          <a:p>
+            <a:pPr fontAlgn="base"/>
+            <a:r>
+              <a:rPr lang="en-US" sz="1600" b="1" dirty="0"/>
+              <a:t>Enable Wrapping of Flex </a:t>
+            </a:r>
+            <a:r>
+              <a:rPr lang="en-US" sz="1600" b="1" dirty="0" smtClean="0"/>
+              <a:t>Items</a:t>
+            </a:r>
+          </a:p>
+          <a:p>
+            <a:pPr fontAlgn="base"/>
+            <a:endParaRPr lang="en-US" sz="1600" b="1" dirty="0" smtClean="0"/>
+          </a:p>
+          <a:p>
+            <a:pPr fontAlgn="base"/>
+            <a:r>
+              <a:rPr lang="en-US" sz="1600" dirty="0"/>
+              <a:t>By default, flex containers display only a single row or column of flex items. However, you can use the </a:t>
+            </a:r>
+            <a:r>
+              <a:rPr lang="en-US" sz="1600" dirty="0">
+                <a:hlinkClick r:id="rId3"/>
+              </a:rPr>
+              <a:t>flex-wrap</a:t>
+            </a:r>
+            <a:r>
+              <a:rPr lang="en-US" sz="1600" dirty="0"/>
+              <a:t> property on the flex container to control whether its flex items will wrap into multiple lines or not, if there is not sufficient space for them on one flex line.</a:t>
+            </a:r>
+          </a:p>
+          <a:p>
+            <a:pPr fontAlgn="base"/>
+            <a:r>
+              <a:rPr lang="en-US" sz="1600" dirty="0"/>
+              <a:t>The flex-wrap property accept the following values</a:t>
+            </a:r>
+            <a:r>
+              <a:rPr lang="en-US" sz="1600" dirty="0" smtClean="0"/>
+              <a:t>:</a:t>
+            </a:r>
+          </a:p>
+          <a:p>
+            <a:pPr fontAlgn="base"/>
+            <a:endParaRPr lang="en-US" sz="1600" dirty="0"/>
+          </a:p>
+          <a:p>
+            <a:r>
+              <a:rPr lang="en-US" sz="1600" b="1" dirty="0" err="1"/>
+              <a:t>nowrap</a:t>
+            </a:r>
+            <a:r>
+              <a:rPr lang="en-US" sz="1600" dirty="0"/>
+              <a:t> — Default value. The flex items are placed in a single line. It may cause overflow, if there is not enough space on the flex line</a:t>
+            </a:r>
+            <a:r>
+              <a:rPr lang="en-US" sz="1600" dirty="0" smtClean="0"/>
+              <a:t>.</a:t>
+            </a:r>
+          </a:p>
+          <a:p>
+            <a:endParaRPr lang="en-US" sz="1600" dirty="0"/>
+          </a:p>
+          <a:p>
+            <a:r>
+              <a:rPr lang="en-US" sz="1600" b="1" dirty="0"/>
+              <a:t>wrap</a:t>
+            </a:r>
+            <a:r>
+              <a:rPr lang="en-US" sz="1600" dirty="0"/>
+              <a:t> — The flex container breaks its flex items across multiple lines, similar to how text is broken onto a new line when it is too wide to fit on the current line</a:t>
+            </a:r>
+            <a:r>
+              <a:rPr lang="en-US" sz="1600" dirty="0" smtClean="0"/>
+              <a:t>.</a:t>
+            </a:r>
+          </a:p>
+          <a:p>
+            <a:endParaRPr lang="en-US" sz="1600" dirty="0"/>
+          </a:p>
+          <a:p>
+            <a:r>
+              <a:rPr lang="en-US" sz="1600" b="1" dirty="0"/>
+              <a:t>wrap-reverse</a:t>
+            </a:r>
+            <a:r>
+              <a:rPr lang="en-US" sz="1600" dirty="0"/>
+              <a:t> — The flex items will wrap, if necessary, but in reverse order i.e. the </a:t>
+            </a:r>
+            <a:r>
+              <a:rPr lang="en-US" sz="1600" i="1" dirty="0"/>
+              <a:t>cross-start</a:t>
+            </a:r>
+            <a:r>
+              <a:rPr lang="en-US" sz="1600" dirty="0"/>
+              <a:t> and </a:t>
+            </a:r>
+            <a:r>
+              <a:rPr lang="en-US" sz="1600" i="1" dirty="0"/>
+              <a:t>cross-end</a:t>
+            </a:r>
+            <a:r>
+              <a:rPr lang="en-US" sz="1600" dirty="0"/>
+              <a:t> directions are swapped.</a:t>
+            </a:r>
+          </a:p>
+          <a:p>
+            <a:pPr fontAlgn="base"/>
+            <a:endParaRPr lang="en-US" sz="1600" b="1" dirty="0"/>
+          </a:p>
+        </p:txBody>
+      </p:sp>
+    </p:spTree>
+    <p:extLst>
+      <p:ext uri="{BB962C8B-B14F-4D97-AF65-F5344CB8AC3E}">
+        <p14:creationId xmlns:p14="http://schemas.microsoft.com/office/powerpoint/2010/main" val="1516603370"/>
+      </p:ext>
+    </p:extLst>
+  </p:cSld>
+  <p:clrMapOvr>
+    <a:masterClrMapping/>
+  </p:clrMapOvr>
+  <p:timing>
+    <p:tnLst>
+      <p:par>
+        <p:cTn id="1" dur="indefinite" restart="never" nodeType="tmRoot"/>
+      </p:par>
+    </p:tnLst>
+  </p:timing>
+</p:sld>
+</file>
+
+<file path=ppt/slides/slide42.xml><?xml version="1.0" encoding="utf-8"?>
+<p:sld xmlns:a="http://schemas.openxmlformats.org/drawingml/2006/main" xmlns:r="http://schemas.openxmlformats.org/officeDocument/2006/relationships" xmlns:p="http://schemas.openxmlformats.org/presentationml/2006/main">
+  <p:cSld>
+    <p:spTree>
+      <p:nvGrpSpPr>
+        <p:cNvPr id="1" name="Shape 102"/>
+        <p:cNvGrpSpPr/>
+        <p:nvPr/>
+      </p:nvGrpSpPr>
+      <p:grpSpPr>
+        <a:xfrm>
+          <a:off x="0" y="0"/>
+          <a:ext cx="0" cy="0"/>
+          <a:chOff x="0" y="0"/>
+          <a:chExt cx="0" cy="0"/>
+        </a:xfrm>
+      </p:grpSpPr>
+      <p:sp>
+        <p:nvSpPr>
+          <p:cNvPr id="103" name="Google Shape;103;p16"/>
+          <p:cNvSpPr txBox="1">
+            <a:spLocks noGrp="1"/>
+          </p:cNvSpPr>
+          <p:nvPr>
+            <p:ph type="title"/>
+          </p:nvPr>
+        </p:nvSpPr>
+        <p:spPr>
+          <a:xfrm>
+            <a:off x="0" y="-24343"/>
+            <a:ext cx="9144000" cy="472211"/>
+          </a:xfrm>
+          <a:prstGeom prst="rect">
+            <a:avLst/>
+          </a:prstGeom>
+        </p:spPr>
+        <p:txBody>
+          <a:bodyPr spcFirstLastPara="1" wrap="square" lIns="91425" tIns="91425" rIns="91425" bIns="91425" anchor="t" anchorCtr="0">
+            <a:noAutofit/>
+          </a:bodyPr>
+          <a:lstStyle/>
+          <a:p>
+            <a:pPr lvl="0" algn="ctr">
+              <a:buSzPts val="990"/>
+            </a:pPr>
+            <a:r>
+              <a:rPr lang="en" b="1" dirty="0"/>
+              <a:t>CSS  </a:t>
+            </a:r>
+            <a:r>
+              <a:rPr lang="en" b="1" dirty="0" smtClean="0"/>
+              <a:t>Flex Layout Model</a:t>
+            </a:r>
+            <a:endParaRPr b="1" dirty="0"/>
+          </a:p>
+        </p:txBody>
+      </p:sp>
+      <p:sp>
+        <p:nvSpPr>
+          <p:cNvPr id="2" name="Rectangle 1"/>
+          <p:cNvSpPr/>
+          <p:nvPr/>
+        </p:nvSpPr>
+        <p:spPr>
+          <a:xfrm>
+            <a:off x="363894" y="550503"/>
+            <a:ext cx="8257592" cy="338554"/>
+          </a:xfrm>
+          <a:prstGeom prst="rect">
+            <a:avLst/>
+          </a:prstGeom>
+        </p:spPr>
+        <p:txBody>
+          <a:bodyPr wrap="square">
+            <a:spAutoFit/>
+          </a:bodyPr>
+          <a:lstStyle/>
+          <a:p>
+            <a:pPr algn="ctr" fontAlgn="base"/>
+            <a:r>
+              <a:rPr lang="en-US" sz="1600" b="1" u="sng" dirty="0"/>
+              <a:t>Enable Wrapping of Flex Items</a:t>
+            </a:r>
+          </a:p>
+        </p:txBody>
+      </p:sp>
+      <p:pic>
+        <p:nvPicPr>
+          <p:cNvPr id="3" name="Picture 2"/>
+          <p:cNvPicPr>
+            <a:picLocks noChangeAspect="1"/>
+          </p:cNvPicPr>
+          <p:nvPr/>
+        </p:nvPicPr>
+        <p:blipFill>
+          <a:blip r:embed="rId3">
+            <a:extLst>
+              <a:ext uri="{28A0092B-C50C-407E-A947-70E740481C1C}">
+                <a14:useLocalDpi xmlns:a14="http://schemas.microsoft.com/office/drawing/2010/main" val="0"/>
+              </a:ext>
+            </a:extLst>
+          </a:blip>
+          <a:stretch>
+            <a:fillRect/>
+          </a:stretch>
+        </p:blipFill>
+        <p:spPr>
+          <a:xfrm>
+            <a:off x="1476375" y="935884"/>
+            <a:ext cx="5577568" cy="3149181"/>
+          </a:xfrm>
+          <a:prstGeom prst="rect">
+            <a:avLst/>
+          </a:prstGeom>
+        </p:spPr>
+      </p:pic>
+    </p:spTree>
+    <p:extLst>
+      <p:ext uri="{BB962C8B-B14F-4D97-AF65-F5344CB8AC3E}">
+        <p14:creationId xmlns:p14="http://schemas.microsoft.com/office/powerpoint/2010/main" val="2775504432"/>
+      </p:ext>
+    </p:extLst>
+  </p:cSld>
+  <p:clrMapOvr>
+    <a:masterClrMapping/>
+  </p:clrMapOvr>
+  <p:timing>
+    <p:tnLst>
+      <p:par>
+        <p:cTn id="1" dur="indefinite" restart="never" nodeType="tmRoot"/>
+      </p:par>
+    </p:tnLst>
+  </p:timing>
+</p:sld>
+</file>
+
+<file path=ppt/slides/slide43.xml><?xml version="1.0" encoding="utf-8"?>
+<p:sld xmlns:a="http://schemas.openxmlformats.org/drawingml/2006/main" xmlns:r="http://schemas.openxmlformats.org/officeDocument/2006/relationships" xmlns:p="http://schemas.openxmlformats.org/presentationml/2006/main">
+  <p:cSld>
+    <p:spTree>
+      <p:nvGrpSpPr>
+        <p:cNvPr id="1" name="Shape 114"/>
+        <p:cNvGrpSpPr/>
+        <p:nvPr/>
+      </p:nvGrpSpPr>
+      <p:grpSpPr>
+        <a:xfrm>
+          <a:off x="0" y="0"/>
+          <a:ext cx="0" cy="0"/>
+          <a:chOff x="0" y="0"/>
+          <a:chExt cx="0" cy="0"/>
+        </a:xfrm>
+      </p:grpSpPr>
+      <p:sp>
+        <p:nvSpPr>
+          <p:cNvPr id="115" name="Google Shape;115;p18"/>
+          <p:cNvSpPr txBox="1">
+            <a:spLocks noGrp="1"/>
+          </p:cNvSpPr>
+          <p:nvPr>
+            <p:ph type="title"/>
+          </p:nvPr>
+        </p:nvSpPr>
+        <p:spPr>
+          <a:xfrm>
+            <a:off x="0" y="156050"/>
+            <a:ext cx="9144000" cy="607800"/>
+          </a:xfrm>
+          <a:prstGeom prst="rect">
+            <a:avLst/>
+          </a:prstGeom>
+        </p:spPr>
+        <p:txBody>
+          <a:bodyPr spcFirstLastPara="1" wrap="square" lIns="91425" tIns="91425" rIns="91425" bIns="91425" anchor="t" anchorCtr="0">
+            <a:noAutofit/>
+          </a:bodyPr>
+          <a:lstStyle/>
+          <a:p>
+            <a:pPr marL="0" lvl="0" indent="0" algn="ctr" rtl="0">
+              <a:spcBef>
+                <a:spcPts val="0"/>
+              </a:spcBef>
+              <a:spcAft>
+                <a:spcPts val="0"/>
+              </a:spcAft>
+              <a:buSzPts val="990"/>
+              <a:buNone/>
+            </a:pPr>
+            <a:r>
+              <a:rPr lang="en" sz="3300" b="1"/>
+              <a:t>HTML [HYPER TEXT MARKUP LANGUAGE]</a:t>
+            </a:r>
+            <a:endParaRPr sz="3300" b="1"/>
+          </a:p>
+        </p:txBody>
+      </p:sp>
+      <p:sp>
+        <p:nvSpPr>
+          <p:cNvPr id="116" name="Google Shape;116;p18"/>
+          <p:cNvSpPr txBox="1"/>
+          <p:nvPr/>
+        </p:nvSpPr>
+        <p:spPr>
+          <a:xfrm>
+            <a:off x="349425" y="964400"/>
+            <a:ext cx="8623800" cy="3452400"/>
+          </a:xfrm>
+          <a:prstGeom prst="rect">
+            <a:avLst/>
+          </a:prstGeom>
+          <a:noFill/>
+          <a:ln>
+            <a:noFill/>
+          </a:ln>
+        </p:spPr>
+        <p:txBody>
+          <a:bodyPr spcFirstLastPara="1" wrap="square" lIns="91425" tIns="91425" rIns="91425" bIns="91425" anchor="t" anchorCtr="0">
+            <a:noAutofit/>
+          </a:bodyPr>
+          <a:lstStyle/>
+          <a:p>
+            <a:pPr marL="457200" lvl="0" indent="-355600" algn="l" rtl="0">
+              <a:spcBef>
+                <a:spcPts val="0"/>
+              </a:spcBef>
+              <a:spcAft>
+                <a:spcPts val="0"/>
+              </a:spcAft>
+              <a:buClr>
+                <a:schemeClr val="dk2"/>
+              </a:buClr>
+              <a:buSzPts val="2000"/>
+              <a:buFont typeface="Roboto"/>
+              <a:buChar char="❖"/>
+            </a:pPr>
+            <a:r>
+              <a:rPr lang="en" sz="2000" b="1">
+                <a:solidFill>
+                  <a:schemeClr val="dk2"/>
+                </a:solidFill>
+                <a:latin typeface="Roboto"/>
+                <a:ea typeface="Roboto"/>
+                <a:cs typeface="Roboto"/>
+                <a:sym typeface="Roboto"/>
+              </a:rPr>
+              <a:t>HTML Introduction</a:t>
+            </a:r>
+            <a:endParaRPr sz="2000" b="1">
+              <a:solidFill>
+                <a:schemeClr val="dk2"/>
+              </a:solidFill>
+              <a:latin typeface="Roboto"/>
+              <a:ea typeface="Roboto"/>
+              <a:cs typeface="Roboto"/>
+              <a:sym typeface="Roboto"/>
+            </a:endParaRPr>
+          </a:p>
+          <a:p>
+            <a:pPr marL="457200" lvl="0" indent="-355600" algn="l" rtl="0">
+              <a:spcBef>
+                <a:spcPts val="0"/>
+              </a:spcBef>
+              <a:spcAft>
+                <a:spcPts val="0"/>
+              </a:spcAft>
+              <a:buClr>
+                <a:schemeClr val="dk2"/>
+              </a:buClr>
+              <a:buSzPts val="2000"/>
+              <a:buFont typeface="Roboto"/>
+              <a:buChar char="❖"/>
+            </a:pPr>
+            <a:r>
+              <a:rPr lang="en" sz="2000" b="1">
+                <a:solidFill>
+                  <a:schemeClr val="dk2"/>
+                </a:solidFill>
+                <a:latin typeface="Roboto"/>
+                <a:ea typeface="Roboto"/>
+                <a:cs typeface="Roboto"/>
+                <a:sym typeface="Roboto"/>
+              </a:rPr>
+              <a:t>HTML Basics Tags</a:t>
+            </a:r>
+            <a:endParaRPr sz="2000" b="1">
+              <a:solidFill>
+                <a:schemeClr val="dk2"/>
+              </a:solidFill>
+              <a:latin typeface="Roboto"/>
+              <a:ea typeface="Roboto"/>
+              <a:cs typeface="Roboto"/>
+              <a:sym typeface="Roboto"/>
+            </a:endParaRPr>
+          </a:p>
+          <a:p>
+            <a:pPr marL="457200" lvl="0" indent="-355600" algn="l" rtl="0">
+              <a:spcBef>
+                <a:spcPts val="0"/>
+              </a:spcBef>
+              <a:spcAft>
+                <a:spcPts val="0"/>
+              </a:spcAft>
+              <a:buClr>
+                <a:schemeClr val="dk2"/>
+              </a:buClr>
+              <a:buSzPts val="2000"/>
+              <a:buFont typeface="Roboto"/>
+              <a:buChar char="❖"/>
+            </a:pPr>
+            <a:r>
+              <a:rPr lang="en" sz="2000" b="1">
+                <a:solidFill>
+                  <a:schemeClr val="dk2"/>
+                </a:solidFill>
+                <a:latin typeface="Roboto"/>
+                <a:ea typeface="Roboto"/>
+                <a:cs typeface="Roboto"/>
+                <a:sym typeface="Roboto"/>
+              </a:rPr>
+              <a:t>HTML Environment Setup</a:t>
+            </a:r>
+            <a:endParaRPr sz="2000" b="1">
+              <a:solidFill>
+                <a:schemeClr val="dk2"/>
+              </a:solidFill>
+              <a:latin typeface="Roboto"/>
+              <a:ea typeface="Roboto"/>
+              <a:cs typeface="Roboto"/>
+              <a:sym typeface="Roboto"/>
+            </a:endParaRPr>
+          </a:p>
+          <a:p>
+            <a:pPr marL="457200" lvl="0" indent="-355600" algn="l" rtl="0">
+              <a:spcBef>
+                <a:spcPts val="0"/>
+              </a:spcBef>
+              <a:spcAft>
+                <a:spcPts val="0"/>
+              </a:spcAft>
+              <a:buClr>
+                <a:schemeClr val="dk2"/>
+              </a:buClr>
+              <a:buSzPts val="2000"/>
+              <a:buFont typeface="Roboto"/>
+              <a:buChar char="❖"/>
+            </a:pPr>
+            <a:r>
+              <a:rPr lang="en" sz="2000" b="1">
+                <a:solidFill>
+                  <a:schemeClr val="dk2"/>
+                </a:solidFill>
+                <a:latin typeface="Roboto"/>
+                <a:ea typeface="Roboto"/>
+                <a:cs typeface="Roboto"/>
+                <a:sym typeface="Roboto"/>
+              </a:rPr>
+              <a:t>HTML Paragraph / Headings</a:t>
+            </a:r>
+            <a:endParaRPr sz="2000" b="1">
+              <a:solidFill>
+                <a:schemeClr val="dk2"/>
+              </a:solidFill>
+              <a:latin typeface="Roboto"/>
+              <a:ea typeface="Roboto"/>
+              <a:cs typeface="Roboto"/>
+              <a:sym typeface="Roboto"/>
+            </a:endParaRPr>
+          </a:p>
+          <a:p>
+            <a:pPr marL="457200" lvl="0" indent="-355600" algn="l" rtl="0">
+              <a:spcBef>
+                <a:spcPts val="0"/>
+              </a:spcBef>
+              <a:spcAft>
+                <a:spcPts val="0"/>
+              </a:spcAft>
+              <a:buClr>
+                <a:schemeClr val="dk2"/>
+              </a:buClr>
+              <a:buSzPts val="2000"/>
+              <a:buFont typeface="Roboto"/>
+              <a:buChar char="❖"/>
+            </a:pPr>
+            <a:r>
+              <a:rPr lang="en" sz="2000" b="1">
+                <a:solidFill>
+                  <a:schemeClr val="dk2"/>
+                </a:solidFill>
+                <a:latin typeface="Roboto"/>
+                <a:ea typeface="Roboto"/>
+                <a:cs typeface="Roboto"/>
+                <a:sym typeface="Roboto"/>
+              </a:rPr>
+              <a:t>HTML Images</a:t>
+            </a:r>
+            <a:endParaRPr sz="2000" b="1">
+              <a:solidFill>
+                <a:schemeClr val="dk2"/>
+              </a:solidFill>
+              <a:latin typeface="Roboto"/>
+              <a:ea typeface="Roboto"/>
+              <a:cs typeface="Roboto"/>
+              <a:sym typeface="Roboto"/>
+            </a:endParaRPr>
+          </a:p>
+          <a:p>
+            <a:pPr marL="457200" lvl="0" indent="-355600" algn="l" rtl="0">
+              <a:spcBef>
+                <a:spcPts val="0"/>
+              </a:spcBef>
+              <a:spcAft>
+                <a:spcPts val="0"/>
+              </a:spcAft>
+              <a:buClr>
+                <a:schemeClr val="dk2"/>
+              </a:buClr>
+              <a:buSzPts val="2000"/>
+              <a:buFont typeface="Roboto"/>
+              <a:buChar char="❖"/>
+            </a:pPr>
+            <a:r>
+              <a:rPr lang="en" sz="2000" b="1">
+                <a:solidFill>
+                  <a:schemeClr val="dk2"/>
+                </a:solidFill>
+                <a:latin typeface="Roboto"/>
+                <a:ea typeface="Roboto"/>
+                <a:cs typeface="Roboto"/>
+                <a:sym typeface="Roboto"/>
+              </a:rPr>
+              <a:t>HTML Lists</a:t>
+            </a:r>
+            <a:endParaRPr sz="2000" b="1">
+              <a:solidFill>
+                <a:schemeClr val="dk2"/>
+              </a:solidFill>
+              <a:latin typeface="Roboto"/>
+              <a:ea typeface="Roboto"/>
+              <a:cs typeface="Roboto"/>
+              <a:sym typeface="Roboto"/>
+            </a:endParaRPr>
+          </a:p>
+          <a:p>
+            <a:pPr marL="457200" lvl="0" indent="-355600" algn="l" rtl="0">
+              <a:spcBef>
+                <a:spcPts val="0"/>
+              </a:spcBef>
+              <a:spcAft>
+                <a:spcPts val="0"/>
+              </a:spcAft>
+              <a:buClr>
+                <a:schemeClr val="dk2"/>
+              </a:buClr>
+              <a:buSzPts val="2000"/>
+              <a:buFont typeface="Roboto"/>
+              <a:buChar char="❖"/>
+            </a:pPr>
+            <a:r>
+              <a:rPr lang="en" sz="2000" b="1">
+                <a:solidFill>
+                  <a:schemeClr val="dk2"/>
+                </a:solidFill>
+                <a:latin typeface="Roboto"/>
+                <a:ea typeface="Roboto"/>
+                <a:cs typeface="Roboto"/>
+                <a:sym typeface="Roboto"/>
+              </a:rPr>
+              <a:t>HTML Forms</a:t>
+            </a:r>
+            <a:endParaRPr sz="2000" b="1">
+              <a:solidFill>
+                <a:schemeClr val="dk2"/>
+              </a:solidFill>
+              <a:latin typeface="Roboto"/>
+              <a:ea typeface="Roboto"/>
+              <a:cs typeface="Roboto"/>
+              <a:sym typeface="Roboto"/>
+            </a:endParaRPr>
+          </a:p>
+          <a:p>
+            <a:pPr marL="457200" lvl="0" indent="-355600" algn="l" rtl="0">
+              <a:spcBef>
+                <a:spcPts val="0"/>
+              </a:spcBef>
+              <a:spcAft>
+                <a:spcPts val="0"/>
+              </a:spcAft>
+              <a:buClr>
+                <a:schemeClr val="dk2"/>
+              </a:buClr>
+              <a:buSzPts val="2000"/>
+              <a:buFont typeface="Roboto"/>
+              <a:buChar char="❖"/>
+            </a:pPr>
+            <a:r>
+              <a:rPr lang="en" sz="2000" b="1">
+                <a:solidFill>
+                  <a:schemeClr val="dk2"/>
+                </a:solidFill>
+                <a:latin typeface="Roboto"/>
+                <a:ea typeface="Roboto"/>
+                <a:cs typeface="Roboto"/>
+                <a:sym typeface="Roboto"/>
+              </a:rPr>
+              <a:t>HTML Tables</a:t>
+            </a:r>
+            <a:endParaRPr sz="2000" b="1">
+              <a:solidFill>
+                <a:schemeClr val="dk2"/>
+              </a:solidFill>
+              <a:latin typeface="Roboto"/>
+              <a:ea typeface="Roboto"/>
+              <a:cs typeface="Roboto"/>
+              <a:sym typeface="Roboto"/>
+            </a:endParaRPr>
+          </a:p>
+          <a:p>
+            <a:pPr marL="457200" lvl="0" indent="-355600" algn="l" rtl="0">
+              <a:spcBef>
+                <a:spcPts val="0"/>
+              </a:spcBef>
+              <a:spcAft>
+                <a:spcPts val="0"/>
+              </a:spcAft>
+              <a:buClr>
+                <a:schemeClr val="dk2"/>
+              </a:buClr>
+              <a:buSzPts val="2000"/>
+              <a:buFont typeface="Roboto"/>
+              <a:buChar char="❖"/>
+            </a:pPr>
+            <a:r>
+              <a:rPr lang="en" sz="2000" b="1">
+                <a:solidFill>
+                  <a:schemeClr val="dk2"/>
+                </a:solidFill>
+                <a:latin typeface="Roboto"/>
+                <a:ea typeface="Roboto"/>
+                <a:cs typeface="Roboto"/>
+                <a:sym typeface="Roboto"/>
+              </a:rPr>
+              <a:t>HTML Div Elements</a:t>
+            </a:r>
+            <a:endParaRPr sz="2000" b="1">
+              <a:solidFill>
+                <a:schemeClr val="dk2"/>
+              </a:solidFill>
+              <a:latin typeface="Roboto"/>
+              <a:ea typeface="Roboto"/>
+              <a:cs typeface="Roboto"/>
+              <a:sym typeface="Roboto"/>
+            </a:endParaRPr>
+          </a:p>
+          <a:p>
+            <a:pPr marL="457200" lvl="0" indent="-355600" algn="l" rtl="0">
+              <a:spcBef>
+                <a:spcPts val="0"/>
+              </a:spcBef>
+              <a:spcAft>
+                <a:spcPts val="0"/>
+              </a:spcAft>
+              <a:buClr>
+                <a:schemeClr val="dk2"/>
+              </a:buClr>
+              <a:buSzPts val="2000"/>
+              <a:buFont typeface="Roboto"/>
+              <a:buChar char="❖"/>
+            </a:pPr>
+            <a:r>
+              <a:rPr lang="en" sz="2000" b="1">
+                <a:solidFill>
+                  <a:schemeClr val="dk2"/>
+                </a:solidFill>
+                <a:latin typeface="Roboto"/>
+                <a:ea typeface="Roboto"/>
+                <a:cs typeface="Roboto"/>
+                <a:sym typeface="Roboto"/>
+              </a:rPr>
+              <a:t>HTML Block Elements</a:t>
+            </a:r>
+            <a:endParaRPr sz="2000" b="1">
+              <a:solidFill>
+                <a:schemeClr val="dk2"/>
+              </a:solidFill>
+              <a:latin typeface="Roboto"/>
+              <a:ea typeface="Roboto"/>
+              <a:cs typeface="Roboto"/>
+              <a:sym typeface="Roboto"/>
+            </a:endParaRPr>
+          </a:p>
+          <a:p>
+            <a:pPr marL="457200" lvl="0" indent="-355600" algn="l" rtl="0">
+              <a:spcBef>
+                <a:spcPts val="0"/>
+              </a:spcBef>
+              <a:spcAft>
+                <a:spcPts val="0"/>
+              </a:spcAft>
+              <a:buClr>
+                <a:schemeClr val="dk2"/>
+              </a:buClr>
+              <a:buSzPts val="2000"/>
+              <a:buFont typeface="Roboto"/>
+              <a:buChar char="❖"/>
+            </a:pPr>
+            <a:r>
+              <a:rPr lang="en" sz="2000" b="1">
+                <a:solidFill>
+                  <a:schemeClr val="dk2"/>
+                </a:solidFill>
+                <a:latin typeface="Roboto"/>
+                <a:ea typeface="Roboto"/>
+                <a:cs typeface="Roboto"/>
+                <a:sym typeface="Roboto"/>
+              </a:rPr>
+              <a:t>HTML Inline Elements</a:t>
+            </a:r>
+            <a:endParaRPr sz="2000" b="1">
+              <a:solidFill>
+                <a:schemeClr val="dk2"/>
+              </a:solidFill>
+              <a:latin typeface="Roboto"/>
+              <a:ea typeface="Roboto"/>
+              <a:cs typeface="Roboto"/>
+              <a:sym typeface="Roboto"/>
+            </a:endParaRPr>
+          </a:p>
+          <a:p>
+            <a:pPr marL="457200" lvl="0" indent="0" algn="l" rtl="0">
+              <a:spcBef>
+                <a:spcPts val="0"/>
+              </a:spcBef>
+              <a:spcAft>
+                <a:spcPts val="0"/>
+              </a:spcAft>
+              <a:buNone/>
+            </a:pPr>
+            <a:endParaRPr sz="2000" b="1">
+              <a:solidFill>
+                <a:schemeClr val="dk2"/>
+              </a:solidFill>
+              <a:latin typeface="Roboto"/>
+              <a:ea typeface="Roboto"/>
+              <a:cs typeface="Roboto"/>
+              <a:sym typeface="Roboto"/>
+            </a:endParaRPr>
+          </a:p>
+          <a:p>
+            <a:pPr marL="457200" lvl="0" indent="0" algn="l" rtl="0">
+              <a:spcBef>
+                <a:spcPts val="0"/>
+              </a:spcBef>
+              <a:spcAft>
+                <a:spcPts val="0"/>
+              </a:spcAft>
+              <a:buNone/>
+            </a:pPr>
+            <a:endParaRPr sz="2000" b="1">
+              <a:solidFill>
+                <a:schemeClr val="dk2"/>
+              </a:solidFill>
+              <a:latin typeface="Roboto"/>
+              <a:ea typeface="Roboto"/>
+              <a:cs typeface="Roboto"/>
+              <a:sym typeface="Roboto"/>
+            </a:endParaRPr>
+          </a:p>
+        </p:txBody>
+      </p:sp>
+    </p:spTree>
+  </p:cSld>
+  <p:clrMapOvr>
+    <a:masterClrMapping/>
+  </p:clrMapOvr>
+  <p:timing>
+    <p:tnLst>
+      <p:par>
+        <p:cTn id="1" dur="indefinite" restart="never" nodeType="tmRoot"/>
+      </p:par>
+    </p:tnLst>
+  </p:timing>
+</p:sld>
+</file>
+
+<file path=ppt/slides/slide44.xml><?xml version="1.0" encoding="utf-8"?>
+<p:sld xmlns:a="http://schemas.openxmlformats.org/drawingml/2006/main" xmlns:r="http://schemas.openxmlformats.org/officeDocument/2006/relationships" xmlns:p="http://schemas.openxmlformats.org/presentationml/2006/main">
+  <p:cSld>
+    <p:spTree>
+      <p:nvGrpSpPr>
+        <p:cNvPr id="1" name="Shape 120"/>
+        <p:cNvGrpSpPr/>
+        <p:nvPr/>
+      </p:nvGrpSpPr>
+      <p:grpSpPr>
+        <a:xfrm>
+          <a:off x="0" y="0"/>
+          <a:ext cx="0" cy="0"/>
+          <a:chOff x="0" y="0"/>
+          <a:chExt cx="0" cy="0"/>
+        </a:xfrm>
+      </p:grpSpPr>
+      <p:sp>
+        <p:nvSpPr>
+          <p:cNvPr id="121" name="Google Shape;121;p19"/>
+          <p:cNvSpPr txBox="1">
+            <a:spLocks noGrp="1"/>
+          </p:cNvSpPr>
+          <p:nvPr>
+            <p:ph type="title"/>
+          </p:nvPr>
+        </p:nvSpPr>
+        <p:spPr>
+          <a:xfrm>
+            <a:off x="0" y="156050"/>
+            <a:ext cx="9144000" cy="607800"/>
+          </a:xfrm>
+          <a:prstGeom prst="rect">
+            <a:avLst/>
+          </a:prstGeom>
+        </p:spPr>
+        <p:txBody>
+          <a:bodyPr spcFirstLastPara="1" wrap="square" lIns="91425" tIns="91425" rIns="91425" bIns="91425" anchor="t" anchorCtr="0">
+            <a:noAutofit/>
+          </a:bodyPr>
+          <a:lstStyle/>
+          <a:p>
+            <a:pPr marL="0" lvl="0" indent="0" algn="ctr" rtl="0">
+              <a:spcBef>
+                <a:spcPts val="0"/>
+              </a:spcBef>
+              <a:spcAft>
+                <a:spcPts val="0"/>
+              </a:spcAft>
+              <a:buSzPts val="990"/>
+              <a:buNone/>
+            </a:pPr>
+            <a:r>
+              <a:rPr lang="en" sz="3300" b="1"/>
+              <a:t>CSS 3 [CASECADING STYLE SHEET]</a:t>
+            </a:r>
+            <a:endParaRPr sz="3300" b="1"/>
+          </a:p>
+        </p:txBody>
+      </p:sp>
+      <p:sp>
+        <p:nvSpPr>
+          <p:cNvPr id="122" name="Google Shape;122;p19"/>
+          <p:cNvSpPr txBox="1"/>
+          <p:nvPr/>
+        </p:nvSpPr>
+        <p:spPr>
+          <a:xfrm>
+            <a:off x="349425" y="964400"/>
+            <a:ext cx="8623800" cy="3732600"/>
+          </a:xfrm>
+          <a:prstGeom prst="rect">
+            <a:avLst/>
+          </a:prstGeom>
+          <a:noFill/>
+          <a:ln>
+            <a:noFill/>
+          </a:ln>
+        </p:spPr>
+        <p:txBody>
+          <a:bodyPr spcFirstLastPara="1" wrap="square" lIns="91425" tIns="91425" rIns="91425" bIns="91425" anchor="t" anchorCtr="0">
+            <a:noAutofit/>
+          </a:bodyPr>
+          <a:lstStyle/>
+          <a:p>
+            <a:pPr marL="457200" lvl="0" indent="-355600" algn="l" rtl="0">
+              <a:spcBef>
+                <a:spcPts val="0"/>
+              </a:spcBef>
+              <a:spcAft>
+                <a:spcPts val="0"/>
+              </a:spcAft>
+              <a:buClr>
+                <a:schemeClr val="dk2"/>
+              </a:buClr>
+              <a:buSzPts val="2000"/>
+              <a:buFont typeface="Roboto"/>
+              <a:buChar char="❖"/>
+            </a:pPr>
+            <a:r>
+              <a:rPr lang="en" sz="2000" b="1">
+                <a:solidFill>
+                  <a:schemeClr val="dk2"/>
+                </a:solidFill>
+                <a:latin typeface="Roboto"/>
+                <a:ea typeface="Roboto"/>
+                <a:cs typeface="Roboto"/>
+                <a:sym typeface="Roboto"/>
+              </a:rPr>
+              <a:t>CSS Introduction &amp; Basics</a:t>
+            </a:r>
+            <a:endParaRPr sz="2000" b="1">
+              <a:solidFill>
+                <a:schemeClr val="dk2"/>
+              </a:solidFill>
+              <a:latin typeface="Roboto"/>
+              <a:ea typeface="Roboto"/>
+              <a:cs typeface="Roboto"/>
+              <a:sym typeface="Roboto"/>
+            </a:endParaRPr>
+          </a:p>
+          <a:p>
+            <a:pPr marL="457200" lvl="0" indent="-355600" algn="l" rtl="0">
+              <a:spcBef>
+                <a:spcPts val="0"/>
+              </a:spcBef>
+              <a:spcAft>
+                <a:spcPts val="0"/>
+              </a:spcAft>
+              <a:buClr>
+                <a:schemeClr val="dk2"/>
+              </a:buClr>
+              <a:buSzPts val="2000"/>
+              <a:buFont typeface="Roboto"/>
+              <a:buChar char="❖"/>
+            </a:pPr>
+            <a:r>
+              <a:rPr lang="en" sz="2000" b="1">
+                <a:solidFill>
+                  <a:schemeClr val="dk2"/>
+                </a:solidFill>
+                <a:latin typeface="Roboto"/>
+                <a:ea typeface="Roboto"/>
+                <a:cs typeface="Roboto"/>
+                <a:sym typeface="Roboto"/>
+              </a:rPr>
+              <a:t>CSS Environment Setup</a:t>
+            </a:r>
+            <a:endParaRPr sz="2000" b="1">
+              <a:solidFill>
+                <a:schemeClr val="dk2"/>
+              </a:solidFill>
+              <a:latin typeface="Roboto"/>
+              <a:ea typeface="Roboto"/>
+              <a:cs typeface="Roboto"/>
+              <a:sym typeface="Roboto"/>
+            </a:endParaRPr>
+          </a:p>
+          <a:p>
+            <a:pPr marL="457200" lvl="0" indent="-355600" algn="l" rtl="0">
+              <a:spcBef>
+                <a:spcPts val="0"/>
+              </a:spcBef>
+              <a:spcAft>
+                <a:spcPts val="0"/>
+              </a:spcAft>
+              <a:buClr>
+                <a:schemeClr val="dk2"/>
+              </a:buClr>
+              <a:buSzPts val="2000"/>
+              <a:buFont typeface="Roboto"/>
+              <a:buChar char="❖"/>
+            </a:pPr>
+            <a:r>
+              <a:rPr lang="en" sz="2000" b="1">
+                <a:solidFill>
+                  <a:schemeClr val="dk2"/>
+                </a:solidFill>
+                <a:latin typeface="Roboto"/>
+                <a:ea typeface="Roboto"/>
+                <a:cs typeface="Roboto"/>
+                <a:sym typeface="Roboto"/>
+              </a:rPr>
+              <a:t>CSS Colors / Backgrounds</a:t>
+            </a:r>
+            <a:endParaRPr sz="2000" b="1">
+              <a:solidFill>
+                <a:schemeClr val="dk2"/>
+              </a:solidFill>
+              <a:latin typeface="Roboto"/>
+              <a:ea typeface="Roboto"/>
+              <a:cs typeface="Roboto"/>
+              <a:sym typeface="Roboto"/>
+            </a:endParaRPr>
+          </a:p>
+          <a:p>
+            <a:pPr marL="457200" lvl="0" indent="-355600" algn="l" rtl="0">
+              <a:spcBef>
+                <a:spcPts val="0"/>
+              </a:spcBef>
+              <a:spcAft>
+                <a:spcPts val="0"/>
+              </a:spcAft>
+              <a:buClr>
+                <a:schemeClr val="dk2"/>
+              </a:buClr>
+              <a:buSzPts val="2000"/>
+              <a:buFont typeface="Roboto"/>
+              <a:buChar char="❖"/>
+            </a:pPr>
+            <a:r>
+              <a:rPr lang="en" sz="2000" b="1">
+                <a:solidFill>
+                  <a:schemeClr val="dk2"/>
+                </a:solidFill>
+                <a:latin typeface="Roboto"/>
+                <a:ea typeface="Roboto"/>
+                <a:cs typeface="Roboto"/>
+                <a:sym typeface="Roboto"/>
+              </a:rPr>
+              <a:t>CSS Borders / Margins / Padding</a:t>
+            </a:r>
+            <a:endParaRPr sz="2000" b="1">
+              <a:solidFill>
+                <a:schemeClr val="dk2"/>
+              </a:solidFill>
+              <a:latin typeface="Roboto"/>
+              <a:ea typeface="Roboto"/>
+              <a:cs typeface="Roboto"/>
+              <a:sym typeface="Roboto"/>
+            </a:endParaRPr>
+          </a:p>
+          <a:p>
+            <a:pPr marL="457200" lvl="0" indent="-355600" algn="l" rtl="0">
+              <a:spcBef>
+                <a:spcPts val="0"/>
+              </a:spcBef>
+              <a:spcAft>
+                <a:spcPts val="0"/>
+              </a:spcAft>
+              <a:buClr>
+                <a:schemeClr val="dk2"/>
+              </a:buClr>
+              <a:buSzPts val="2000"/>
+              <a:buFont typeface="Roboto"/>
+              <a:buChar char="❖"/>
+            </a:pPr>
+            <a:r>
+              <a:rPr lang="en" sz="2000" b="1">
+                <a:solidFill>
+                  <a:schemeClr val="dk2"/>
+                </a:solidFill>
+                <a:latin typeface="Roboto"/>
+                <a:ea typeface="Roboto"/>
+                <a:cs typeface="Roboto"/>
+                <a:sym typeface="Roboto"/>
+              </a:rPr>
+              <a:t>CSS Text / Fonts</a:t>
+            </a:r>
+            <a:endParaRPr sz="2000" b="1">
+              <a:solidFill>
+                <a:schemeClr val="dk2"/>
+              </a:solidFill>
+              <a:latin typeface="Roboto"/>
+              <a:ea typeface="Roboto"/>
+              <a:cs typeface="Roboto"/>
+              <a:sym typeface="Roboto"/>
+            </a:endParaRPr>
+          </a:p>
+          <a:p>
+            <a:pPr marL="457200" lvl="0" indent="-355600" algn="l" rtl="0">
+              <a:spcBef>
+                <a:spcPts val="0"/>
+              </a:spcBef>
+              <a:spcAft>
+                <a:spcPts val="0"/>
+              </a:spcAft>
+              <a:buClr>
+                <a:schemeClr val="dk2"/>
+              </a:buClr>
+              <a:buSzPts val="2000"/>
+              <a:buFont typeface="Roboto"/>
+              <a:buChar char="❖"/>
+            </a:pPr>
+            <a:r>
+              <a:rPr lang="en" sz="2000" b="1">
+                <a:solidFill>
+                  <a:schemeClr val="dk2"/>
+                </a:solidFill>
+                <a:latin typeface="Roboto"/>
+                <a:ea typeface="Roboto"/>
+                <a:cs typeface="Roboto"/>
+                <a:sym typeface="Roboto"/>
+              </a:rPr>
+              <a:t>CSS Shadow / Positions</a:t>
+            </a:r>
+            <a:endParaRPr sz="2000" b="1">
+              <a:solidFill>
+                <a:schemeClr val="dk2"/>
+              </a:solidFill>
+              <a:latin typeface="Roboto"/>
+              <a:ea typeface="Roboto"/>
+              <a:cs typeface="Roboto"/>
+              <a:sym typeface="Roboto"/>
+            </a:endParaRPr>
+          </a:p>
+          <a:p>
+            <a:pPr marL="457200" lvl="0" indent="-355600" algn="l" rtl="0">
+              <a:spcBef>
+                <a:spcPts val="0"/>
+              </a:spcBef>
+              <a:spcAft>
+                <a:spcPts val="0"/>
+              </a:spcAft>
+              <a:buClr>
+                <a:schemeClr val="dk2"/>
+              </a:buClr>
+              <a:buSzPts val="2000"/>
+              <a:buFont typeface="Roboto"/>
+              <a:buChar char="❖"/>
+            </a:pPr>
+            <a:r>
+              <a:rPr lang="en" sz="2000" b="1">
+                <a:solidFill>
+                  <a:schemeClr val="dk2"/>
+                </a:solidFill>
+                <a:latin typeface="Roboto"/>
+                <a:ea typeface="Roboto"/>
+                <a:cs typeface="Roboto"/>
+                <a:sym typeface="Roboto"/>
+              </a:rPr>
+              <a:t>CSS Links</a:t>
+            </a:r>
+            <a:endParaRPr sz="2000" b="1">
+              <a:solidFill>
+                <a:schemeClr val="dk2"/>
+              </a:solidFill>
+              <a:latin typeface="Roboto"/>
+              <a:ea typeface="Roboto"/>
+              <a:cs typeface="Roboto"/>
+              <a:sym typeface="Roboto"/>
+            </a:endParaRPr>
+          </a:p>
+          <a:p>
+            <a:pPr marL="457200" lvl="0" indent="-355600" algn="l" rtl="0">
+              <a:spcBef>
+                <a:spcPts val="0"/>
+              </a:spcBef>
+              <a:spcAft>
+                <a:spcPts val="0"/>
+              </a:spcAft>
+              <a:buClr>
+                <a:schemeClr val="dk2"/>
+              </a:buClr>
+              <a:buSzPts val="2000"/>
+              <a:buFont typeface="Roboto"/>
+              <a:buChar char="❖"/>
+            </a:pPr>
+            <a:r>
+              <a:rPr lang="en" sz="2000" b="1">
+                <a:solidFill>
+                  <a:schemeClr val="dk2"/>
+                </a:solidFill>
+                <a:latin typeface="Roboto"/>
+                <a:ea typeface="Roboto"/>
+                <a:cs typeface="Roboto"/>
+                <a:sym typeface="Roboto"/>
+              </a:rPr>
+              <a:t>CSS Gridbox / Flexbox</a:t>
+            </a:r>
+            <a:endParaRPr sz="2000" b="1">
+              <a:solidFill>
+                <a:schemeClr val="dk2"/>
+              </a:solidFill>
+              <a:latin typeface="Roboto"/>
+              <a:ea typeface="Roboto"/>
+              <a:cs typeface="Roboto"/>
+              <a:sym typeface="Roboto"/>
+            </a:endParaRPr>
+          </a:p>
+          <a:p>
+            <a:pPr marL="457200" lvl="0" indent="-355600" algn="l" rtl="0">
+              <a:spcBef>
+                <a:spcPts val="0"/>
+              </a:spcBef>
+              <a:spcAft>
+                <a:spcPts val="0"/>
+              </a:spcAft>
+              <a:buClr>
+                <a:schemeClr val="dk2"/>
+              </a:buClr>
+              <a:buSzPts val="2000"/>
+              <a:buFont typeface="Roboto"/>
+              <a:buChar char="❖"/>
+            </a:pPr>
+            <a:r>
+              <a:rPr lang="en" sz="2000" b="1">
+                <a:solidFill>
+                  <a:schemeClr val="dk2"/>
+                </a:solidFill>
+                <a:latin typeface="Roboto"/>
+                <a:ea typeface="Roboto"/>
+                <a:cs typeface="Roboto"/>
+                <a:sym typeface="Roboto"/>
+              </a:rPr>
+              <a:t>CSS Forms / Buttons</a:t>
+            </a:r>
+            <a:endParaRPr sz="2000" b="1">
+              <a:solidFill>
+                <a:schemeClr val="dk2"/>
+              </a:solidFill>
+              <a:latin typeface="Roboto"/>
+              <a:ea typeface="Roboto"/>
+              <a:cs typeface="Roboto"/>
+              <a:sym typeface="Roboto"/>
+            </a:endParaRPr>
+          </a:p>
+          <a:p>
+            <a:pPr marL="457200" lvl="0" indent="-355600" algn="l" rtl="0">
+              <a:spcBef>
+                <a:spcPts val="0"/>
+              </a:spcBef>
+              <a:spcAft>
+                <a:spcPts val="0"/>
+              </a:spcAft>
+              <a:buClr>
+                <a:schemeClr val="dk2"/>
+              </a:buClr>
+              <a:buSzPts val="2000"/>
+              <a:buFont typeface="Roboto"/>
+              <a:buChar char="❖"/>
+            </a:pPr>
+            <a:r>
+              <a:rPr lang="en" sz="2000" b="1">
+                <a:solidFill>
+                  <a:schemeClr val="dk2"/>
+                </a:solidFill>
+                <a:latin typeface="Roboto"/>
+                <a:ea typeface="Roboto"/>
+                <a:cs typeface="Roboto"/>
+                <a:sym typeface="Roboto"/>
+              </a:rPr>
+              <a:t>CSS Responsiveness</a:t>
+            </a:r>
+            <a:endParaRPr sz="2000" b="1">
+              <a:solidFill>
+                <a:schemeClr val="dk2"/>
+              </a:solidFill>
+              <a:latin typeface="Roboto"/>
+              <a:ea typeface="Roboto"/>
+              <a:cs typeface="Roboto"/>
+              <a:sym typeface="Roboto"/>
+            </a:endParaRPr>
+          </a:p>
+          <a:p>
+            <a:pPr marL="457200" lvl="0" indent="-355600" algn="l" rtl="0">
+              <a:spcBef>
+                <a:spcPts val="0"/>
+              </a:spcBef>
+              <a:spcAft>
+                <a:spcPts val="0"/>
+              </a:spcAft>
+              <a:buClr>
+                <a:schemeClr val="dk2"/>
+              </a:buClr>
+              <a:buSzPts val="2000"/>
+              <a:buFont typeface="Roboto"/>
+              <a:buChar char="❖"/>
+            </a:pPr>
+            <a:r>
+              <a:rPr lang="en" sz="2000" b="1">
+                <a:solidFill>
+                  <a:schemeClr val="dk2"/>
+                </a:solidFill>
+                <a:latin typeface="Roboto"/>
+                <a:ea typeface="Roboto"/>
+                <a:cs typeface="Roboto"/>
+                <a:sym typeface="Roboto"/>
+              </a:rPr>
+              <a:t>CSS Pseudo Elements</a:t>
+            </a:r>
+            <a:endParaRPr sz="2000" b="1">
+              <a:solidFill>
+                <a:schemeClr val="dk2"/>
+              </a:solidFill>
+              <a:latin typeface="Roboto"/>
+              <a:ea typeface="Roboto"/>
+              <a:cs typeface="Roboto"/>
+              <a:sym typeface="Roboto"/>
+            </a:endParaRPr>
+          </a:p>
+          <a:p>
+            <a:pPr marL="457200" lvl="0" indent="0" algn="l" rtl="0">
+              <a:spcBef>
+                <a:spcPts val="0"/>
+              </a:spcBef>
+              <a:spcAft>
+                <a:spcPts val="0"/>
+              </a:spcAft>
+              <a:buNone/>
+            </a:pPr>
+            <a:endParaRPr sz="2000" b="1">
+              <a:solidFill>
+                <a:schemeClr val="dk2"/>
+              </a:solidFill>
+              <a:latin typeface="Roboto"/>
+              <a:ea typeface="Roboto"/>
+              <a:cs typeface="Roboto"/>
+              <a:sym typeface="Roboto"/>
+            </a:endParaRPr>
+          </a:p>
+          <a:p>
+            <a:pPr marL="457200" lvl="0" indent="0" algn="l" rtl="0">
+              <a:spcBef>
+                <a:spcPts val="0"/>
+              </a:spcBef>
+              <a:spcAft>
+                <a:spcPts val="0"/>
+              </a:spcAft>
+              <a:buNone/>
+            </a:pPr>
+            <a:endParaRPr sz="2000" b="1">
+              <a:solidFill>
+                <a:schemeClr val="dk2"/>
+              </a:solidFill>
+              <a:latin typeface="Roboto"/>
+              <a:ea typeface="Roboto"/>
+              <a:cs typeface="Roboto"/>
+              <a:sym typeface="Roboto"/>
+            </a:endParaRPr>
+          </a:p>
+        </p:txBody>
+      </p:sp>
+    </p:spTree>
   </p:cSld>
   <p:clrMapOvr>
     <a:masterClrMapping/>

--- a/CSS Course.pptx
+++ b/CSS Course.pptx
@@ -5,7 +5,7 @@
     <p:sldMasterId id="2147483659" r:id="rId1"/>
   </p:sldMasterIdLst>
   <p:notesMasterIdLst>
-    <p:notesMasterId r:id="rId46"/>
+    <p:notesMasterId r:id="rId48"/>
   </p:notesMasterIdLst>
   <p:sldIdLst>
     <p:sldId id="256" r:id="rId2"/>
@@ -50,18 +50,34 @@
     <p:sldId id="301" r:id="rId41"/>
     <p:sldId id="302" r:id="rId42"/>
     <p:sldId id="303" r:id="rId43"/>
-    <p:sldId id="261" r:id="rId44"/>
-    <p:sldId id="262" r:id="rId45"/>
+    <p:sldId id="304" r:id="rId44"/>
+    <p:sldId id="305" r:id="rId45"/>
+    <p:sldId id="261" r:id="rId46"/>
+    <p:sldId id="262" r:id="rId47"/>
   </p:sldIdLst>
   <p:sldSz cx="9144000" cy="5143500" type="screen16x9"/>
   <p:notesSz cx="6858000" cy="9144000"/>
   <p:embeddedFontLst>
     <p:embeddedFont>
-      <p:font typeface="Roboto" charset="0"/>
-      <p:regular r:id="rId47"/>
-      <p:bold r:id="rId48"/>
-      <p:italic r:id="rId49"/>
-      <p:boldItalic r:id="rId50"/>
+      <p:font typeface="Roboto" panose="020B0604020202020204" charset="0"/>
+      <p:regular r:id="rId49"/>
+      <p:bold r:id="rId50"/>
+      <p:italic r:id="rId51"/>
+      <p:boldItalic r:id="rId52"/>
+    </p:embeddedFont>
+    <p:embeddedFont>
+      <p:font typeface="Verdana" panose="020B0604030504040204" pitchFamily="34" charset="0"/>
+      <p:regular r:id="rId53"/>
+      <p:bold r:id="rId54"/>
+      <p:italic r:id="rId55"/>
+      <p:boldItalic r:id="rId56"/>
+    </p:embeddedFont>
+    <p:embeddedFont>
+      <p:font typeface="Consolas" panose="020B0609020204030204" pitchFamily="49" charset="0"/>
+      <p:regular r:id="rId57"/>
+      <p:bold r:id="rId58"/>
+      <p:italic r:id="rId59"/>
+      <p:boldItalic r:id="rId60"/>
     </p:embeddedFont>
   </p:embeddedFontLst>
   <p:defaultTextStyle>
@@ -295,7 +311,7 @@
   </p:defaultTextStyle>
   <p:extLst>
     <p:ext uri="{EFAFB233-063F-42B5-8137-9DF3F51BA10A}">
-      <p15:sldGuideLst xmlns="" xmlns:mc="http://schemas.openxmlformats.org/markup-compatibility/2006" xmlns:mv="urn:schemas-microsoft-com:mac:vml" xmlns:c="http://schemas.openxmlformats.org/drawingml/2006/chart" xmlns:dgm="http://schemas.openxmlformats.org/drawingml/2006/diagram" xmlns:o="urn:schemas-microsoft-com:office:office" xmlns:v="urn:schemas-microsoft-com:vml" xmlns:pvml="urn:schemas-microsoft-com:office:powerpoint" xmlns:com="http://schemas.openxmlformats.org/drawingml/2006/compatibility" xmlns:p14="http://schemas.microsoft.com/office/powerpoint/2010/main" xmlns:p15="http://schemas.microsoft.com/office/powerpoint/2012/main" xmlns:ahyp="http://schemas.microsoft.com/office/drawing/2018/hyperlinkcolor">
+      <p15:sldGuideLst xmlns:p15="http://schemas.microsoft.com/office/powerpoint/2012/main">
         <p15:guide id="1" orient="horz" pos="1620">
           <p15:clr>
             <a:srgbClr val="747775"/>
@@ -4611,6 +4627,224 @@
   <p:cSld>
     <p:spTree>
       <p:nvGrpSpPr>
+        <p:cNvPr id="1" name="Shape 99"/>
+        <p:cNvGrpSpPr/>
+        <p:nvPr/>
+      </p:nvGrpSpPr>
+      <p:grpSpPr>
+        <a:xfrm>
+          <a:off x="0" y="0"/>
+          <a:ext cx="0" cy="0"/>
+          <a:chOff x="0" y="0"/>
+          <a:chExt cx="0" cy="0"/>
+        </a:xfrm>
+      </p:grpSpPr>
+      <p:sp>
+        <p:nvSpPr>
+          <p:cNvPr id="100" name="Google Shape;100;g2ddc889944f_0_0:notes"/>
+          <p:cNvSpPr>
+            <a:spLocks noGrp="1" noRot="1" noChangeAspect="1"/>
+          </p:cNvSpPr>
+          <p:nvPr>
+            <p:ph type="sldImg" idx="2"/>
+          </p:nvPr>
+        </p:nvSpPr>
+        <p:spPr>
+          <a:xfrm>
+            <a:off x="381000" y="685800"/>
+            <a:ext cx="6096000" cy="3429000"/>
+          </a:xfrm>
+          <a:custGeom>
+            <a:avLst/>
+            <a:gdLst/>
+            <a:ahLst/>
+            <a:cxnLst/>
+            <a:rect l="l" t="t" r="r" b="b"/>
+            <a:pathLst>
+              <a:path w="120000" h="120000" extrusionOk="0">
+                <a:moveTo>
+                  <a:pt x="0" y="0"/>
+                </a:moveTo>
+                <a:lnTo>
+                  <a:pt x="120000" y="0"/>
+                </a:lnTo>
+                <a:lnTo>
+                  <a:pt x="120000" y="120000"/>
+                </a:lnTo>
+                <a:lnTo>
+                  <a:pt x="0" y="120000"/>
+                </a:lnTo>
+                <a:close/>
+              </a:path>
+            </a:pathLst>
+          </a:custGeom>
+        </p:spPr>
+      </p:sp>
+      <p:sp>
+        <p:nvSpPr>
+          <p:cNvPr id="101" name="Google Shape;101;g2ddc889944f_0_0:notes"/>
+          <p:cNvSpPr txBox="1">
+            <a:spLocks noGrp="1"/>
+          </p:cNvSpPr>
+          <p:nvPr>
+            <p:ph type="body" idx="1"/>
+          </p:nvPr>
+        </p:nvSpPr>
+        <p:spPr>
+          <a:xfrm>
+            <a:off x="685800" y="4343400"/>
+            <a:ext cx="5486400" cy="4114800"/>
+          </a:xfrm>
+          <a:prstGeom prst="rect">
+            <a:avLst/>
+          </a:prstGeom>
+        </p:spPr>
+        <p:txBody>
+          <a:bodyPr spcFirstLastPara="1" wrap="square" lIns="91425" tIns="91425" rIns="91425" bIns="91425" anchor="t" anchorCtr="0">
+            <a:noAutofit/>
+          </a:bodyPr>
+          <a:lstStyle/>
+          <a:p>
+            <a:pPr marL="0" lvl="0" indent="0" algn="l" rtl="0">
+              <a:spcBef>
+                <a:spcPts val="0"/>
+              </a:spcBef>
+              <a:spcAft>
+                <a:spcPts val="0"/>
+              </a:spcAft>
+              <a:buNone/>
+            </a:pPr>
+            <a:endParaRPr/>
+          </a:p>
+        </p:txBody>
+      </p:sp>
+    </p:spTree>
+    <p:extLst>
+      <p:ext uri="{BB962C8B-B14F-4D97-AF65-F5344CB8AC3E}">
+        <p14:creationId xmlns:p14="http://schemas.microsoft.com/office/powerpoint/2010/main" val="1874716639"/>
+      </p:ext>
+    </p:extLst>
+  </p:cSld>
+  <p:clrMapOvr>
+    <a:masterClrMapping/>
+  </p:clrMapOvr>
+</p:notes>
+</file>
+
+<file path=ppt/notesSlides/notesSlide44.xml><?xml version="1.0" encoding="utf-8"?>
+<p:notes xmlns:a="http://schemas.openxmlformats.org/drawingml/2006/main" xmlns:r="http://schemas.openxmlformats.org/officeDocument/2006/relationships" xmlns:p="http://schemas.openxmlformats.org/presentationml/2006/main" showMasterSp="0" showMasterPhAnim="0">
+  <p:cSld>
+    <p:spTree>
+      <p:nvGrpSpPr>
+        <p:cNvPr id="1" name="Shape 99"/>
+        <p:cNvGrpSpPr/>
+        <p:nvPr/>
+      </p:nvGrpSpPr>
+      <p:grpSpPr>
+        <a:xfrm>
+          <a:off x="0" y="0"/>
+          <a:ext cx="0" cy="0"/>
+          <a:chOff x="0" y="0"/>
+          <a:chExt cx="0" cy="0"/>
+        </a:xfrm>
+      </p:grpSpPr>
+      <p:sp>
+        <p:nvSpPr>
+          <p:cNvPr id="100" name="Google Shape;100;g2ddc889944f_0_0:notes"/>
+          <p:cNvSpPr>
+            <a:spLocks noGrp="1" noRot="1" noChangeAspect="1"/>
+          </p:cNvSpPr>
+          <p:nvPr>
+            <p:ph type="sldImg" idx="2"/>
+          </p:nvPr>
+        </p:nvSpPr>
+        <p:spPr>
+          <a:xfrm>
+            <a:off x="381000" y="685800"/>
+            <a:ext cx="6096000" cy="3429000"/>
+          </a:xfrm>
+          <a:custGeom>
+            <a:avLst/>
+            <a:gdLst/>
+            <a:ahLst/>
+            <a:cxnLst/>
+            <a:rect l="l" t="t" r="r" b="b"/>
+            <a:pathLst>
+              <a:path w="120000" h="120000" extrusionOk="0">
+                <a:moveTo>
+                  <a:pt x="0" y="0"/>
+                </a:moveTo>
+                <a:lnTo>
+                  <a:pt x="120000" y="0"/>
+                </a:lnTo>
+                <a:lnTo>
+                  <a:pt x="120000" y="120000"/>
+                </a:lnTo>
+                <a:lnTo>
+                  <a:pt x="0" y="120000"/>
+                </a:lnTo>
+                <a:close/>
+              </a:path>
+            </a:pathLst>
+          </a:custGeom>
+        </p:spPr>
+      </p:sp>
+      <p:sp>
+        <p:nvSpPr>
+          <p:cNvPr id="101" name="Google Shape;101;g2ddc889944f_0_0:notes"/>
+          <p:cNvSpPr txBox="1">
+            <a:spLocks noGrp="1"/>
+          </p:cNvSpPr>
+          <p:nvPr>
+            <p:ph type="body" idx="1"/>
+          </p:nvPr>
+        </p:nvSpPr>
+        <p:spPr>
+          <a:xfrm>
+            <a:off x="685800" y="4343400"/>
+            <a:ext cx="5486400" cy="4114800"/>
+          </a:xfrm>
+          <a:prstGeom prst="rect">
+            <a:avLst/>
+          </a:prstGeom>
+        </p:spPr>
+        <p:txBody>
+          <a:bodyPr spcFirstLastPara="1" wrap="square" lIns="91425" tIns="91425" rIns="91425" bIns="91425" anchor="t" anchorCtr="0">
+            <a:noAutofit/>
+          </a:bodyPr>
+          <a:lstStyle/>
+          <a:p>
+            <a:pPr marL="0" lvl="0" indent="0" algn="l" rtl="0">
+              <a:spcBef>
+                <a:spcPts val="0"/>
+              </a:spcBef>
+              <a:spcAft>
+                <a:spcPts val="0"/>
+              </a:spcAft>
+              <a:buNone/>
+            </a:pPr>
+            <a:endParaRPr/>
+          </a:p>
+        </p:txBody>
+      </p:sp>
+    </p:spTree>
+    <p:extLst>
+      <p:ext uri="{BB962C8B-B14F-4D97-AF65-F5344CB8AC3E}">
+        <p14:creationId xmlns:p14="http://schemas.microsoft.com/office/powerpoint/2010/main" val="2399908695"/>
+      </p:ext>
+    </p:extLst>
+  </p:cSld>
+  <p:clrMapOvr>
+    <a:masterClrMapping/>
+  </p:clrMapOvr>
+</p:notes>
+</file>
+
+<file path=ppt/notesSlides/notesSlide45.xml><?xml version="1.0" encoding="utf-8"?>
+<p:notes xmlns:a="http://schemas.openxmlformats.org/drawingml/2006/main" xmlns:r="http://schemas.openxmlformats.org/officeDocument/2006/relationships" xmlns:p="http://schemas.openxmlformats.org/presentationml/2006/main" showMasterSp="0" showMasterPhAnim="0">
+  <p:cSld>
+    <p:spTree>
+      <p:nvGrpSpPr>
         <p:cNvPr id="1" name="Shape 111"/>
         <p:cNvGrpSpPr/>
         <p:nvPr/>
@@ -4710,7 +4944,7 @@
 </p:notes>
 </file>
 
-<file path=ppt/notesSlides/notesSlide44.xml><?xml version="1.0" encoding="utf-8"?>
+<file path=ppt/notesSlides/notesSlide46.xml><?xml version="1.0" encoding="utf-8"?>
 <p:notes xmlns:a="http://schemas.openxmlformats.org/drawingml/2006/main" xmlns:r="http://schemas.openxmlformats.org/officeDocument/2006/relationships" xmlns:p="http://schemas.openxmlformats.org/presentationml/2006/main" showMasterSp="0" showMasterPhAnim="0">
   <p:cSld>
     <p:spTree>
@@ -18809,23 +19043,7 @@
             </a:r>
             <a:r>
               <a:rPr lang="en-US" sz="1600" dirty="0"/>
-              <a:t>the flex items inside a flex container in columns instead of row using the value </a:t>
-            </a:r>
-            <a:r>
-              <a:rPr lang="en-US" sz="1600" dirty="0"/>
-              <a:t>column</a:t>
-            </a:r>
-            <a:r>
-              <a:rPr lang="en-US" sz="1600" dirty="0"/>
-              <a:t> for the </a:t>
-            </a:r>
-            <a:r>
-              <a:rPr lang="en-US" sz="1600" dirty="0"/>
-              <a:t>flex-direction</a:t>
-            </a:r>
-            <a:r>
-              <a:rPr lang="en-US" sz="1600" dirty="0"/>
-              <a:t> </a:t>
+              <a:t>the flex items inside a flex container in columns instead of row using the value column for the flex-direction </a:t>
             </a:r>
             <a:r>
               <a:rPr lang="en-US" sz="1600" dirty="0" smtClean="0"/>
@@ -19398,7 +19616,6 @@
               <a:rPr lang="en-US" sz="1600" b="1" u="sng" dirty="0" smtClean="0"/>
               <a:t>Justify-Content</a:t>
             </a:r>
-            <a:endParaRPr lang="en-US" sz="1600" b="1" u="sng" dirty="0" smtClean="0"/>
           </a:p>
         </p:txBody>
       </p:sp>
@@ -19544,23 +19761,7 @@
             <a:pPr fontAlgn="base"/>
             <a:r>
               <a:rPr lang="en-US" sz="1600" dirty="0"/>
-              <a:t>The </a:t>
-            </a:r>
-            <a:r>
-              <a:rPr lang="en-US" sz="1600" dirty="0"/>
-              <a:t>align-content</a:t>
-            </a:r>
-            <a:r>
-              <a:rPr lang="en-US" sz="1600" dirty="0"/>
-              <a:t> property accepts the same values as </a:t>
-            </a:r>
-            <a:r>
-              <a:rPr lang="en-US" sz="1600" dirty="0"/>
-              <a:t>justify-content</a:t>
-            </a:r>
-            <a:r>
-              <a:rPr lang="en-US" sz="1600" dirty="0"/>
-              <a:t>, but applies them to the cross axis rather than the main axis. It also accepts one more value:</a:t>
+              <a:t>The align-content property accepts the same values as justify-content, but applies them to the cross axis rather than the main axis. It also accepts one more value:</a:t>
             </a:r>
             <a:endParaRPr lang="en-US" sz="1600" b="1" dirty="0" smtClean="0"/>
           </a:p>
@@ -20269,6 +20470,412 @@
   <p:cSld>
     <p:spTree>
       <p:nvGrpSpPr>
+        <p:cNvPr id="1" name="Shape 102"/>
+        <p:cNvGrpSpPr/>
+        <p:nvPr/>
+      </p:nvGrpSpPr>
+      <p:grpSpPr>
+        <a:xfrm>
+          <a:off x="0" y="0"/>
+          <a:ext cx="0" cy="0"/>
+          <a:chOff x="0" y="0"/>
+          <a:chExt cx="0" cy="0"/>
+        </a:xfrm>
+      </p:grpSpPr>
+      <p:sp>
+        <p:nvSpPr>
+          <p:cNvPr id="103" name="Google Shape;103;p16"/>
+          <p:cNvSpPr txBox="1">
+            <a:spLocks noGrp="1"/>
+          </p:cNvSpPr>
+          <p:nvPr>
+            <p:ph type="title"/>
+          </p:nvPr>
+        </p:nvSpPr>
+        <p:spPr>
+          <a:xfrm>
+            <a:off x="0" y="-24343"/>
+            <a:ext cx="9144000" cy="472211"/>
+          </a:xfrm>
+          <a:prstGeom prst="rect">
+            <a:avLst/>
+          </a:prstGeom>
+        </p:spPr>
+        <p:txBody>
+          <a:bodyPr spcFirstLastPara="1" wrap="square" lIns="91425" tIns="91425" rIns="91425" bIns="91425" anchor="t" anchorCtr="0">
+            <a:noAutofit/>
+          </a:bodyPr>
+          <a:lstStyle/>
+          <a:p>
+            <a:pPr lvl="0" algn="ctr">
+              <a:buSzPts val="990"/>
+            </a:pPr>
+            <a:r>
+              <a:rPr lang="en" b="1" dirty="0"/>
+              <a:t>CSS  </a:t>
+            </a:r>
+            <a:r>
+              <a:rPr lang="en" b="1" dirty="0" smtClean="0"/>
+              <a:t>Grid </a:t>
+            </a:r>
+            <a:r>
+              <a:rPr lang="en" b="1" dirty="0" smtClean="0"/>
+              <a:t>Layout Model</a:t>
+            </a:r>
+            <a:endParaRPr b="1" dirty="0"/>
+          </a:p>
+        </p:txBody>
+      </p:sp>
+      <p:sp>
+        <p:nvSpPr>
+          <p:cNvPr id="2" name="Rectangle 1"/>
+          <p:cNvSpPr/>
+          <p:nvPr/>
+        </p:nvSpPr>
+        <p:spPr>
+          <a:xfrm>
+            <a:off x="363894" y="515868"/>
+            <a:ext cx="8257592" cy="1169551"/>
+          </a:xfrm>
+          <a:prstGeom prst="rect">
+            <a:avLst/>
+          </a:prstGeom>
+        </p:spPr>
+        <p:txBody>
+          <a:bodyPr wrap="square">
+            <a:spAutoFit/>
+          </a:bodyPr>
+          <a:lstStyle/>
+          <a:p>
+            <a:pPr fontAlgn="base"/>
+            <a:r>
+              <a:rPr lang="en-US" dirty="0"/>
+              <a:t>The CSS Grid Layout Module offers a grid-based layout system, with rows and columns, making it easier to design web pages without having to use floats and positioning</a:t>
+            </a:r>
+            <a:r>
+              <a:rPr lang="en-US" dirty="0" smtClean="0"/>
+              <a:t>.</a:t>
+            </a:r>
+          </a:p>
+          <a:p>
+            <a:pPr fontAlgn="base"/>
+            <a:endParaRPr lang="en-US" dirty="0" smtClean="0"/>
+          </a:p>
+          <a:p>
+            <a:r>
+              <a:rPr lang="en-US" b="1" dirty="0"/>
+              <a:t>Grid </a:t>
+            </a:r>
+            <a:r>
+              <a:rPr lang="en-US" b="1" dirty="0" smtClean="0"/>
+              <a:t>Elements:</a:t>
+            </a:r>
+            <a:endParaRPr lang="en-US" b="1" dirty="0"/>
+          </a:p>
+          <a:p>
+            <a:r>
+              <a:rPr lang="en-US" dirty="0"/>
+              <a:t>A grid layout consists of a parent element, with one or more child elements</a:t>
+            </a:r>
+            <a:r>
+              <a:rPr lang="en-US" dirty="0" smtClean="0"/>
+              <a:t>.</a:t>
+            </a:r>
+            <a:endParaRPr lang="en-US" sz="1600" b="1" dirty="0"/>
+          </a:p>
+        </p:txBody>
+      </p:sp>
+      <p:pic>
+        <p:nvPicPr>
+          <p:cNvPr id="3" name="Picture 2"/>
+          <p:cNvPicPr>
+            <a:picLocks noChangeAspect="1"/>
+          </p:cNvPicPr>
+          <p:nvPr/>
+        </p:nvPicPr>
+        <p:blipFill>
+          <a:blip r:embed="rId3">
+            <a:extLst>
+              <a:ext uri="{28A0092B-C50C-407E-A947-70E740481C1C}">
+                <a14:useLocalDpi xmlns:a14="http://schemas.microsoft.com/office/drawing/2010/main" val="0"/>
+              </a:ext>
+            </a:extLst>
+          </a:blip>
+          <a:stretch>
+            <a:fillRect/>
+          </a:stretch>
+        </p:blipFill>
+        <p:spPr>
+          <a:xfrm>
+            <a:off x="363895" y="1684863"/>
+            <a:ext cx="6189306" cy="3181544"/>
+          </a:xfrm>
+          <a:prstGeom prst="rect">
+            <a:avLst/>
+          </a:prstGeom>
+        </p:spPr>
+      </p:pic>
+    </p:spTree>
+    <p:extLst>
+      <p:ext uri="{BB962C8B-B14F-4D97-AF65-F5344CB8AC3E}">
+        <p14:creationId xmlns:p14="http://schemas.microsoft.com/office/powerpoint/2010/main" val="3740105749"/>
+      </p:ext>
+    </p:extLst>
+  </p:cSld>
+  <p:clrMapOvr>
+    <a:masterClrMapping/>
+  </p:clrMapOvr>
+  <p:timing>
+    <p:tnLst>
+      <p:par>
+        <p:cTn id="1" dur="indefinite" restart="never" nodeType="tmRoot"/>
+      </p:par>
+    </p:tnLst>
+  </p:timing>
+</p:sld>
+</file>
+
+<file path=ppt/slides/slide44.xml><?xml version="1.0" encoding="utf-8"?>
+<p:sld xmlns:a="http://schemas.openxmlformats.org/drawingml/2006/main" xmlns:r="http://schemas.openxmlformats.org/officeDocument/2006/relationships" xmlns:p="http://schemas.openxmlformats.org/presentationml/2006/main">
+  <p:cSld>
+    <p:spTree>
+      <p:nvGrpSpPr>
+        <p:cNvPr id="1" name="Shape 102"/>
+        <p:cNvGrpSpPr/>
+        <p:nvPr/>
+      </p:nvGrpSpPr>
+      <p:grpSpPr>
+        <a:xfrm>
+          <a:off x="0" y="0"/>
+          <a:ext cx="0" cy="0"/>
+          <a:chOff x="0" y="0"/>
+          <a:chExt cx="0" cy="0"/>
+        </a:xfrm>
+      </p:grpSpPr>
+      <p:sp>
+        <p:nvSpPr>
+          <p:cNvPr id="103" name="Google Shape;103;p16"/>
+          <p:cNvSpPr txBox="1">
+            <a:spLocks noGrp="1"/>
+          </p:cNvSpPr>
+          <p:nvPr>
+            <p:ph type="title"/>
+          </p:nvPr>
+        </p:nvSpPr>
+        <p:spPr>
+          <a:xfrm>
+            <a:off x="0" y="-24343"/>
+            <a:ext cx="9144000" cy="472211"/>
+          </a:xfrm>
+          <a:prstGeom prst="rect">
+            <a:avLst/>
+          </a:prstGeom>
+        </p:spPr>
+        <p:txBody>
+          <a:bodyPr spcFirstLastPara="1" wrap="square" lIns="91425" tIns="91425" rIns="91425" bIns="91425" anchor="t" anchorCtr="0">
+            <a:noAutofit/>
+          </a:bodyPr>
+          <a:lstStyle/>
+          <a:p>
+            <a:pPr lvl="0" algn="ctr">
+              <a:buSzPts val="990"/>
+            </a:pPr>
+            <a:r>
+              <a:rPr lang="en" b="1" dirty="0"/>
+              <a:t>CSS  </a:t>
+            </a:r>
+            <a:r>
+              <a:rPr lang="en" b="1" dirty="0" smtClean="0"/>
+              <a:t>Grid </a:t>
+            </a:r>
+            <a:r>
+              <a:rPr lang="en" b="1" dirty="0" smtClean="0"/>
+              <a:t>Layout Model</a:t>
+            </a:r>
+            <a:endParaRPr b="1" dirty="0"/>
+          </a:p>
+        </p:txBody>
+      </p:sp>
+      <p:sp>
+        <p:nvSpPr>
+          <p:cNvPr id="2" name="Rectangle 1"/>
+          <p:cNvSpPr/>
+          <p:nvPr/>
+        </p:nvSpPr>
+        <p:spPr>
+          <a:xfrm>
+            <a:off x="363894" y="515868"/>
+            <a:ext cx="8257592" cy="1600438"/>
+          </a:xfrm>
+          <a:prstGeom prst="rect">
+            <a:avLst/>
+          </a:prstGeom>
+        </p:spPr>
+        <p:txBody>
+          <a:bodyPr wrap="square">
+            <a:spAutoFit/>
+          </a:bodyPr>
+          <a:lstStyle/>
+          <a:p>
+            <a:r>
+              <a:rPr lang="en-US" b="1" dirty="0"/>
+              <a:t>Grid Gaps</a:t>
+            </a:r>
+          </a:p>
+          <a:p>
+            <a:r>
+              <a:rPr lang="en-US" dirty="0"/>
+              <a:t>The spaces between each column/row are called </a:t>
+            </a:r>
+            <a:r>
+              <a:rPr lang="en-US" i="1" dirty="0"/>
+              <a:t>gaps</a:t>
+            </a:r>
+            <a:r>
+              <a:rPr lang="en-US" dirty="0" smtClean="0"/>
+              <a:t>.</a:t>
+            </a:r>
+          </a:p>
+          <a:p>
+            <a:endParaRPr lang="en-US" dirty="0" smtClean="0"/>
+          </a:p>
+          <a:p>
+            <a:r>
+              <a:rPr lang="en-US" dirty="0"/>
+              <a:t>You can adjust the gap size by using one of the following properties:</a:t>
+            </a:r>
+            <a:endParaRPr lang="en-US" dirty="0"/>
+          </a:p>
+          <a:p>
+            <a:pPr lvl="0" eaLnBrk="0" fontAlgn="base" hangingPunct="0">
+              <a:spcBef>
+                <a:spcPct val="0"/>
+              </a:spcBef>
+              <a:spcAft>
+                <a:spcPct val="0"/>
+              </a:spcAft>
+              <a:buClrTx/>
+              <a:buFontTx/>
+              <a:buChar char="•"/>
+            </a:pPr>
+            <a:r>
+              <a:rPr lang="en-US" altLang="en-US" dirty="0">
+                <a:solidFill>
+                  <a:srgbClr val="DC143C"/>
+                </a:solidFill>
+                <a:latin typeface="Consolas" panose="020B0609020204030204" pitchFamily="49" charset="0"/>
+              </a:rPr>
+              <a:t>column-gap</a:t>
+            </a:r>
+            <a:endParaRPr lang="en-US" altLang="en-US" dirty="0">
+              <a:latin typeface="Verdana" panose="020B0604030504040204" pitchFamily="34" charset="0"/>
+            </a:endParaRPr>
+          </a:p>
+          <a:p>
+            <a:pPr lvl="0" eaLnBrk="0" fontAlgn="base" hangingPunct="0">
+              <a:spcBef>
+                <a:spcPct val="0"/>
+              </a:spcBef>
+              <a:spcAft>
+                <a:spcPct val="0"/>
+              </a:spcAft>
+              <a:buClrTx/>
+              <a:buFontTx/>
+              <a:buChar char="•"/>
+            </a:pPr>
+            <a:r>
+              <a:rPr lang="en-US" altLang="en-US" dirty="0">
+                <a:solidFill>
+                  <a:srgbClr val="DC143C"/>
+                </a:solidFill>
+                <a:latin typeface="Consolas" panose="020B0609020204030204" pitchFamily="49" charset="0"/>
+              </a:rPr>
+              <a:t>row-gap</a:t>
+            </a:r>
+            <a:endParaRPr lang="en-US" altLang="en-US" dirty="0">
+              <a:latin typeface="Verdana" panose="020B0604030504040204" pitchFamily="34" charset="0"/>
+            </a:endParaRPr>
+          </a:p>
+          <a:p>
+            <a:pPr lvl="0" eaLnBrk="0" fontAlgn="base" hangingPunct="0">
+              <a:spcBef>
+                <a:spcPct val="0"/>
+              </a:spcBef>
+              <a:spcAft>
+                <a:spcPct val="0"/>
+              </a:spcAft>
+              <a:buClrTx/>
+              <a:buFontTx/>
+              <a:buChar char="•"/>
+            </a:pPr>
+            <a:r>
+              <a:rPr lang="en-US" altLang="en-US" dirty="0" smtClean="0">
+                <a:solidFill>
+                  <a:srgbClr val="DC143C"/>
+                </a:solidFill>
+                <a:latin typeface="Consolas" panose="020B0609020204030204" pitchFamily="49" charset="0"/>
+              </a:rPr>
+              <a:t>gap</a:t>
+            </a:r>
+            <a:endParaRPr lang="en-US" sz="1600" b="1" dirty="0"/>
+          </a:p>
+        </p:txBody>
+      </p:sp>
+      <p:pic>
+        <p:nvPicPr>
+          <p:cNvPr id="6" name="Picture 5"/>
+          <p:cNvPicPr>
+            <a:picLocks noChangeAspect="1"/>
+          </p:cNvPicPr>
+          <p:nvPr/>
+        </p:nvPicPr>
+        <p:blipFill>
+          <a:blip r:embed="rId3">
+            <a:extLst>
+              <a:ext uri="{28A0092B-C50C-407E-A947-70E740481C1C}">
+                <a14:useLocalDpi xmlns:a14="http://schemas.microsoft.com/office/drawing/2010/main" val="0"/>
+              </a:ext>
+            </a:extLst>
+          </a:blip>
+          <a:stretch>
+            <a:fillRect/>
+          </a:stretch>
+        </p:blipFill>
+        <p:spPr>
+          <a:xfrm>
+            <a:off x="1881187" y="1560012"/>
+            <a:ext cx="3930795" cy="3207250"/>
+          </a:xfrm>
+          <a:prstGeom prst="rect">
+            <a:avLst/>
+          </a:prstGeom>
+        </p:spPr>
+      </p:pic>
+    </p:spTree>
+    <p:extLst>
+      <p:ext uri="{BB962C8B-B14F-4D97-AF65-F5344CB8AC3E}">
+        <p14:creationId xmlns:p14="http://schemas.microsoft.com/office/powerpoint/2010/main" val="3624489345"/>
+      </p:ext>
+    </p:extLst>
+  </p:cSld>
+  <p:clrMapOvr>
+    <a:masterClrMapping/>
+  </p:clrMapOvr>
+  <p:timing>
+    <p:tnLst>
+      <p:par>
+        <p:cTn id="1" dur="indefinite" restart="never" nodeType="tmRoot"/>
+      </p:par>
+    </p:tnLst>
+  </p:timing>
+</p:sld>
+</file>
+
+<file path=ppt/slides/slide45.xml><?xml version="1.0" encoding="utf-8"?>
+<p:sld xmlns:a="http://schemas.openxmlformats.org/drawingml/2006/main" xmlns:r="http://schemas.openxmlformats.org/officeDocument/2006/relationships" xmlns:p="http://schemas.openxmlformats.org/presentationml/2006/main">
+  <p:cSld>
+    <p:spTree>
+      <p:nvGrpSpPr>
         <p:cNvPr id="1" name="Shape 114"/>
         <p:cNvGrpSpPr/>
         <p:nvPr/>
@@ -20812,7 +21419,7 @@
 </p:sld>
 </file>
 
-<file path=ppt/slides/slide44.xml><?xml version="1.0" encoding="utf-8"?>
+<file path=ppt/slides/slide46.xml><?xml version="1.0" encoding="utf-8"?>
 <p:sld xmlns:a="http://schemas.openxmlformats.org/drawingml/2006/main" xmlns:r="http://schemas.openxmlformats.org/officeDocument/2006/relationships" xmlns:p="http://schemas.openxmlformats.org/presentationml/2006/main">
   <p:cSld>
     <p:spTree>
